--- a/Presentation/Neeraj/Presentation.pptx
+++ b/Presentation/Neeraj/Presentation.pptx
@@ -10,6 +10,10 @@
     <p:sldId id="256" r:id="rId5"/>
     <p:sldId id="257" r:id="rId6"/>
     <p:sldId id="258" r:id="rId7"/>
+    <p:sldId id="259" r:id="rId8"/>
+    <p:sldId id="260" r:id="rId9"/>
+    <p:sldId id="261" r:id="rId10"/>
+    <p:sldId id="262" r:id="rId11"/>
   </p:sldIdLst>
   <p:sldSz cx="10080625" cy="7559675"/>
   <p:notesSz cx="7559675" cy="10691812"/>
@@ -57,7 +61,7 @@
       </p:grpSpPr>
       <p:sp>
         <p:nvSpPr>
-          <p:cNvPr id="29" name="PlaceHolder 1"/>
+          <p:cNvPr id="24" name="PlaceHolder 1"/>
           <p:cNvSpPr>
             <a:spLocks noGrp="1"/>
           </p:cNvSpPr>
@@ -68,28 +72,25 @@
         <p:spPr>
           <a:xfrm>
             <a:off x="2700000" y="2700000"/>
-            <a:ext cx="4680000" cy="2160000"/>
-          </a:xfrm>
-          <a:prstGeom prst="rect">
-            <a:avLst/>
-          </a:prstGeom>
-        </p:spPr>
-        <p:txBody>
-          <a:bodyPr lIns="0" rIns="0" tIns="0" bIns="0" anchor="ctr" anchorCtr="1"/>
+            <a:ext cx="4679640" cy="2159640"/>
+          </a:xfrm>
+          <a:prstGeom prst="rect">
+            <a:avLst/>
+          </a:prstGeom>
+        </p:spPr>
+        <p:txBody>
+          <a:bodyPr lIns="0" rIns="0" tIns="0" bIns="0" anchor="ctr"/>
           <a:p>
             <a:pPr algn="ctr"/>
-            <a:endParaRPr b="1" lang="en-IN" sz="3600" spc="-1" strike="noStrike">
-              <a:solidFill>
-                <a:srgbClr val="2c3e50"/>
-              </a:solidFill>
-              <a:latin typeface="Source Sans Pro Black"/>
-            </a:endParaRPr>
-          </a:p>
-        </p:txBody>
-      </p:sp>
-      <p:sp>
-        <p:nvSpPr>
-          <p:cNvPr id="30" name="PlaceHolder 2"/>
+            <a:endParaRPr b="0" lang="en-IN" sz="4400" spc="-1" strike="noStrike">
+              <a:latin typeface="Arial"/>
+            </a:endParaRPr>
+          </a:p>
+        </p:txBody>
+      </p:sp>
+      <p:sp>
+        <p:nvSpPr>
+          <p:cNvPr id="25" name="PlaceHolder 2"/>
           <p:cNvSpPr>
             <a:spLocks noGrp="1"/>
           </p:cNvSpPr>
@@ -100,29 +101,26 @@
         <p:spPr>
           <a:xfrm>
             <a:off x="3420000" y="5040000"/>
-            <a:ext cx="6300000" cy="1029960"/>
-          </a:xfrm>
-          <a:prstGeom prst="rect">
-            <a:avLst/>
-          </a:prstGeom>
-        </p:spPr>
-        <p:txBody>
-          <a:bodyPr lIns="0" rIns="0" tIns="0" bIns="0">
-            <a:normAutofit/>
-          </a:bodyPr>
-          <a:p>
-            <a:endParaRPr b="0" lang="en-IN" sz="2000" spc="-1" strike="noStrike">
-              <a:solidFill>
-                <a:srgbClr val="ffffff"/>
-              </a:solidFill>
-              <a:latin typeface="Source Sans Pro"/>
-            </a:endParaRPr>
-          </a:p>
-        </p:txBody>
-      </p:sp>
-      <p:sp>
-        <p:nvSpPr>
-          <p:cNvPr id="31" name="PlaceHolder 3"/>
+            <a:ext cx="6299640" cy="1029960"/>
+          </a:xfrm>
+          <a:prstGeom prst="rect">
+            <a:avLst/>
+          </a:prstGeom>
+        </p:spPr>
+        <p:txBody>
+          <a:bodyPr lIns="0" rIns="0" tIns="0" bIns="0">
+            <a:normAutofit/>
+          </a:bodyPr>
+          <a:p>
+            <a:endParaRPr b="0" lang="en-IN" sz="3200" spc="-1" strike="noStrike">
+              <a:latin typeface="Arial"/>
+            </a:endParaRPr>
+          </a:p>
+        </p:txBody>
+      </p:sp>
+      <p:sp>
+        <p:nvSpPr>
+          <p:cNvPr id="26" name="PlaceHolder 3"/>
           <p:cNvSpPr>
             <a:spLocks noGrp="1"/>
           </p:cNvSpPr>
@@ -133,22 +131,19 @@
         <p:spPr>
           <a:xfrm>
             <a:off x="3420000" y="6168240"/>
-            <a:ext cx="6300000" cy="1029960"/>
-          </a:xfrm>
-          <a:prstGeom prst="rect">
-            <a:avLst/>
-          </a:prstGeom>
-        </p:spPr>
-        <p:txBody>
-          <a:bodyPr lIns="0" rIns="0" tIns="0" bIns="0">
-            <a:normAutofit/>
-          </a:bodyPr>
-          <a:p>
-            <a:endParaRPr b="0" lang="en-IN" sz="2000" spc="-1" strike="noStrike">
-              <a:solidFill>
-                <a:srgbClr val="ffffff"/>
-              </a:solidFill>
-              <a:latin typeface="Source Sans Pro"/>
+            <a:ext cx="6299640" cy="1029960"/>
+          </a:xfrm>
+          <a:prstGeom prst="rect">
+            <a:avLst/>
+          </a:prstGeom>
+        </p:spPr>
+        <p:txBody>
+          <a:bodyPr lIns="0" rIns="0" tIns="0" bIns="0">
+            <a:normAutofit/>
+          </a:bodyPr>
+          <a:p>
+            <a:endParaRPr b="0" lang="en-IN" sz="3200" spc="-1" strike="noStrike">
+              <a:latin typeface="Arial"/>
             </a:endParaRPr>
           </a:p>
         </p:txBody>
@@ -177,7 +172,7 @@
       </p:grpSpPr>
       <p:sp>
         <p:nvSpPr>
-          <p:cNvPr id="32" name="PlaceHolder 1"/>
+          <p:cNvPr id="27" name="PlaceHolder 1"/>
           <p:cNvSpPr>
             <a:spLocks noGrp="1"/>
           </p:cNvSpPr>
@@ -188,28 +183,25 @@
         <p:spPr>
           <a:xfrm>
             <a:off x="2700000" y="2700000"/>
-            <a:ext cx="4680000" cy="2160000"/>
-          </a:xfrm>
-          <a:prstGeom prst="rect">
-            <a:avLst/>
-          </a:prstGeom>
-        </p:spPr>
-        <p:txBody>
-          <a:bodyPr lIns="0" rIns="0" tIns="0" bIns="0" anchor="ctr" anchorCtr="1"/>
+            <a:ext cx="4679640" cy="2159640"/>
+          </a:xfrm>
+          <a:prstGeom prst="rect">
+            <a:avLst/>
+          </a:prstGeom>
+        </p:spPr>
+        <p:txBody>
+          <a:bodyPr lIns="0" rIns="0" tIns="0" bIns="0" anchor="ctr"/>
           <a:p>
             <a:pPr algn="ctr"/>
-            <a:endParaRPr b="1" lang="en-IN" sz="3600" spc="-1" strike="noStrike">
-              <a:solidFill>
-                <a:srgbClr val="2c3e50"/>
-              </a:solidFill>
-              <a:latin typeface="Source Sans Pro Black"/>
-            </a:endParaRPr>
-          </a:p>
-        </p:txBody>
-      </p:sp>
-      <p:sp>
-        <p:nvSpPr>
-          <p:cNvPr id="33" name="PlaceHolder 2"/>
+            <a:endParaRPr b="0" lang="en-IN" sz="4400" spc="-1" strike="noStrike">
+              <a:latin typeface="Arial"/>
+            </a:endParaRPr>
+          </a:p>
+        </p:txBody>
+      </p:sp>
+      <p:sp>
+        <p:nvSpPr>
+          <p:cNvPr id="28" name="PlaceHolder 2"/>
           <p:cNvSpPr>
             <a:spLocks noGrp="1"/>
           </p:cNvSpPr>
@@ -231,18 +223,15 @@
             <a:normAutofit/>
           </a:bodyPr>
           <a:p>
-            <a:endParaRPr b="0" lang="en-IN" sz="2000" spc="-1" strike="noStrike">
-              <a:solidFill>
-                <a:srgbClr val="ffffff"/>
-              </a:solidFill>
-              <a:latin typeface="Source Sans Pro"/>
-            </a:endParaRPr>
-          </a:p>
-        </p:txBody>
-      </p:sp>
-      <p:sp>
-        <p:nvSpPr>
-          <p:cNvPr id="34" name="PlaceHolder 3"/>
+            <a:endParaRPr b="0" lang="en-IN" sz="3200" spc="-1" strike="noStrike">
+              <a:latin typeface="Arial"/>
+            </a:endParaRPr>
+          </a:p>
+        </p:txBody>
+      </p:sp>
+      <p:sp>
+        <p:nvSpPr>
+          <p:cNvPr id="29" name="PlaceHolder 3"/>
           <p:cNvSpPr>
             <a:spLocks noGrp="1"/>
           </p:cNvSpPr>
@@ -264,18 +253,15 @@
             <a:normAutofit/>
           </a:bodyPr>
           <a:p>
-            <a:endParaRPr b="0" lang="en-IN" sz="2000" spc="-1" strike="noStrike">
-              <a:solidFill>
-                <a:srgbClr val="ffffff"/>
-              </a:solidFill>
-              <a:latin typeface="Source Sans Pro"/>
-            </a:endParaRPr>
-          </a:p>
-        </p:txBody>
-      </p:sp>
-      <p:sp>
-        <p:nvSpPr>
-          <p:cNvPr id="35" name="PlaceHolder 4"/>
+            <a:endParaRPr b="0" lang="en-IN" sz="3200" spc="-1" strike="noStrike">
+              <a:latin typeface="Arial"/>
+            </a:endParaRPr>
+          </a:p>
+        </p:txBody>
+      </p:sp>
+      <p:sp>
+        <p:nvSpPr>
+          <p:cNvPr id="30" name="PlaceHolder 4"/>
           <p:cNvSpPr>
             <a:spLocks noGrp="1"/>
           </p:cNvSpPr>
@@ -297,18 +283,15 @@
             <a:normAutofit/>
           </a:bodyPr>
           <a:p>
-            <a:endParaRPr b="0" lang="en-IN" sz="2000" spc="-1" strike="noStrike">
-              <a:solidFill>
-                <a:srgbClr val="ffffff"/>
-              </a:solidFill>
-              <a:latin typeface="Source Sans Pro"/>
-            </a:endParaRPr>
-          </a:p>
-        </p:txBody>
-      </p:sp>
-      <p:sp>
-        <p:nvSpPr>
-          <p:cNvPr id="36" name="PlaceHolder 5"/>
+            <a:endParaRPr b="0" lang="en-IN" sz="3200" spc="-1" strike="noStrike">
+              <a:latin typeface="Arial"/>
+            </a:endParaRPr>
+          </a:p>
+        </p:txBody>
+      </p:sp>
+      <p:sp>
+        <p:nvSpPr>
+          <p:cNvPr id="31" name="PlaceHolder 5"/>
           <p:cNvSpPr>
             <a:spLocks noGrp="1"/>
           </p:cNvSpPr>
@@ -330,11 +313,8 @@
             <a:normAutofit/>
           </a:bodyPr>
           <a:p>
-            <a:endParaRPr b="0" lang="en-IN" sz="2000" spc="-1" strike="noStrike">
-              <a:solidFill>
-                <a:srgbClr val="ffffff"/>
-              </a:solidFill>
-              <a:latin typeface="Source Sans Pro"/>
+            <a:endParaRPr b="0" lang="en-IN" sz="3200" spc="-1" strike="noStrike">
+              <a:latin typeface="Arial"/>
             </a:endParaRPr>
           </a:p>
         </p:txBody>
@@ -363,7 +343,7 @@
       </p:grpSpPr>
       <p:sp>
         <p:nvSpPr>
-          <p:cNvPr id="37" name="PlaceHolder 1"/>
+          <p:cNvPr id="32" name="PlaceHolder 1"/>
           <p:cNvSpPr>
             <a:spLocks noGrp="1"/>
           </p:cNvSpPr>
@@ -374,28 +354,25 @@
         <p:spPr>
           <a:xfrm>
             <a:off x="2700000" y="2700000"/>
-            <a:ext cx="4680000" cy="2160000"/>
-          </a:xfrm>
-          <a:prstGeom prst="rect">
-            <a:avLst/>
-          </a:prstGeom>
-        </p:spPr>
-        <p:txBody>
-          <a:bodyPr lIns="0" rIns="0" tIns="0" bIns="0" anchor="ctr" anchorCtr="1"/>
+            <a:ext cx="4679640" cy="2159640"/>
+          </a:xfrm>
+          <a:prstGeom prst="rect">
+            <a:avLst/>
+          </a:prstGeom>
+        </p:spPr>
+        <p:txBody>
+          <a:bodyPr lIns="0" rIns="0" tIns="0" bIns="0" anchor="ctr"/>
           <a:p>
             <a:pPr algn="ctr"/>
-            <a:endParaRPr b="1" lang="en-IN" sz="3600" spc="-1" strike="noStrike">
-              <a:solidFill>
-                <a:srgbClr val="2c3e50"/>
-              </a:solidFill>
-              <a:latin typeface="Source Sans Pro Black"/>
-            </a:endParaRPr>
-          </a:p>
-        </p:txBody>
-      </p:sp>
-      <p:sp>
-        <p:nvSpPr>
-          <p:cNvPr id="38" name="PlaceHolder 2"/>
+            <a:endParaRPr b="0" lang="en-IN" sz="4400" spc="-1" strike="noStrike">
+              <a:latin typeface="Arial"/>
+            </a:endParaRPr>
+          </a:p>
+        </p:txBody>
+      </p:sp>
+      <p:sp>
+        <p:nvSpPr>
+          <p:cNvPr id="33" name="PlaceHolder 2"/>
           <p:cNvSpPr>
             <a:spLocks noGrp="1"/>
           </p:cNvSpPr>
@@ -417,18 +394,15 @@
             <a:normAutofit/>
           </a:bodyPr>
           <a:p>
-            <a:endParaRPr b="0" lang="en-IN" sz="2000" spc="-1" strike="noStrike">
-              <a:solidFill>
-                <a:srgbClr val="ffffff"/>
-              </a:solidFill>
-              <a:latin typeface="Source Sans Pro"/>
-            </a:endParaRPr>
-          </a:p>
-        </p:txBody>
-      </p:sp>
-      <p:sp>
-        <p:nvSpPr>
-          <p:cNvPr id="39" name="PlaceHolder 3"/>
+            <a:endParaRPr b="0" lang="en-IN" sz="3200" spc="-1" strike="noStrike">
+              <a:latin typeface="Arial"/>
+            </a:endParaRPr>
+          </a:p>
+        </p:txBody>
+      </p:sp>
+      <p:sp>
+        <p:nvSpPr>
+          <p:cNvPr id="34" name="PlaceHolder 3"/>
           <p:cNvSpPr>
             <a:spLocks noGrp="1"/>
           </p:cNvSpPr>
@@ -450,18 +424,15 @@
             <a:normAutofit/>
           </a:bodyPr>
           <a:p>
-            <a:endParaRPr b="0" lang="en-IN" sz="2000" spc="-1" strike="noStrike">
-              <a:solidFill>
-                <a:srgbClr val="ffffff"/>
-              </a:solidFill>
-              <a:latin typeface="Source Sans Pro"/>
-            </a:endParaRPr>
-          </a:p>
-        </p:txBody>
-      </p:sp>
-      <p:sp>
-        <p:nvSpPr>
-          <p:cNvPr id="40" name="PlaceHolder 4"/>
+            <a:endParaRPr b="0" lang="en-IN" sz="3200" spc="-1" strike="noStrike">
+              <a:latin typeface="Arial"/>
+            </a:endParaRPr>
+          </a:p>
+        </p:txBody>
+      </p:sp>
+      <p:sp>
+        <p:nvSpPr>
+          <p:cNvPr id="35" name="PlaceHolder 4"/>
           <p:cNvSpPr>
             <a:spLocks noGrp="1"/>
           </p:cNvSpPr>
@@ -483,18 +454,15 @@
             <a:normAutofit/>
           </a:bodyPr>
           <a:p>
-            <a:endParaRPr b="0" lang="en-IN" sz="2000" spc="-1" strike="noStrike">
-              <a:solidFill>
-                <a:srgbClr val="ffffff"/>
-              </a:solidFill>
-              <a:latin typeface="Source Sans Pro"/>
-            </a:endParaRPr>
-          </a:p>
-        </p:txBody>
-      </p:sp>
-      <p:sp>
-        <p:nvSpPr>
-          <p:cNvPr id="41" name="PlaceHolder 5"/>
+            <a:endParaRPr b="0" lang="en-IN" sz="3200" spc="-1" strike="noStrike">
+              <a:latin typeface="Arial"/>
+            </a:endParaRPr>
+          </a:p>
+        </p:txBody>
+      </p:sp>
+      <p:sp>
+        <p:nvSpPr>
+          <p:cNvPr id="36" name="PlaceHolder 5"/>
           <p:cNvSpPr>
             <a:spLocks noGrp="1"/>
           </p:cNvSpPr>
@@ -516,18 +484,15 @@
             <a:normAutofit/>
           </a:bodyPr>
           <a:p>
-            <a:endParaRPr b="0" lang="en-IN" sz="2000" spc="-1" strike="noStrike">
-              <a:solidFill>
-                <a:srgbClr val="ffffff"/>
-              </a:solidFill>
-              <a:latin typeface="Source Sans Pro"/>
-            </a:endParaRPr>
-          </a:p>
-        </p:txBody>
-      </p:sp>
-      <p:sp>
-        <p:nvSpPr>
-          <p:cNvPr id="42" name="PlaceHolder 6"/>
+            <a:endParaRPr b="0" lang="en-IN" sz="3200" spc="-1" strike="noStrike">
+              <a:latin typeface="Arial"/>
+            </a:endParaRPr>
+          </a:p>
+        </p:txBody>
+      </p:sp>
+      <p:sp>
+        <p:nvSpPr>
+          <p:cNvPr id="37" name="PlaceHolder 6"/>
           <p:cNvSpPr>
             <a:spLocks noGrp="1"/>
           </p:cNvSpPr>
@@ -549,18 +514,15 @@
             <a:normAutofit/>
           </a:bodyPr>
           <a:p>
-            <a:endParaRPr b="0" lang="en-IN" sz="2000" spc="-1" strike="noStrike">
-              <a:solidFill>
-                <a:srgbClr val="ffffff"/>
-              </a:solidFill>
-              <a:latin typeface="Source Sans Pro"/>
-            </a:endParaRPr>
-          </a:p>
-        </p:txBody>
-      </p:sp>
-      <p:sp>
-        <p:nvSpPr>
-          <p:cNvPr id="43" name="PlaceHolder 7"/>
+            <a:endParaRPr b="0" lang="en-IN" sz="3200" spc="-1" strike="noStrike">
+              <a:latin typeface="Arial"/>
+            </a:endParaRPr>
+          </a:p>
+        </p:txBody>
+      </p:sp>
+      <p:sp>
+        <p:nvSpPr>
+          <p:cNvPr id="38" name="PlaceHolder 7"/>
           <p:cNvSpPr>
             <a:spLocks noGrp="1"/>
           </p:cNvSpPr>
@@ -582,11 +544,8 @@
             <a:normAutofit/>
           </a:bodyPr>
           <a:p>
-            <a:endParaRPr b="0" lang="en-IN" sz="2000" spc="-1" strike="noStrike">
-              <a:solidFill>
-                <a:srgbClr val="ffffff"/>
-              </a:solidFill>
-              <a:latin typeface="Source Sans Pro"/>
+            <a:endParaRPr b="0" lang="en-IN" sz="3200" spc="-1" strike="noStrike">
+              <a:latin typeface="Arial"/>
             </a:endParaRPr>
           </a:p>
         </p:txBody>
@@ -637,7 +596,7 @@
       </p:grpSpPr>
       <p:sp>
         <p:nvSpPr>
-          <p:cNvPr id="50" name="PlaceHolder 1"/>
+          <p:cNvPr id="44" name="PlaceHolder 1"/>
           <p:cNvSpPr>
             <a:spLocks noGrp="1"/>
           </p:cNvSpPr>
@@ -648,28 +607,25 @@
         <p:spPr>
           <a:xfrm>
             <a:off x="2700000" y="2700000"/>
-            <a:ext cx="4680000" cy="2160000"/>
-          </a:xfrm>
-          <a:prstGeom prst="rect">
-            <a:avLst/>
-          </a:prstGeom>
-        </p:spPr>
-        <p:txBody>
-          <a:bodyPr lIns="0" rIns="0" tIns="0" bIns="0" anchor="ctr" anchorCtr="1"/>
+            <a:ext cx="4679640" cy="2159640"/>
+          </a:xfrm>
+          <a:prstGeom prst="rect">
+            <a:avLst/>
+          </a:prstGeom>
+        </p:spPr>
+        <p:txBody>
+          <a:bodyPr lIns="0" rIns="0" tIns="0" bIns="0" anchor="ctr"/>
           <a:p>
             <a:pPr algn="ctr"/>
-            <a:endParaRPr b="1" lang="en-IN" sz="3600" spc="-1" strike="noStrike">
-              <a:solidFill>
-                <a:srgbClr val="2c3e50"/>
-              </a:solidFill>
-              <a:latin typeface="Source Sans Pro Black"/>
-            </a:endParaRPr>
-          </a:p>
-        </p:txBody>
-      </p:sp>
-      <p:sp>
-        <p:nvSpPr>
-          <p:cNvPr id="51" name="PlaceHolder 2"/>
+            <a:endParaRPr b="0" lang="en-IN" sz="4400" spc="-1" strike="noStrike">
+              <a:latin typeface="Arial"/>
+            </a:endParaRPr>
+          </a:p>
+        </p:txBody>
+      </p:sp>
+      <p:sp>
+        <p:nvSpPr>
+          <p:cNvPr id="45" name="PlaceHolder 2"/>
           <p:cNvSpPr>
             <a:spLocks noGrp="1"/>
           </p:cNvSpPr>
@@ -680,7 +636,7 @@
         <p:spPr>
           <a:xfrm>
             <a:off x="3420000" y="5040000"/>
-            <a:ext cx="6300000" cy="2160000"/>
+            <a:ext cx="6299640" cy="2159640"/>
           </a:xfrm>
           <a:prstGeom prst="rect">
             <a:avLst/>
@@ -690,11 +646,8 @@
           <a:bodyPr lIns="0" rIns="0" tIns="0" bIns="0" anchor="ctr"/>
           <a:p>
             <a:pPr algn="ctr"/>
-            <a:endParaRPr b="0" lang="en-IN" sz="2200" spc="-1" strike="noStrike">
-              <a:solidFill>
-                <a:srgbClr val="ffffff"/>
-              </a:solidFill>
-              <a:latin typeface="Source Sans Pro"/>
+            <a:endParaRPr b="0" lang="en-IN" sz="3200" spc="-1" strike="noStrike">
+              <a:latin typeface="Arial"/>
             </a:endParaRPr>
           </a:p>
         </p:txBody>
@@ -723,7 +676,7 @@
       </p:grpSpPr>
       <p:sp>
         <p:nvSpPr>
-          <p:cNvPr id="52" name="PlaceHolder 1"/>
+          <p:cNvPr id="46" name="PlaceHolder 1"/>
           <p:cNvSpPr>
             <a:spLocks noGrp="1"/>
           </p:cNvSpPr>
@@ -734,28 +687,25 @@
         <p:spPr>
           <a:xfrm>
             <a:off x="2700000" y="2700000"/>
-            <a:ext cx="4680000" cy="2160000"/>
-          </a:xfrm>
-          <a:prstGeom prst="rect">
-            <a:avLst/>
-          </a:prstGeom>
-        </p:spPr>
-        <p:txBody>
-          <a:bodyPr lIns="0" rIns="0" tIns="0" bIns="0" anchor="ctr" anchorCtr="1"/>
+            <a:ext cx="4679640" cy="2159640"/>
+          </a:xfrm>
+          <a:prstGeom prst="rect">
+            <a:avLst/>
+          </a:prstGeom>
+        </p:spPr>
+        <p:txBody>
+          <a:bodyPr lIns="0" rIns="0" tIns="0" bIns="0" anchor="ctr"/>
           <a:p>
             <a:pPr algn="ctr"/>
-            <a:endParaRPr b="1" lang="en-IN" sz="3600" spc="-1" strike="noStrike">
-              <a:solidFill>
-                <a:srgbClr val="2c3e50"/>
-              </a:solidFill>
-              <a:latin typeface="Source Sans Pro Black"/>
-            </a:endParaRPr>
-          </a:p>
-        </p:txBody>
-      </p:sp>
-      <p:sp>
-        <p:nvSpPr>
-          <p:cNvPr id="53" name="PlaceHolder 2"/>
+            <a:endParaRPr b="0" lang="en-IN" sz="4400" spc="-1" strike="noStrike">
+              <a:latin typeface="Arial"/>
+            </a:endParaRPr>
+          </a:p>
+        </p:txBody>
+      </p:sp>
+      <p:sp>
+        <p:nvSpPr>
+          <p:cNvPr id="47" name="PlaceHolder 2"/>
           <p:cNvSpPr>
             <a:spLocks noGrp="1"/>
           </p:cNvSpPr>
@@ -766,22 +716,19 @@
         <p:spPr>
           <a:xfrm>
             <a:off x="3420000" y="5040000"/>
-            <a:ext cx="6300000" cy="2160000"/>
-          </a:xfrm>
-          <a:prstGeom prst="rect">
-            <a:avLst/>
-          </a:prstGeom>
-        </p:spPr>
-        <p:txBody>
-          <a:bodyPr lIns="0" rIns="0" tIns="0" bIns="0">
-            <a:normAutofit/>
-          </a:bodyPr>
-          <a:p>
-            <a:endParaRPr b="0" lang="en-IN" sz="2000" spc="-1" strike="noStrike">
-              <a:solidFill>
-                <a:srgbClr val="ffffff"/>
-              </a:solidFill>
-              <a:latin typeface="Source Sans Pro"/>
+            <a:ext cx="6299640" cy="2159640"/>
+          </a:xfrm>
+          <a:prstGeom prst="rect">
+            <a:avLst/>
+          </a:prstGeom>
+        </p:spPr>
+        <p:txBody>
+          <a:bodyPr lIns="0" rIns="0" tIns="0" bIns="0">
+            <a:normAutofit/>
+          </a:bodyPr>
+          <a:p>
+            <a:endParaRPr b="0" lang="en-IN" sz="3200" spc="-1" strike="noStrike">
+              <a:latin typeface="Arial"/>
             </a:endParaRPr>
           </a:p>
         </p:txBody>
@@ -810,7 +757,7 @@
       </p:grpSpPr>
       <p:sp>
         <p:nvSpPr>
-          <p:cNvPr id="54" name="PlaceHolder 1"/>
+          <p:cNvPr id="48" name="PlaceHolder 1"/>
           <p:cNvSpPr>
             <a:spLocks noGrp="1"/>
           </p:cNvSpPr>
@@ -821,28 +768,25 @@
         <p:spPr>
           <a:xfrm>
             <a:off x="2700000" y="2700000"/>
-            <a:ext cx="4680000" cy="2160000"/>
-          </a:xfrm>
-          <a:prstGeom prst="rect">
-            <a:avLst/>
-          </a:prstGeom>
-        </p:spPr>
-        <p:txBody>
-          <a:bodyPr lIns="0" rIns="0" tIns="0" bIns="0" anchor="ctr" anchorCtr="1"/>
+            <a:ext cx="4679640" cy="2159640"/>
+          </a:xfrm>
+          <a:prstGeom prst="rect">
+            <a:avLst/>
+          </a:prstGeom>
+        </p:spPr>
+        <p:txBody>
+          <a:bodyPr lIns="0" rIns="0" tIns="0" bIns="0" anchor="ctr"/>
           <a:p>
             <a:pPr algn="ctr"/>
-            <a:endParaRPr b="1" lang="en-IN" sz="3600" spc="-1" strike="noStrike">
-              <a:solidFill>
-                <a:srgbClr val="2c3e50"/>
-              </a:solidFill>
-              <a:latin typeface="Source Sans Pro Black"/>
-            </a:endParaRPr>
-          </a:p>
-        </p:txBody>
-      </p:sp>
-      <p:sp>
-        <p:nvSpPr>
-          <p:cNvPr id="55" name="PlaceHolder 2"/>
+            <a:endParaRPr b="0" lang="en-IN" sz="4400" spc="-1" strike="noStrike">
+              <a:latin typeface="Arial"/>
+            </a:endParaRPr>
+          </a:p>
+        </p:txBody>
+      </p:sp>
+      <p:sp>
+        <p:nvSpPr>
+          <p:cNvPr id="49" name="PlaceHolder 2"/>
           <p:cNvSpPr>
             <a:spLocks noGrp="1"/>
           </p:cNvSpPr>
@@ -853,29 +797,26 @@
         <p:spPr>
           <a:xfrm>
             <a:off x="3420000" y="5040000"/>
-            <a:ext cx="3074040" cy="2160000"/>
-          </a:xfrm>
-          <a:prstGeom prst="rect">
-            <a:avLst/>
-          </a:prstGeom>
-        </p:spPr>
-        <p:txBody>
-          <a:bodyPr lIns="0" rIns="0" tIns="0" bIns="0">
-            <a:normAutofit/>
-          </a:bodyPr>
-          <a:p>
-            <a:endParaRPr b="0" lang="en-IN" sz="2000" spc="-1" strike="noStrike">
-              <a:solidFill>
-                <a:srgbClr val="ffffff"/>
-              </a:solidFill>
-              <a:latin typeface="Source Sans Pro"/>
-            </a:endParaRPr>
-          </a:p>
-        </p:txBody>
-      </p:sp>
-      <p:sp>
-        <p:nvSpPr>
-          <p:cNvPr id="56" name="PlaceHolder 3"/>
+            <a:ext cx="3074040" cy="2159640"/>
+          </a:xfrm>
+          <a:prstGeom prst="rect">
+            <a:avLst/>
+          </a:prstGeom>
+        </p:spPr>
+        <p:txBody>
+          <a:bodyPr lIns="0" rIns="0" tIns="0" bIns="0">
+            <a:normAutofit/>
+          </a:bodyPr>
+          <a:p>
+            <a:endParaRPr b="0" lang="en-IN" sz="3200" spc="-1" strike="noStrike">
+              <a:latin typeface="Arial"/>
+            </a:endParaRPr>
+          </a:p>
+        </p:txBody>
+      </p:sp>
+      <p:sp>
+        <p:nvSpPr>
+          <p:cNvPr id="50" name="PlaceHolder 3"/>
           <p:cNvSpPr>
             <a:spLocks noGrp="1"/>
           </p:cNvSpPr>
@@ -886,22 +827,19 @@
         <p:spPr>
           <a:xfrm>
             <a:off x="6648120" y="5040000"/>
-            <a:ext cx="3074040" cy="2160000"/>
-          </a:xfrm>
-          <a:prstGeom prst="rect">
-            <a:avLst/>
-          </a:prstGeom>
-        </p:spPr>
-        <p:txBody>
-          <a:bodyPr lIns="0" rIns="0" tIns="0" bIns="0">
-            <a:normAutofit/>
-          </a:bodyPr>
-          <a:p>
-            <a:endParaRPr b="0" lang="en-IN" sz="2000" spc="-1" strike="noStrike">
-              <a:solidFill>
-                <a:srgbClr val="ffffff"/>
-              </a:solidFill>
-              <a:latin typeface="Source Sans Pro"/>
+            <a:ext cx="3074040" cy="2159640"/>
+          </a:xfrm>
+          <a:prstGeom prst="rect">
+            <a:avLst/>
+          </a:prstGeom>
+        </p:spPr>
+        <p:txBody>
+          <a:bodyPr lIns="0" rIns="0" tIns="0" bIns="0">
+            <a:normAutofit/>
+          </a:bodyPr>
+          <a:p>
+            <a:endParaRPr b="0" lang="en-IN" sz="3200" spc="-1" strike="noStrike">
+              <a:latin typeface="Arial"/>
             </a:endParaRPr>
           </a:p>
         </p:txBody>
@@ -930,7 +868,7 @@
       </p:grpSpPr>
       <p:sp>
         <p:nvSpPr>
-          <p:cNvPr id="57" name="PlaceHolder 1"/>
+          <p:cNvPr id="51" name="PlaceHolder 1"/>
           <p:cNvSpPr>
             <a:spLocks noGrp="1"/>
           </p:cNvSpPr>
@@ -941,21 +879,18 @@
         <p:spPr>
           <a:xfrm>
             <a:off x="2700000" y="2700000"/>
-            <a:ext cx="4680000" cy="2160000"/>
-          </a:xfrm>
-          <a:prstGeom prst="rect">
-            <a:avLst/>
-          </a:prstGeom>
-        </p:spPr>
-        <p:txBody>
-          <a:bodyPr lIns="0" rIns="0" tIns="0" bIns="0" anchor="ctr" anchorCtr="1"/>
+            <a:ext cx="4679640" cy="2159640"/>
+          </a:xfrm>
+          <a:prstGeom prst="rect">
+            <a:avLst/>
+          </a:prstGeom>
+        </p:spPr>
+        <p:txBody>
+          <a:bodyPr lIns="0" rIns="0" tIns="0" bIns="0" anchor="ctr"/>
           <a:p>
             <a:pPr algn="ctr"/>
-            <a:endParaRPr b="1" lang="en-IN" sz="3600" spc="-1" strike="noStrike">
-              <a:solidFill>
-                <a:srgbClr val="2c3e50"/>
-              </a:solidFill>
-              <a:latin typeface="Source Sans Pro Black"/>
+            <a:endParaRPr b="0" lang="en-IN" sz="4400" spc="-1" strike="noStrike">
+              <a:latin typeface="Arial"/>
             </a:endParaRPr>
           </a:p>
         </p:txBody>
@@ -984,7 +919,7 @@
       </p:grpSpPr>
       <p:sp>
         <p:nvSpPr>
-          <p:cNvPr id="58" name="PlaceHolder 1"/>
+          <p:cNvPr id="52" name="PlaceHolder 1"/>
           <p:cNvSpPr>
             <a:spLocks noGrp="1"/>
           </p:cNvSpPr>
@@ -995,7 +930,7 @@
         <p:spPr>
           <a:xfrm>
             <a:off x="2700000" y="2700000"/>
-            <a:ext cx="4680000" cy="10013760"/>
+            <a:ext cx="4679640" cy="10011960"/>
           </a:xfrm>
           <a:prstGeom prst="rect">
             <a:avLst/>
@@ -1005,11 +940,8 @@
           <a:bodyPr lIns="0" rIns="0" tIns="0" bIns="0" anchor="ctr"/>
           <a:p>
             <a:pPr algn="ctr"/>
-            <a:endParaRPr b="0" lang="en-IN" sz="2200" spc="-1" strike="noStrike">
-              <a:solidFill>
-                <a:srgbClr val="ffffff"/>
-              </a:solidFill>
-              <a:latin typeface="Source Sans Pro"/>
+            <a:endParaRPr b="0" lang="en-IN" sz="3200" spc="-1" strike="noStrike">
+              <a:latin typeface="Arial"/>
             </a:endParaRPr>
           </a:p>
         </p:txBody>
@@ -1038,7 +970,7 @@
       </p:grpSpPr>
       <p:sp>
         <p:nvSpPr>
-          <p:cNvPr id="59" name="PlaceHolder 1"/>
+          <p:cNvPr id="53" name="PlaceHolder 1"/>
           <p:cNvSpPr>
             <a:spLocks noGrp="1"/>
           </p:cNvSpPr>
@@ -1049,28 +981,25 @@
         <p:spPr>
           <a:xfrm>
             <a:off x="2700000" y="2700000"/>
-            <a:ext cx="4680000" cy="2160000"/>
-          </a:xfrm>
-          <a:prstGeom prst="rect">
-            <a:avLst/>
-          </a:prstGeom>
-        </p:spPr>
-        <p:txBody>
-          <a:bodyPr lIns="0" rIns="0" tIns="0" bIns="0" anchor="ctr" anchorCtr="1"/>
+            <a:ext cx="4679640" cy="2159640"/>
+          </a:xfrm>
+          <a:prstGeom prst="rect">
+            <a:avLst/>
+          </a:prstGeom>
+        </p:spPr>
+        <p:txBody>
+          <a:bodyPr lIns="0" rIns="0" tIns="0" bIns="0" anchor="ctr"/>
           <a:p>
             <a:pPr algn="ctr"/>
-            <a:endParaRPr b="1" lang="en-IN" sz="3600" spc="-1" strike="noStrike">
-              <a:solidFill>
-                <a:srgbClr val="2c3e50"/>
-              </a:solidFill>
-              <a:latin typeface="Source Sans Pro Black"/>
-            </a:endParaRPr>
-          </a:p>
-        </p:txBody>
-      </p:sp>
-      <p:sp>
-        <p:nvSpPr>
-          <p:cNvPr id="60" name="PlaceHolder 2"/>
+            <a:endParaRPr b="0" lang="en-IN" sz="4400" spc="-1" strike="noStrike">
+              <a:latin typeface="Arial"/>
+            </a:endParaRPr>
+          </a:p>
+        </p:txBody>
+      </p:sp>
+      <p:sp>
+        <p:nvSpPr>
+          <p:cNvPr id="54" name="PlaceHolder 2"/>
           <p:cNvSpPr>
             <a:spLocks noGrp="1"/>
           </p:cNvSpPr>
@@ -1092,18 +1021,15 @@
             <a:normAutofit/>
           </a:bodyPr>
           <a:p>
-            <a:endParaRPr b="0" lang="en-IN" sz="2000" spc="-1" strike="noStrike">
-              <a:solidFill>
-                <a:srgbClr val="ffffff"/>
-              </a:solidFill>
-              <a:latin typeface="Source Sans Pro"/>
-            </a:endParaRPr>
-          </a:p>
-        </p:txBody>
-      </p:sp>
-      <p:sp>
-        <p:nvSpPr>
-          <p:cNvPr id="61" name="PlaceHolder 3"/>
+            <a:endParaRPr b="0" lang="en-IN" sz="3200" spc="-1" strike="noStrike">
+              <a:latin typeface="Arial"/>
+            </a:endParaRPr>
+          </a:p>
+        </p:txBody>
+      </p:sp>
+      <p:sp>
+        <p:nvSpPr>
+          <p:cNvPr id="55" name="PlaceHolder 3"/>
           <p:cNvSpPr>
             <a:spLocks noGrp="1"/>
           </p:cNvSpPr>
@@ -1125,18 +1051,15 @@
             <a:normAutofit/>
           </a:bodyPr>
           <a:p>
-            <a:endParaRPr b="0" lang="en-IN" sz="2000" spc="-1" strike="noStrike">
-              <a:solidFill>
-                <a:srgbClr val="ffffff"/>
-              </a:solidFill>
-              <a:latin typeface="Source Sans Pro"/>
-            </a:endParaRPr>
-          </a:p>
-        </p:txBody>
-      </p:sp>
-      <p:sp>
-        <p:nvSpPr>
-          <p:cNvPr id="62" name="PlaceHolder 4"/>
+            <a:endParaRPr b="0" lang="en-IN" sz="3200" spc="-1" strike="noStrike">
+              <a:latin typeface="Arial"/>
+            </a:endParaRPr>
+          </a:p>
+        </p:txBody>
+      </p:sp>
+      <p:sp>
+        <p:nvSpPr>
+          <p:cNvPr id="56" name="PlaceHolder 4"/>
           <p:cNvSpPr>
             <a:spLocks noGrp="1"/>
           </p:cNvSpPr>
@@ -1147,22 +1070,19 @@
         <p:spPr>
           <a:xfrm>
             <a:off x="6648120" y="5040000"/>
-            <a:ext cx="3074040" cy="2160000"/>
-          </a:xfrm>
-          <a:prstGeom prst="rect">
-            <a:avLst/>
-          </a:prstGeom>
-        </p:spPr>
-        <p:txBody>
-          <a:bodyPr lIns="0" rIns="0" tIns="0" bIns="0">
-            <a:normAutofit/>
-          </a:bodyPr>
-          <a:p>
-            <a:endParaRPr b="0" lang="en-IN" sz="2000" spc="-1" strike="noStrike">
-              <a:solidFill>
-                <a:srgbClr val="ffffff"/>
-              </a:solidFill>
-              <a:latin typeface="Source Sans Pro"/>
+            <a:ext cx="3074040" cy="2159640"/>
+          </a:xfrm>
+          <a:prstGeom prst="rect">
+            <a:avLst/>
+          </a:prstGeom>
+        </p:spPr>
+        <p:txBody>
+          <a:bodyPr lIns="0" rIns="0" tIns="0" bIns="0">
+            <a:normAutofit/>
+          </a:bodyPr>
+          <a:p>
+            <a:endParaRPr b="0" lang="en-IN" sz="3200" spc="-1" strike="noStrike">
+              <a:latin typeface="Arial"/>
             </a:endParaRPr>
           </a:p>
         </p:txBody>
@@ -1191,7 +1111,7 @@
       </p:grpSpPr>
       <p:sp>
         <p:nvSpPr>
-          <p:cNvPr id="8" name="PlaceHolder 1"/>
+          <p:cNvPr id="3" name="PlaceHolder 1"/>
           <p:cNvSpPr>
             <a:spLocks noGrp="1"/>
           </p:cNvSpPr>
@@ -1202,28 +1122,25 @@
         <p:spPr>
           <a:xfrm>
             <a:off x="2700000" y="2700000"/>
-            <a:ext cx="4680000" cy="2160000"/>
-          </a:xfrm>
-          <a:prstGeom prst="rect">
-            <a:avLst/>
-          </a:prstGeom>
-        </p:spPr>
-        <p:txBody>
-          <a:bodyPr lIns="0" rIns="0" tIns="0" bIns="0" anchor="ctr" anchorCtr="1"/>
+            <a:ext cx="4679640" cy="2159640"/>
+          </a:xfrm>
+          <a:prstGeom prst="rect">
+            <a:avLst/>
+          </a:prstGeom>
+        </p:spPr>
+        <p:txBody>
+          <a:bodyPr lIns="0" rIns="0" tIns="0" bIns="0" anchor="ctr"/>
           <a:p>
             <a:pPr algn="ctr"/>
-            <a:endParaRPr b="1" lang="en-IN" sz="3600" spc="-1" strike="noStrike">
-              <a:solidFill>
-                <a:srgbClr val="2c3e50"/>
-              </a:solidFill>
-              <a:latin typeface="Source Sans Pro Black"/>
-            </a:endParaRPr>
-          </a:p>
-        </p:txBody>
-      </p:sp>
-      <p:sp>
-        <p:nvSpPr>
-          <p:cNvPr id="9" name="PlaceHolder 2"/>
+            <a:endParaRPr b="0" lang="en-IN" sz="4400" spc="-1" strike="noStrike">
+              <a:latin typeface="Arial"/>
+            </a:endParaRPr>
+          </a:p>
+        </p:txBody>
+      </p:sp>
+      <p:sp>
+        <p:nvSpPr>
+          <p:cNvPr id="4" name="PlaceHolder 2"/>
           <p:cNvSpPr>
             <a:spLocks noGrp="1"/>
           </p:cNvSpPr>
@@ -1234,7 +1151,7 @@
         <p:spPr>
           <a:xfrm>
             <a:off x="3420000" y="5040000"/>
-            <a:ext cx="6300000" cy="2160000"/>
+            <a:ext cx="6299640" cy="2159640"/>
           </a:xfrm>
           <a:prstGeom prst="rect">
             <a:avLst/>
@@ -1244,11 +1161,8 @@
           <a:bodyPr lIns="0" rIns="0" tIns="0" bIns="0" anchor="ctr"/>
           <a:p>
             <a:pPr algn="ctr"/>
-            <a:endParaRPr b="0" lang="en-IN" sz="2200" spc="-1" strike="noStrike">
-              <a:solidFill>
-                <a:srgbClr val="ffffff"/>
-              </a:solidFill>
-              <a:latin typeface="Source Sans Pro"/>
+            <a:endParaRPr b="0" lang="en-IN" sz="3200" spc="-1" strike="noStrike">
+              <a:latin typeface="Arial"/>
             </a:endParaRPr>
           </a:p>
         </p:txBody>
@@ -1277,7 +1191,7 @@
       </p:grpSpPr>
       <p:sp>
         <p:nvSpPr>
-          <p:cNvPr id="63" name="PlaceHolder 1"/>
+          <p:cNvPr id="57" name="PlaceHolder 1"/>
           <p:cNvSpPr>
             <a:spLocks noGrp="1"/>
           </p:cNvSpPr>
@@ -1288,28 +1202,25 @@
         <p:spPr>
           <a:xfrm>
             <a:off x="2700000" y="2700000"/>
-            <a:ext cx="4680000" cy="2160000"/>
-          </a:xfrm>
-          <a:prstGeom prst="rect">
-            <a:avLst/>
-          </a:prstGeom>
-        </p:spPr>
-        <p:txBody>
-          <a:bodyPr lIns="0" rIns="0" tIns="0" bIns="0" anchor="ctr" anchorCtr="1"/>
+            <a:ext cx="4679640" cy="2159640"/>
+          </a:xfrm>
+          <a:prstGeom prst="rect">
+            <a:avLst/>
+          </a:prstGeom>
+        </p:spPr>
+        <p:txBody>
+          <a:bodyPr lIns="0" rIns="0" tIns="0" bIns="0" anchor="ctr"/>
           <a:p>
             <a:pPr algn="ctr"/>
-            <a:endParaRPr b="1" lang="en-IN" sz="3600" spc="-1" strike="noStrike">
-              <a:solidFill>
-                <a:srgbClr val="2c3e50"/>
-              </a:solidFill>
-              <a:latin typeface="Source Sans Pro Black"/>
-            </a:endParaRPr>
-          </a:p>
-        </p:txBody>
-      </p:sp>
-      <p:sp>
-        <p:nvSpPr>
-          <p:cNvPr id="64" name="PlaceHolder 2"/>
+            <a:endParaRPr b="0" lang="en-IN" sz="4400" spc="-1" strike="noStrike">
+              <a:latin typeface="Arial"/>
+            </a:endParaRPr>
+          </a:p>
+        </p:txBody>
+      </p:sp>
+      <p:sp>
+        <p:nvSpPr>
+          <p:cNvPr id="58" name="PlaceHolder 2"/>
           <p:cNvSpPr>
             <a:spLocks noGrp="1"/>
           </p:cNvSpPr>
@@ -1320,29 +1231,26 @@
         <p:spPr>
           <a:xfrm>
             <a:off x="3420000" y="5040000"/>
-            <a:ext cx="3074040" cy="2160000"/>
-          </a:xfrm>
-          <a:prstGeom prst="rect">
-            <a:avLst/>
-          </a:prstGeom>
-        </p:spPr>
-        <p:txBody>
-          <a:bodyPr lIns="0" rIns="0" tIns="0" bIns="0">
-            <a:normAutofit/>
-          </a:bodyPr>
-          <a:p>
-            <a:endParaRPr b="0" lang="en-IN" sz="2000" spc="-1" strike="noStrike">
-              <a:solidFill>
-                <a:srgbClr val="ffffff"/>
-              </a:solidFill>
-              <a:latin typeface="Source Sans Pro"/>
-            </a:endParaRPr>
-          </a:p>
-        </p:txBody>
-      </p:sp>
-      <p:sp>
-        <p:nvSpPr>
-          <p:cNvPr id="65" name="PlaceHolder 3"/>
+            <a:ext cx="3074040" cy="2159640"/>
+          </a:xfrm>
+          <a:prstGeom prst="rect">
+            <a:avLst/>
+          </a:prstGeom>
+        </p:spPr>
+        <p:txBody>
+          <a:bodyPr lIns="0" rIns="0" tIns="0" bIns="0">
+            <a:normAutofit/>
+          </a:bodyPr>
+          <a:p>
+            <a:endParaRPr b="0" lang="en-IN" sz="3200" spc="-1" strike="noStrike">
+              <a:latin typeface="Arial"/>
+            </a:endParaRPr>
+          </a:p>
+        </p:txBody>
+      </p:sp>
+      <p:sp>
+        <p:nvSpPr>
+          <p:cNvPr id="59" name="PlaceHolder 3"/>
           <p:cNvSpPr>
             <a:spLocks noGrp="1"/>
           </p:cNvSpPr>
@@ -1364,18 +1272,15 @@
             <a:normAutofit/>
           </a:bodyPr>
           <a:p>
-            <a:endParaRPr b="0" lang="en-IN" sz="2000" spc="-1" strike="noStrike">
-              <a:solidFill>
-                <a:srgbClr val="ffffff"/>
-              </a:solidFill>
-              <a:latin typeface="Source Sans Pro"/>
-            </a:endParaRPr>
-          </a:p>
-        </p:txBody>
-      </p:sp>
-      <p:sp>
-        <p:nvSpPr>
-          <p:cNvPr id="66" name="PlaceHolder 4"/>
+            <a:endParaRPr b="0" lang="en-IN" sz="3200" spc="-1" strike="noStrike">
+              <a:latin typeface="Arial"/>
+            </a:endParaRPr>
+          </a:p>
+        </p:txBody>
+      </p:sp>
+      <p:sp>
+        <p:nvSpPr>
+          <p:cNvPr id="60" name="PlaceHolder 4"/>
           <p:cNvSpPr>
             <a:spLocks noGrp="1"/>
           </p:cNvSpPr>
@@ -1397,11 +1302,8 @@
             <a:normAutofit/>
           </a:bodyPr>
           <a:p>
-            <a:endParaRPr b="0" lang="en-IN" sz="2000" spc="-1" strike="noStrike">
-              <a:solidFill>
-                <a:srgbClr val="ffffff"/>
-              </a:solidFill>
-              <a:latin typeface="Source Sans Pro"/>
+            <a:endParaRPr b="0" lang="en-IN" sz="3200" spc="-1" strike="noStrike">
+              <a:latin typeface="Arial"/>
             </a:endParaRPr>
           </a:p>
         </p:txBody>
@@ -1430,7 +1332,7 @@
       </p:grpSpPr>
       <p:sp>
         <p:nvSpPr>
-          <p:cNvPr id="67" name="PlaceHolder 1"/>
+          <p:cNvPr id="61" name="PlaceHolder 1"/>
           <p:cNvSpPr>
             <a:spLocks noGrp="1"/>
           </p:cNvSpPr>
@@ -1441,28 +1343,25 @@
         <p:spPr>
           <a:xfrm>
             <a:off x="2700000" y="2700000"/>
-            <a:ext cx="4680000" cy="2160000"/>
-          </a:xfrm>
-          <a:prstGeom prst="rect">
-            <a:avLst/>
-          </a:prstGeom>
-        </p:spPr>
-        <p:txBody>
-          <a:bodyPr lIns="0" rIns="0" tIns="0" bIns="0" anchor="ctr" anchorCtr="1"/>
+            <a:ext cx="4679640" cy="2159640"/>
+          </a:xfrm>
+          <a:prstGeom prst="rect">
+            <a:avLst/>
+          </a:prstGeom>
+        </p:spPr>
+        <p:txBody>
+          <a:bodyPr lIns="0" rIns="0" tIns="0" bIns="0" anchor="ctr"/>
           <a:p>
             <a:pPr algn="ctr"/>
-            <a:endParaRPr b="1" lang="en-IN" sz="3600" spc="-1" strike="noStrike">
-              <a:solidFill>
-                <a:srgbClr val="2c3e50"/>
-              </a:solidFill>
-              <a:latin typeface="Source Sans Pro Black"/>
-            </a:endParaRPr>
-          </a:p>
-        </p:txBody>
-      </p:sp>
-      <p:sp>
-        <p:nvSpPr>
-          <p:cNvPr id="68" name="PlaceHolder 2"/>
+            <a:endParaRPr b="0" lang="en-IN" sz="4400" spc="-1" strike="noStrike">
+              <a:latin typeface="Arial"/>
+            </a:endParaRPr>
+          </a:p>
+        </p:txBody>
+      </p:sp>
+      <p:sp>
+        <p:nvSpPr>
+          <p:cNvPr id="62" name="PlaceHolder 2"/>
           <p:cNvSpPr>
             <a:spLocks noGrp="1"/>
           </p:cNvSpPr>
@@ -1484,18 +1383,15 @@
             <a:normAutofit/>
           </a:bodyPr>
           <a:p>
-            <a:endParaRPr b="0" lang="en-IN" sz="2000" spc="-1" strike="noStrike">
-              <a:solidFill>
-                <a:srgbClr val="ffffff"/>
-              </a:solidFill>
-              <a:latin typeface="Source Sans Pro"/>
-            </a:endParaRPr>
-          </a:p>
-        </p:txBody>
-      </p:sp>
-      <p:sp>
-        <p:nvSpPr>
-          <p:cNvPr id="69" name="PlaceHolder 3"/>
+            <a:endParaRPr b="0" lang="en-IN" sz="3200" spc="-1" strike="noStrike">
+              <a:latin typeface="Arial"/>
+            </a:endParaRPr>
+          </a:p>
+        </p:txBody>
+      </p:sp>
+      <p:sp>
+        <p:nvSpPr>
+          <p:cNvPr id="63" name="PlaceHolder 3"/>
           <p:cNvSpPr>
             <a:spLocks noGrp="1"/>
           </p:cNvSpPr>
@@ -1517,18 +1413,15 @@
             <a:normAutofit/>
           </a:bodyPr>
           <a:p>
-            <a:endParaRPr b="0" lang="en-IN" sz="2000" spc="-1" strike="noStrike">
-              <a:solidFill>
-                <a:srgbClr val="ffffff"/>
-              </a:solidFill>
-              <a:latin typeface="Source Sans Pro"/>
-            </a:endParaRPr>
-          </a:p>
-        </p:txBody>
-      </p:sp>
-      <p:sp>
-        <p:nvSpPr>
-          <p:cNvPr id="70" name="PlaceHolder 4"/>
+            <a:endParaRPr b="0" lang="en-IN" sz="3200" spc="-1" strike="noStrike">
+              <a:latin typeface="Arial"/>
+            </a:endParaRPr>
+          </a:p>
+        </p:txBody>
+      </p:sp>
+      <p:sp>
+        <p:nvSpPr>
+          <p:cNvPr id="64" name="PlaceHolder 4"/>
           <p:cNvSpPr>
             <a:spLocks noGrp="1"/>
           </p:cNvSpPr>
@@ -1539,22 +1432,19 @@
         <p:spPr>
           <a:xfrm>
             <a:off x="3420000" y="6168240"/>
-            <a:ext cx="6300000" cy="1029960"/>
-          </a:xfrm>
-          <a:prstGeom prst="rect">
-            <a:avLst/>
-          </a:prstGeom>
-        </p:spPr>
-        <p:txBody>
-          <a:bodyPr lIns="0" rIns="0" tIns="0" bIns="0">
-            <a:normAutofit/>
-          </a:bodyPr>
-          <a:p>
-            <a:endParaRPr b="0" lang="en-IN" sz="2000" spc="-1" strike="noStrike">
-              <a:solidFill>
-                <a:srgbClr val="ffffff"/>
-              </a:solidFill>
-              <a:latin typeface="Source Sans Pro"/>
+            <a:ext cx="6299640" cy="1029960"/>
+          </a:xfrm>
+          <a:prstGeom prst="rect">
+            <a:avLst/>
+          </a:prstGeom>
+        </p:spPr>
+        <p:txBody>
+          <a:bodyPr lIns="0" rIns="0" tIns="0" bIns="0">
+            <a:normAutofit/>
+          </a:bodyPr>
+          <a:p>
+            <a:endParaRPr b="0" lang="en-IN" sz="3200" spc="-1" strike="noStrike">
+              <a:latin typeface="Arial"/>
             </a:endParaRPr>
           </a:p>
         </p:txBody>
@@ -1583,7 +1473,7 @@
       </p:grpSpPr>
       <p:sp>
         <p:nvSpPr>
-          <p:cNvPr id="71" name="PlaceHolder 1"/>
+          <p:cNvPr id="65" name="PlaceHolder 1"/>
           <p:cNvSpPr>
             <a:spLocks noGrp="1"/>
           </p:cNvSpPr>
@@ -1594,28 +1484,25 @@
         <p:spPr>
           <a:xfrm>
             <a:off x="2700000" y="2700000"/>
-            <a:ext cx="4680000" cy="2160000"/>
-          </a:xfrm>
-          <a:prstGeom prst="rect">
-            <a:avLst/>
-          </a:prstGeom>
-        </p:spPr>
-        <p:txBody>
-          <a:bodyPr lIns="0" rIns="0" tIns="0" bIns="0" anchor="ctr" anchorCtr="1"/>
+            <a:ext cx="4679640" cy="2159640"/>
+          </a:xfrm>
+          <a:prstGeom prst="rect">
+            <a:avLst/>
+          </a:prstGeom>
+        </p:spPr>
+        <p:txBody>
+          <a:bodyPr lIns="0" rIns="0" tIns="0" bIns="0" anchor="ctr"/>
           <a:p>
             <a:pPr algn="ctr"/>
-            <a:endParaRPr b="1" lang="en-IN" sz="3600" spc="-1" strike="noStrike">
-              <a:solidFill>
-                <a:srgbClr val="2c3e50"/>
-              </a:solidFill>
-              <a:latin typeface="Source Sans Pro Black"/>
-            </a:endParaRPr>
-          </a:p>
-        </p:txBody>
-      </p:sp>
-      <p:sp>
-        <p:nvSpPr>
-          <p:cNvPr id="72" name="PlaceHolder 2"/>
+            <a:endParaRPr b="0" lang="en-IN" sz="4400" spc="-1" strike="noStrike">
+              <a:latin typeface="Arial"/>
+            </a:endParaRPr>
+          </a:p>
+        </p:txBody>
+      </p:sp>
+      <p:sp>
+        <p:nvSpPr>
+          <p:cNvPr id="66" name="PlaceHolder 2"/>
           <p:cNvSpPr>
             <a:spLocks noGrp="1"/>
           </p:cNvSpPr>
@@ -1626,29 +1513,26 @@
         <p:spPr>
           <a:xfrm>
             <a:off x="3420000" y="5040000"/>
-            <a:ext cx="6300000" cy="1029960"/>
-          </a:xfrm>
-          <a:prstGeom prst="rect">
-            <a:avLst/>
-          </a:prstGeom>
-        </p:spPr>
-        <p:txBody>
-          <a:bodyPr lIns="0" rIns="0" tIns="0" bIns="0">
-            <a:normAutofit/>
-          </a:bodyPr>
-          <a:p>
-            <a:endParaRPr b="0" lang="en-IN" sz="2000" spc="-1" strike="noStrike">
-              <a:solidFill>
-                <a:srgbClr val="ffffff"/>
-              </a:solidFill>
-              <a:latin typeface="Source Sans Pro"/>
-            </a:endParaRPr>
-          </a:p>
-        </p:txBody>
-      </p:sp>
-      <p:sp>
-        <p:nvSpPr>
-          <p:cNvPr id="73" name="PlaceHolder 3"/>
+            <a:ext cx="6299640" cy="1029960"/>
+          </a:xfrm>
+          <a:prstGeom prst="rect">
+            <a:avLst/>
+          </a:prstGeom>
+        </p:spPr>
+        <p:txBody>
+          <a:bodyPr lIns="0" rIns="0" tIns="0" bIns="0">
+            <a:normAutofit/>
+          </a:bodyPr>
+          <a:p>
+            <a:endParaRPr b="0" lang="en-IN" sz="3200" spc="-1" strike="noStrike">
+              <a:latin typeface="Arial"/>
+            </a:endParaRPr>
+          </a:p>
+        </p:txBody>
+      </p:sp>
+      <p:sp>
+        <p:nvSpPr>
+          <p:cNvPr id="67" name="PlaceHolder 3"/>
           <p:cNvSpPr>
             <a:spLocks noGrp="1"/>
           </p:cNvSpPr>
@@ -1659,22 +1543,19 @@
         <p:spPr>
           <a:xfrm>
             <a:off x="3420000" y="6168240"/>
-            <a:ext cx="6300000" cy="1029960"/>
-          </a:xfrm>
-          <a:prstGeom prst="rect">
-            <a:avLst/>
-          </a:prstGeom>
-        </p:spPr>
-        <p:txBody>
-          <a:bodyPr lIns="0" rIns="0" tIns="0" bIns="0">
-            <a:normAutofit/>
-          </a:bodyPr>
-          <a:p>
-            <a:endParaRPr b="0" lang="en-IN" sz="2000" spc="-1" strike="noStrike">
-              <a:solidFill>
-                <a:srgbClr val="ffffff"/>
-              </a:solidFill>
-              <a:latin typeface="Source Sans Pro"/>
+            <a:ext cx="6299640" cy="1029960"/>
+          </a:xfrm>
+          <a:prstGeom prst="rect">
+            <a:avLst/>
+          </a:prstGeom>
+        </p:spPr>
+        <p:txBody>
+          <a:bodyPr lIns="0" rIns="0" tIns="0" bIns="0">
+            <a:normAutofit/>
+          </a:bodyPr>
+          <a:p>
+            <a:endParaRPr b="0" lang="en-IN" sz="3200" spc="-1" strike="noStrike">
+              <a:latin typeface="Arial"/>
             </a:endParaRPr>
           </a:p>
         </p:txBody>
@@ -1703,7 +1584,7 @@
       </p:grpSpPr>
       <p:sp>
         <p:nvSpPr>
-          <p:cNvPr id="74" name="PlaceHolder 1"/>
+          <p:cNvPr id="68" name="PlaceHolder 1"/>
           <p:cNvSpPr>
             <a:spLocks noGrp="1"/>
           </p:cNvSpPr>
@@ -1714,28 +1595,25 @@
         <p:spPr>
           <a:xfrm>
             <a:off x="2700000" y="2700000"/>
-            <a:ext cx="4680000" cy="2160000"/>
-          </a:xfrm>
-          <a:prstGeom prst="rect">
-            <a:avLst/>
-          </a:prstGeom>
-        </p:spPr>
-        <p:txBody>
-          <a:bodyPr lIns="0" rIns="0" tIns="0" bIns="0" anchor="ctr" anchorCtr="1"/>
+            <a:ext cx="4679640" cy="2159640"/>
+          </a:xfrm>
+          <a:prstGeom prst="rect">
+            <a:avLst/>
+          </a:prstGeom>
+        </p:spPr>
+        <p:txBody>
+          <a:bodyPr lIns="0" rIns="0" tIns="0" bIns="0" anchor="ctr"/>
           <a:p>
             <a:pPr algn="ctr"/>
-            <a:endParaRPr b="1" lang="en-IN" sz="3600" spc="-1" strike="noStrike">
-              <a:solidFill>
-                <a:srgbClr val="2c3e50"/>
-              </a:solidFill>
-              <a:latin typeface="Source Sans Pro Black"/>
-            </a:endParaRPr>
-          </a:p>
-        </p:txBody>
-      </p:sp>
-      <p:sp>
-        <p:nvSpPr>
-          <p:cNvPr id="75" name="PlaceHolder 2"/>
+            <a:endParaRPr b="0" lang="en-IN" sz="4400" spc="-1" strike="noStrike">
+              <a:latin typeface="Arial"/>
+            </a:endParaRPr>
+          </a:p>
+        </p:txBody>
+      </p:sp>
+      <p:sp>
+        <p:nvSpPr>
+          <p:cNvPr id="69" name="PlaceHolder 2"/>
           <p:cNvSpPr>
             <a:spLocks noGrp="1"/>
           </p:cNvSpPr>
@@ -1757,18 +1635,15 @@
             <a:normAutofit/>
           </a:bodyPr>
           <a:p>
-            <a:endParaRPr b="0" lang="en-IN" sz="2000" spc="-1" strike="noStrike">
-              <a:solidFill>
-                <a:srgbClr val="ffffff"/>
-              </a:solidFill>
-              <a:latin typeface="Source Sans Pro"/>
-            </a:endParaRPr>
-          </a:p>
-        </p:txBody>
-      </p:sp>
-      <p:sp>
-        <p:nvSpPr>
-          <p:cNvPr id="76" name="PlaceHolder 3"/>
+            <a:endParaRPr b="0" lang="en-IN" sz="3200" spc="-1" strike="noStrike">
+              <a:latin typeface="Arial"/>
+            </a:endParaRPr>
+          </a:p>
+        </p:txBody>
+      </p:sp>
+      <p:sp>
+        <p:nvSpPr>
+          <p:cNvPr id="70" name="PlaceHolder 3"/>
           <p:cNvSpPr>
             <a:spLocks noGrp="1"/>
           </p:cNvSpPr>
@@ -1790,18 +1665,15 @@
             <a:normAutofit/>
           </a:bodyPr>
           <a:p>
-            <a:endParaRPr b="0" lang="en-IN" sz="2000" spc="-1" strike="noStrike">
-              <a:solidFill>
-                <a:srgbClr val="ffffff"/>
-              </a:solidFill>
-              <a:latin typeface="Source Sans Pro"/>
-            </a:endParaRPr>
-          </a:p>
-        </p:txBody>
-      </p:sp>
-      <p:sp>
-        <p:nvSpPr>
-          <p:cNvPr id="77" name="PlaceHolder 4"/>
+            <a:endParaRPr b="0" lang="en-IN" sz="3200" spc="-1" strike="noStrike">
+              <a:latin typeface="Arial"/>
+            </a:endParaRPr>
+          </a:p>
+        </p:txBody>
+      </p:sp>
+      <p:sp>
+        <p:nvSpPr>
+          <p:cNvPr id="71" name="PlaceHolder 4"/>
           <p:cNvSpPr>
             <a:spLocks noGrp="1"/>
           </p:cNvSpPr>
@@ -1823,18 +1695,15 @@
             <a:normAutofit/>
           </a:bodyPr>
           <a:p>
-            <a:endParaRPr b="0" lang="en-IN" sz="2000" spc="-1" strike="noStrike">
-              <a:solidFill>
-                <a:srgbClr val="ffffff"/>
-              </a:solidFill>
-              <a:latin typeface="Source Sans Pro"/>
-            </a:endParaRPr>
-          </a:p>
-        </p:txBody>
-      </p:sp>
-      <p:sp>
-        <p:nvSpPr>
-          <p:cNvPr id="78" name="PlaceHolder 5"/>
+            <a:endParaRPr b="0" lang="en-IN" sz="3200" spc="-1" strike="noStrike">
+              <a:latin typeface="Arial"/>
+            </a:endParaRPr>
+          </a:p>
+        </p:txBody>
+      </p:sp>
+      <p:sp>
+        <p:nvSpPr>
+          <p:cNvPr id="72" name="PlaceHolder 5"/>
           <p:cNvSpPr>
             <a:spLocks noGrp="1"/>
           </p:cNvSpPr>
@@ -1856,11 +1725,8 @@
             <a:normAutofit/>
           </a:bodyPr>
           <a:p>
-            <a:endParaRPr b="0" lang="en-IN" sz="2000" spc="-1" strike="noStrike">
-              <a:solidFill>
-                <a:srgbClr val="ffffff"/>
-              </a:solidFill>
-              <a:latin typeface="Source Sans Pro"/>
+            <a:endParaRPr b="0" lang="en-IN" sz="3200" spc="-1" strike="noStrike">
+              <a:latin typeface="Arial"/>
             </a:endParaRPr>
           </a:p>
         </p:txBody>
@@ -1889,7 +1755,7 @@
       </p:grpSpPr>
       <p:sp>
         <p:nvSpPr>
-          <p:cNvPr id="79" name="PlaceHolder 1"/>
+          <p:cNvPr id="73" name="PlaceHolder 1"/>
           <p:cNvSpPr>
             <a:spLocks noGrp="1"/>
           </p:cNvSpPr>
@@ -1900,28 +1766,25 @@
         <p:spPr>
           <a:xfrm>
             <a:off x="2700000" y="2700000"/>
-            <a:ext cx="4680000" cy="2160000"/>
-          </a:xfrm>
-          <a:prstGeom prst="rect">
-            <a:avLst/>
-          </a:prstGeom>
-        </p:spPr>
-        <p:txBody>
-          <a:bodyPr lIns="0" rIns="0" tIns="0" bIns="0" anchor="ctr" anchorCtr="1"/>
+            <a:ext cx="4679640" cy="2159640"/>
+          </a:xfrm>
+          <a:prstGeom prst="rect">
+            <a:avLst/>
+          </a:prstGeom>
+        </p:spPr>
+        <p:txBody>
+          <a:bodyPr lIns="0" rIns="0" tIns="0" bIns="0" anchor="ctr"/>
           <a:p>
             <a:pPr algn="ctr"/>
-            <a:endParaRPr b="1" lang="en-IN" sz="3600" spc="-1" strike="noStrike">
-              <a:solidFill>
-                <a:srgbClr val="2c3e50"/>
-              </a:solidFill>
-              <a:latin typeface="Source Sans Pro Black"/>
-            </a:endParaRPr>
-          </a:p>
-        </p:txBody>
-      </p:sp>
-      <p:sp>
-        <p:nvSpPr>
-          <p:cNvPr id="80" name="PlaceHolder 2"/>
+            <a:endParaRPr b="0" lang="en-IN" sz="4400" spc="-1" strike="noStrike">
+              <a:latin typeface="Arial"/>
+            </a:endParaRPr>
+          </a:p>
+        </p:txBody>
+      </p:sp>
+      <p:sp>
+        <p:nvSpPr>
+          <p:cNvPr id="74" name="PlaceHolder 2"/>
           <p:cNvSpPr>
             <a:spLocks noGrp="1"/>
           </p:cNvSpPr>
@@ -1943,18 +1806,15 @@
             <a:normAutofit/>
           </a:bodyPr>
           <a:p>
-            <a:endParaRPr b="0" lang="en-IN" sz="2000" spc="-1" strike="noStrike">
-              <a:solidFill>
-                <a:srgbClr val="ffffff"/>
-              </a:solidFill>
-              <a:latin typeface="Source Sans Pro"/>
-            </a:endParaRPr>
-          </a:p>
-        </p:txBody>
-      </p:sp>
-      <p:sp>
-        <p:nvSpPr>
-          <p:cNvPr id="81" name="PlaceHolder 3"/>
+            <a:endParaRPr b="0" lang="en-IN" sz="3200" spc="-1" strike="noStrike">
+              <a:latin typeface="Arial"/>
+            </a:endParaRPr>
+          </a:p>
+        </p:txBody>
+      </p:sp>
+      <p:sp>
+        <p:nvSpPr>
+          <p:cNvPr id="75" name="PlaceHolder 3"/>
           <p:cNvSpPr>
             <a:spLocks noGrp="1"/>
           </p:cNvSpPr>
@@ -1976,18 +1836,15 @@
             <a:normAutofit/>
           </a:bodyPr>
           <a:p>
-            <a:endParaRPr b="0" lang="en-IN" sz="2000" spc="-1" strike="noStrike">
-              <a:solidFill>
-                <a:srgbClr val="ffffff"/>
-              </a:solidFill>
-              <a:latin typeface="Source Sans Pro"/>
-            </a:endParaRPr>
-          </a:p>
-        </p:txBody>
-      </p:sp>
-      <p:sp>
-        <p:nvSpPr>
-          <p:cNvPr id="82" name="PlaceHolder 4"/>
+            <a:endParaRPr b="0" lang="en-IN" sz="3200" spc="-1" strike="noStrike">
+              <a:latin typeface="Arial"/>
+            </a:endParaRPr>
+          </a:p>
+        </p:txBody>
+      </p:sp>
+      <p:sp>
+        <p:nvSpPr>
+          <p:cNvPr id="76" name="PlaceHolder 4"/>
           <p:cNvSpPr>
             <a:spLocks noGrp="1"/>
           </p:cNvSpPr>
@@ -2009,18 +1866,15 @@
             <a:normAutofit/>
           </a:bodyPr>
           <a:p>
-            <a:endParaRPr b="0" lang="en-IN" sz="2000" spc="-1" strike="noStrike">
-              <a:solidFill>
-                <a:srgbClr val="ffffff"/>
-              </a:solidFill>
-              <a:latin typeface="Source Sans Pro"/>
-            </a:endParaRPr>
-          </a:p>
-        </p:txBody>
-      </p:sp>
-      <p:sp>
-        <p:nvSpPr>
-          <p:cNvPr id="83" name="PlaceHolder 5"/>
+            <a:endParaRPr b="0" lang="en-IN" sz="3200" spc="-1" strike="noStrike">
+              <a:latin typeface="Arial"/>
+            </a:endParaRPr>
+          </a:p>
+        </p:txBody>
+      </p:sp>
+      <p:sp>
+        <p:nvSpPr>
+          <p:cNvPr id="77" name="PlaceHolder 5"/>
           <p:cNvSpPr>
             <a:spLocks noGrp="1"/>
           </p:cNvSpPr>
@@ -2042,18 +1896,15 @@
             <a:normAutofit/>
           </a:bodyPr>
           <a:p>
-            <a:endParaRPr b="0" lang="en-IN" sz="2000" spc="-1" strike="noStrike">
-              <a:solidFill>
-                <a:srgbClr val="ffffff"/>
-              </a:solidFill>
-              <a:latin typeface="Source Sans Pro"/>
-            </a:endParaRPr>
-          </a:p>
-        </p:txBody>
-      </p:sp>
-      <p:sp>
-        <p:nvSpPr>
-          <p:cNvPr id="84" name="PlaceHolder 6"/>
+            <a:endParaRPr b="0" lang="en-IN" sz="3200" spc="-1" strike="noStrike">
+              <a:latin typeface="Arial"/>
+            </a:endParaRPr>
+          </a:p>
+        </p:txBody>
+      </p:sp>
+      <p:sp>
+        <p:nvSpPr>
+          <p:cNvPr id="78" name="PlaceHolder 6"/>
           <p:cNvSpPr>
             <a:spLocks noGrp="1"/>
           </p:cNvSpPr>
@@ -2075,18 +1926,15 @@
             <a:normAutofit/>
           </a:bodyPr>
           <a:p>
-            <a:endParaRPr b="0" lang="en-IN" sz="2000" spc="-1" strike="noStrike">
-              <a:solidFill>
-                <a:srgbClr val="ffffff"/>
-              </a:solidFill>
-              <a:latin typeface="Source Sans Pro"/>
-            </a:endParaRPr>
-          </a:p>
-        </p:txBody>
-      </p:sp>
-      <p:sp>
-        <p:nvSpPr>
-          <p:cNvPr id="85" name="PlaceHolder 7"/>
+            <a:endParaRPr b="0" lang="en-IN" sz="3200" spc="-1" strike="noStrike">
+              <a:latin typeface="Arial"/>
+            </a:endParaRPr>
+          </a:p>
+        </p:txBody>
+      </p:sp>
+      <p:sp>
+        <p:nvSpPr>
+          <p:cNvPr id="79" name="PlaceHolder 7"/>
           <p:cNvSpPr>
             <a:spLocks noGrp="1"/>
           </p:cNvSpPr>
@@ -2108,11 +1956,8 @@
             <a:normAutofit/>
           </a:bodyPr>
           <a:p>
-            <a:endParaRPr b="0" lang="en-IN" sz="2000" spc="-1" strike="noStrike">
-              <a:solidFill>
-                <a:srgbClr val="ffffff"/>
-              </a:solidFill>
-              <a:latin typeface="Source Sans Pro"/>
+            <a:endParaRPr b="0" lang="en-IN" sz="3200" spc="-1" strike="noStrike">
+              <a:latin typeface="Arial"/>
             </a:endParaRPr>
           </a:p>
         </p:txBody>
@@ -2163,7 +2008,7 @@
       </p:grpSpPr>
       <p:sp>
         <p:nvSpPr>
-          <p:cNvPr id="92" name="PlaceHolder 1"/>
+          <p:cNvPr id="83" name="PlaceHolder 1"/>
           <p:cNvSpPr>
             <a:spLocks noGrp="1"/>
           </p:cNvSpPr>
@@ -2174,28 +2019,25 @@
         <p:spPr>
           <a:xfrm>
             <a:off x="2700000" y="2700000"/>
-            <a:ext cx="4680000" cy="2160000"/>
-          </a:xfrm>
-          <a:prstGeom prst="rect">
-            <a:avLst/>
-          </a:prstGeom>
-        </p:spPr>
-        <p:txBody>
-          <a:bodyPr lIns="0" rIns="0" tIns="0" bIns="0" anchor="ctr" anchorCtr="1"/>
+            <a:ext cx="4679640" cy="2159640"/>
+          </a:xfrm>
+          <a:prstGeom prst="rect">
+            <a:avLst/>
+          </a:prstGeom>
+        </p:spPr>
+        <p:txBody>
+          <a:bodyPr lIns="0" rIns="0" tIns="0" bIns="0" anchor="ctr"/>
           <a:p>
             <a:pPr algn="ctr"/>
-            <a:endParaRPr b="1" lang="en-IN" sz="3600" spc="-1" strike="noStrike">
-              <a:solidFill>
-                <a:srgbClr val="2c3e50"/>
-              </a:solidFill>
-              <a:latin typeface="Source Sans Pro Black"/>
-            </a:endParaRPr>
-          </a:p>
-        </p:txBody>
-      </p:sp>
-      <p:sp>
-        <p:nvSpPr>
-          <p:cNvPr id="93" name="PlaceHolder 2"/>
+            <a:endParaRPr b="0" lang="en-IN" sz="4400" spc="-1" strike="noStrike">
+              <a:latin typeface="Arial"/>
+            </a:endParaRPr>
+          </a:p>
+        </p:txBody>
+      </p:sp>
+      <p:sp>
+        <p:nvSpPr>
+          <p:cNvPr id="84" name="PlaceHolder 2"/>
           <p:cNvSpPr>
             <a:spLocks noGrp="1"/>
           </p:cNvSpPr>
@@ -2206,7 +2048,7 @@
         <p:spPr>
           <a:xfrm>
             <a:off x="3420000" y="5040000"/>
-            <a:ext cx="6300000" cy="2160000"/>
+            <a:ext cx="6299640" cy="2159640"/>
           </a:xfrm>
           <a:prstGeom prst="rect">
             <a:avLst/>
@@ -2216,11 +2058,8 @@
           <a:bodyPr lIns="0" rIns="0" tIns="0" bIns="0" anchor="ctr"/>
           <a:p>
             <a:pPr algn="ctr"/>
-            <a:endParaRPr b="0" lang="en-IN" sz="2200" spc="-1" strike="noStrike">
-              <a:solidFill>
-                <a:srgbClr val="ffffff"/>
-              </a:solidFill>
-              <a:latin typeface="Source Sans Pro"/>
+            <a:endParaRPr b="0" lang="en-IN" sz="3200" spc="-1" strike="noStrike">
+              <a:latin typeface="Arial"/>
             </a:endParaRPr>
           </a:p>
         </p:txBody>
@@ -2249,7 +2088,7 @@
       </p:grpSpPr>
       <p:sp>
         <p:nvSpPr>
-          <p:cNvPr id="94" name="PlaceHolder 1"/>
+          <p:cNvPr id="85" name="PlaceHolder 1"/>
           <p:cNvSpPr>
             <a:spLocks noGrp="1"/>
           </p:cNvSpPr>
@@ -2260,28 +2099,25 @@
         <p:spPr>
           <a:xfrm>
             <a:off x="2700000" y="2700000"/>
-            <a:ext cx="4680000" cy="2160000"/>
-          </a:xfrm>
-          <a:prstGeom prst="rect">
-            <a:avLst/>
-          </a:prstGeom>
-        </p:spPr>
-        <p:txBody>
-          <a:bodyPr lIns="0" rIns="0" tIns="0" bIns="0" anchor="ctr" anchorCtr="1"/>
+            <a:ext cx="4679640" cy="2159640"/>
+          </a:xfrm>
+          <a:prstGeom prst="rect">
+            <a:avLst/>
+          </a:prstGeom>
+        </p:spPr>
+        <p:txBody>
+          <a:bodyPr lIns="0" rIns="0" tIns="0" bIns="0" anchor="ctr"/>
           <a:p>
             <a:pPr algn="ctr"/>
-            <a:endParaRPr b="1" lang="en-IN" sz="3600" spc="-1" strike="noStrike">
-              <a:solidFill>
-                <a:srgbClr val="2c3e50"/>
-              </a:solidFill>
-              <a:latin typeface="Source Sans Pro Black"/>
-            </a:endParaRPr>
-          </a:p>
-        </p:txBody>
-      </p:sp>
-      <p:sp>
-        <p:nvSpPr>
-          <p:cNvPr id="95" name="PlaceHolder 2"/>
+            <a:endParaRPr b="0" lang="en-IN" sz="4400" spc="-1" strike="noStrike">
+              <a:latin typeface="Arial"/>
+            </a:endParaRPr>
+          </a:p>
+        </p:txBody>
+      </p:sp>
+      <p:sp>
+        <p:nvSpPr>
+          <p:cNvPr id="86" name="PlaceHolder 2"/>
           <p:cNvSpPr>
             <a:spLocks noGrp="1"/>
           </p:cNvSpPr>
@@ -2292,22 +2128,19 @@
         <p:spPr>
           <a:xfrm>
             <a:off x="3420000" y="5040000"/>
-            <a:ext cx="6300000" cy="2160000"/>
-          </a:xfrm>
-          <a:prstGeom prst="rect">
-            <a:avLst/>
-          </a:prstGeom>
-        </p:spPr>
-        <p:txBody>
-          <a:bodyPr lIns="0" rIns="0" tIns="0" bIns="0">
-            <a:normAutofit/>
-          </a:bodyPr>
-          <a:p>
-            <a:endParaRPr b="0" lang="en-IN" sz="2000" spc="-1" strike="noStrike">
-              <a:solidFill>
-                <a:srgbClr val="ffffff"/>
-              </a:solidFill>
-              <a:latin typeface="Source Sans Pro"/>
+            <a:ext cx="6299640" cy="2159640"/>
+          </a:xfrm>
+          <a:prstGeom prst="rect">
+            <a:avLst/>
+          </a:prstGeom>
+        </p:spPr>
+        <p:txBody>
+          <a:bodyPr lIns="0" rIns="0" tIns="0" bIns="0">
+            <a:normAutofit/>
+          </a:bodyPr>
+          <a:p>
+            <a:endParaRPr b="0" lang="en-IN" sz="3200" spc="-1" strike="noStrike">
+              <a:latin typeface="Arial"/>
             </a:endParaRPr>
           </a:p>
         </p:txBody>
@@ -2336,7 +2169,7 @@
       </p:grpSpPr>
       <p:sp>
         <p:nvSpPr>
-          <p:cNvPr id="96" name="PlaceHolder 1"/>
+          <p:cNvPr id="87" name="PlaceHolder 1"/>
           <p:cNvSpPr>
             <a:spLocks noGrp="1"/>
           </p:cNvSpPr>
@@ -2347,28 +2180,25 @@
         <p:spPr>
           <a:xfrm>
             <a:off x="2700000" y="2700000"/>
-            <a:ext cx="4680000" cy="2160000"/>
-          </a:xfrm>
-          <a:prstGeom prst="rect">
-            <a:avLst/>
-          </a:prstGeom>
-        </p:spPr>
-        <p:txBody>
-          <a:bodyPr lIns="0" rIns="0" tIns="0" bIns="0" anchor="ctr" anchorCtr="1"/>
+            <a:ext cx="4679640" cy="2159640"/>
+          </a:xfrm>
+          <a:prstGeom prst="rect">
+            <a:avLst/>
+          </a:prstGeom>
+        </p:spPr>
+        <p:txBody>
+          <a:bodyPr lIns="0" rIns="0" tIns="0" bIns="0" anchor="ctr"/>
           <a:p>
             <a:pPr algn="ctr"/>
-            <a:endParaRPr b="1" lang="en-IN" sz="3600" spc="-1" strike="noStrike">
-              <a:solidFill>
-                <a:srgbClr val="2c3e50"/>
-              </a:solidFill>
-              <a:latin typeface="Source Sans Pro Black"/>
-            </a:endParaRPr>
-          </a:p>
-        </p:txBody>
-      </p:sp>
-      <p:sp>
-        <p:nvSpPr>
-          <p:cNvPr id="97" name="PlaceHolder 2"/>
+            <a:endParaRPr b="0" lang="en-IN" sz="4400" spc="-1" strike="noStrike">
+              <a:latin typeface="Arial"/>
+            </a:endParaRPr>
+          </a:p>
+        </p:txBody>
+      </p:sp>
+      <p:sp>
+        <p:nvSpPr>
+          <p:cNvPr id="88" name="PlaceHolder 2"/>
           <p:cNvSpPr>
             <a:spLocks noGrp="1"/>
           </p:cNvSpPr>
@@ -2379,29 +2209,26 @@
         <p:spPr>
           <a:xfrm>
             <a:off x="3420000" y="5040000"/>
-            <a:ext cx="3074040" cy="2160000"/>
-          </a:xfrm>
-          <a:prstGeom prst="rect">
-            <a:avLst/>
-          </a:prstGeom>
-        </p:spPr>
-        <p:txBody>
-          <a:bodyPr lIns="0" rIns="0" tIns="0" bIns="0">
-            <a:normAutofit/>
-          </a:bodyPr>
-          <a:p>
-            <a:endParaRPr b="0" lang="en-IN" sz="2000" spc="-1" strike="noStrike">
-              <a:solidFill>
-                <a:srgbClr val="ffffff"/>
-              </a:solidFill>
-              <a:latin typeface="Source Sans Pro"/>
-            </a:endParaRPr>
-          </a:p>
-        </p:txBody>
-      </p:sp>
-      <p:sp>
-        <p:nvSpPr>
-          <p:cNvPr id="98" name="PlaceHolder 3"/>
+            <a:ext cx="3074040" cy="2159640"/>
+          </a:xfrm>
+          <a:prstGeom prst="rect">
+            <a:avLst/>
+          </a:prstGeom>
+        </p:spPr>
+        <p:txBody>
+          <a:bodyPr lIns="0" rIns="0" tIns="0" bIns="0">
+            <a:normAutofit/>
+          </a:bodyPr>
+          <a:p>
+            <a:endParaRPr b="0" lang="en-IN" sz="3200" spc="-1" strike="noStrike">
+              <a:latin typeface="Arial"/>
+            </a:endParaRPr>
+          </a:p>
+        </p:txBody>
+      </p:sp>
+      <p:sp>
+        <p:nvSpPr>
+          <p:cNvPr id="89" name="PlaceHolder 3"/>
           <p:cNvSpPr>
             <a:spLocks noGrp="1"/>
           </p:cNvSpPr>
@@ -2412,22 +2239,19 @@
         <p:spPr>
           <a:xfrm>
             <a:off x="6648120" y="5040000"/>
-            <a:ext cx="3074040" cy="2160000"/>
-          </a:xfrm>
-          <a:prstGeom prst="rect">
-            <a:avLst/>
-          </a:prstGeom>
-        </p:spPr>
-        <p:txBody>
-          <a:bodyPr lIns="0" rIns="0" tIns="0" bIns="0">
-            <a:normAutofit/>
-          </a:bodyPr>
-          <a:p>
-            <a:endParaRPr b="0" lang="en-IN" sz="2000" spc="-1" strike="noStrike">
-              <a:solidFill>
-                <a:srgbClr val="ffffff"/>
-              </a:solidFill>
-              <a:latin typeface="Source Sans Pro"/>
+            <a:ext cx="3074040" cy="2159640"/>
+          </a:xfrm>
+          <a:prstGeom prst="rect">
+            <a:avLst/>
+          </a:prstGeom>
+        </p:spPr>
+        <p:txBody>
+          <a:bodyPr lIns="0" rIns="0" tIns="0" bIns="0">
+            <a:normAutofit/>
+          </a:bodyPr>
+          <a:p>
+            <a:endParaRPr b="0" lang="en-IN" sz="3200" spc="-1" strike="noStrike">
+              <a:latin typeface="Arial"/>
             </a:endParaRPr>
           </a:p>
         </p:txBody>
@@ -2456,7 +2280,7 @@
       </p:grpSpPr>
       <p:sp>
         <p:nvSpPr>
-          <p:cNvPr id="99" name="PlaceHolder 1"/>
+          <p:cNvPr id="90" name="PlaceHolder 1"/>
           <p:cNvSpPr>
             <a:spLocks noGrp="1"/>
           </p:cNvSpPr>
@@ -2467,21 +2291,18 @@
         <p:spPr>
           <a:xfrm>
             <a:off x="2700000" y="2700000"/>
-            <a:ext cx="4680000" cy="2160000"/>
-          </a:xfrm>
-          <a:prstGeom prst="rect">
-            <a:avLst/>
-          </a:prstGeom>
-        </p:spPr>
-        <p:txBody>
-          <a:bodyPr lIns="0" rIns="0" tIns="0" bIns="0" anchor="ctr" anchorCtr="1"/>
+            <a:ext cx="4679640" cy="2159640"/>
+          </a:xfrm>
+          <a:prstGeom prst="rect">
+            <a:avLst/>
+          </a:prstGeom>
+        </p:spPr>
+        <p:txBody>
+          <a:bodyPr lIns="0" rIns="0" tIns="0" bIns="0" anchor="ctr"/>
           <a:p>
             <a:pPr algn="ctr"/>
-            <a:endParaRPr b="1" lang="en-IN" sz="3600" spc="-1" strike="noStrike">
-              <a:solidFill>
-                <a:srgbClr val="2c3e50"/>
-              </a:solidFill>
-              <a:latin typeface="Source Sans Pro Black"/>
+            <a:endParaRPr b="0" lang="en-IN" sz="4400" spc="-1" strike="noStrike">
+              <a:latin typeface="Arial"/>
             </a:endParaRPr>
           </a:p>
         </p:txBody>
@@ -2510,7 +2331,7 @@
       </p:grpSpPr>
       <p:sp>
         <p:nvSpPr>
-          <p:cNvPr id="10" name="PlaceHolder 1"/>
+          <p:cNvPr id="5" name="PlaceHolder 1"/>
           <p:cNvSpPr>
             <a:spLocks noGrp="1"/>
           </p:cNvSpPr>
@@ -2521,28 +2342,25 @@
         <p:spPr>
           <a:xfrm>
             <a:off x="2700000" y="2700000"/>
-            <a:ext cx="4680000" cy="2160000"/>
-          </a:xfrm>
-          <a:prstGeom prst="rect">
-            <a:avLst/>
-          </a:prstGeom>
-        </p:spPr>
-        <p:txBody>
-          <a:bodyPr lIns="0" rIns="0" tIns="0" bIns="0" anchor="ctr" anchorCtr="1"/>
+            <a:ext cx="4679640" cy="2159640"/>
+          </a:xfrm>
+          <a:prstGeom prst="rect">
+            <a:avLst/>
+          </a:prstGeom>
+        </p:spPr>
+        <p:txBody>
+          <a:bodyPr lIns="0" rIns="0" tIns="0" bIns="0" anchor="ctr"/>
           <a:p>
             <a:pPr algn="ctr"/>
-            <a:endParaRPr b="1" lang="en-IN" sz="3600" spc="-1" strike="noStrike">
-              <a:solidFill>
-                <a:srgbClr val="2c3e50"/>
-              </a:solidFill>
-              <a:latin typeface="Source Sans Pro Black"/>
-            </a:endParaRPr>
-          </a:p>
-        </p:txBody>
-      </p:sp>
-      <p:sp>
-        <p:nvSpPr>
-          <p:cNvPr id="11" name="PlaceHolder 2"/>
+            <a:endParaRPr b="0" lang="en-IN" sz="4400" spc="-1" strike="noStrike">
+              <a:latin typeface="Arial"/>
+            </a:endParaRPr>
+          </a:p>
+        </p:txBody>
+      </p:sp>
+      <p:sp>
+        <p:nvSpPr>
+          <p:cNvPr id="6" name="PlaceHolder 2"/>
           <p:cNvSpPr>
             <a:spLocks noGrp="1"/>
           </p:cNvSpPr>
@@ -2553,22 +2371,19 @@
         <p:spPr>
           <a:xfrm>
             <a:off x="3420000" y="5040000"/>
-            <a:ext cx="6300000" cy="2160000"/>
-          </a:xfrm>
-          <a:prstGeom prst="rect">
-            <a:avLst/>
-          </a:prstGeom>
-        </p:spPr>
-        <p:txBody>
-          <a:bodyPr lIns="0" rIns="0" tIns="0" bIns="0">
-            <a:normAutofit/>
-          </a:bodyPr>
-          <a:p>
-            <a:endParaRPr b="0" lang="en-IN" sz="2000" spc="-1" strike="noStrike">
-              <a:solidFill>
-                <a:srgbClr val="ffffff"/>
-              </a:solidFill>
-              <a:latin typeface="Source Sans Pro"/>
+            <a:ext cx="6299640" cy="2159640"/>
+          </a:xfrm>
+          <a:prstGeom prst="rect">
+            <a:avLst/>
+          </a:prstGeom>
+        </p:spPr>
+        <p:txBody>
+          <a:bodyPr lIns="0" rIns="0" tIns="0" bIns="0">
+            <a:normAutofit/>
+          </a:bodyPr>
+          <a:p>
+            <a:endParaRPr b="0" lang="en-IN" sz="3200" spc="-1" strike="noStrike">
+              <a:latin typeface="Arial"/>
             </a:endParaRPr>
           </a:p>
         </p:txBody>
@@ -2597,7 +2412,7 @@
       </p:grpSpPr>
       <p:sp>
         <p:nvSpPr>
-          <p:cNvPr id="100" name="PlaceHolder 1"/>
+          <p:cNvPr id="91" name="PlaceHolder 1"/>
           <p:cNvSpPr>
             <a:spLocks noGrp="1"/>
           </p:cNvSpPr>
@@ -2608,7 +2423,7 @@
         <p:spPr>
           <a:xfrm>
             <a:off x="2700000" y="2700000"/>
-            <a:ext cx="4680000" cy="10013760"/>
+            <a:ext cx="4679640" cy="10011960"/>
           </a:xfrm>
           <a:prstGeom prst="rect">
             <a:avLst/>
@@ -2618,11 +2433,8 @@
           <a:bodyPr lIns="0" rIns="0" tIns="0" bIns="0" anchor="ctr"/>
           <a:p>
             <a:pPr algn="ctr"/>
-            <a:endParaRPr b="0" lang="en-IN" sz="2200" spc="-1" strike="noStrike">
-              <a:solidFill>
-                <a:srgbClr val="ffffff"/>
-              </a:solidFill>
-              <a:latin typeface="Source Sans Pro"/>
+            <a:endParaRPr b="0" lang="en-IN" sz="3200" spc="-1" strike="noStrike">
+              <a:latin typeface="Arial"/>
             </a:endParaRPr>
           </a:p>
         </p:txBody>
@@ -2651,7 +2463,7 @@
       </p:grpSpPr>
       <p:sp>
         <p:nvSpPr>
-          <p:cNvPr id="101" name="PlaceHolder 1"/>
+          <p:cNvPr id="92" name="PlaceHolder 1"/>
           <p:cNvSpPr>
             <a:spLocks noGrp="1"/>
           </p:cNvSpPr>
@@ -2662,28 +2474,25 @@
         <p:spPr>
           <a:xfrm>
             <a:off x="2700000" y="2700000"/>
-            <a:ext cx="4680000" cy="2160000"/>
-          </a:xfrm>
-          <a:prstGeom prst="rect">
-            <a:avLst/>
-          </a:prstGeom>
-        </p:spPr>
-        <p:txBody>
-          <a:bodyPr lIns="0" rIns="0" tIns="0" bIns="0" anchor="ctr" anchorCtr="1"/>
+            <a:ext cx="4679640" cy="2159640"/>
+          </a:xfrm>
+          <a:prstGeom prst="rect">
+            <a:avLst/>
+          </a:prstGeom>
+        </p:spPr>
+        <p:txBody>
+          <a:bodyPr lIns="0" rIns="0" tIns="0" bIns="0" anchor="ctr"/>
           <a:p>
             <a:pPr algn="ctr"/>
-            <a:endParaRPr b="1" lang="en-IN" sz="3600" spc="-1" strike="noStrike">
-              <a:solidFill>
-                <a:srgbClr val="2c3e50"/>
-              </a:solidFill>
-              <a:latin typeface="Source Sans Pro Black"/>
-            </a:endParaRPr>
-          </a:p>
-        </p:txBody>
-      </p:sp>
-      <p:sp>
-        <p:nvSpPr>
-          <p:cNvPr id="102" name="PlaceHolder 2"/>
+            <a:endParaRPr b="0" lang="en-IN" sz="4400" spc="-1" strike="noStrike">
+              <a:latin typeface="Arial"/>
+            </a:endParaRPr>
+          </a:p>
+        </p:txBody>
+      </p:sp>
+      <p:sp>
+        <p:nvSpPr>
+          <p:cNvPr id="93" name="PlaceHolder 2"/>
           <p:cNvSpPr>
             <a:spLocks noGrp="1"/>
           </p:cNvSpPr>
@@ -2705,18 +2514,15 @@
             <a:normAutofit/>
           </a:bodyPr>
           <a:p>
-            <a:endParaRPr b="0" lang="en-IN" sz="2000" spc="-1" strike="noStrike">
-              <a:solidFill>
-                <a:srgbClr val="ffffff"/>
-              </a:solidFill>
-              <a:latin typeface="Source Sans Pro"/>
-            </a:endParaRPr>
-          </a:p>
-        </p:txBody>
-      </p:sp>
-      <p:sp>
-        <p:nvSpPr>
-          <p:cNvPr id="103" name="PlaceHolder 3"/>
+            <a:endParaRPr b="0" lang="en-IN" sz="3200" spc="-1" strike="noStrike">
+              <a:latin typeface="Arial"/>
+            </a:endParaRPr>
+          </a:p>
+        </p:txBody>
+      </p:sp>
+      <p:sp>
+        <p:nvSpPr>
+          <p:cNvPr id="94" name="PlaceHolder 3"/>
           <p:cNvSpPr>
             <a:spLocks noGrp="1"/>
           </p:cNvSpPr>
@@ -2738,18 +2544,15 @@
             <a:normAutofit/>
           </a:bodyPr>
           <a:p>
-            <a:endParaRPr b="0" lang="en-IN" sz="2000" spc="-1" strike="noStrike">
-              <a:solidFill>
-                <a:srgbClr val="ffffff"/>
-              </a:solidFill>
-              <a:latin typeface="Source Sans Pro"/>
-            </a:endParaRPr>
-          </a:p>
-        </p:txBody>
-      </p:sp>
-      <p:sp>
-        <p:nvSpPr>
-          <p:cNvPr id="104" name="PlaceHolder 4"/>
+            <a:endParaRPr b="0" lang="en-IN" sz="3200" spc="-1" strike="noStrike">
+              <a:latin typeface="Arial"/>
+            </a:endParaRPr>
+          </a:p>
+        </p:txBody>
+      </p:sp>
+      <p:sp>
+        <p:nvSpPr>
+          <p:cNvPr id="95" name="PlaceHolder 4"/>
           <p:cNvSpPr>
             <a:spLocks noGrp="1"/>
           </p:cNvSpPr>
@@ -2760,22 +2563,19 @@
         <p:spPr>
           <a:xfrm>
             <a:off x="6648120" y="5040000"/>
-            <a:ext cx="3074040" cy="2160000"/>
-          </a:xfrm>
-          <a:prstGeom prst="rect">
-            <a:avLst/>
-          </a:prstGeom>
-        </p:spPr>
-        <p:txBody>
-          <a:bodyPr lIns="0" rIns="0" tIns="0" bIns="0">
-            <a:normAutofit/>
-          </a:bodyPr>
-          <a:p>
-            <a:endParaRPr b="0" lang="en-IN" sz="2000" spc="-1" strike="noStrike">
-              <a:solidFill>
-                <a:srgbClr val="ffffff"/>
-              </a:solidFill>
-              <a:latin typeface="Source Sans Pro"/>
+            <a:ext cx="3074040" cy="2159640"/>
+          </a:xfrm>
+          <a:prstGeom prst="rect">
+            <a:avLst/>
+          </a:prstGeom>
+        </p:spPr>
+        <p:txBody>
+          <a:bodyPr lIns="0" rIns="0" tIns="0" bIns="0">
+            <a:normAutofit/>
+          </a:bodyPr>
+          <a:p>
+            <a:endParaRPr b="0" lang="en-IN" sz="3200" spc="-1" strike="noStrike">
+              <a:latin typeface="Arial"/>
             </a:endParaRPr>
           </a:p>
         </p:txBody>
@@ -2804,7 +2604,7 @@
       </p:grpSpPr>
       <p:sp>
         <p:nvSpPr>
-          <p:cNvPr id="105" name="PlaceHolder 1"/>
+          <p:cNvPr id="96" name="PlaceHolder 1"/>
           <p:cNvSpPr>
             <a:spLocks noGrp="1"/>
           </p:cNvSpPr>
@@ -2815,28 +2615,25 @@
         <p:spPr>
           <a:xfrm>
             <a:off x="2700000" y="2700000"/>
-            <a:ext cx="4680000" cy="2160000"/>
-          </a:xfrm>
-          <a:prstGeom prst="rect">
-            <a:avLst/>
-          </a:prstGeom>
-        </p:spPr>
-        <p:txBody>
-          <a:bodyPr lIns="0" rIns="0" tIns="0" bIns="0" anchor="ctr" anchorCtr="1"/>
+            <a:ext cx="4679640" cy="2159640"/>
+          </a:xfrm>
+          <a:prstGeom prst="rect">
+            <a:avLst/>
+          </a:prstGeom>
+        </p:spPr>
+        <p:txBody>
+          <a:bodyPr lIns="0" rIns="0" tIns="0" bIns="0" anchor="ctr"/>
           <a:p>
             <a:pPr algn="ctr"/>
-            <a:endParaRPr b="1" lang="en-IN" sz="3600" spc="-1" strike="noStrike">
-              <a:solidFill>
-                <a:srgbClr val="2c3e50"/>
-              </a:solidFill>
-              <a:latin typeface="Source Sans Pro Black"/>
-            </a:endParaRPr>
-          </a:p>
-        </p:txBody>
-      </p:sp>
-      <p:sp>
-        <p:nvSpPr>
-          <p:cNvPr id="106" name="PlaceHolder 2"/>
+            <a:endParaRPr b="0" lang="en-IN" sz="4400" spc="-1" strike="noStrike">
+              <a:latin typeface="Arial"/>
+            </a:endParaRPr>
+          </a:p>
+        </p:txBody>
+      </p:sp>
+      <p:sp>
+        <p:nvSpPr>
+          <p:cNvPr id="97" name="PlaceHolder 2"/>
           <p:cNvSpPr>
             <a:spLocks noGrp="1"/>
           </p:cNvSpPr>
@@ -2847,29 +2644,26 @@
         <p:spPr>
           <a:xfrm>
             <a:off x="3420000" y="5040000"/>
-            <a:ext cx="3074040" cy="2160000"/>
-          </a:xfrm>
-          <a:prstGeom prst="rect">
-            <a:avLst/>
-          </a:prstGeom>
-        </p:spPr>
-        <p:txBody>
-          <a:bodyPr lIns="0" rIns="0" tIns="0" bIns="0">
-            <a:normAutofit/>
-          </a:bodyPr>
-          <a:p>
-            <a:endParaRPr b="0" lang="en-IN" sz="2000" spc="-1" strike="noStrike">
-              <a:solidFill>
-                <a:srgbClr val="ffffff"/>
-              </a:solidFill>
-              <a:latin typeface="Source Sans Pro"/>
-            </a:endParaRPr>
-          </a:p>
-        </p:txBody>
-      </p:sp>
-      <p:sp>
-        <p:nvSpPr>
-          <p:cNvPr id="107" name="PlaceHolder 3"/>
+            <a:ext cx="3074040" cy="2159640"/>
+          </a:xfrm>
+          <a:prstGeom prst="rect">
+            <a:avLst/>
+          </a:prstGeom>
+        </p:spPr>
+        <p:txBody>
+          <a:bodyPr lIns="0" rIns="0" tIns="0" bIns="0">
+            <a:normAutofit/>
+          </a:bodyPr>
+          <a:p>
+            <a:endParaRPr b="0" lang="en-IN" sz="3200" spc="-1" strike="noStrike">
+              <a:latin typeface="Arial"/>
+            </a:endParaRPr>
+          </a:p>
+        </p:txBody>
+      </p:sp>
+      <p:sp>
+        <p:nvSpPr>
+          <p:cNvPr id="98" name="PlaceHolder 3"/>
           <p:cNvSpPr>
             <a:spLocks noGrp="1"/>
           </p:cNvSpPr>
@@ -2891,18 +2685,15 @@
             <a:normAutofit/>
           </a:bodyPr>
           <a:p>
-            <a:endParaRPr b="0" lang="en-IN" sz="2000" spc="-1" strike="noStrike">
-              <a:solidFill>
-                <a:srgbClr val="ffffff"/>
-              </a:solidFill>
-              <a:latin typeface="Source Sans Pro"/>
-            </a:endParaRPr>
-          </a:p>
-        </p:txBody>
-      </p:sp>
-      <p:sp>
-        <p:nvSpPr>
-          <p:cNvPr id="108" name="PlaceHolder 4"/>
+            <a:endParaRPr b="0" lang="en-IN" sz="3200" spc="-1" strike="noStrike">
+              <a:latin typeface="Arial"/>
+            </a:endParaRPr>
+          </a:p>
+        </p:txBody>
+      </p:sp>
+      <p:sp>
+        <p:nvSpPr>
+          <p:cNvPr id="99" name="PlaceHolder 4"/>
           <p:cNvSpPr>
             <a:spLocks noGrp="1"/>
           </p:cNvSpPr>
@@ -2924,11 +2715,8 @@
             <a:normAutofit/>
           </a:bodyPr>
           <a:p>
-            <a:endParaRPr b="0" lang="en-IN" sz="2000" spc="-1" strike="noStrike">
-              <a:solidFill>
-                <a:srgbClr val="ffffff"/>
-              </a:solidFill>
-              <a:latin typeface="Source Sans Pro"/>
+            <a:endParaRPr b="0" lang="en-IN" sz="3200" spc="-1" strike="noStrike">
+              <a:latin typeface="Arial"/>
             </a:endParaRPr>
           </a:p>
         </p:txBody>
@@ -2957,7 +2745,7 @@
       </p:grpSpPr>
       <p:sp>
         <p:nvSpPr>
-          <p:cNvPr id="109" name="PlaceHolder 1"/>
+          <p:cNvPr id="100" name="PlaceHolder 1"/>
           <p:cNvSpPr>
             <a:spLocks noGrp="1"/>
           </p:cNvSpPr>
@@ -2968,28 +2756,25 @@
         <p:spPr>
           <a:xfrm>
             <a:off x="2700000" y="2700000"/>
-            <a:ext cx="4680000" cy="2160000"/>
-          </a:xfrm>
-          <a:prstGeom prst="rect">
-            <a:avLst/>
-          </a:prstGeom>
-        </p:spPr>
-        <p:txBody>
-          <a:bodyPr lIns="0" rIns="0" tIns="0" bIns="0" anchor="ctr" anchorCtr="1"/>
+            <a:ext cx="4679640" cy="2159640"/>
+          </a:xfrm>
+          <a:prstGeom prst="rect">
+            <a:avLst/>
+          </a:prstGeom>
+        </p:spPr>
+        <p:txBody>
+          <a:bodyPr lIns="0" rIns="0" tIns="0" bIns="0" anchor="ctr"/>
           <a:p>
             <a:pPr algn="ctr"/>
-            <a:endParaRPr b="1" lang="en-IN" sz="3600" spc="-1" strike="noStrike">
-              <a:solidFill>
-                <a:srgbClr val="2c3e50"/>
-              </a:solidFill>
-              <a:latin typeface="Source Sans Pro Black"/>
-            </a:endParaRPr>
-          </a:p>
-        </p:txBody>
-      </p:sp>
-      <p:sp>
-        <p:nvSpPr>
-          <p:cNvPr id="110" name="PlaceHolder 2"/>
+            <a:endParaRPr b="0" lang="en-IN" sz="4400" spc="-1" strike="noStrike">
+              <a:latin typeface="Arial"/>
+            </a:endParaRPr>
+          </a:p>
+        </p:txBody>
+      </p:sp>
+      <p:sp>
+        <p:nvSpPr>
+          <p:cNvPr id="101" name="PlaceHolder 2"/>
           <p:cNvSpPr>
             <a:spLocks noGrp="1"/>
           </p:cNvSpPr>
@@ -3011,18 +2796,15 @@
             <a:normAutofit/>
           </a:bodyPr>
           <a:p>
-            <a:endParaRPr b="0" lang="en-IN" sz="2000" spc="-1" strike="noStrike">
-              <a:solidFill>
-                <a:srgbClr val="ffffff"/>
-              </a:solidFill>
-              <a:latin typeface="Source Sans Pro"/>
-            </a:endParaRPr>
-          </a:p>
-        </p:txBody>
-      </p:sp>
-      <p:sp>
-        <p:nvSpPr>
-          <p:cNvPr id="111" name="PlaceHolder 3"/>
+            <a:endParaRPr b="0" lang="en-IN" sz="3200" spc="-1" strike="noStrike">
+              <a:latin typeface="Arial"/>
+            </a:endParaRPr>
+          </a:p>
+        </p:txBody>
+      </p:sp>
+      <p:sp>
+        <p:nvSpPr>
+          <p:cNvPr id="102" name="PlaceHolder 3"/>
           <p:cNvSpPr>
             <a:spLocks noGrp="1"/>
           </p:cNvSpPr>
@@ -3044,18 +2826,15 @@
             <a:normAutofit/>
           </a:bodyPr>
           <a:p>
-            <a:endParaRPr b="0" lang="en-IN" sz="2000" spc="-1" strike="noStrike">
-              <a:solidFill>
-                <a:srgbClr val="ffffff"/>
-              </a:solidFill>
-              <a:latin typeface="Source Sans Pro"/>
-            </a:endParaRPr>
-          </a:p>
-        </p:txBody>
-      </p:sp>
-      <p:sp>
-        <p:nvSpPr>
-          <p:cNvPr id="112" name="PlaceHolder 4"/>
+            <a:endParaRPr b="0" lang="en-IN" sz="3200" spc="-1" strike="noStrike">
+              <a:latin typeface="Arial"/>
+            </a:endParaRPr>
+          </a:p>
+        </p:txBody>
+      </p:sp>
+      <p:sp>
+        <p:nvSpPr>
+          <p:cNvPr id="103" name="PlaceHolder 4"/>
           <p:cNvSpPr>
             <a:spLocks noGrp="1"/>
           </p:cNvSpPr>
@@ -3066,22 +2845,19 @@
         <p:spPr>
           <a:xfrm>
             <a:off x="3420000" y="6168240"/>
-            <a:ext cx="6300000" cy="1029960"/>
-          </a:xfrm>
-          <a:prstGeom prst="rect">
-            <a:avLst/>
-          </a:prstGeom>
-        </p:spPr>
-        <p:txBody>
-          <a:bodyPr lIns="0" rIns="0" tIns="0" bIns="0">
-            <a:normAutofit/>
-          </a:bodyPr>
-          <a:p>
-            <a:endParaRPr b="0" lang="en-IN" sz="2000" spc="-1" strike="noStrike">
-              <a:solidFill>
-                <a:srgbClr val="ffffff"/>
-              </a:solidFill>
-              <a:latin typeface="Source Sans Pro"/>
+            <a:ext cx="6299640" cy="1029960"/>
+          </a:xfrm>
+          <a:prstGeom prst="rect">
+            <a:avLst/>
+          </a:prstGeom>
+        </p:spPr>
+        <p:txBody>
+          <a:bodyPr lIns="0" rIns="0" tIns="0" bIns="0">
+            <a:normAutofit/>
+          </a:bodyPr>
+          <a:p>
+            <a:endParaRPr b="0" lang="en-IN" sz="3200" spc="-1" strike="noStrike">
+              <a:latin typeface="Arial"/>
             </a:endParaRPr>
           </a:p>
         </p:txBody>
@@ -3110,7 +2886,7 @@
       </p:grpSpPr>
       <p:sp>
         <p:nvSpPr>
-          <p:cNvPr id="113" name="PlaceHolder 1"/>
+          <p:cNvPr id="104" name="PlaceHolder 1"/>
           <p:cNvSpPr>
             <a:spLocks noGrp="1"/>
           </p:cNvSpPr>
@@ -3121,28 +2897,25 @@
         <p:spPr>
           <a:xfrm>
             <a:off x="2700000" y="2700000"/>
-            <a:ext cx="4680000" cy="2160000"/>
-          </a:xfrm>
-          <a:prstGeom prst="rect">
-            <a:avLst/>
-          </a:prstGeom>
-        </p:spPr>
-        <p:txBody>
-          <a:bodyPr lIns="0" rIns="0" tIns="0" bIns="0" anchor="ctr" anchorCtr="1"/>
+            <a:ext cx="4679640" cy="2159640"/>
+          </a:xfrm>
+          <a:prstGeom prst="rect">
+            <a:avLst/>
+          </a:prstGeom>
+        </p:spPr>
+        <p:txBody>
+          <a:bodyPr lIns="0" rIns="0" tIns="0" bIns="0" anchor="ctr"/>
           <a:p>
             <a:pPr algn="ctr"/>
-            <a:endParaRPr b="1" lang="en-IN" sz="3600" spc="-1" strike="noStrike">
-              <a:solidFill>
-                <a:srgbClr val="2c3e50"/>
-              </a:solidFill>
-              <a:latin typeface="Source Sans Pro Black"/>
-            </a:endParaRPr>
-          </a:p>
-        </p:txBody>
-      </p:sp>
-      <p:sp>
-        <p:nvSpPr>
-          <p:cNvPr id="114" name="PlaceHolder 2"/>
+            <a:endParaRPr b="0" lang="en-IN" sz="4400" spc="-1" strike="noStrike">
+              <a:latin typeface="Arial"/>
+            </a:endParaRPr>
+          </a:p>
+        </p:txBody>
+      </p:sp>
+      <p:sp>
+        <p:nvSpPr>
+          <p:cNvPr id="105" name="PlaceHolder 2"/>
           <p:cNvSpPr>
             <a:spLocks noGrp="1"/>
           </p:cNvSpPr>
@@ -3153,29 +2926,26 @@
         <p:spPr>
           <a:xfrm>
             <a:off x="3420000" y="5040000"/>
-            <a:ext cx="6300000" cy="1029960"/>
-          </a:xfrm>
-          <a:prstGeom prst="rect">
-            <a:avLst/>
-          </a:prstGeom>
-        </p:spPr>
-        <p:txBody>
-          <a:bodyPr lIns="0" rIns="0" tIns="0" bIns="0">
-            <a:normAutofit/>
-          </a:bodyPr>
-          <a:p>
-            <a:endParaRPr b="0" lang="en-IN" sz="2000" spc="-1" strike="noStrike">
-              <a:solidFill>
-                <a:srgbClr val="ffffff"/>
-              </a:solidFill>
-              <a:latin typeface="Source Sans Pro"/>
-            </a:endParaRPr>
-          </a:p>
-        </p:txBody>
-      </p:sp>
-      <p:sp>
-        <p:nvSpPr>
-          <p:cNvPr id="115" name="PlaceHolder 3"/>
+            <a:ext cx="6299640" cy="1029960"/>
+          </a:xfrm>
+          <a:prstGeom prst="rect">
+            <a:avLst/>
+          </a:prstGeom>
+        </p:spPr>
+        <p:txBody>
+          <a:bodyPr lIns="0" rIns="0" tIns="0" bIns="0">
+            <a:normAutofit/>
+          </a:bodyPr>
+          <a:p>
+            <a:endParaRPr b="0" lang="en-IN" sz="3200" spc="-1" strike="noStrike">
+              <a:latin typeface="Arial"/>
+            </a:endParaRPr>
+          </a:p>
+        </p:txBody>
+      </p:sp>
+      <p:sp>
+        <p:nvSpPr>
+          <p:cNvPr id="106" name="PlaceHolder 3"/>
           <p:cNvSpPr>
             <a:spLocks noGrp="1"/>
           </p:cNvSpPr>
@@ -3186,22 +2956,19 @@
         <p:spPr>
           <a:xfrm>
             <a:off x="3420000" y="6168240"/>
-            <a:ext cx="6300000" cy="1029960"/>
-          </a:xfrm>
-          <a:prstGeom prst="rect">
-            <a:avLst/>
-          </a:prstGeom>
-        </p:spPr>
-        <p:txBody>
-          <a:bodyPr lIns="0" rIns="0" tIns="0" bIns="0">
-            <a:normAutofit/>
-          </a:bodyPr>
-          <a:p>
-            <a:endParaRPr b="0" lang="en-IN" sz="2000" spc="-1" strike="noStrike">
-              <a:solidFill>
-                <a:srgbClr val="ffffff"/>
-              </a:solidFill>
-              <a:latin typeface="Source Sans Pro"/>
+            <a:ext cx="6299640" cy="1029960"/>
+          </a:xfrm>
+          <a:prstGeom prst="rect">
+            <a:avLst/>
+          </a:prstGeom>
+        </p:spPr>
+        <p:txBody>
+          <a:bodyPr lIns="0" rIns="0" tIns="0" bIns="0">
+            <a:normAutofit/>
+          </a:bodyPr>
+          <a:p>
+            <a:endParaRPr b="0" lang="en-IN" sz="3200" spc="-1" strike="noStrike">
+              <a:latin typeface="Arial"/>
             </a:endParaRPr>
           </a:p>
         </p:txBody>
@@ -3230,7 +2997,7 @@
       </p:grpSpPr>
       <p:sp>
         <p:nvSpPr>
-          <p:cNvPr id="116" name="PlaceHolder 1"/>
+          <p:cNvPr id="107" name="PlaceHolder 1"/>
           <p:cNvSpPr>
             <a:spLocks noGrp="1"/>
           </p:cNvSpPr>
@@ -3241,28 +3008,25 @@
         <p:spPr>
           <a:xfrm>
             <a:off x="2700000" y="2700000"/>
-            <a:ext cx="4680000" cy="2160000"/>
-          </a:xfrm>
-          <a:prstGeom prst="rect">
-            <a:avLst/>
-          </a:prstGeom>
-        </p:spPr>
-        <p:txBody>
-          <a:bodyPr lIns="0" rIns="0" tIns="0" bIns="0" anchor="ctr" anchorCtr="1"/>
+            <a:ext cx="4679640" cy="2159640"/>
+          </a:xfrm>
+          <a:prstGeom prst="rect">
+            <a:avLst/>
+          </a:prstGeom>
+        </p:spPr>
+        <p:txBody>
+          <a:bodyPr lIns="0" rIns="0" tIns="0" bIns="0" anchor="ctr"/>
           <a:p>
             <a:pPr algn="ctr"/>
-            <a:endParaRPr b="1" lang="en-IN" sz="3600" spc="-1" strike="noStrike">
-              <a:solidFill>
-                <a:srgbClr val="2c3e50"/>
-              </a:solidFill>
-              <a:latin typeface="Source Sans Pro Black"/>
-            </a:endParaRPr>
-          </a:p>
-        </p:txBody>
-      </p:sp>
-      <p:sp>
-        <p:nvSpPr>
-          <p:cNvPr id="117" name="PlaceHolder 2"/>
+            <a:endParaRPr b="0" lang="en-IN" sz="4400" spc="-1" strike="noStrike">
+              <a:latin typeface="Arial"/>
+            </a:endParaRPr>
+          </a:p>
+        </p:txBody>
+      </p:sp>
+      <p:sp>
+        <p:nvSpPr>
+          <p:cNvPr id="108" name="PlaceHolder 2"/>
           <p:cNvSpPr>
             <a:spLocks noGrp="1"/>
           </p:cNvSpPr>
@@ -3284,18 +3048,15 @@
             <a:normAutofit/>
           </a:bodyPr>
           <a:p>
-            <a:endParaRPr b="0" lang="en-IN" sz="2000" spc="-1" strike="noStrike">
-              <a:solidFill>
-                <a:srgbClr val="ffffff"/>
-              </a:solidFill>
-              <a:latin typeface="Source Sans Pro"/>
-            </a:endParaRPr>
-          </a:p>
-        </p:txBody>
-      </p:sp>
-      <p:sp>
-        <p:nvSpPr>
-          <p:cNvPr id="118" name="PlaceHolder 3"/>
+            <a:endParaRPr b="0" lang="en-IN" sz="3200" spc="-1" strike="noStrike">
+              <a:latin typeface="Arial"/>
+            </a:endParaRPr>
+          </a:p>
+        </p:txBody>
+      </p:sp>
+      <p:sp>
+        <p:nvSpPr>
+          <p:cNvPr id="109" name="PlaceHolder 3"/>
           <p:cNvSpPr>
             <a:spLocks noGrp="1"/>
           </p:cNvSpPr>
@@ -3317,18 +3078,15 @@
             <a:normAutofit/>
           </a:bodyPr>
           <a:p>
-            <a:endParaRPr b="0" lang="en-IN" sz="2000" spc="-1" strike="noStrike">
-              <a:solidFill>
-                <a:srgbClr val="ffffff"/>
-              </a:solidFill>
-              <a:latin typeface="Source Sans Pro"/>
-            </a:endParaRPr>
-          </a:p>
-        </p:txBody>
-      </p:sp>
-      <p:sp>
-        <p:nvSpPr>
-          <p:cNvPr id="119" name="PlaceHolder 4"/>
+            <a:endParaRPr b="0" lang="en-IN" sz="3200" spc="-1" strike="noStrike">
+              <a:latin typeface="Arial"/>
+            </a:endParaRPr>
+          </a:p>
+        </p:txBody>
+      </p:sp>
+      <p:sp>
+        <p:nvSpPr>
+          <p:cNvPr id="110" name="PlaceHolder 4"/>
           <p:cNvSpPr>
             <a:spLocks noGrp="1"/>
           </p:cNvSpPr>
@@ -3350,18 +3108,15 @@
             <a:normAutofit/>
           </a:bodyPr>
           <a:p>
-            <a:endParaRPr b="0" lang="en-IN" sz="2000" spc="-1" strike="noStrike">
-              <a:solidFill>
-                <a:srgbClr val="ffffff"/>
-              </a:solidFill>
-              <a:latin typeface="Source Sans Pro"/>
-            </a:endParaRPr>
-          </a:p>
-        </p:txBody>
-      </p:sp>
-      <p:sp>
-        <p:nvSpPr>
-          <p:cNvPr id="120" name="PlaceHolder 5"/>
+            <a:endParaRPr b="0" lang="en-IN" sz="3200" spc="-1" strike="noStrike">
+              <a:latin typeface="Arial"/>
+            </a:endParaRPr>
+          </a:p>
+        </p:txBody>
+      </p:sp>
+      <p:sp>
+        <p:nvSpPr>
+          <p:cNvPr id="111" name="PlaceHolder 5"/>
           <p:cNvSpPr>
             <a:spLocks noGrp="1"/>
           </p:cNvSpPr>
@@ -3383,11 +3138,8 @@
             <a:normAutofit/>
           </a:bodyPr>
           <a:p>
-            <a:endParaRPr b="0" lang="en-IN" sz="2000" spc="-1" strike="noStrike">
-              <a:solidFill>
-                <a:srgbClr val="ffffff"/>
-              </a:solidFill>
-              <a:latin typeface="Source Sans Pro"/>
+            <a:endParaRPr b="0" lang="en-IN" sz="3200" spc="-1" strike="noStrike">
+              <a:latin typeface="Arial"/>
             </a:endParaRPr>
           </a:p>
         </p:txBody>
@@ -3416,7 +3168,7 @@
       </p:grpSpPr>
       <p:sp>
         <p:nvSpPr>
-          <p:cNvPr id="121" name="PlaceHolder 1"/>
+          <p:cNvPr id="112" name="PlaceHolder 1"/>
           <p:cNvSpPr>
             <a:spLocks noGrp="1"/>
           </p:cNvSpPr>
@@ -3427,28 +3179,25 @@
         <p:spPr>
           <a:xfrm>
             <a:off x="2700000" y="2700000"/>
-            <a:ext cx="4680000" cy="2160000"/>
-          </a:xfrm>
-          <a:prstGeom prst="rect">
-            <a:avLst/>
-          </a:prstGeom>
-        </p:spPr>
-        <p:txBody>
-          <a:bodyPr lIns="0" rIns="0" tIns="0" bIns="0" anchor="ctr" anchorCtr="1"/>
+            <a:ext cx="4679640" cy="2159640"/>
+          </a:xfrm>
+          <a:prstGeom prst="rect">
+            <a:avLst/>
+          </a:prstGeom>
+        </p:spPr>
+        <p:txBody>
+          <a:bodyPr lIns="0" rIns="0" tIns="0" bIns="0" anchor="ctr"/>
           <a:p>
             <a:pPr algn="ctr"/>
-            <a:endParaRPr b="1" lang="en-IN" sz="3600" spc="-1" strike="noStrike">
-              <a:solidFill>
-                <a:srgbClr val="2c3e50"/>
-              </a:solidFill>
-              <a:latin typeface="Source Sans Pro Black"/>
-            </a:endParaRPr>
-          </a:p>
-        </p:txBody>
-      </p:sp>
-      <p:sp>
-        <p:nvSpPr>
-          <p:cNvPr id="122" name="PlaceHolder 2"/>
+            <a:endParaRPr b="0" lang="en-IN" sz="4400" spc="-1" strike="noStrike">
+              <a:latin typeface="Arial"/>
+            </a:endParaRPr>
+          </a:p>
+        </p:txBody>
+      </p:sp>
+      <p:sp>
+        <p:nvSpPr>
+          <p:cNvPr id="113" name="PlaceHolder 2"/>
           <p:cNvSpPr>
             <a:spLocks noGrp="1"/>
           </p:cNvSpPr>
@@ -3470,18 +3219,15 @@
             <a:normAutofit/>
           </a:bodyPr>
           <a:p>
-            <a:endParaRPr b="0" lang="en-IN" sz="2000" spc="-1" strike="noStrike">
-              <a:solidFill>
-                <a:srgbClr val="ffffff"/>
-              </a:solidFill>
-              <a:latin typeface="Source Sans Pro"/>
-            </a:endParaRPr>
-          </a:p>
-        </p:txBody>
-      </p:sp>
-      <p:sp>
-        <p:nvSpPr>
-          <p:cNvPr id="123" name="PlaceHolder 3"/>
+            <a:endParaRPr b="0" lang="en-IN" sz="3200" spc="-1" strike="noStrike">
+              <a:latin typeface="Arial"/>
+            </a:endParaRPr>
+          </a:p>
+        </p:txBody>
+      </p:sp>
+      <p:sp>
+        <p:nvSpPr>
+          <p:cNvPr id="114" name="PlaceHolder 3"/>
           <p:cNvSpPr>
             <a:spLocks noGrp="1"/>
           </p:cNvSpPr>
@@ -3503,18 +3249,15 @@
             <a:normAutofit/>
           </a:bodyPr>
           <a:p>
-            <a:endParaRPr b="0" lang="en-IN" sz="2000" spc="-1" strike="noStrike">
-              <a:solidFill>
-                <a:srgbClr val="ffffff"/>
-              </a:solidFill>
-              <a:latin typeface="Source Sans Pro"/>
-            </a:endParaRPr>
-          </a:p>
-        </p:txBody>
-      </p:sp>
-      <p:sp>
-        <p:nvSpPr>
-          <p:cNvPr id="124" name="PlaceHolder 4"/>
+            <a:endParaRPr b="0" lang="en-IN" sz="3200" spc="-1" strike="noStrike">
+              <a:latin typeface="Arial"/>
+            </a:endParaRPr>
+          </a:p>
+        </p:txBody>
+      </p:sp>
+      <p:sp>
+        <p:nvSpPr>
+          <p:cNvPr id="115" name="PlaceHolder 4"/>
           <p:cNvSpPr>
             <a:spLocks noGrp="1"/>
           </p:cNvSpPr>
@@ -3536,18 +3279,15 @@
             <a:normAutofit/>
           </a:bodyPr>
           <a:p>
-            <a:endParaRPr b="0" lang="en-IN" sz="2000" spc="-1" strike="noStrike">
-              <a:solidFill>
-                <a:srgbClr val="ffffff"/>
-              </a:solidFill>
-              <a:latin typeface="Source Sans Pro"/>
-            </a:endParaRPr>
-          </a:p>
-        </p:txBody>
-      </p:sp>
-      <p:sp>
-        <p:nvSpPr>
-          <p:cNvPr id="125" name="PlaceHolder 5"/>
+            <a:endParaRPr b="0" lang="en-IN" sz="3200" spc="-1" strike="noStrike">
+              <a:latin typeface="Arial"/>
+            </a:endParaRPr>
+          </a:p>
+        </p:txBody>
+      </p:sp>
+      <p:sp>
+        <p:nvSpPr>
+          <p:cNvPr id="116" name="PlaceHolder 5"/>
           <p:cNvSpPr>
             <a:spLocks noGrp="1"/>
           </p:cNvSpPr>
@@ -3569,18 +3309,15 @@
             <a:normAutofit/>
           </a:bodyPr>
           <a:p>
-            <a:endParaRPr b="0" lang="en-IN" sz="2000" spc="-1" strike="noStrike">
-              <a:solidFill>
-                <a:srgbClr val="ffffff"/>
-              </a:solidFill>
-              <a:latin typeface="Source Sans Pro"/>
-            </a:endParaRPr>
-          </a:p>
-        </p:txBody>
-      </p:sp>
-      <p:sp>
-        <p:nvSpPr>
-          <p:cNvPr id="126" name="PlaceHolder 6"/>
+            <a:endParaRPr b="0" lang="en-IN" sz="3200" spc="-1" strike="noStrike">
+              <a:latin typeface="Arial"/>
+            </a:endParaRPr>
+          </a:p>
+        </p:txBody>
+      </p:sp>
+      <p:sp>
+        <p:nvSpPr>
+          <p:cNvPr id="117" name="PlaceHolder 6"/>
           <p:cNvSpPr>
             <a:spLocks noGrp="1"/>
           </p:cNvSpPr>
@@ -3602,18 +3339,15 @@
             <a:normAutofit/>
           </a:bodyPr>
           <a:p>
-            <a:endParaRPr b="0" lang="en-IN" sz="2000" spc="-1" strike="noStrike">
-              <a:solidFill>
-                <a:srgbClr val="ffffff"/>
-              </a:solidFill>
-              <a:latin typeface="Source Sans Pro"/>
-            </a:endParaRPr>
-          </a:p>
-        </p:txBody>
-      </p:sp>
-      <p:sp>
-        <p:nvSpPr>
-          <p:cNvPr id="127" name="PlaceHolder 7"/>
+            <a:endParaRPr b="0" lang="en-IN" sz="3200" spc="-1" strike="noStrike">
+              <a:latin typeface="Arial"/>
+            </a:endParaRPr>
+          </a:p>
+        </p:txBody>
+      </p:sp>
+      <p:sp>
+        <p:nvSpPr>
+          <p:cNvPr id="118" name="PlaceHolder 7"/>
           <p:cNvSpPr>
             <a:spLocks noGrp="1"/>
           </p:cNvSpPr>
@@ -3635,11 +3369,8 @@
             <a:normAutofit/>
           </a:bodyPr>
           <a:p>
-            <a:endParaRPr b="0" lang="en-IN" sz="2000" spc="-1" strike="noStrike">
-              <a:solidFill>
-                <a:srgbClr val="ffffff"/>
-              </a:solidFill>
-              <a:latin typeface="Source Sans Pro"/>
+            <a:endParaRPr b="0" lang="en-IN" sz="3200" spc="-1" strike="noStrike">
+              <a:latin typeface="Arial"/>
             </a:endParaRPr>
           </a:p>
         </p:txBody>
@@ -3668,7 +3399,7 @@
       </p:grpSpPr>
       <p:sp>
         <p:nvSpPr>
-          <p:cNvPr id="12" name="PlaceHolder 1"/>
+          <p:cNvPr id="7" name="PlaceHolder 1"/>
           <p:cNvSpPr>
             <a:spLocks noGrp="1"/>
           </p:cNvSpPr>
@@ -3679,28 +3410,25 @@
         <p:spPr>
           <a:xfrm>
             <a:off x="2700000" y="2700000"/>
-            <a:ext cx="4680000" cy="2160000"/>
-          </a:xfrm>
-          <a:prstGeom prst="rect">
-            <a:avLst/>
-          </a:prstGeom>
-        </p:spPr>
-        <p:txBody>
-          <a:bodyPr lIns="0" rIns="0" tIns="0" bIns="0" anchor="ctr" anchorCtr="1"/>
+            <a:ext cx="4679640" cy="2159640"/>
+          </a:xfrm>
+          <a:prstGeom prst="rect">
+            <a:avLst/>
+          </a:prstGeom>
+        </p:spPr>
+        <p:txBody>
+          <a:bodyPr lIns="0" rIns="0" tIns="0" bIns="0" anchor="ctr"/>
           <a:p>
             <a:pPr algn="ctr"/>
-            <a:endParaRPr b="1" lang="en-IN" sz="3600" spc="-1" strike="noStrike">
-              <a:solidFill>
-                <a:srgbClr val="2c3e50"/>
-              </a:solidFill>
-              <a:latin typeface="Source Sans Pro Black"/>
-            </a:endParaRPr>
-          </a:p>
-        </p:txBody>
-      </p:sp>
-      <p:sp>
-        <p:nvSpPr>
-          <p:cNvPr id="13" name="PlaceHolder 2"/>
+            <a:endParaRPr b="0" lang="en-IN" sz="4400" spc="-1" strike="noStrike">
+              <a:latin typeface="Arial"/>
+            </a:endParaRPr>
+          </a:p>
+        </p:txBody>
+      </p:sp>
+      <p:sp>
+        <p:nvSpPr>
+          <p:cNvPr id="8" name="PlaceHolder 2"/>
           <p:cNvSpPr>
             <a:spLocks noGrp="1"/>
           </p:cNvSpPr>
@@ -3711,29 +3439,26 @@
         <p:spPr>
           <a:xfrm>
             <a:off x="3420000" y="5040000"/>
-            <a:ext cx="3074040" cy="2160000"/>
-          </a:xfrm>
-          <a:prstGeom prst="rect">
-            <a:avLst/>
-          </a:prstGeom>
-        </p:spPr>
-        <p:txBody>
-          <a:bodyPr lIns="0" rIns="0" tIns="0" bIns="0">
-            <a:normAutofit/>
-          </a:bodyPr>
-          <a:p>
-            <a:endParaRPr b="0" lang="en-IN" sz="2000" spc="-1" strike="noStrike">
-              <a:solidFill>
-                <a:srgbClr val="ffffff"/>
-              </a:solidFill>
-              <a:latin typeface="Source Sans Pro"/>
-            </a:endParaRPr>
-          </a:p>
-        </p:txBody>
-      </p:sp>
-      <p:sp>
-        <p:nvSpPr>
-          <p:cNvPr id="14" name="PlaceHolder 3"/>
+            <a:ext cx="3074040" cy="2159640"/>
+          </a:xfrm>
+          <a:prstGeom prst="rect">
+            <a:avLst/>
+          </a:prstGeom>
+        </p:spPr>
+        <p:txBody>
+          <a:bodyPr lIns="0" rIns="0" tIns="0" bIns="0">
+            <a:normAutofit/>
+          </a:bodyPr>
+          <a:p>
+            <a:endParaRPr b="0" lang="en-IN" sz="3200" spc="-1" strike="noStrike">
+              <a:latin typeface="Arial"/>
+            </a:endParaRPr>
+          </a:p>
+        </p:txBody>
+      </p:sp>
+      <p:sp>
+        <p:nvSpPr>
+          <p:cNvPr id="9" name="PlaceHolder 3"/>
           <p:cNvSpPr>
             <a:spLocks noGrp="1"/>
           </p:cNvSpPr>
@@ -3744,22 +3469,19 @@
         <p:spPr>
           <a:xfrm>
             <a:off x="6648120" y="5040000"/>
-            <a:ext cx="3074040" cy="2160000"/>
-          </a:xfrm>
-          <a:prstGeom prst="rect">
-            <a:avLst/>
-          </a:prstGeom>
-        </p:spPr>
-        <p:txBody>
-          <a:bodyPr lIns="0" rIns="0" tIns="0" bIns="0">
-            <a:normAutofit/>
-          </a:bodyPr>
-          <a:p>
-            <a:endParaRPr b="0" lang="en-IN" sz="2000" spc="-1" strike="noStrike">
-              <a:solidFill>
-                <a:srgbClr val="ffffff"/>
-              </a:solidFill>
-              <a:latin typeface="Source Sans Pro"/>
+            <a:ext cx="3074040" cy="2159640"/>
+          </a:xfrm>
+          <a:prstGeom prst="rect">
+            <a:avLst/>
+          </a:prstGeom>
+        </p:spPr>
+        <p:txBody>
+          <a:bodyPr lIns="0" rIns="0" tIns="0" bIns="0">
+            <a:normAutofit/>
+          </a:bodyPr>
+          <a:p>
+            <a:endParaRPr b="0" lang="en-IN" sz="3200" spc="-1" strike="noStrike">
+              <a:latin typeface="Arial"/>
             </a:endParaRPr>
           </a:p>
         </p:txBody>
@@ -3788,7 +3510,7 @@
       </p:grpSpPr>
       <p:sp>
         <p:nvSpPr>
-          <p:cNvPr id="15" name="PlaceHolder 1"/>
+          <p:cNvPr id="10" name="PlaceHolder 1"/>
           <p:cNvSpPr>
             <a:spLocks noGrp="1"/>
           </p:cNvSpPr>
@@ -3799,21 +3521,18 @@
         <p:spPr>
           <a:xfrm>
             <a:off x="2700000" y="2700000"/>
-            <a:ext cx="4680000" cy="2160000"/>
-          </a:xfrm>
-          <a:prstGeom prst="rect">
-            <a:avLst/>
-          </a:prstGeom>
-        </p:spPr>
-        <p:txBody>
-          <a:bodyPr lIns="0" rIns="0" tIns="0" bIns="0" anchor="ctr" anchorCtr="1"/>
+            <a:ext cx="4679640" cy="2159640"/>
+          </a:xfrm>
+          <a:prstGeom prst="rect">
+            <a:avLst/>
+          </a:prstGeom>
+        </p:spPr>
+        <p:txBody>
+          <a:bodyPr lIns="0" rIns="0" tIns="0" bIns="0" anchor="ctr"/>
           <a:p>
             <a:pPr algn="ctr"/>
-            <a:endParaRPr b="1" lang="en-IN" sz="3600" spc="-1" strike="noStrike">
-              <a:solidFill>
-                <a:srgbClr val="2c3e50"/>
-              </a:solidFill>
-              <a:latin typeface="Source Sans Pro Black"/>
+            <a:endParaRPr b="0" lang="en-IN" sz="4400" spc="-1" strike="noStrike">
+              <a:latin typeface="Arial"/>
             </a:endParaRPr>
           </a:p>
         </p:txBody>
@@ -3842,7 +3561,7 @@
       </p:grpSpPr>
       <p:sp>
         <p:nvSpPr>
-          <p:cNvPr id="16" name="PlaceHolder 1"/>
+          <p:cNvPr id="11" name="PlaceHolder 1"/>
           <p:cNvSpPr>
             <a:spLocks noGrp="1"/>
           </p:cNvSpPr>
@@ -3853,7 +3572,7 @@
         <p:spPr>
           <a:xfrm>
             <a:off x="2700000" y="2700000"/>
-            <a:ext cx="4680000" cy="10013760"/>
+            <a:ext cx="4679640" cy="10011960"/>
           </a:xfrm>
           <a:prstGeom prst="rect">
             <a:avLst/>
@@ -3863,11 +3582,8 @@
           <a:bodyPr lIns="0" rIns="0" tIns="0" bIns="0" anchor="ctr"/>
           <a:p>
             <a:pPr algn="ctr"/>
-            <a:endParaRPr b="0" lang="en-IN" sz="2200" spc="-1" strike="noStrike">
-              <a:solidFill>
-                <a:srgbClr val="ffffff"/>
-              </a:solidFill>
-              <a:latin typeface="Source Sans Pro"/>
+            <a:endParaRPr b="0" lang="en-IN" sz="3200" spc="-1" strike="noStrike">
+              <a:latin typeface="Arial"/>
             </a:endParaRPr>
           </a:p>
         </p:txBody>
@@ -3896,7 +3612,7 @@
       </p:grpSpPr>
       <p:sp>
         <p:nvSpPr>
-          <p:cNvPr id="17" name="PlaceHolder 1"/>
+          <p:cNvPr id="12" name="PlaceHolder 1"/>
           <p:cNvSpPr>
             <a:spLocks noGrp="1"/>
           </p:cNvSpPr>
@@ -3907,28 +3623,25 @@
         <p:spPr>
           <a:xfrm>
             <a:off x="2700000" y="2700000"/>
-            <a:ext cx="4680000" cy="2160000"/>
-          </a:xfrm>
-          <a:prstGeom prst="rect">
-            <a:avLst/>
-          </a:prstGeom>
-        </p:spPr>
-        <p:txBody>
-          <a:bodyPr lIns="0" rIns="0" tIns="0" bIns="0" anchor="ctr" anchorCtr="1"/>
+            <a:ext cx="4679640" cy="2159640"/>
+          </a:xfrm>
+          <a:prstGeom prst="rect">
+            <a:avLst/>
+          </a:prstGeom>
+        </p:spPr>
+        <p:txBody>
+          <a:bodyPr lIns="0" rIns="0" tIns="0" bIns="0" anchor="ctr"/>
           <a:p>
             <a:pPr algn="ctr"/>
-            <a:endParaRPr b="1" lang="en-IN" sz="3600" spc="-1" strike="noStrike">
-              <a:solidFill>
-                <a:srgbClr val="2c3e50"/>
-              </a:solidFill>
-              <a:latin typeface="Source Sans Pro Black"/>
-            </a:endParaRPr>
-          </a:p>
-        </p:txBody>
-      </p:sp>
-      <p:sp>
-        <p:nvSpPr>
-          <p:cNvPr id="18" name="PlaceHolder 2"/>
+            <a:endParaRPr b="0" lang="en-IN" sz="4400" spc="-1" strike="noStrike">
+              <a:latin typeface="Arial"/>
+            </a:endParaRPr>
+          </a:p>
+        </p:txBody>
+      </p:sp>
+      <p:sp>
+        <p:nvSpPr>
+          <p:cNvPr id="13" name="PlaceHolder 2"/>
           <p:cNvSpPr>
             <a:spLocks noGrp="1"/>
           </p:cNvSpPr>
@@ -3950,18 +3663,15 @@
             <a:normAutofit/>
           </a:bodyPr>
           <a:p>
-            <a:endParaRPr b="0" lang="en-IN" sz="2000" spc="-1" strike="noStrike">
-              <a:solidFill>
-                <a:srgbClr val="ffffff"/>
-              </a:solidFill>
-              <a:latin typeface="Source Sans Pro"/>
-            </a:endParaRPr>
-          </a:p>
-        </p:txBody>
-      </p:sp>
-      <p:sp>
-        <p:nvSpPr>
-          <p:cNvPr id="19" name="PlaceHolder 3"/>
+            <a:endParaRPr b="0" lang="en-IN" sz="3200" spc="-1" strike="noStrike">
+              <a:latin typeface="Arial"/>
+            </a:endParaRPr>
+          </a:p>
+        </p:txBody>
+      </p:sp>
+      <p:sp>
+        <p:nvSpPr>
+          <p:cNvPr id="14" name="PlaceHolder 3"/>
           <p:cNvSpPr>
             <a:spLocks noGrp="1"/>
           </p:cNvSpPr>
@@ -3983,18 +3693,15 @@
             <a:normAutofit/>
           </a:bodyPr>
           <a:p>
-            <a:endParaRPr b="0" lang="en-IN" sz="2000" spc="-1" strike="noStrike">
-              <a:solidFill>
-                <a:srgbClr val="ffffff"/>
-              </a:solidFill>
-              <a:latin typeface="Source Sans Pro"/>
-            </a:endParaRPr>
-          </a:p>
-        </p:txBody>
-      </p:sp>
-      <p:sp>
-        <p:nvSpPr>
-          <p:cNvPr id="20" name="PlaceHolder 4"/>
+            <a:endParaRPr b="0" lang="en-IN" sz="3200" spc="-1" strike="noStrike">
+              <a:latin typeface="Arial"/>
+            </a:endParaRPr>
+          </a:p>
+        </p:txBody>
+      </p:sp>
+      <p:sp>
+        <p:nvSpPr>
+          <p:cNvPr id="15" name="PlaceHolder 4"/>
           <p:cNvSpPr>
             <a:spLocks noGrp="1"/>
           </p:cNvSpPr>
@@ -4005,22 +3712,19 @@
         <p:spPr>
           <a:xfrm>
             <a:off x="6648120" y="5040000"/>
-            <a:ext cx="3074040" cy="2160000"/>
-          </a:xfrm>
-          <a:prstGeom prst="rect">
-            <a:avLst/>
-          </a:prstGeom>
-        </p:spPr>
-        <p:txBody>
-          <a:bodyPr lIns="0" rIns="0" tIns="0" bIns="0">
-            <a:normAutofit/>
-          </a:bodyPr>
-          <a:p>
-            <a:endParaRPr b="0" lang="en-IN" sz="2000" spc="-1" strike="noStrike">
-              <a:solidFill>
-                <a:srgbClr val="ffffff"/>
-              </a:solidFill>
-              <a:latin typeface="Source Sans Pro"/>
+            <a:ext cx="3074040" cy="2159640"/>
+          </a:xfrm>
+          <a:prstGeom prst="rect">
+            <a:avLst/>
+          </a:prstGeom>
+        </p:spPr>
+        <p:txBody>
+          <a:bodyPr lIns="0" rIns="0" tIns="0" bIns="0">
+            <a:normAutofit/>
+          </a:bodyPr>
+          <a:p>
+            <a:endParaRPr b="0" lang="en-IN" sz="3200" spc="-1" strike="noStrike">
+              <a:latin typeface="Arial"/>
             </a:endParaRPr>
           </a:p>
         </p:txBody>
@@ -4049,7 +3753,7 @@
       </p:grpSpPr>
       <p:sp>
         <p:nvSpPr>
-          <p:cNvPr id="21" name="PlaceHolder 1"/>
+          <p:cNvPr id="16" name="PlaceHolder 1"/>
           <p:cNvSpPr>
             <a:spLocks noGrp="1"/>
           </p:cNvSpPr>
@@ -4060,28 +3764,25 @@
         <p:spPr>
           <a:xfrm>
             <a:off x="2700000" y="2700000"/>
-            <a:ext cx="4680000" cy="2160000"/>
-          </a:xfrm>
-          <a:prstGeom prst="rect">
-            <a:avLst/>
-          </a:prstGeom>
-        </p:spPr>
-        <p:txBody>
-          <a:bodyPr lIns="0" rIns="0" tIns="0" bIns="0" anchor="ctr" anchorCtr="1"/>
+            <a:ext cx="4679640" cy="2159640"/>
+          </a:xfrm>
+          <a:prstGeom prst="rect">
+            <a:avLst/>
+          </a:prstGeom>
+        </p:spPr>
+        <p:txBody>
+          <a:bodyPr lIns="0" rIns="0" tIns="0" bIns="0" anchor="ctr"/>
           <a:p>
             <a:pPr algn="ctr"/>
-            <a:endParaRPr b="1" lang="en-IN" sz="3600" spc="-1" strike="noStrike">
-              <a:solidFill>
-                <a:srgbClr val="2c3e50"/>
-              </a:solidFill>
-              <a:latin typeface="Source Sans Pro Black"/>
-            </a:endParaRPr>
-          </a:p>
-        </p:txBody>
-      </p:sp>
-      <p:sp>
-        <p:nvSpPr>
-          <p:cNvPr id="22" name="PlaceHolder 2"/>
+            <a:endParaRPr b="0" lang="en-IN" sz="4400" spc="-1" strike="noStrike">
+              <a:latin typeface="Arial"/>
+            </a:endParaRPr>
+          </a:p>
+        </p:txBody>
+      </p:sp>
+      <p:sp>
+        <p:nvSpPr>
+          <p:cNvPr id="17" name="PlaceHolder 2"/>
           <p:cNvSpPr>
             <a:spLocks noGrp="1"/>
           </p:cNvSpPr>
@@ -4092,29 +3793,26 @@
         <p:spPr>
           <a:xfrm>
             <a:off x="3420000" y="5040000"/>
-            <a:ext cx="3074040" cy="2160000"/>
-          </a:xfrm>
-          <a:prstGeom prst="rect">
-            <a:avLst/>
-          </a:prstGeom>
-        </p:spPr>
-        <p:txBody>
-          <a:bodyPr lIns="0" rIns="0" tIns="0" bIns="0">
-            <a:normAutofit/>
-          </a:bodyPr>
-          <a:p>
-            <a:endParaRPr b="0" lang="en-IN" sz="2000" spc="-1" strike="noStrike">
-              <a:solidFill>
-                <a:srgbClr val="ffffff"/>
-              </a:solidFill>
-              <a:latin typeface="Source Sans Pro"/>
-            </a:endParaRPr>
-          </a:p>
-        </p:txBody>
-      </p:sp>
-      <p:sp>
-        <p:nvSpPr>
-          <p:cNvPr id="23" name="PlaceHolder 3"/>
+            <a:ext cx="3074040" cy="2159640"/>
+          </a:xfrm>
+          <a:prstGeom prst="rect">
+            <a:avLst/>
+          </a:prstGeom>
+        </p:spPr>
+        <p:txBody>
+          <a:bodyPr lIns="0" rIns="0" tIns="0" bIns="0">
+            <a:normAutofit/>
+          </a:bodyPr>
+          <a:p>
+            <a:endParaRPr b="0" lang="en-IN" sz="3200" spc="-1" strike="noStrike">
+              <a:latin typeface="Arial"/>
+            </a:endParaRPr>
+          </a:p>
+        </p:txBody>
+      </p:sp>
+      <p:sp>
+        <p:nvSpPr>
+          <p:cNvPr id="18" name="PlaceHolder 3"/>
           <p:cNvSpPr>
             <a:spLocks noGrp="1"/>
           </p:cNvSpPr>
@@ -4136,18 +3834,15 @@
             <a:normAutofit/>
           </a:bodyPr>
           <a:p>
-            <a:endParaRPr b="0" lang="en-IN" sz="2000" spc="-1" strike="noStrike">
-              <a:solidFill>
-                <a:srgbClr val="ffffff"/>
-              </a:solidFill>
-              <a:latin typeface="Source Sans Pro"/>
-            </a:endParaRPr>
-          </a:p>
-        </p:txBody>
-      </p:sp>
-      <p:sp>
-        <p:nvSpPr>
-          <p:cNvPr id="24" name="PlaceHolder 4"/>
+            <a:endParaRPr b="0" lang="en-IN" sz="3200" spc="-1" strike="noStrike">
+              <a:latin typeface="Arial"/>
+            </a:endParaRPr>
+          </a:p>
+        </p:txBody>
+      </p:sp>
+      <p:sp>
+        <p:nvSpPr>
+          <p:cNvPr id="19" name="PlaceHolder 4"/>
           <p:cNvSpPr>
             <a:spLocks noGrp="1"/>
           </p:cNvSpPr>
@@ -4169,11 +3864,8 @@
             <a:normAutofit/>
           </a:bodyPr>
           <a:p>
-            <a:endParaRPr b="0" lang="en-IN" sz="2000" spc="-1" strike="noStrike">
-              <a:solidFill>
-                <a:srgbClr val="ffffff"/>
-              </a:solidFill>
-              <a:latin typeface="Source Sans Pro"/>
+            <a:endParaRPr b="0" lang="en-IN" sz="3200" spc="-1" strike="noStrike">
+              <a:latin typeface="Arial"/>
             </a:endParaRPr>
           </a:p>
         </p:txBody>
@@ -4202,7 +3894,7 @@
       </p:grpSpPr>
       <p:sp>
         <p:nvSpPr>
-          <p:cNvPr id="25" name="PlaceHolder 1"/>
+          <p:cNvPr id="20" name="PlaceHolder 1"/>
           <p:cNvSpPr>
             <a:spLocks noGrp="1"/>
           </p:cNvSpPr>
@@ -4213,28 +3905,25 @@
         <p:spPr>
           <a:xfrm>
             <a:off x="2700000" y="2700000"/>
-            <a:ext cx="4680000" cy="2160000"/>
-          </a:xfrm>
-          <a:prstGeom prst="rect">
-            <a:avLst/>
-          </a:prstGeom>
-        </p:spPr>
-        <p:txBody>
-          <a:bodyPr lIns="0" rIns="0" tIns="0" bIns="0" anchor="ctr" anchorCtr="1"/>
+            <a:ext cx="4679640" cy="2159640"/>
+          </a:xfrm>
+          <a:prstGeom prst="rect">
+            <a:avLst/>
+          </a:prstGeom>
+        </p:spPr>
+        <p:txBody>
+          <a:bodyPr lIns="0" rIns="0" tIns="0" bIns="0" anchor="ctr"/>
           <a:p>
             <a:pPr algn="ctr"/>
-            <a:endParaRPr b="1" lang="en-IN" sz="3600" spc="-1" strike="noStrike">
-              <a:solidFill>
-                <a:srgbClr val="2c3e50"/>
-              </a:solidFill>
-              <a:latin typeface="Source Sans Pro Black"/>
-            </a:endParaRPr>
-          </a:p>
-        </p:txBody>
-      </p:sp>
-      <p:sp>
-        <p:nvSpPr>
-          <p:cNvPr id="26" name="PlaceHolder 2"/>
+            <a:endParaRPr b="0" lang="en-IN" sz="4400" spc="-1" strike="noStrike">
+              <a:latin typeface="Arial"/>
+            </a:endParaRPr>
+          </a:p>
+        </p:txBody>
+      </p:sp>
+      <p:sp>
+        <p:nvSpPr>
+          <p:cNvPr id="21" name="PlaceHolder 2"/>
           <p:cNvSpPr>
             <a:spLocks noGrp="1"/>
           </p:cNvSpPr>
@@ -4256,18 +3945,15 @@
             <a:normAutofit/>
           </a:bodyPr>
           <a:p>
-            <a:endParaRPr b="0" lang="en-IN" sz="2000" spc="-1" strike="noStrike">
-              <a:solidFill>
-                <a:srgbClr val="ffffff"/>
-              </a:solidFill>
-              <a:latin typeface="Source Sans Pro"/>
-            </a:endParaRPr>
-          </a:p>
-        </p:txBody>
-      </p:sp>
-      <p:sp>
-        <p:nvSpPr>
-          <p:cNvPr id="27" name="PlaceHolder 3"/>
+            <a:endParaRPr b="0" lang="en-IN" sz="3200" spc="-1" strike="noStrike">
+              <a:latin typeface="Arial"/>
+            </a:endParaRPr>
+          </a:p>
+        </p:txBody>
+      </p:sp>
+      <p:sp>
+        <p:nvSpPr>
+          <p:cNvPr id="22" name="PlaceHolder 3"/>
           <p:cNvSpPr>
             <a:spLocks noGrp="1"/>
           </p:cNvSpPr>
@@ -4289,18 +3975,15 @@
             <a:normAutofit/>
           </a:bodyPr>
           <a:p>
-            <a:endParaRPr b="0" lang="en-IN" sz="2000" spc="-1" strike="noStrike">
-              <a:solidFill>
-                <a:srgbClr val="ffffff"/>
-              </a:solidFill>
-              <a:latin typeface="Source Sans Pro"/>
-            </a:endParaRPr>
-          </a:p>
-        </p:txBody>
-      </p:sp>
-      <p:sp>
-        <p:nvSpPr>
-          <p:cNvPr id="28" name="PlaceHolder 4"/>
+            <a:endParaRPr b="0" lang="en-IN" sz="3200" spc="-1" strike="noStrike">
+              <a:latin typeface="Arial"/>
+            </a:endParaRPr>
+          </a:p>
+        </p:txBody>
+      </p:sp>
+      <p:sp>
+        <p:nvSpPr>
+          <p:cNvPr id="23" name="PlaceHolder 4"/>
           <p:cNvSpPr>
             <a:spLocks noGrp="1"/>
           </p:cNvSpPr>
@@ -4311,22 +3994,19 @@
         <p:spPr>
           <a:xfrm>
             <a:off x="3420000" y="6168240"/>
-            <a:ext cx="6300000" cy="1029960"/>
-          </a:xfrm>
-          <a:prstGeom prst="rect">
-            <a:avLst/>
-          </a:prstGeom>
-        </p:spPr>
-        <p:txBody>
-          <a:bodyPr lIns="0" rIns="0" tIns="0" bIns="0">
-            <a:normAutofit/>
-          </a:bodyPr>
-          <a:p>
-            <a:endParaRPr b="0" lang="en-IN" sz="2000" spc="-1" strike="noStrike">
-              <a:solidFill>
-                <a:srgbClr val="ffffff"/>
-              </a:solidFill>
-              <a:latin typeface="Source Sans Pro"/>
+            <a:ext cx="6299640" cy="1029960"/>
+          </a:xfrm>
+          <a:prstGeom prst="rect">
+            <a:avLst/>
+          </a:prstGeom>
+        </p:spPr>
+        <p:txBody>
+          <a:bodyPr lIns="0" rIns="0" tIns="0" bIns="0">
+            <a:normAutofit/>
+          </a:bodyPr>
+          <a:p>
+            <a:endParaRPr b="0" lang="en-IN" sz="3200" spc="-1" strike="noStrike">
+              <a:latin typeface="Arial"/>
             </a:endParaRPr>
           </a:p>
         </p:txBody>
@@ -4339,6 +4019,13 @@
 <file path=ppt/slideMasters/slideMaster1.xml><?xml version="1.0" encoding="utf-8"?>
 <p:sldMaster xmlns:a="http://schemas.openxmlformats.org/drawingml/2006/main" xmlns:p="http://schemas.openxmlformats.org/presentationml/2006/main" xmlns:r="http://schemas.openxmlformats.org/officeDocument/2006/relationships" xmlns:p14="http://schemas.microsoft.com/office/powerpoint/2010/main" xmlns:p15="http://schemas.microsoft.com/office/powerpoint/2012/main" xmlns:mc="http://schemas.openxmlformats.org/markup-compatibility/2006">
   <p:cSld>
+    <p:bg>
+      <p:bgPr>
+        <a:solidFill>
+          <a:srgbClr val="2c3e50"/>
+        </a:solidFill>
+      </p:bgPr>
+    </p:bg>
     <p:spTree>
       <p:nvGrpSpPr>
         <p:cNvPr id="1" name=""/>
@@ -4361,16 +4048,16 @@
         </p:nvSpPr>
         <p:spPr>
           <a:xfrm>
-            <a:off x="0" y="7200000"/>
-            <a:ext cx="10080000" cy="360000"/>
+            <a:off x="0" y="0"/>
+            <a:ext cx="10079640" cy="5039640"/>
           </a:xfrm>
           <a:prstGeom prst="rect">
             <a:avLst/>
           </a:prstGeom>
           <a:solidFill>
-            <a:srgbClr val="2c3e50"/>
+            <a:srgbClr val="1abc9c"/>
           </a:solidFill>
-          <a:ln w="72000">
+          <a:ln>
             <a:noFill/>
           </a:ln>
         </p:spPr>
@@ -4383,35 +4070,7 @@
       </p:sp>
       <p:sp>
         <p:nvSpPr>
-          <p:cNvPr id="1" name="CustomShape 2"/>
-          <p:cNvSpPr/>
-          <p:nvPr/>
-        </p:nvSpPr>
-        <p:spPr>
-          <a:xfrm>
-            <a:off x="0" y="0"/>
-            <a:ext cx="10080000" cy="1620000"/>
-          </a:xfrm>
-          <a:prstGeom prst="rect">
-            <a:avLst/>
-          </a:prstGeom>
-          <a:solidFill>
-            <a:srgbClr val="2c3e50"/>
-          </a:solidFill>
-          <a:ln w="72000">
-            <a:noFill/>
-          </a:ln>
-        </p:spPr>
-        <p:style>
-          <a:lnRef idx="0"/>
-          <a:fillRef idx="0"/>
-          <a:effectRef idx="0"/>
-          <a:fontRef idx="minor"/>
-        </p:style>
-      </p:sp>
-      <p:sp>
-        <p:nvSpPr>
-          <p:cNvPr id="2" name="PlaceHolder 3"/>
+          <p:cNvPr id="1" name="PlaceHolder 2"/>
           <p:cNvSpPr>
             <a:spLocks noGrp="1"/>
           </p:cNvSpPr>
@@ -4421,93 +4080,80 @@
         </p:nvSpPr>
         <p:spPr>
           <a:xfrm>
-            <a:off x="360000" y="301320"/>
-            <a:ext cx="9360000" cy="958680"/>
-          </a:xfrm>
-          <a:prstGeom prst="rect">
-            <a:avLst/>
-          </a:prstGeom>
-        </p:spPr>
-        <p:txBody>
-          <a:bodyPr lIns="0" rIns="0" tIns="0" bIns="0" anchor="ctr"/>
-          <a:p>
-            <a:pPr algn="ctr"/>
+            <a:off x="2700000" y="2700000"/>
+            <a:ext cx="4679640" cy="2159640"/>
+          </a:xfrm>
+          <a:prstGeom prst="rect">
+            <a:avLst/>
+          </a:prstGeom>
+        </p:spPr>
+        <p:txBody>
+          <a:bodyPr lIns="0" rIns="0" tIns="0" bIns="0" anchor="ctr" anchorCtr="1"/>
+          <a:p>
             <a:r>
-              <a:rPr b="1" lang="en-IN" sz="3600" spc="-1" strike="noStrike">
-                <a:solidFill>
-                  <a:srgbClr val="ffffff"/>
-                </a:solidFill>
-                <a:latin typeface="Source Sans Pro Black"/>
+              <a:rPr b="0" lang="en-IN" sz="1800" spc="-1" strike="noStrike">
+                <a:latin typeface="Arial"/>
               </a:rPr>
               <a:t>Click to edit the title text format</a:t>
             </a:r>
-            <a:endParaRPr b="1" lang="en-IN" sz="3600" spc="-1" strike="noStrike">
-              <a:solidFill>
+            <a:endParaRPr b="0" lang="en-IN" sz="1800" spc="-1" strike="noStrike">
+              <a:latin typeface="Arial"/>
+            </a:endParaRPr>
+          </a:p>
+        </p:txBody>
+      </p:sp>
+      <p:sp>
+        <p:nvSpPr>
+          <p:cNvPr id="2" name="PlaceHolder 3"/>
+          <p:cNvSpPr>
+            <a:spLocks noGrp="1"/>
+          </p:cNvSpPr>
+          <p:nvPr>
+            <p:ph type="body"/>
+          </p:nvPr>
+        </p:nvSpPr>
+        <p:spPr>
+          <a:xfrm>
+            <a:off x="504000" y="1768680"/>
+            <a:ext cx="9072000" cy="4384080"/>
+          </a:xfrm>
+          <a:prstGeom prst="rect">
+            <a:avLst/>
+          </a:prstGeom>
+        </p:spPr>
+        <p:txBody>
+          <a:bodyPr lIns="0" rIns="0" tIns="0" bIns="0">
+            <a:normAutofit/>
+          </a:bodyPr>
+          <a:p>
+            <a:pPr marL="432000" indent="-324000">
+              <a:spcBef>
+                <a:spcPts val="1417"/>
+              </a:spcBef>
+              <a:buClr>
                 <a:srgbClr val="ffffff"/>
-              </a:solidFill>
-              <a:latin typeface="Source Sans Pro Black"/>
-            </a:endParaRPr>
-          </a:p>
-        </p:txBody>
-      </p:sp>
-      <p:sp>
-        <p:nvSpPr>
-          <p:cNvPr id="3" name="PlaceHolder 4"/>
-          <p:cNvSpPr>
-            <a:spLocks noGrp="1"/>
-          </p:cNvSpPr>
-          <p:nvPr>
-            <p:ph type="body"/>
-          </p:nvPr>
-        </p:nvSpPr>
-        <p:spPr>
-          <a:xfrm>
-            <a:off x="360000" y="1980000"/>
-            <a:ext cx="9360000" cy="5040000"/>
-          </a:xfrm>
-          <a:prstGeom prst="rect">
-            <a:avLst/>
-          </a:prstGeom>
-        </p:spPr>
-        <p:txBody>
-          <a:bodyPr lIns="0" rIns="0" tIns="0" bIns="0">
-            <a:normAutofit/>
-          </a:bodyPr>
-          <a:p>
-            <a:pPr marL="432000" indent="-324000">
-              <a:spcAft>
-                <a:spcPts val="1414"/>
-              </a:spcAft>
-              <a:buClr>
-                <a:srgbClr val="2c3e50"/>
               </a:buClr>
               <a:buSzPct val="45000"/>
               <a:buFont typeface="Wingdings" charset="2"/>
               <a:buChar char=""/>
             </a:pPr>
             <a:r>
-              <a:rPr b="1" lang="en-IN" sz="3200" spc="-1" strike="noStrike">
-                <a:solidFill>
-                  <a:srgbClr val="2c3e50"/>
-                </a:solidFill>
-                <a:latin typeface="Source Sans Pro Semibold"/>
+              <a:rPr b="0" lang="en-IN" sz="3200" spc="-1" strike="noStrike">
+                <a:latin typeface="Arial"/>
               </a:rPr>
               <a:t>Click to edit the outline text format</a:t>
             </a:r>
-            <a:endParaRPr b="1" lang="en-IN" sz="3200" spc="-1" strike="noStrike">
-              <a:solidFill>
-                <a:srgbClr val="2c3e50"/>
-              </a:solidFill>
-              <a:latin typeface="Source Sans Pro Semibold"/>
+            <a:endParaRPr b="0" lang="en-IN" sz="3200" spc="-1" strike="noStrike">
+              <a:latin typeface="Arial"/>
             </a:endParaRPr>
           </a:p>
           <a:p>
             <a:pPr lvl="1" marL="864000" indent="-324000">
-              <a:spcAft>
+              <a:spcBef>
                 <a:spcPts val="1134"/>
-              </a:spcAft>
+              </a:spcBef>
               <a:buClr>
-                <a:srgbClr val="2c3e50"/>
+                <a:srgbClr val="ffffff"/>
               </a:buClr>
               <a:buSzPct val="75000"/>
               <a:buFont typeface="Symbol" charset="2"/>
@@ -4515,27 +4161,21 @@
             </a:pPr>
             <a:r>
               <a:rPr b="0" lang="en-IN" sz="2800" spc="-1" strike="noStrike">
-                <a:solidFill>
-                  <a:srgbClr val="2c3e50"/>
-                </a:solidFill>
-                <a:latin typeface="Source Sans Pro"/>
+                <a:latin typeface="Arial"/>
               </a:rPr>
               <a:t>Second Outline Level</a:t>
             </a:r>
             <a:endParaRPr b="0" lang="en-IN" sz="2800" spc="-1" strike="noStrike">
-              <a:solidFill>
-                <a:srgbClr val="2c3e50"/>
-              </a:solidFill>
-              <a:latin typeface="Source Sans Pro"/>
+              <a:latin typeface="Arial"/>
             </a:endParaRPr>
           </a:p>
           <a:p>
             <a:pPr lvl="2" marL="1296000" indent="-288000">
-              <a:spcAft>
+              <a:spcBef>
                 <a:spcPts val="850"/>
-              </a:spcAft>
+              </a:spcBef>
               <a:buClr>
-                <a:srgbClr val="2c3e50"/>
+                <a:srgbClr val="ffffff"/>
               </a:buClr>
               <a:buSzPct val="45000"/>
               <a:buFont typeface="Wingdings" charset="2"/>
@@ -4543,27 +4183,21 @@
             </a:pPr>
             <a:r>
               <a:rPr b="0" lang="en-IN" sz="2400" spc="-1" strike="noStrike">
-                <a:solidFill>
-                  <a:srgbClr val="2c3e50"/>
-                </a:solidFill>
-                <a:latin typeface="Source Sans Pro"/>
+                <a:latin typeface="Arial"/>
               </a:rPr>
               <a:t>Third Outline Level</a:t>
             </a:r>
             <a:endParaRPr b="0" lang="en-IN" sz="2400" spc="-1" strike="noStrike">
-              <a:solidFill>
-                <a:srgbClr val="2c3e50"/>
-              </a:solidFill>
-              <a:latin typeface="Source Sans Pro"/>
+              <a:latin typeface="Arial"/>
             </a:endParaRPr>
           </a:p>
           <a:p>
             <a:pPr lvl="3" marL="1728000" indent="-216000">
-              <a:spcAft>
+              <a:spcBef>
                 <a:spcPts val="567"/>
-              </a:spcAft>
+              </a:spcBef>
               <a:buClr>
-                <a:srgbClr val="2c3e50"/>
+                <a:srgbClr val="ffffff"/>
               </a:buClr>
               <a:buSzPct val="75000"/>
               <a:buFont typeface="Symbol" charset="2"/>
@@ -4571,27 +4205,21 @@
             </a:pPr>
             <a:r>
               <a:rPr b="0" lang="en-IN" sz="2000" spc="-1" strike="noStrike">
-                <a:solidFill>
-                  <a:srgbClr val="2c3e50"/>
-                </a:solidFill>
-                <a:latin typeface="Source Sans Pro"/>
+                <a:latin typeface="Arial"/>
               </a:rPr>
               <a:t>Fourth Outline Level</a:t>
             </a:r>
             <a:endParaRPr b="0" lang="en-IN" sz="2000" spc="-1" strike="noStrike">
-              <a:solidFill>
-                <a:srgbClr val="2c3e50"/>
-              </a:solidFill>
-              <a:latin typeface="Source Sans Pro"/>
+              <a:latin typeface="Arial"/>
             </a:endParaRPr>
           </a:p>
           <a:p>
             <a:pPr lvl="4" marL="2160000" indent="-216000">
-              <a:spcAft>
+              <a:spcBef>
                 <a:spcPts val="283"/>
-              </a:spcAft>
+              </a:spcBef>
               <a:buClr>
-                <a:srgbClr val="2c3e50"/>
+                <a:srgbClr val="ffffff"/>
               </a:buClr>
               <a:buSzPct val="45000"/>
               <a:buFont typeface="Wingdings" charset="2"/>
@@ -4599,27 +4227,21 @@
             </a:pPr>
             <a:r>
               <a:rPr b="0" lang="en-IN" sz="2000" spc="-1" strike="noStrike">
-                <a:solidFill>
-                  <a:srgbClr val="2c3e50"/>
-                </a:solidFill>
-                <a:latin typeface="Source Sans Pro"/>
+                <a:latin typeface="Arial"/>
               </a:rPr>
               <a:t>Fifth Outline Level</a:t>
             </a:r>
             <a:endParaRPr b="0" lang="en-IN" sz="2000" spc="-1" strike="noStrike">
-              <a:solidFill>
-                <a:srgbClr val="2c3e50"/>
-              </a:solidFill>
-              <a:latin typeface="Source Sans Pro"/>
+              <a:latin typeface="Arial"/>
             </a:endParaRPr>
           </a:p>
           <a:p>
             <a:pPr lvl="5" marL="2592000" indent="-216000">
-              <a:spcAft>
+              <a:spcBef>
                 <a:spcPts val="283"/>
-              </a:spcAft>
+              </a:spcBef>
               <a:buClr>
-                <a:srgbClr val="2c3e50"/>
+                <a:srgbClr val="ffffff"/>
               </a:buClr>
               <a:buSzPct val="45000"/>
               <a:buFont typeface="Wingdings" charset="2"/>
@@ -4627,27 +4249,21 @@
             </a:pPr>
             <a:r>
               <a:rPr b="0" lang="en-IN" sz="2000" spc="-1" strike="noStrike">
-                <a:solidFill>
-                  <a:srgbClr val="2c3e50"/>
-                </a:solidFill>
-                <a:latin typeface="Source Sans Pro"/>
+                <a:latin typeface="Arial"/>
               </a:rPr>
               <a:t>Sixth Outline Level</a:t>
             </a:r>
             <a:endParaRPr b="0" lang="en-IN" sz="2000" spc="-1" strike="noStrike">
-              <a:solidFill>
-                <a:srgbClr val="2c3e50"/>
-              </a:solidFill>
-              <a:latin typeface="Source Sans Pro"/>
+              <a:latin typeface="Arial"/>
             </a:endParaRPr>
           </a:p>
           <a:p>
             <a:pPr lvl="6" marL="3024000" indent="-216000">
-              <a:spcAft>
+              <a:spcBef>
                 <a:spcPts val="283"/>
-              </a:spcAft>
+              </a:spcBef>
               <a:buClr>
-                <a:srgbClr val="2c3e50"/>
+                <a:srgbClr val="ffffff"/>
               </a:buClr>
               <a:buSzPct val="45000"/>
               <a:buFont typeface="Wingdings" charset="2"/>
@@ -4655,168 +4271,12 @@
             </a:pPr>
             <a:r>
               <a:rPr b="0" lang="en-IN" sz="2000" spc="-1" strike="noStrike">
-                <a:solidFill>
-                  <a:srgbClr val="2c3e50"/>
-                </a:solidFill>
-                <a:latin typeface="Source Sans Pro"/>
+                <a:latin typeface="Arial"/>
               </a:rPr>
               <a:t>Seventh Outline Level</a:t>
             </a:r>
             <a:endParaRPr b="0" lang="en-IN" sz="2000" spc="-1" strike="noStrike">
-              <a:solidFill>
-                <a:srgbClr val="2c3e50"/>
-              </a:solidFill>
-              <a:latin typeface="Source Sans Pro"/>
-            </a:endParaRPr>
-          </a:p>
-        </p:txBody>
-      </p:sp>
-      <p:sp>
-        <p:nvSpPr>
-          <p:cNvPr id="4" name="PlaceHolder 5"/>
-          <p:cNvSpPr>
-            <a:spLocks noGrp="1"/>
-          </p:cNvSpPr>
-          <p:nvPr>
-            <p:ph type="dt"/>
-          </p:nvPr>
-        </p:nvSpPr>
-        <p:spPr>
-          <a:xfrm>
-            <a:off x="360000" y="7200000"/>
-            <a:ext cx="2880000" cy="360000"/>
-          </a:xfrm>
-          <a:prstGeom prst="rect">
-            <a:avLst/>
-          </a:prstGeom>
-        </p:spPr>
-        <p:txBody>
-          <a:bodyPr lIns="0" rIns="0" tIns="0" bIns="0"/>
-          <a:p>
-            <a:r>
-              <a:rPr b="1" lang="en-US" sz="1800" spc="-1" strike="noStrike">
-                <a:solidFill>
-                  <a:srgbClr val="ffffff"/>
-                </a:solidFill>
-                <a:latin typeface="Source Sans Pro Black"/>
-              </a:rPr>
-              <a:t>&lt;date/time&gt;</a:t>
-            </a:r>
-            <a:endParaRPr b="1" lang="en-IN" sz="1800" spc="-1" strike="noStrike">
-              <a:solidFill>
-                <a:srgbClr val="ffffff"/>
-              </a:solidFill>
-              <a:latin typeface="Source Sans Pro Black"/>
-            </a:endParaRPr>
-          </a:p>
-        </p:txBody>
-      </p:sp>
-      <p:sp>
-        <p:nvSpPr>
-          <p:cNvPr id="5" name="PlaceHolder 6"/>
-          <p:cNvSpPr>
-            <a:spLocks noGrp="1"/>
-          </p:cNvSpPr>
-          <p:nvPr>
-            <p:ph type="ftr"/>
-          </p:nvPr>
-        </p:nvSpPr>
-        <p:spPr>
-          <a:xfrm>
-            <a:off x="3420000" y="7200000"/>
-            <a:ext cx="3240000" cy="360000"/>
-          </a:xfrm>
-          <a:prstGeom prst="rect">
-            <a:avLst/>
-          </a:prstGeom>
-        </p:spPr>
-        <p:txBody>
-          <a:bodyPr lIns="0" rIns="0" tIns="0" bIns="0"/>
-          <a:p>
-            <a:pPr algn="ctr"/>
-            <a:r>
-              <a:rPr b="1" lang="en-IN" sz="1800" spc="-1" strike="noStrike">
-                <a:solidFill>
-                  <a:srgbClr val="ffffff"/>
-                </a:solidFill>
-                <a:latin typeface="Source Sans Pro Black"/>
-              </a:rPr>
-              <a:t>&lt;footer&gt;</a:t>
-            </a:r>
-            <a:endParaRPr b="1" lang="en-IN" sz="1800" spc="-1" strike="noStrike">
-              <a:solidFill>
-                <a:srgbClr val="ffffff"/>
-              </a:solidFill>
-              <a:latin typeface="Source Sans Pro Black"/>
-            </a:endParaRPr>
-          </a:p>
-        </p:txBody>
-      </p:sp>
-      <p:sp>
-        <p:nvSpPr>
-          <p:cNvPr id="6" name="CustomShape 7"/>
-          <p:cNvSpPr/>
-          <p:nvPr/>
-        </p:nvSpPr>
-        <p:spPr>
-          <a:xfrm>
-            <a:off x="9270000" y="6894000"/>
-            <a:ext cx="540000" cy="540000"/>
-          </a:xfrm>
-          <a:prstGeom prst="ellipse">
-            <a:avLst/>
-          </a:prstGeom>
-          <a:solidFill>
-            <a:srgbClr val="1abc9c"/>
-          </a:solidFill>
-          <a:ln w="72000">
-            <a:noFill/>
-          </a:ln>
-        </p:spPr>
-        <p:style>
-          <a:lnRef idx="0"/>
-          <a:fillRef idx="0"/>
-          <a:effectRef idx="0"/>
-          <a:fontRef idx="minor"/>
-        </p:style>
-      </p:sp>
-      <p:sp>
-        <p:nvSpPr>
-          <p:cNvPr id="7" name="PlaceHolder 8"/>
-          <p:cNvSpPr>
-            <a:spLocks noGrp="1"/>
-          </p:cNvSpPr>
-          <p:nvPr>
-            <p:ph type="sldNum"/>
-          </p:nvPr>
-        </p:nvSpPr>
-        <p:spPr>
-          <a:xfrm>
-            <a:off x="9180000" y="6804000"/>
-            <a:ext cx="720000" cy="720000"/>
-          </a:xfrm>
-          <a:prstGeom prst="rect">
-            <a:avLst/>
-          </a:prstGeom>
-        </p:spPr>
-        <p:txBody>
-          <a:bodyPr lIns="0" rIns="0" tIns="0" bIns="0" anchor="ctr"/>
-          <a:p>
-            <a:pPr algn="ctr"/>
-            <a:fld id="{593DE3BF-65DD-4B4D-BEBD-39C3E0AC39B7}" type="slidenum">
-              <a:rPr b="1" lang="en-IN" sz="1800" spc="-1" strike="noStrike">
-                <a:solidFill>
-                  <a:srgbClr val="ffffff"/>
-                </a:solidFill>
-                <a:latin typeface="Source Sans Pro Black"/>
-              </a:rPr>
-              <a:t>&lt;number&gt;</a:t>
-            </a:fld>
-            <a:endParaRPr b="1" lang="en-IN" sz="1800" spc="-1" strike="noStrike">
-              <a:solidFill>
-                <a:srgbClr val="ffffff"/>
-              </a:solidFill>
-              <a:latin typeface="Source Sans Pro Black"/>
+              <a:latin typeface="Arial"/>
             </a:endParaRPr>
           </a:p>
         </p:txBody>
@@ -4844,13 +4304,6 @@
 <file path=ppt/slideMasters/slideMaster2.xml><?xml version="1.0" encoding="utf-8"?>
 <p:sldMaster xmlns:a="http://schemas.openxmlformats.org/drawingml/2006/main" xmlns:p="http://schemas.openxmlformats.org/presentationml/2006/main" xmlns:r="http://schemas.openxmlformats.org/officeDocument/2006/relationships" xmlns:p14="http://schemas.microsoft.com/office/powerpoint/2010/main" xmlns:p15="http://schemas.microsoft.com/office/powerpoint/2012/main" xmlns:mc="http://schemas.openxmlformats.org/markup-compatibility/2006">
   <p:cSld>
-    <p:bg>
-      <p:bgPr>
-        <a:solidFill>
-          <a:srgbClr val="2c3e50"/>
-        </a:solidFill>
-      </p:bgPr>
-    </p:bg>
     <p:spTree>
       <p:nvGrpSpPr>
         <p:cNvPr id="1" name=""/>
@@ -4867,22 +4320,22 @@
       </p:grpSpPr>
       <p:sp>
         <p:nvSpPr>
-          <p:cNvPr id="44" name="CustomShape 1"/>
+          <p:cNvPr id="39" name="CustomShape 1"/>
           <p:cNvSpPr/>
           <p:nvPr/>
         </p:nvSpPr>
         <p:spPr>
           <a:xfrm>
-            <a:off x="0" y="0"/>
-            <a:ext cx="10080000" cy="5040000"/>
+            <a:off x="0" y="7200000"/>
+            <a:ext cx="10079640" cy="359640"/>
           </a:xfrm>
           <a:prstGeom prst="rect">
             <a:avLst/>
           </a:prstGeom>
           <a:solidFill>
-            <a:srgbClr val="1abc9c"/>
+            <a:srgbClr val="2c3e50"/>
           </a:solidFill>
-          <a:ln>
+          <a:ln w="72000">
             <a:noFill/>
           </a:ln>
         </p:spPr>
@@ -4895,7 +4348,63 @@
       </p:sp>
       <p:sp>
         <p:nvSpPr>
-          <p:cNvPr id="45" name="PlaceHolder 2"/>
+          <p:cNvPr id="40" name="CustomShape 2"/>
+          <p:cNvSpPr/>
+          <p:nvPr/>
+        </p:nvSpPr>
+        <p:spPr>
+          <a:xfrm>
+            <a:off x="0" y="0"/>
+            <a:ext cx="10079640" cy="1619640"/>
+          </a:xfrm>
+          <a:prstGeom prst="rect">
+            <a:avLst/>
+          </a:prstGeom>
+          <a:solidFill>
+            <a:srgbClr val="2c3e50"/>
+          </a:solidFill>
+          <a:ln w="72000">
+            <a:noFill/>
+          </a:ln>
+        </p:spPr>
+        <p:style>
+          <a:lnRef idx="0"/>
+          <a:fillRef idx="0"/>
+          <a:effectRef idx="0"/>
+          <a:fontRef idx="minor"/>
+        </p:style>
+      </p:sp>
+      <p:sp>
+        <p:nvSpPr>
+          <p:cNvPr id="41" name="CustomShape 3"/>
+          <p:cNvSpPr/>
+          <p:nvPr/>
+        </p:nvSpPr>
+        <p:spPr>
+          <a:xfrm>
+            <a:off x="9270000" y="6894000"/>
+            <a:ext cx="539640" cy="539640"/>
+          </a:xfrm>
+          <a:prstGeom prst="ellipse">
+            <a:avLst/>
+          </a:prstGeom>
+          <a:solidFill>
+            <a:srgbClr val="1abc9c"/>
+          </a:solidFill>
+          <a:ln w="72000">
+            <a:noFill/>
+          </a:ln>
+        </p:spPr>
+        <p:style>
+          <a:lnRef idx="0"/>
+          <a:fillRef idx="0"/>
+          <a:effectRef idx="0"/>
+          <a:fontRef idx="minor"/>
+        </p:style>
+      </p:sp>
+      <p:sp>
+        <p:nvSpPr>
+          <p:cNvPr id="42" name="PlaceHolder 4"/>
           <p:cNvSpPr>
             <a:spLocks noGrp="1"/>
           </p:cNvSpPr>
@@ -4905,8 +4414,8 @@
         </p:nvSpPr>
         <p:spPr>
           <a:xfrm>
-            <a:off x="360000" y="3780000"/>
-            <a:ext cx="9360000" cy="958680"/>
+            <a:off x="2700000" y="2700000"/>
+            <a:ext cx="4679640" cy="2159640"/>
           </a:xfrm>
           <a:prstGeom prst="rect">
             <a:avLst/>
@@ -4915,28 +4424,21 @@
         <p:txBody>
           <a:bodyPr lIns="0" rIns="0" tIns="0" bIns="0" anchor="ctr" anchorCtr="1"/>
           <a:p>
-            <a:pPr algn="ctr"/>
             <a:r>
-              <a:rPr b="1" lang="en-IN" sz="3600" spc="-1" strike="noStrike">
-                <a:solidFill>
-                  <a:srgbClr val="ffffff"/>
-                </a:solidFill>
-                <a:latin typeface="Source Sans Pro Black"/>
+              <a:rPr b="0" lang="en-IN" sz="1800" spc="-1" strike="noStrike">
+                <a:latin typeface="Arial"/>
               </a:rPr>
               <a:t>Click to edit the title text format</a:t>
             </a:r>
-            <a:endParaRPr b="1" lang="en-IN" sz="3600" spc="-1" strike="noStrike">
-              <a:solidFill>
-                <a:srgbClr val="ffffff"/>
-              </a:solidFill>
-              <a:latin typeface="Source Sans Pro Black"/>
-            </a:endParaRPr>
-          </a:p>
-        </p:txBody>
-      </p:sp>
-      <p:sp>
-        <p:nvSpPr>
-          <p:cNvPr id="46" name="PlaceHolder 3"/>
+            <a:endParaRPr b="0" lang="en-IN" sz="1800" spc="-1" strike="noStrike">
+              <a:latin typeface="Arial"/>
+            </a:endParaRPr>
+          </a:p>
+        </p:txBody>
+      </p:sp>
+      <p:sp>
+        <p:nvSpPr>
+          <p:cNvPr id="43" name="PlaceHolder 5"/>
           <p:cNvSpPr>
             <a:spLocks noGrp="1"/>
           </p:cNvSpPr>
@@ -4946,8 +4448,8 @@
         </p:nvSpPr>
         <p:spPr>
           <a:xfrm>
-            <a:off x="360000" y="5220000"/>
-            <a:ext cx="9360000" cy="1980000"/>
+            <a:off x="3420000" y="5040000"/>
+            <a:ext cx="6299640" cy="2159640"/>
           </a:xfrm>
           <a:prstGeom prst="rect">
             <a:avLst/>
@@ -4959,278 +4461,156 @@
           </a:bodyPr>
           <a:p>
             <a:pPr marL="432000" indent="-324000">
-              <a:spcAft>
-                <a:spcPts val="876"/>
-              </a:spcAft>
+              <a:spcBef>
+                <a:spcPts val="1417"/>
+              </a:spcBef>
+              <a:buClr>
+                <a:srgbClr val="000000"/>
+              </a:buClr>
+              <a:buSzPct val="45000"/>
+              <a:buFont typeface="Wingdings" charset="2"/>
+              <a:buChar char=""/>
             </a:pPr>
             <a:r>
-              <a:rPr b="0" lang="en-IN" sz="2000" spc="-1" strike="noStrike">
-                <a:solidFill>
-                  <a:srgbClr val="ffffff"/>
-                </a:solidFill>
-                <a:latin typeface="Source Sans Pro"/>
+              <a:rPr b="0" lang="en-IN" sz="1800" spc="-1" strike="noStrike">
+                <a:latin typeface="Arial"/>
               </a:rPr>
               <a:t>Click to edit the outline text format</a:t>
             </a:r>
-            <a:endParaRPr b="0" lang="en-IN" sz="2000" spc="-1" strike="noStrike">
-              <a:solidFill>
-                <a:srgbClr val="ffffff"/>
-              </a:solidFill>
-              <a:latin typeface="Source Sans Pro"/>
+            <a:endParaRPr b="0" lang="en-IN" sz="1800" spc="-1" strike="noStrike">
+              <a:latin typeface="Arial"/>
             </a:endParaRPr>
           </a:p>
           <a:p>
             <a:pPr lvl="1" marL="864000" indent="-324000">
-              <a:spcAft>
+              <a:spcBef>
                 <a:spcPts val="1134"/>
-              </a:spcAft>
+              </a:spcBef>
+              <a:buClr>
+                <a:srgbClr val="000000"/>
+              </a:buClr>
+              <a:buSzPct val="75000"/>
+              <a:buFont typeface="Symbol" charset="2"/>
+              <a:buChar char=""/>
             </a:pPr>
             <a:r>
-              <a:rPr b="0" lang="en-IN" sz="2000" spc="-1" strike="noStrike">
-                <a:solidFill>
-                  <a:srgbClr val="ffffff"/>
-                </a:solidFill>
-                <a:latin typeface="Source Sans Pro"/>
+              <a:rPr b="0" lang="en-IN" sz="1800" spc="-1" strike="noStrike">
+                <a:latin typeface="Arial"/>
               </a:rPr>
               <a:t>Second Outline Level</a:t>
             </a:r>
-            <a:endParaRPr b="0" lang="en-IN" sz="2000" spc="-1" strike="noStrike">
-              <a:solidFill>
-                <a:srgbClr val="ffffff"/>
-              </a:solidFill>
-              <a:latin typeface="Source Sans Pro"/>
+            <a:endParaRPr b="0" lang="en-IN" sz="1800" spc="-1" strike="noStrike">
+              <a:latin typeface="Arial"/>
             </a:endParaRPr>
           </a:p>
           <a:p>
             <a:pPr lvl="2" marL="1296000" indent="-288000">
-              <a:spcAft>
+              <a:spcBef>
                 <a:spcPts val="850"/>
-              </a:spcAft>
+              </a:spcBef>
+              <a:buClr>
+                <a:srgbClr val="000000"/>
+              </a:buClr>
+              <a:buSzPct val="45000"/>
+              <a:buFont typeface="Wingdings" charset="2"/>
+              <a:buChar char=""/>
             </a:pPr>
             <a:r>
-              <a:rPr b="0" lang="en-IN" sz="2000" spc="-1" strike="noStrike">
-                <a:solidFill>
-                  <a:srgbClr val="ffffff"/>
-                </a:solidFill>
-                <a:latin typeface="Source Sans Pro"/>
+              <a:rPr b="0" lang="en-IN" sz="1800" spc="-1" strike="noStrike">
+                <a:latin typeface="Arial"/>
               </a:rPr>
               <a:t>Third Outline Level</a:t>
             </a:r>
-            <a:endParaRPr b="0" lang="en-IN" sz="2000" spc="-1" strike="noStrike">
-              <a:solidFill>
-                <a:srgbClr val="ffffff"/>
-              </a:solidFill>
-              <a:latin typeface="Source Sans Pro"/>
+            <a:endParaRPr b="0" lang="en-IN" sz="1800" spc="-1" strike="noStrike">
+              <a:latin typeface="Arial"/>
             </a:endParaRPr>
           </a:p>
           <a:p>
             <a:pPr lvl="3" marL="1728000" indent="-216000">
-              <a:spcAft>
+              <a:spcBef>
                 <a:spcPts val="567"/>
-              </a:spcAft>
+              </a:spcBef>
+              <a:buClr>
+                <a:srgbClr val="000000"/>
+              </a:buClr>
+              <a:buSzPct val="75000"/>
+              <a:buFont typeface="Symbol" charset="2"/>
+              <a:buChar char=""/>
             </a:pPr>
             <a:r>
-              <a:rPr b="0" lang="en-IN" sz="2000" spc="-1" strike="noStrike">
-                <a:solidFill>
-                  <a:srgbClr val="ffffff"/>
-                </a:solidFill>
-                <a:latin typeface="Source Sans Pro"/>
+              <a:rPr b="0" lang="en-IN" sz="1800" spc="-1" strike="noStrike">
+                <a:latin typeface="Arial"/>
               </a:rPr>
               <a:t>Fourth Outline Level</a:t>
             </a:r>
-            <a:endParaRPr b="0" lang="en-IN" sz="2000" spc="-1" strike="noStrike">
-              <a:solidFill>
-                <a:srgbClr val="ffffff"/>
-              </a:solidFill>
-              <a:latin typeface="Source Sans Pro"/>
+            <a:endParaRPr b="0" lang="en-IN" sz="1800" spc="-1" strike="noStrike">
+              <a:latin typeface="Arial"/>
             </a:endParaRPr>
           </a:p>
           <a:p>
             <a:pPr lvl="4" marL="2160000" indent="-216000">
-              <a:spcAft>
+              <a:spcBef>
                 <a:spcPts val="283"/>
-              </a:spcAft>
+              </a:spcBef>
+              <a:buClr>
+                <a:srgbClr val="000000"/>
+              </a:buClr>
+              <a:buSzPct val="45000"/>
+              <a:buFont typeface="Wingdings" charset="2"/>
+              <a:buChar char=""/>
             </a:pPr>
             <a:r>
-              <a:rPr b="0" lang="en-IN" sz="2000" spc="-1" strike="noStrike">
-                <a:solidFill>
-                  <a:srgbClr val="ffffff"/>
-                </a:solidFill>
-                <a:latin typeface="Source Sans Pro"/>
+              <a:rPr b="0" lang="en-IN" sz="1800" spc="-1" strike="noStrike">
+                <a:latin typeface="Arial"/>
               </a:rPr>
               <a:t>Fifth Outline Level</a:t>
             </a:r>
-            <a:endParaRPr b="0" lang="en-IN" sz="2000" spc="-1" strike="noStrike">
-              <a:solidFill>
-                <a:srgbClr val="ffffff"/>
-              </a:solidFill>
-              <a:latin typeface="Source Sans Pro"/>
+            <a:endParaRPr b="0" lang="en-IN" sz="1800" spc="-1" strike="noStrike">
+              <a:latin typeface="Arial"/>
             </a:endParaRPr>
           </a:p>
           <a:p>
             <a:pPr lvl="5" marL="2592000" indent="-216000">
-              <a:spcAft>
+              <a:spcBef>
                 <a:spcPts val="283"/>
-              </a:spcAft>
+              </a:spcBef>
+              <a:buClr>
+                <a:srgbClr val="000000"/>
+              </a:buClr>
+              <a:buSzPct val="45000"/>
+              <a:buFont typeface="Wingdings" charset="2"/>
+              <a:buChar char=""/>
             </a:pPr>
             <a:r>
-              <a:rPr b="0" lang="en-IN" sz="2000" spc="-1" strike="noStrike">
-                <a:solidFill>
-                  <a:srgbClr val="ffffff"/>
-                </a:solidFill>
-                <a:latin typeface="Source Sans Pro"/>
+              <a:rPr b="0" lang="en-IN" sz="1800" spc="-1" strike="noStrike">
+                <a:latin typeface="Arial"/>
               </a:rPr>
               <a:t>Sixth Outline Level</a:t>
             </a:r>
-            <a:endParaRPr b="0" lang="en-IN" sz="2000" spc="-1" strike="noStrike">
-              <a:solidFill>
-                <a:srgbClr val="ffffff"/>
-              </a:solidFill>
-              <a:latin typeface="Source Sans Pro"/>
+            <a:endParaRPr b="0" lang="en-IN" sz="1800" spc="-1" strike="noStrike">
+              <a:latin typeface="Arial"/>
             </a:endParaRPr>
           </a:p>
           <a:p>
             <a:pPr lvl="6" marL="3024000" indent="-216000">
-              <a:spcAft>
+              <a:spcBef>
                 <a:spcPts val="283"/>
-              </a:spcAft>
+              </a:spcBef>
+              <a:buClr>
+                <a:srgbClr val="000000"/>
+              </a:buClr>
+              <a:buSzPct val="45000"/>
+              <a:buFont typeface="Wingdings" charset="2"/>
+              <a:buChar char=""/>
             </a:pPr>
             <a:r>
-              <a:rPr b="0" lang="en-IN" sz="2000" spc="-1" strike="noStrike">
-                <a:solidFill>
-                  <a:srgbClr val="ffffff"/>
-                </a:solidFill>
-                <a:latin typeface="Source Sans Pro"/>
+              <a:rPr b="0" lang="en-IN" sz="1800" spc="-1" strike="noStrike">
+                <a:latin typeface="Arial"/>
               </a:rPr>
               <a:t>Seventh Outline Level</a:t>
             </a:r>
-            <a:endParaRPr b="0" lang="en-IN" sz="2000" spc="-1" strike="noStrike">
-              <a:solidFill>
-                <a:srgbClr val="ffffff"/>
-              </a:solidFill>
-              <a:latin typeface="Source Sans Pro"/>
-            </a:endParaRPr>
-          </a:p>
-        </p:txBody>
-      </p:sp>
-      <p:sp>
-        <p:nvSpPr>
-          <p:cNvPr id="47" name="PlaceHolder 4"/>
-          <p:cNvSpPr>
-            <a:spLocks noGrp="1"/>
-          </p:cNvSpPr>
-          <p:nvPr>
-            <p:ph type="dt"/>
-          </p:nvPr>
-        </p:nvSpPr>
-        <p:spPr>
-          <a:xfrm>
-            <a:off x="360000" y="7200000"/>
-            <a:ext cx="2880000" cy="360000"/>
-          </a:xfrm>
-          <a:prstGeom prst="rect">
-            <a:avLst/>
-          </a:prstGeom>
-        </p:spPr>
-        <p:txBody>
-          <a:bodyPr lIns="0" rIns="0" tIns="0" bIns="0"/>
-          <a:p>
-            <a:r>
-              <a:rPr b="1" lang="en-US" sz="1800" spc="-1" strike="noStrike">
-                <a:solidFill>
-                  <a:srgbClr val="ffffff"/>
-                </a:solidFill>
-                <a:latin typeface="Source Sans Pro Black"/>
-              </a:rPr>
-              <a:t> </a:t>
-            </a:r>
-            <a:endParaRPr b="1" lang="en-IN" sz="1800" spc="-1" strike="noStrike">
-              <a:solidFill>
-                <a:srgbClr val="ffffff"/>
-              </a:solidFill>
-              <a:latin typeface="Source Sans Pro Black"/>
-            </a:endParaRPr>
-          </a:p>
-        </p:txBody>
-      </p:sp>
-      <p:sp>
-        <p:nvSpPr>
-          <p:cNvPr id="48" name="PlaceHolder 5"/>
-          <p:cNvSpPr>
-            <a:spLocks noGrp="1"/>
-          </p:cNvSpPr>
-          <p:nvPr>
-            <p:ph type="ftr"/>
-          </p:nvPr>
-        </p:nvSpPr>
-        <p:spPr>
-          <a:xfrm>
-            <a:off x="3420000" y="7200000"/>
-            <a:ext cx="3240000" cy="360000"/>
-          </a:xfrm>
-          <a:prstGeom prst="rect">
-            <a:avLst/>
-          </a:prstGeom>
-        </p:spPr>
-        <p:txBody>
-          <a:bodyPr lIns="0" rIns="0" tIns="0" bIns="0"/>
-          <a:p>
-            <a:pPr algn="ctr"/>
-            <a:r>
-              <a:rPr b="1" lang="en-IN" sz="1800" spc="-1" strike="noStrike">
-                <a:solidFill>
-                  <a:srgbClr val="ffffff"/>
-                </a:solidFill>
-                <a:latin typeface="Source Sans Pro Black"/>
-              </a:rPr>
-              <a:t> </a:t>
-            </a:r>
-            <a:endParaRPr b="1" lang="en-IN" sz="1800" spc="-1" strike="noStrike">
-              <a:solidFill>
-                <a:srgbClr val="ffffff"/>
-              </a:solidFill>
-              <a:latin typeface="Source Sans Pro Black"/>
-            </a:endParaRPr>
-          </a:p>
-        </p:txBody>
-      </p:sp>
-      <p:sp>
-        <p:nvSpPr>
-          <p:cNvPr id="49" name="PlaceHolder 6"/>
-          <p:cNvSpPr>
-            <a:spLocks noGrp="1"/>
-          </p:cNvSpPr>
-          <p:nvPr>
-            <p:ph type="sldNum"/>
-          </p:nvPr>
-        </p:nvSpPr>
-        <p:spPr>
-          <a:xfrm>
-            <a:off x="9180000" y="6804000"/>
-            <a:ext cx="720000" cy="720000"/>
-          </a:xfrm>
-          <a:prstGeom prst="rect">
-            <a:avLst/>
-          </a:prstGeom>
-        </p:spPr>
-        <p:txBody>
-          <a:bodyPr lIns="0" rIns="0" tIns="0" bIns="0" anchor="ctr"/>
-          <a:p>
-            <a:pPr algn="ctr"/>
-            <a:fld id="{4D891D9A-0F49-4AD0-A65D-2F0A3D727B8C}" type="slidenum">
-              <a:rPr b="1" lang="en-IN" sz="1800" spc="-1" strike="noStrike">
-                <a:solidFill>
-                  <a:srgbClr val="ffffff"/>
-                </a:solidFill>
-                <a:latin typeface="Source Sans Pro Black"/>
-              </a:rPr>
-              <a:t>1</a:t>
-            </a:fld>
-            <a:endParaRPr b="1" lang="en-IN" sz="1800" spc="-1" strike="noStrike">
-              <a:solidFill>
-                <a:srgbClr val="ffffff"/>
-              </a:solidFill>
-              <a:latin typeface="Source Sans Pro Black"/>
+            <a:endParaRPr b="0" lang="en-IN" sz="1800" spc="-1" strike="noStrike">
+              <a:latin typeface="Arial"/>
             </a:endParaRPr>
           </a:p>
         </p:txBody>
@@ -5281,14 +4661,14 @@
       </p:grpSpPr>
       <p:sp>
         <p:nvSpPr>
-          <p:cNvPr id="86" name="CustomShape 1"/>
+          <p:cNvPr id="80" name="CustomShape 1"/>
           <p:cNvSpPr/>
           <p:nvPr/>
         </p:nvSpPr>
         <p:spPr>
           <a:xfrm>
             <a:off x="2520000" y="2520000"/>
-            <a:ext cx="5040000" cy="2520000"/>
+            <a:ext cx="5039640" cy="2519640"/>
           </a:xfrm>
           <a:prstGeom prst="wedgeRectCallout">
             <a:avLst>
@@ -5312,7 +4692,7 @@
       </p:sp>
       <p:sp>
         <p:nvSpPr>
-          <p:cNvPr id="87" name="PlaceHolder 2"/>
+          <p:cNvPr id="81" name="PlaceHolder 2"/>
           <p:cNvSpPr>
             <a:spLocks noGrp="1"/>
           </p:cNvSpPr>
@@ -5323,7 +4703,7 @@
         <p:spPr>
           <a:xfrm>
             <a:off x="2700000" y="2700000"/>
-            <a:ext cx="4680000" cy="2160000"/>
+            <a:ext cx="4679640" cy="2159640"/>
           </a:xfrm>
           <a:prstGeom prst="rect">
             <a:avLst/>
@@ -5332,28 +4712,21 @@
         <p:txBody>
           <a:bodyPr lIns="0" rIns="0" tIns="0" bIns="0" anchor="ctr" anchorCtr="1"/>
           <a:p>
-            <a:pPr algn="ctr"/>
             <a:r>
-              <a:rPr b="1" lang="en-IN" sz="3600" spc="-1" strike="noStrike">
-                <a:solidFill>
-                  <a:srgbClr val="2c3e50"/>
-                </a:solidFill>
-                <a:latin typeface="Source Sans Pro Black"/>
+              <a:rPr b="0" lang="en-IN" sz="1800" spc="-1" strike="noStrike">
+                <a:latin typeface="Arial"/>
               </a:rPr>
               <a:t>Click to edit the title text format</a:t>
             </a:r>
-            <a:endParaRPr b="1" lang="en-IN" sz="3600" spc="-1" strike="noStrike">
-              <a:solidFill>
-                <a:srgbClr val="2c3e50"/>
-              </a:solidFill>
-              <a:latin typeface="Source Sans Pro Black"/>
-            </a:endParaRPr>
-          </a:p>
-        </p:txBody>
-      </p:sp>
-      <p:sp>
-        <p:nvSpPr>
-          <p:cNvPr id="88" name="PlaceHolder 3"/>
+            <a:endParaRPr b="0" lang="en-IN" sz="1800" spc="-1" strike="noStrike">
+              <a:latin typeface="Arial"/>
+            </a:endParaRPr>
+          </a:p>
+        </p:txBody>
+      </p:sp>
+      <p:sp>
+        <p:nvSpPr>
+          <p:cNvPr id="82" name="PlaceHolder 3"/>
           <p:cNvSpPr>
             <a:spLocks noGrp="1"/>
           </p:cNvSpPr>
@@ -5364,7 +4737,7 @@
         <p:spPr>
           <a:xfrm>
             <a:off x="3420000" y="5040000"/>
-            <a:ext cx="6300000" cy="2160000"/>
+            <a:ext cx="6299640" cy="2159640"/>
           </a:xfrm>
           <a:prstGeom prst="rect">
             <a:avLst/>
@@ -5376,278 +4749,156 @@
           </a:bodyPr>
           <a:p>
             <a:pPr marL="432000" indent="-324000">
-              <a:spcAft>
-                <a:spcPts val="876"/>
-              </a:spcAft>
+              <a:spcBef>
+                <a:spcPts val="1417"/>
+              </a:spcBef>
+              <a:buClr>
+                <a:srgbClr val="ffffff"/>
+              </a:buClr>
+              <a:buSzPct val="45000"/>
+              <a:buFont typeface="Wingdings" charset="2"/>
+              <a:buChar char=""/>
             </a:pPr>
             <a:r>
-              <a:rPr b="0" lang="en-IN" sz="2000" spc="-1" strike="noStrike">
-                <a:solidFill>
-                  <a:srgbClr val="ffffff"/>
-                </a:solidFill>
-                <a:latin typeface="Source Sans Pro"/>
+              <a:rPr b="0" lang="en-IN" sz="1800" spc="-1" strike="noStrike">
+                <a:latin typeface="Arial"/>
               </a:rPr>
               <a:t>Click to edit the outline text format</a:t>
             </a:r>
-            <a:endParaRPr b="0" lang="en-IN" sz="2000" spc="-1" strike="noStrike">
-              <a:solidFill>
+            <a:endParaRPr b="0" lang="en-IN" sz="1800" spc="-1" strike="noStrike">
+              <a:latin typeface="Arial"/>
+            </a:endParaRPr>
+          </a:p>
+          <a:p>
+            <a:pPr lvl="1" marL="864000" indent="-324000">
+              <a:spcBef>
+                <a:spcPts val="1134"/>
+              </a:spcBef>
+              <a:buClr>
                 <a:srgbClr val="ffffff"/>
-              </a:solidFill>
-              <a:latin typeface="Source Sans Pro"/>
-            </a:endParaRPr>
-          </a:p>
-          <a:p>
-            <a:pPr lvl="1" marL="864000" indent="-324000">
-              <a:spcAft>
-                <a:spcPts val="1134"/>
-              </a:spcAft>
+              </a:buClr>
+              <a:buSzPct val="75000"/>
+              <a:buFont typeface="Symbol" charset="2"/>
+              <a:buChar char=""/>
             </a:pPr>
             <a:r>
-              <a:rPr b="0" lang="en-IN" sz="2000" spc="-1" strike="noStrike">
-                <a:solidFill>
-                  <a:srgbClr val="ffffff"/>
-                </a:solidFill>
-                <a:latin typeface="Source Sans Pro"/>
+              <a:rPr b="0" lang="en-IN" sz="1800" spc="-1" strike="noStrike">
+                <a:latin typeface="Arial"/>
               </a:rPr>
               <a:t>Second Outline Level</a:t>
             </a:r>
-            <a:endParaRPr b="0" lang="en-IN" sz="2000" spc="-1" strike="noStrike">
-              <a:solidFill>
+            <a:endParaRPr b="0" lang="en-IN" sz="1800" spc="-1" strike="noStrike">
+              <a:latin typeface="Arial"/>
+            </a:endParaRPr>
+          </a:p>
+          <a:p>
+            <a:pPr lvl="2" marL="1296000" indent="-288000">
+              <a:spcBef>
+                <a:spcPts val="850"/>
+              </a:spcBef>
+              <a:buClr>
                 <a:srgbClr val="ffffff"/>
-              </a:solidFill>
-              <a:latin typeface="Source Sans Pro"/>
-            </a:endParaRPr>
-          </a:p>
-          <a:p>
-            <a:pPr lvl="2" marL="1296000" indent="-288000">
-              <a:spcAft>
-                <a:spcPts val="850"/>
-              </a:spcAft>
+              </a:buClr>
+              <a:buSzPct val="45000"/>
+              <a:buFont typeface="Wingdings" charset="2"/>
+              <a:buChar char=""/>
             </a:pPr>
             <a:r>
-              <a:rPr b="0" lang="en-IN" sz="2000" spc="-1" strike="noStrike">
-                <a:solidFill>
-                  <a:srgbClr val="ffffff"/>
-                </a:solidFill>
-                <a:latin typeface="Source Sans Pro"/>
+              <a:rPr b="0" lang="en-IN" sz="1800" spc="-1" strike="noStrike">
+                <a:latin typeface="Arial"/>
               </a:rPr>
               <a:t>Third Outline Level</a:t>
             </a:r>
-            <a:endParaRPr b="0" lang="en-IN" sz="2000" spc="-1" strike="noStrike">
-              <a:solidFill>
+            <a:endParaRPr b="0" lang="en-IN" sz="1800" spc="-1" strike="noStrike">
+              <a:latin typeface="Arial"/>
+            </a:endParaRPr>
+          </a:p>
+          <a:p>
+            <a:pPr lvl="3" marL="1728000" indent="-216000">
+              <a:spcBef>
+                <a:spcPts val="567"/>
+              </a:spcBef>
+              <a:buClr>
                 <a:srgbClr val="ffffff"/>
-              </a:solidFill>
-              <a:latin typeface="Source Sans Pro"/>
-            </a:endParaRPr>
-          </a:p>
-          <a:p>
-            <a:pPr lvl="3" marL="1728000" indent="-216000">
-              <a:spcAft>
-                <a:spcPts val="567"/>
-              </a:spcAft>
+              </a:buClr>
+              <a:buSzPct val="75000"/>
+              <a:buFont typeface="Symbol" charset="2"/>
+              <a:buChar char=""/>
             </a:pPr>
             <a:r>
-              <a:rPr b="0" lang="en-IN" sz="2000" spc="-1" strike="noStrike">
-                <a:solidFill>
-                  <a:srgbClr val="ffffff"/>
-                </a:solidFill>
-                <a:latin typeface="Source Sans Pro"/>
+              <a:rPr b="0" lang="en-IN" sz="1800" spc="-1" strike="noStrike">
+                <a:latin typeface="Arial"/>
               </a:rPr>
               <a:t>Fourth Outline Level</a:t>
             </a:r>
-            <a:endParaRPr b="0" lang="en-IN" sz="2000" spc="-1" strike="noStrike">
-              <a:solidFill>
+            <a:endParaRPr b="0" lang="en-IN" sz="1800" spc="-1" strike="noStrike">
+              <a:latin typeface="Arial"/>
+            </a:endParaRPr>
+          </a:p>
+          <a:p>
+            <a:pPr lvl="4" marL="2160000" indent="-216000">
+              <a:spcBef>
+                <a:spcPts val="283"/>
+              </a:spcBef>
+              <a:buClr>
                 <a:srgbClr val="ffffff"/>
-              </a:solidFill>
-              <a:latin typeface="Source Sans Pro"/>
-            </a:endParaRPr>
-          </a:p>
-          <a:p>
-            <a:pPr lvl="4" marL="2160000" indent="-216000">
-              <a:spcAft>
-                <a:spcPts val="283"/>
-              </a:spcAft>
+              </a:buClr>
+              <a:buSzPct val="45000"/>
+              <a:buFont typeface="Wingdings" charset="2"/>
+              <a:buChar char=""/>
             </a:pPr>
             <a:r>
-              <a:rPr b="0" lang="en-IN" sz="2000" spc="-1" strike="noStrike">
-                <a:solidFill>
-                  <a:srgbClr val="ffffff"/>
-                </a:solidFill>
-                <a:latin typeface="Source Sans Pro"/>
+              <a:rPr b="0" lang="en-IN" sz="1800" spc="-1" strike="noStrike">
+                <a:latin typeface="Arial"/>
               </a:rPr>
               <a:t>Fifth Outline Level</a:t>
             </a:r>
-            <a:endParaRPr b="0" lang="en-IN" sz="2000" spc="-1" strike="noStrike">
-              <a:solidFill>
+            <a:endParaRPr b="0" lang="en-IN" sz="1800" spc="-1" strike="noStrike">
+              <a:latin typeface="Arial"/>
+            </a:endParaRPr>
+          </a:p>
+          <a:p>
+            <a:pPr lvl="5" marL="2592000" indent="-216000">
+              <a:spcBef>
+                <a:spcPts val="283"/>
+              </a:spcBef>
+              <a:buClr>
                 <a:srgbClr val="ffffff"/>
-              </a:solidFill>
-              <a:latin typeface="Source Sans Pro"/>
-            </a:endParaRPr>
-          </a:p>
-          <a:p>
-            <a:pPr lvl="5" marL="2592000" indent="-216000">
-              <a:spcAft>
-                <a:spcPts val="283"/>
-              </a:spcAft>
+              </a:buClr>
+              <a:buSzPct val="45000"/>
+              <a:buFont typeface="Wingdings" charset="2"/>
+              <a:buChar char=""/>
             </a:pPr>
             <a:r>
-              <a:rPr b="0" lang="en-IN" sz="2000" spc="-1" strike="noStrike">
-                <a:solidFill>
-                  <a:srgbClr val="ffffff"/>
-                </a:solidFill>
-                <a:latin typeface="Source Sans Pro"/>
+              <a:rPr b="0" lang="en-IN" sz="1800" spc="-1" strike="noStrike">
+                <a:latin typeface="Arial"/>
               </a:rPr>
               <a:t>Sixth Outline Level</a:t>
             </a:r>
-            <a:endParaRPr b="0" lang="en-IN" sz="2000" spc="-1" strike="noStrike">
-              <a:solidFill>
+            <a:endParaRPr b="0" lang="en-IN" sz="1800" spc="-1" strike="noStrike">
+              <a:latin typeface="Arial"/>
+            </a:endParaRPr>
+          </a:p>
+          <a:p>
+            <a:pPr lvl="6" marL="3024000" indent="-216000">
+              <a:spcBef>
+                <a:spcPts val="283"/>
+              </a:spcBef>
+              <a:buClr>
                 <a:srgbClr val="ffffff"/>
-              </a:solidFill>
-              <a:latin typeface="Source Sans Pro"/>
-            </a:endParaRPr>
-          </a:p>
-          <a:p>
-            <a:pPr lvl="6" marL="3024000" indent="-216000">
-              <a:spcAft>
-                <a:spcPts val="283"/>
-              </a:spcAft>
+              </a:buClr>
+              <a:buSzPct val="45000"/>
+              <a:buFont typeface="Wingdings" charset="2"/>
+              <a:buChar char=""/>
             </a:pPr>
             <a:r>
-              <a:rPr b="0" lang="en-IN" sz="2000" spc="-1" strike="noStrike">
-                <a:solidFill>
-                  <a:srgbClr val="ffffff"/>
-                </a:solidFill>
-                <a:latin typeface="Source Sans Pro"/>
+              <a:rPr b="0" lang="en-IN" sz="1800" spc="-1" strike="noStrike">
+                <a:latin typeface="Arial"/>
               </a:rPr>
               <a:t>Seventh Outline Level</a:t>
             </a:r>
-            <a:endParaRPr b="0" lang="en-IN" sz="2000" spc="-1" strike="noStrike">
-              <a:solidFill>
-                <a:srgbClr val="ffffff"/>
-              </a:solidFill>
-              <a:latin typeface="Source Sans Pro"/>
-            </a:endParaRPr>
-          </a:p>
-        </p:txBody>
-      </p:sp>
-      <p:sp>
-        <p:nvSpPr>
-          <p:cNvPr id="89" name="PlaceHolder 4"/>
-          <p:cNvSpPr>
-            <a:spLocks noGrp="1"/>
-          </p:cNvSpPr>
-          <p:nvPr>
-            <p:ph type="dt"/>
-          </p:nvPr>
-        </p:nvSpPr>
-        <p:spPr>
-          <a:xfrm>
-            <a:off x="360000" y="7200000"/>
-            <a:ext cx="2880000" cy="360000"/>
-          </a:xfrm>
-          <a:prstGeom prst="rect">
-            <a:avLst/>
-          </a:prstGeom>
-        </p:spPr>
-        <p:txBody>
-          <a:bodyPr lIns="0" rIns="0" tIns="0" bIns="0"/>
-          <a:p>
-            <a:r>
-              <a:rPr b="1" lang="en-US" sz="1800" spc="-1" strike="noStrike">
-                <a:solidFill>
-                  <a:srgbClr val="ffffff"/>
-                </a:solidFill>
-                <a:latin typeface="Source Sans Pro Black"/>
-              </a:rPr>
-              <a:t> </a:t>
-            </a:r>
-            <a:endParaRPr b="1" lang="en-IN" sz="1800" spc="-1" strike="noStrike">
-              <a:solidFill>
-                <a:srgbClr val="ffffff"/>
-              </a:solidFill>
-              <a:latin typeface="Source Sans Pro Black"/>
-            </a:endParaRPr>
-          </a:p>
-        </p:txBody>
-      </p:sp>
-      <p:sp>
-        <p:nvSpPr>
-          <p:cNvPr id="90" name="PlaceHolder 5"/>
-          <p:cNvSpPr>
-            <a:spLocks noGrp="1"/>
-          </p:cNvSpPr>
-          <p:nvPr>
-            <p:ph type="ftr"/>
-          </p:nvPr>
-        </p:nvSpPr>
-        <p:spPr>
-          <a:xfrm>
-            <a:off x="3420000" y="7200000"/>
-            <a:ext cx="3240000" cy="360000"/>
-          </a:xfrm>
-          <a:prstGeom prst="rect">
-            <a:avLst/>
-          </a:prstGeom>
-        </p:spPr>
-        <p:txBody>
-          <a:bodyPr lIns="0" rIns="0" tIns="0" bIns="0"/>
-          <a:p>
-            <a:pPr algn="ctr"/>
-            <a:r>
-              <a:rPr b="1" lang="en-IN" sz="1800" spc="-1" strike="noStrike">
-                <a:solidFill>
-                  <a:srgbClr val="ffffff"/>
-                </a:solidFill>
-                <a:latin typeface="Source Sans Pro Black"/>
-              </a:rPr>
-              <a:t> </a:t>
-            </a:r>
-            <a:endParaRPr b="1" lang="en-IN" sz="1800" spc="-1" strike="noStrike">
-              <a:solidFill>
-                <a:srgbClr val="ffffff"/>
-              </a:solidFill>
-              <a:latin typeface="Source Sans Pro Black"/>
-            </a:endParaRPr>
-          </a:p>
-        </p:txBody>
-      </p:sp>
-      <p:sp>
-        <p:nvSpPr>
-          <p:cNvPr id="91" name="PlaceHolder 6"/>
-          <p:cNvSpPr>
-            <a:spLocks noGrp="1"/>
-          </p:cNvSpPr>
-          <p:nvPr>
-            <p:ph type="sldNum"/>
-          </p:nvPr>
-        </p:nvSpPr>
-        <p:spPr>
-          <a:xfrm>
-            <a:off x="9180000" y="6804000"/>
-            <a:ext cx="720000" cy="720000"/>
-          </a:xfrm>
-          <a:prstGeom prst="rect">
-            <a:avLst/>
-          </a:prstGeom>
-        </p:spPr>
-        <p:txBody>
-          <a:bodyPr lIns="0" rIns="0" tIns="0" bIns="0" anchor="ctr"/>
-          <a:p>
-            <a:pPr algn="ctr"/>
-            <a:fld id="{535936FF-18B4-424B-9FB5-AD93FBD37E94}" type="slidenum">
-              <a:rPr b="1" lang="en-IN" sz="1800" spc="-1" strike="noStrike">
-                <a:solidFill>
-                  <a:srgbClr val="ffffff"/>
-                </a:solidFill>
-                <a:latin typeface="Source Sans Pro Black"/>
-              </a:rPr>
-              <a:t>1</a:t>
-            </a:fld>
-            <a:endParaRPr b="1" lang="en-IN" sz="1800" spc="-1" strike="noStrike">
-              <a:solidFill>
-                <a:srgbClr val="ffffff"/>
-              </a:solidFill>
-              <a:latin typeface="Source Sans Pro Black"/>
+            <a:endParaRPr b="0" lang="en-IN" sz="1800" spc="-1" strike="noStrike">
+              <a:latin typeface="Arial"/>
             </a:endParaRPr>
           </a:p>
         </p:txBody>
@@ -5691,14 +4942,14 @@
       </p:grpSpPr>
       <p:sp>
         <p:nvSpPr>
-          <p:cNvPr id="128" name="TextShape 1"/>
-          <p:cNvSpPr txBox="1"/>
+          <p:cNvPr id="119" name="CustomShape 1"/>
+          <p:cNvSpPr/>
           <p:nvPr/>
         </p:nvSpPr>
         <p:spPr>
           <a:xfrm>
             <a:off x="360000" y="3780000"/>
-            <a:ext cx="9360000" cy="958680"/>
+            <a:ext cx="9359640" cy="958320"/>
           </a:xfrm>
           <a:prstGeom prst="rect">
             <a:avLst/>
@@ -5708,10 +4959,20 @@
             <a:noFill/>
           </a:ln>
         </p:spPr>
+        <p:style>
+          <a:lnRef idx="0"/>
+          <a:fillRef idx="0"/>
+          <a:effectRef idx="0"/>
+          <a:fontRef idx="minor"/>
+        </p:style>
         <p:txBody>
           <a:bodyPr lIns="0" rIns="0" tIns="0" bIns="0" anchor="ctr" anchorCtr="1"/>
           <a:p>
-            <a:pPr algn="ctr"/>
+            <a:pPr algn="ctr">
+              <a:lnSpc>
+                <a:spcPct val="100000"/>
+              </a:lnSpc>
+            </a:pPr>
             <a:r>
               <a:rPr b="1" lang="en-IN" sz="3600" spc="-1" strike="noStrike">
                 <a:solidFill>
@@ -5721,25 +4982,22 @@
               </a:rPr>
               <a:t>Peer to Peer Technology</a:t>
             </a:r>
-            <a:endParaRPr b="1" lang="en-IN" sz="3600" spc="-1" strike="noStrike">
-              <a:solidFill>
-                <a:srgbClr val="ffffff"/>
-              </a:solidFill>
-              <a:latin typeface="Roboto"/>
-            </a:endParaRPr>
-          </a:p>
-        </p:txBody>
-      </p:sp>
-      <p:sp>
-        <p:nvSpPr>
-          <p:cNvPr id="129" name="TextShape 2"/>
-          <p:cNvSpPr txBox="1"/>
+            <a:endParaRPr b="0" lang="en-IN" sz="3600" spc="-1" strike="noStrike">
+              <a:latin typeface="Arial"/>
+            </a:endParaRPr>
+          </a:p>
+        </p:txBody>
+      </p:sp>
+      <p:sp>
+        <p:nvSpPr>
+          <p:cNvPr id="120" name="CustomShape 2"/>
+          <p:cNvSpPr/>
           <p:nvPr/>
         </p:nvSpPr>
         <p:spPr>
           <a:xfrm>
             <a:off x="360000" y="5220000"/>
-            <a:ext cx="9360000" cy="1980000"/>
+            <a:ext cx="9359640" cy="1979640"/>
           </a:xfrm>
           <a:prstGeom prst="rect">
             <a:avLst/>
@@ -5749,28 +5007,89 @@
             <a:noFill/>
           </a:ln>
         </p:spPr>
-        <p:txBody>
-          <a:bodyPr lIns="0" rIns="0" tIns="0" bIns="0" anchor="ctr"/>
-          <a:p>
-            <a:pPr algn="ctr"/>
-            <a:endParaRPr b="0" lang="en-IN" sz="2200" spc="-1" strike="noStrike">
-              <a:solidFill>
-                <a:srgbClr val="ffffff"/>
-              </a:solidFill>
-              <a:latin typeface="Source Sans Pro"/>
-            </a:endParaRPr>
-          </a:p>
-        </p:txBody>
+        <p:style>
+          <a:lnRef idx="0"/>
+          <a:fillRef idx="0"/>
+          <a:effectRef idx="0"/>
+          <a:fontRef idx="minor"/>
+        </p:style>
       </p:sp>
     </p:spTree>
   </p:cSld>
+  <p:transition>
+    <p:fade thruBlk="true"/>
+  </p:transition>
   <p:timing>
     <p:tnLst>
       <p:par>
         <p:cTn id="1" dur="indefinite" restart="never" nodeType="tmRoot">
           <p:childTnLst>
             <p:seq>
-              <p:cTn id="2" nodeType="mainSeq"/>
+              <p:cTn id="2" nodeType="mainSeq">
+                <p:childTnLst>
+                  <p:par>
+                    <p:cTn id="3" fill="freeze">
+                      <p:stCondLst>
+                        <p:cond delay="indefinite"/>
+                      </p:stCondLst>
+                      <p:childTnLst>
+                        <p:par>
+                          <p:cTn id="4" fill="freeze">
+                            <p:stCondLst>
+                              <p:cond delay="0"/>
+                            </p:stCondLst>
+                            <p:childTnLst>
+                              <p:par>
+                                <p:cTn id="5" nodeType="clickEffect" fill="hold" presetClass="entr" presetID="10">
+                                  <p:stCondLst>
+                                    <p:cond delay="0"/>
+                                  </p:stCondLst>
+                                  <p:childTnLst>
+                                    <p:set>
+                                      <p:cBhvr>
+                                        <p:cTn id="6" dur="0" fill="hold">
+                                          <p:stCondLst>
+                                            <p:cond delay="0"/>
+                                          </p:stCondLst>
+                                        </p:cTn>
+                                        <p:tgtEl>
+                                          <p:spTgt spid="119">
+                                            <p:txEl>
+                                              <p:pRg st="0" end="24"/>
+                                            </p:txEl>
+                                          </p:spTgt>
+                                        </p:tgtEl>
+                                        <p:attrNameLst>
+                                          <p:attrName>style.visibility</p:attrName>
+                                        </p:attrNameLst>
+                                      </p:cBhvr>
+                                      <p:to>
+                                        <p:strVal val="visible"/>
+                                      </p:to>
+                                    </p:set>
+                                    <p:animEffect filter="fade" transition="in">
+                                      <p:cBhvr additive="repl">
+                                        <p:cTn id="7" dur="1000"/>
+                                        <p:tgtEl>
+                                          <p:spTgt spid="119">
+                                            <p:txEl>
+                                              <p:pRg st="0" end="24"/>
+                                            </p:txEl>
+                                          </p:spTgt>
+                                        </p:tgtEl>
+                                      </p:cBhvr>
+                                    </p:animEffect>
+                                  </p:childTnLst>
+                                </p:cTn>
+                              </p:par>
+                            </p:childTnLst>
+                          </p:cTn>
+                        </p:par>
+                      </p:childTnLst>
+                    </p:cTn>
+                  </p:par>
+                </p:childTnLst>
+              </p:cTn>
               <p:prevCondLst>
                 <p:cond delay="0" evt="onPrev">
                   <p:tgtEl>
@@ -5813,14 +5132,14 @@
       </p:grpSpPr>
       <p:sp>
         <p:nvSpPr>
-          <p:cNvPr id="130" name="TextShape 1"/>
-          <p:cNvSpPr txBox="1"/>
+          <p:cNvPr id="121" name="CustomShape 1"/>
+          <p:cNvSpPr/>
           <p:nvPr/>
         </p:nvSpPr>
         <p:spPr>
           <a:xfrm>
             <a:off x="360000" y="301320"/>
-            <a:ext cx="9360000" cy="958680"/>
+            <a:ext cx="9359640" cy="958320"/>
           </a:xfrm>
           <a:prstGeom prst="rect">
             <a:avLst/>
@@ -5830,10 +5149,20 @@
             <a:noFill/>
           </a:ln>
         </p:spPr>
+        <p:style>
+          <a:lnRef idx="0"/>
+          <a:fillRef idx="0"/>
+          <a:effectRef idx="0"/>
+          <a:fontRef idx="minor"/>
+        </p:style>
         <p:txBody>
           <a:bodyPr lIns="0" rIns="0" tIns="0" bIns="0" anchor="ctr"/>
           <a:p>
-            <a:pPr algn="ctr"/>
+            <a:pPr algn="ctr">
+              <a:lnSpc>
+                <a:spcPct val="100000"/>
+              </a:lnSpc>
+            </a:pPr>
             <a:r>
               <a:rPr b="1" lang="en-IN" sz="3600" spc="-1" strike="noStrike">
                 <a:solidFill>
@@ -5843,25 +5172,22 @@
               </a:rPr>
               <a:t>History</a:t>
             </a:r>
-            <a:endParaRPr b="1" lang="en-IN" sz="3600" spc="-1" strike="noStrike">
-              <a:solidFill>
-                <a:srgbClr val="ffffff"/>
-              </a:solidFill>
-              <a:latin typeface="Roboto"/>
-            </a:endParaRPr>
-          </a:p>
-        </p:txBody>
-      </p:sp>
-      <p:sp>
-        <p:nvSpPr>
-          <p:cNvPr id="131" name="TextShape 2"/>
-          <p:cNvSpPr txBox="1"/>
+            <a:endParaRPr b="0" lang="en-IN" sz="3600" spc="-1" strike="noStrike">
+              <a:latin typeface="Arial"/>
+            </a:endParaRPr>
+          </a:p>
+        </p:txBody>
+      </p:sp>
+      <p:sp>
+        <p:nvSpPr>
+          <p:cNvPr id="122" name="CustomShape 2"/>
+          <p:cNvSpPr/>
           <p:nvPr/>
         </p:nvSpPr>
         <p:spPr>
           <a:xfrm>
             <a:off x="360000" y="1980000"/>
-            <a:ext cx="9360000" cy="5040000"/>
+            <a:ext cx="9359640" cy="5039640"/>
           </a:xfrm>
           <a:prstGeom prst="rect">
             <a:avLst/>
@@ -5871,12 +5197,21 @@
             <a:noFill/>
           </a:ln>
         </p:spPr>
-        <p:txBody>
-          <a:bodyPr lIns="0" rIns="0" tIns="0" bIns="0">
-            <a:normAutofit/>
-          </a:bodyPr>
-          <a:p>
-            <a:pPr marL="432000" indent="-324000">
+        <p:style>
+          <a:lnRef idx="0"/>
+          <a:fillRef idx="0"/>
+          <a:effectRef idx="0"/>
+          <a:fontRef idx="minor"/>
+        </p:style>
+        <p:txBody>
+          <a:bodyPr lIns="0" rIns="0" tIns="0" bIns="0">
+            <a:normAutofit/>
+          </a:bodyPr>
+          <a:p>
+            <a:pPr marL="432000" indent="-323640">
+              <a:lnSpc>
+                <a:spcPct val="100000"/>
+              </a:lnSpc>
               <a:spcAft>
                 <a:spcPts val="1414"/>
               </a:spcAft>
@@ -5888,7 +5223,7 @@
               <a:buChar char=""/>
             </a:pPr>
             <a:r>
-              <a:rPr b="1" lang="en-IN" sz="2000" spc="-1" strike="noStrike">
+              <a:rPr b="0" lang="en-IN" sz="2000" spc="-1" strike="noStrike">
                 <a:solidFill>
                   <a:srgbClr val="2c3e50"/>
                 </a:solidFill>
@@ -5897,7 +5232,7 @@
               <a:t>Before </a:t>
             </a:r>
             <a:r>
-              <a:rPr b="1" i="1" lang="en-IN" sz="2000" spc="-1" strike="noStrike">
+              <a:rPr b="0" i="1" lang="en-IN" sz="2000" spc="-1" strike="noStrike">
                 <a:solidFill>
                   <a:srgbClr val="2c3e50"/>
                 </a:solidFill>
@@ -5906,7 +5241,7 @@
               <a:t>Peer to Peer (P2P)</a:t>
             </a:r>
             <a:r>
-              <a:rPr b="1" lang="en-IN" sz="2000" spc="-1" strike="noStrike">
+              <a:rPr b="0" lang="en-IN" sz="2000" spc="-1" strike="noStrike">
                 <a:solidFill>
                   <a:srgbClr val="2c3e50"/>
                 </a:solidFill>
@@ -5915,7 +5250,7 @@
               <a:t> network was implemented, a more simple simple architecture was used in the form of </a:t>
             </a:r>
             <a:r>
-              <a:rPr b="1" i="1" lang="en-IN" sz="2000" spc="-1" strike="noStrike">
+              <a:rPr b="0" i="1" lang="en-IN" sz="2000" spc="-1" strike="noStrike">
                 <a:solidFill>
                   <a:srgbClr val="2c3e50"/>
                 </a:solidFill>
@@ -5924,7 +5259,7 @@
               <a:t>Client Server</a:t>
             </a:r>
             <a:r>
-              <a:rPr b="1" lang="en-IN" sz="2000" spc="-1" strike="noStrike">
+              <a:rPr b="0" lang="en-IN" sz="2000" spc="-1" strike="noStrike">
                 <a:solidFill>
                   <a:srgbClr val="2c3e50"/>
                 </a:solidFill>
@@ -5932,24 +5267,543 @@
               </a:rPr>
               <a:t> architecture.</a:t>
             </a:r>
-            <a:endParaRPr b="1" lang="en-IN" sz="2000" spc="-1" strike="noStrike">
-              <a:solidFill>
+            <a:endParaRPr b="0" lang="en-IN" sz="2000" spc="-1" strike="noStrike">
+              <a:latin typeface="Arial"/>
+            </a:endParaRPr>
+          </a:p>
+          <a:p>
+            <a:pPr marL="432000" indent="-323640">
+              <a:lnSpc>
+                <a:spcPct val="100000"/>
+              </a:lnSpc>
+              <a:spcAft>
+                <a:spcPts val="1414"/>
+              </a:spcAft>
+              <a:buClr>
                 <a:srgbClr val="2c3e50"/>
-              </a:solidFill>
-              <a:latin typeface="Source Sans Pro Semibold"/>
-            </a:endParaRPr>
-          </a:p>
-        </p:txBody>
-      </p:sp>
+              </a:buClr>
+              <a:buSzPct val="45000"/>
+              <a:buFont typeface="Wingdings" charset="2"/>
+              <a:buChar char=""/>
+            </a:pPr>
+            <a:r>
+              <a:rPr b="0" lang="en-IN" sz="2000" spc="-1" strike="noStrike">
+                <a:solidFill>
+                  <a:srgbClr val="2c3e50"/>
+                </a:solidFill>
+                <a:latin typeface="Source Sans Pro Semibold"/>
+              </a:rPr>
+              <a:t>In this architecture multiple clients are connected to a server. The server component provides a function or service to one or many clients, which initiate requests for such services. </a:t>
+            </a:r>
+            <a:endParaRPr b="0" lang="en-IN" sz="2000" spc="-1" strike="noStrike">
+              <a:latin typeface="Arial"/>
+            </a:endParaRPr>
+          </a:p>
+          <a:p>
+            <a:pPr marL="432000" indent="-323640">
+              <a:lnSpc>
+                <a:spcPct val="100000"/>
+              </a:lnSpc>
+              <a:spcAft>
+                <a:spcPts val="1414"/>
+              </a:spcAft>
+              <a:buClr>
+                <a:srgbClr val="2c3e50"/>
+              </a:buClr>
+              <a:buSzPct val="45000"/>
+              <a:buFont typeface="Wingdings" charset="2"/>
+              <a:buChar char=""/>
+            </a:pPr>
+            <a:r>
+              <a:rPr b="0" lang="en-IN" sz="2000" spc="-1" strike="noStrike">
+                <a:solidFill>
+                  <a:srgbClr val="2c3e50"/>
+                </a:solidFill>
+                <a:latin typeface="Source Sans Pro Semibold"/>
+              </a:rPr>
+              <a:t>Eg: A web server serves web pages and a file server serves computer files</a:t>
+            </a:r>
+            <a:endParaRPr b="0" lang="en-IN" sz="2000" spc="-1" strike="noStrike">
+              <a:latin typeface="Arial"/>
+            </a:endParaRPr>
+          </a:p>
+          <a:p>
+            <a:pPr>
+              <a:lnSpc>
+                <a:spcPct val="100000"/>
+              </a:lnSpc>
+              <a:spcAft>
+                <a:spcPts val="1414"/>
+              </a:spcAft>
+            </a:pPr>
+            <a:endParaRPr b="0" lang="en-IN" sz="2000" spc="-1" strike="noStrike">
+              <a:latin typeface="Arial"/>
+            </a:endParaRPr>
+          </a:p>
+          <a:p>
+            <a:pPr marL="432000" indent="-323640">
+              <a:lnSpc>
+                <a:spcPct val="100000"/>
+              </a:lnSpc>
+              <a:spcAft>
+                <a:spcPts val="1414"/>
+              </a:spcAft>
+              <a:buClr>
+                <a:srgbClr val="2c3e50"/>
+              </a:buClr>
+              <a:buSzPct val="45000"/>
+              <a:buFont typeface="Wingdings" charset="2"/>
+              <a:buChar char=""/>
+            </a:pPr>
+            <a:endParaRPr b="0" lang="en-IN" sz="2000" spc="-1" strike="noStrike">
+              <a:latin typeface="Arial"/>
+            </a:endParaRPr>
+          </a:p>
+        </p:txBody>
+      </p:sp>
+      <p:pic>
+        <p:nvPicPr>
+          <p:cNvPr id="123" name="" descr=""/>
+          <p:cNvPicPr/>
+          <p:nvPr/>
+        </p:nvPicPr>
+        <p:blipFill>
+          <a:blip r:embed="rId1"/>
+          <a:stretch/>
+        </p:blipFill>
+        <p:spPr>
+          <a:xfrm>
+            <a:off x="3240000" y="4608000"/>
+            <a:ext cx="3528000" cy="2116800"/>
+          </a:xfrm>
+          <a:prstGeom prst="rect">
+            <a:avLst/>
+          </a:prstGeom>
+          <a:ln>
+            <a:noFill/>
+          </a:ln>
+        </p:spPr>
+      </p:pic>
     </p:spTree>
   </p:cSld>
+  <p:transition spd="med">
+    <p:wipe dir="u"/>
+  </p:transition>
   <p:timing>
     <p:tnLst>
       <p:par>
-        <p:cTn id="3" dur="indefinite" restart="never" nodeType="tmRoot">
+        <p:cTn id="8" dur="indefinite" restart="never" nodeType="tmRoot">
           <p:childTnLst>
             <p:seq>
-              <p:cTn id="4" nodeType="mainSeq"/>
+              <p:cTn id="9" nodeType="mainSeq">
+                <p:childTnLst>
+                  <p:par>
+                    <p:cTn id="10" fill="freeze">
+                      <p:stCondLst>
+                        <p:cond delay="indefinite"/>
+                      </p:stCondLst>
+                      <p:childTnLst>
+                        <p:par>
+                          <p:cTn id="11" fill="freeze">
+                            <p:stCondLst>
+                              <p:cond delay="0"/>
+                            </p:stCondLst>
+                            <p:childTnLst>
+                              <p:par>
+                                <p:cTn id="12" nodeType="clickEffect" fill="hold" presetClass="entr" presetID="10">
+                                  <p:stCondLst>
+                                    <p:cond delay="0"/>
+                                  </p:stCondLst>
+                                  <p:childTnLst>
+                                    <p:set>
+                                      <p:cBhvr>
+                                        <p:cTn id="13" dur="0" fill="hold">
+                                          <p:stCondLst>
+                                            <p:cond delay="0"/>
+                                          </p:stCondLst>
+                                        </p:cTn>
+                                        <p:tgtEl>
+                                          <p:spTgt spid="121">
+                                            <p:txEl>
+                                              <p:pRg st="0" end="8"/>
+                                            </p:txEl>
+                                          </p:spTgt>
+                                        </p:tgtEl>
+                                        <p:attrNameLst>
+                                          <p:attrName>style.visibility</p:attrName>
+                                        </p:attrNameLst>
+                                      </p:cBhvr>
+                                      <p:to>
+                                        <p:strVal val="visible"/>
+                                      </p:to>
+                                    </p:set>
+                                    <p:animEffect filter="fade" transition="in">
+                                      <p:cBhvr additive="repl">
+                                        <p:cTn id="14" dur="1000"/>
+                                        <p:tgtEl>
+                                          <p:spTgt spid="121">
+                                            <p:txEl>
+                                              <p:pRg st="0" end="8"/>
+                                            </p:txEl>
+                                          </p:spTgt>
+                                        </p:tgtEl>
+                                      </p:cBhvr>
+                                    </p:animEffect>
+                                  </p:childTnLst>
+                                </p:cTn>
+                              </p:par>
+                            </p:childTnLst>
+                          </p:cTn>
+                        </p:par>
+                      </p:childTnLst>
+                    </p:cTn>
+                  </p:par>
+                  <p:par>
+                    <p:cTn id="15" fill="freeze">
+                      <p:stCondLst>
+                        <p:cond delay="indefinite"/>
+                      </p:stCondLst>
+                      <p:childTnLst>
+                        <p:par>
+                          <p:cTn id="16" fill="freeze">
+                            <p:stCondLst>
+                              <p:cond delay="0"/>
+                            </p:stCondLst>
+                            <p:childTnLst>
+                              <p:par>
+                                <p:cTn id="17" nodeType="clickEffect" fill="hold" presetClass="entr" presetID="2" presetSubtype="4">
+                                  <p:stCondLst>
+                                    <p:cond delay="0"/>
+                                  </p:stCondLst>
+                                  <p:childTnLst>
+                                    <p:set>
+                                      <p:cBhvr>
+                                        <p:cTn id="18" dur="2" fill="hold">
+                                          <p:stCondLst>
+                                            <p:cond delay="0"/>
+                                          </p:stCondLst>
+                                        </p:cTn>
+                                        <p:tgtEl>
+                                          <p:spTgt spid="122">
+                                            <p:txEl>
+                                              <p:pRg st="0" end="137"/>
+                                            </p:txEl>
+                                          </p:spTgt>
+                                        </p:tgtEl>
+                                        <p:attrNameLst>
+                                          <p:attrName>style.visibility</p:attrName>
+                                        </p:attrNameLst>
+                                      </p:cBhvr>
+                                      <p:to>
+                                        <p:strVal val="visible"/>
+                                      </p:to>
+                                    </p:set>
+                                    <p:anim calcmode="lin" valueType="num">
+                                      <p:cBhvr additive="repl">
+                                        <p:cTn id="19" dur="1000" fill="hold"/>
+                                        <p:tgtEl>
+                                          <p:spTgt spid="122">
+                                            <p:txEl>
+                                              <p:pRg st="0" end="137"/>
+                                            </p:txEl>
+                                          </p:spTgt>
+                                        </p:tgtEl>
+                                        <p:attrNameLst>
+                                          <p:attrName>ppt_x</p:attrName>
+                                        </p:attrNameLst>
+                                      </p:cBhvr>
+                                      <p:tavLst>
+                                        <p:tav tm="0">
+                                          <p:val>
+                                            <p:strVal val="#ppt_x"/>
+                                          </p:val>
+                                        </p:tav>
+                                        <p:tav tm="100000">
+                                          <p:val>
+                                            <p:strVal val="#ppt_x"/>
+                                          </p:val>
+                                        </p:tav>
+                                      </p:tavLst>
+                                    </p:anim>
+                                    <p:anim calcmode="lin" valueType="num">
+                                      <p:cBhvr additive="repl">
+                                        <p:cTn id="20" dur="1000" fill="hold"/>
+                                        <p:tgtEl>
+                                          <p:spTgt spid="122">
+                                            <p:txEl>
+                                              <p:pRg st="0" end="137"/>
+                                            </p:txEl>
+                                          </p:spTgt>
+                                        </p:tgtEl>
+                                        <p:attrNameLst>
+                                          <p:attrName>ppt_y</p:attrName>
+                                        </p:attrNameLst>
+                                      </p:cBhvr>
+                                      <p:tavLst>
+                                        <p:tav tm="0">
+                                          <p:val>
+                                            <p:strVal val="1+#ppt_h/2"/>
+                                          </p:val>
+                                        </p:tav>
+                                        <p:tav tm="100000">
+                                          <p:val>
+                                            <p:strVal val="#ppt_y"/>
+                                          </p:val>
+                                        </p:tav>
+                                      </p:tavLst>
+                                    </p:anim>
+                                  </p:childTnLst>
+                                </p:cTn>
+                              </p:par>
+                            </p:childTnLst>
+                          </p:cTn>
+                        </p:par>
+                      </p:childTnLst>
+                    </p:cTn>
+                  </p:par>
+                  <p:par>
+                    <p:cTn id="21" fill="freeze">
+                      <p:stCondLst>
+                        <p:cond delay="indefinite"/>
+                      </p:stCondLst>
+                      <p:childTnLst>
+                        <p:par>
+                          <p:cTn id="22" fill="freeze">
+                            <p:stCondLst>
+                              <p:cond delay="0"/>
+                            </p:stCondLst>
+                            <p:childTnLst>
+                              <p:par>
+                                <p:cTn id="23" nodeType="clickEffect" fill="hold" presetClass="entr" presetID="2" presetSubtype="4">
+                                  <p:stCondLst>
+                                    <p:cond delay="0"/>
+                                  </p:stCondLst>
+                                  <p:childTnLst>
+                                    <p:set>
+                                      <p:cBhvr>
+                                        <p:cTn id="24" dur="2" fill="hold">
+                                          <p:stCondLst>
+                                            <p:cond delay="0"/>
+                                          </p:stCondLst>
+                                        </p:cTn>
+                                        <p:tgtEl>
+                                          <p:spTgt spid="122">
+                                            <p:txEl>
+                                              <p:pRg st="137" end="322"/>
+                                            </p:txEl>
+                                          </p:spTgt>
+                                        </p:tgtEl>
+                                        <p:attrNameLst>
+                                          <p:attrName>style.visibility</p:attrName>
+                                        </p:attrNameLst>
+                                      </p:cBhvr>
+                                      <p:to>
+                                        <p:strVal val="visible"/>
+                                      </p:to>
+                                    </p:set>
+                                    <p:anim calcmode="lin" valueType="num">
+                                      <p:cBhvr additive="repl">
+                                        <p:cTn id="25" dur="1000" fill="hold"/>
+                                        <p:tgtEl>
+                                          <p:spTgt spid="122">
+                                            <p:txEl>
+                                              <p:pRg st="137" end="322"/>
+                                            </p:txEl>
+                                          </p:spTgt>
+                                        </p:tgtEl>
+                                        <p:attrNameLst>
+                                          <p:attrName>ppt_x</p:attrName>
+                                        </p:attrNameLst>
+                                      </p:cBhvr>
+                                      <p:tavLst>
+                                        <p:tav tm="0">
+                                          <p:val>
+                                            <p:strVal val="#ppt_x"/>
+                                          </p:val>
+                                        </p:tav>
+                                        <p:tav tm="100000">
+                                          <p:val>
+                                            <p:strVal val="#ppt_x"/>
+                                          </p:val>
+                                        </p:tav>
+                                      </p:tavLst>
+                                    </p:anim>
+                                    <p:anim calcmode="lin" valueType="num">
+                                      <p:cBhvr additive="repl">
+                                        <p:cTn id="26" dur="1000" fill="hold"/>
+                                        <p:tgtEl>
+                                          <p:spTgt spid="122">
+                                            <p:txEl>
+                                              <p:pRg st="137" end="322"/>
+                                            </p:txEl>
+                                          </p:spTgt>
+                                        </p:tgtEl>
+                                        <p:attrNameLst>
+                                          <p:attrName>ppt_y</p:attrName>
+                                        </p:attrNameLst>
+                                      </p:cBhvr>
+                                      <p:tavLst>
+                                        <p:tav tm="0">
+                                          <p:val>
+                                            <p:strVal val="1+#ppt_h/2"/>
+                                          </p:val>
+                                        </p:tav>
+                                        <p:tav tm="100000">
+                                          <p:val>
+                                            <p:strVal val="#ppt_y"/>
+                                          </p:val>
+                                        </p:tav>
+                                      </p:tavLst>
+                                    </p:anim>
+                                  </p:childTnLst>
+                                </p:cTn>
+                              </p:par>
+                              <p:par>
+                                <p:cTn id="27" nodeType="withEffect" fill="hold" presetClass="entr" presetID="2" presetSubtype="4">
+                                  <p:stCondLst>
+                                    <p:cond delay="0"/>
+                                  </p:stCondLst>
+                                  <p:childTnLst>
+                                    <p:set>
+                                      <p:cBhvr>
+                                        <p:cTn id="28" dur="2" fill="hold">
+                                          <p:stCondLst>
+                                            <p:cond delay="0"/>
+                                          </p:stCondLst>
+                                        </p:cTn>
+                                        <p:tgtEl>
+                                          <p:spTgt spid="122">
+                                            <p:txEl>
+                                              <p:pRg st="322" end="396"/>
+                                            </p:txEl>
+                                          </p:spTgt>
+                                        </p:tgtEl>
+                                        <p:attrNameLst>
+                                          <p:attrName>style.visibility</p:attrName>
+                                        </p:attrNameLst>
+                                      </p:cBhvr>
+                                      <p:to>
+                                        <p:strVal val="visible"/>
+                                      </p:to>
+                                    </p:set>
+                                    <p:anim calcmode="lin" valueType="num">
+                                      <p:cBhvr additive="repl">
+                                        <p:cTn id="29" dur="1000" fill="hold"/>
+                                        <p:tgtEl>
+                                          <p:spTgt spid="122">
+                                            <p:txEl>
+                                              <p:pRg st="322" end="396"/>
+                                            </p:txEl>
+                                          </p:spTgt>
+                                        </p:tgtEl>
+                                        <p:attrNameLst>
+                                          <p:attrName>ppt_x</p:attrName>
+                                        </p:attrNameLst>
+                                      </p:cBhvr>
+                                      <p:tavLst>
+                                        <p:tav tm="0">
+                                          <p:val>
+                                            <p:strVal val="#ppt_x"/>
+                                          </p:val>
+                                        </p:tav>
+                                        <p:tav tm="100000">
+                                          <p:val>
+                                            <p:strVal val="#ppt_x"/>
+                                          </p:val>
+                                        </p:tav>
+                                      </p:tavLst>
+                                    </p:anim>
+                                    <p:anim calcmode="lin" valueType="num">
+                                      <p:cBhvr additive="repl">
+                                        <p:cTn id="30" dur="1000" fill="hold"/>
+                                        <p:tgtEl>
+                                          <p:spTgt spid="122">
+                                            <p:txEl>
+                                              <p:pRg st="322" end="396"/>
+                                            </p:txEl>
+                                          </p:spTgt>
+                                        </p:tgtEl>
+                                        <p:attrNameLst>
+                                          <p:attrName>ppt_y</p:attrName>
+                                        </p:attrNameLst>
+                                      </p:cBhvr>
+                                      <p:tavLst>
+                                        <p:tav tm="0">
+                                          <p:val>
+                                            <p:strVal val="1+#ppt_h/2"/>
+                                          </p:val>
+                                        </p:tav>
+                                        <p:tav tm="100000">
+                                          <p:val>
+                                            <p:strVal val="#ppt_y"/>
+                                          </p:val>
+                                        </p:tav>
+                                      </p:tavLst>
+                                    </p:anim>
+                                  </p:childTnLst>
+                                </p:cTn>
+                              </p:par>
+                            </p:childTnLst>
+                          </p:cTn>
+                        </p:par>
+                      </p:childTnLst>
+                    </p:cTn>
+                  </p:par>
+                  <p:par>
+                    <p:cTn id="31" fill="freeze">
+                      <p:stCondLst>
+                        <p:cond delay="indefinite"/>
+                      </p:stCondLst>
+                      <p:childTnLst>
+                        <p:par>
+                          <p:cTn id="32" fill="freeze">
+                            <p:stCondLst>
+                              <p:cond delay="0"/>
+                            </p:stCondLst>
+                            <p:childTnLst>
+                              <p:par>
+                                <p:cTn id="33" nodeType="clickEffect" fill="hold" presetClass="entr" presetID="3" presetSubtype="10">
+                                  <p:stCondLst>
+                                    <p:cond delay="0"/>
+                                  </p:stCondLst>
+                                  <p:childTnLst>
+                                    <p:set>
+                                      <p:cBhvr>
+                                        <p:cTn id="34" dur="2" fill="hold">
+                                          <p:stCondLst>
+                                            <p:cond delay="0"/>
+                                          </p:stCondLst>
+                                        </p:cTn>
+                                        <p:tgtEl>
+                                          <p:spTgt spid="123"/>
+                                        </p:tgtEl>
+                                        <p:attrNameLst>
+                                          <p:attrName>style.visibility</p:attrName>
+                                        </p:attrNameLst>
+                                      </p:cBhvr>
+                                      <p:to>
+                                        <p:strVal val="visible"/>
+                                      </p:to>
+                                    </p:set>
+                                    <p:animEffect filter="blinds(horizontal)" transition="in">
+                                      <p:cBhvr additive="repl">
+                                        <p:cTn id="35" dur="1000"/>
+                                        <p:tgtEl>
+                                          <p:spTgt spid="123"/>
+                                        </p:tgtEl>
+                                      </p:cBhvr>
+                                    </p:animEffect>
+                                  </p:childTnLst>
+                                </p:cTn>
+                              </p:par>
+                            </p:childTnLst>
+                          </p:cTn>
+                        </p:par>
+                      </p:childTnLst>
+                    </p:cTn>
+                  </p:par>
+                </p:childTnLst>
+              </p:cTn>
               <p:prevCondLst>
                 <p:cond delay="0" evt="onPrev">
                   <p:tgtEl>
@@ -5992,14 +5846,14 @@
       </p:grpSpPr>
       <p:sp>
         <p:nvSpPr>
-          <p:cNvPr id="132" name="TextShape 1"/>
-          <p:cNvSpPr txBox="1"/>
+          <p:cNvPr id="124" name="CustomShape 1"/>
+          <p:cNvSpPr/>
           <p:nvPr/>
         </p:nvSpPr>
         <p:spPr>
           <a:xfrm>
-            <a:off x="2700000" y="2700000"/>
-            <a:ext cx="4680000" cy="2160000"/>
+            <a:off x="360000" y="301320"/>
+            <a:ext cx="9359640" cy="958320"/>
           </a:xfrm>
           <a:prstGeom prst="rect">
             <a:avLst/>
@@ -6009,28 +5863,1106 @@
             <a:noFill/>
           </a:ln>
         </p:spPr>
-        <p:txBody>
-          <a:bodyPr lIns="0" rIns="0" tIns="0" bIns="0" anchor="ctr" anchorCtr="1"/>
+        <p:style>
+          <a:lnRef idx="0"/>
+          <a:fillRef idx="0"/>
+          <a:effectRef idx="0"/>
+          <a:fontRef idx="minor"/>
+        </p:style>
+        <p:txBody>
+          <a:bodyPr lIns="0" rIns="0" tIns="0" bIns="0" anchor="ctr"/>
+          <a:p>
+            <a:pPr algn="ctr">
+              <a:lnSpc>
+                <a:spcPct val="100000"/>
+              </a:lnSpc>
+            </a:pPr>
+            <a:r>
+              <a:rPr b="1" lang="en-IN" sz="3600" spc="-1" strike="noStrike">
+                <a:solidFill>
+                  <a:srgbClr val="ffffff"/>
+                </a:solidFill>
+                <a:latin typeface="Roboto"/>
+              </a:rPr>
+              <a:t>Disadvantages</a:t>
+            </a:r>
+            <a:endParaRPr b="0" lang="en-IN" sz="3600" spc="-1" strike="noStrike">
+              <a:latin typeface="Arial"/>
+            </a:endParaRPr>
+          </a:p>
+        </p:txBody>
+      </p:sp>
+      <p:sp>
+        <p:nvSpPr>
+          <p:cNvPr id="125" name="CustomShape 2"/>
+          <p:cNvSpPr/>
+          <p:nvPr/>
+        </p:nvSpPr>
+        <p:spPr>
+          <a:xfrm>
+            <a:off x="360000" y="1980000"/>
+            <a:ext cx="9359640" cy="5039640"/>
+          </a:xfrm>
+          <a:prstGeom prst="rect">
+            <a:avLst/>
+          </a:prstGeom>
+          <a:noFill/>
+          <a:ln>
+            <a:noFill/>
+          </a:ln>
+        </p:spPr>
+        <p:style>
+          <a:lnRef idx="0"/>
+          <a:fillRef idx="0"/>
+          <a:effectRef idx="0"/>
+          <a:fontRef idx="minor"/>
+        </p:style>
+        <p:txBody>
+          <a:bodyPr lIns="0" rIns="0" tIns="0" bIns="0">
+            <a:normAutofit/>
+          </a:bodyPr>
+          <a:p>
+            <a:pPr marL="432000" indent="-323640">
+              <a:lnSpc>
+                <a:spcPct val="100000"/>
+              </a:lnSpc>
+              <a:spcAft>
+                <a:spcPts val="1414"/>
+              </a:spcAft>
+              <a:buClr>
+                <a:srgbClr val="2c3e50"/>
+              </a:buClr>
+              <a:buSzPct val="45000"/>
+              <a:buFont typeface="Wingdings" charset="2"/>
+              <a:buChar char=""/>
+            </a:pPr>
+            <a:r>
+              <a:rPr b="0" lang="en-IN" sz="2000" spc="-1" strike="noStrike">
+                <a:solidFill>
+                  <a:srgbClr val="2c3e50"/>
+                </a:solidFill>
+                <a:latin typeface="Source Sans Pro Semibold"/>
+              </a:rPr>
+              <a:t>Number of clients are much higher than servers.</a:t>
+            </a:r>
+            <a:endParaRPr b="0" lang="en-IN" sz="2000" spc="-1" strike="noStrike">
+              <a:latin typeface="Arial"/>
+            </a:endParaRPr>
+          </a:p>
+          <a:p>
+            <a:pPr marL="432000" indent="-323640">
+              <a:lnSpc>
+                <a:spcPct val="100000"/>
+              </a:lnSpc>
+              <a:spcAft>
+                <a:spcPts val="1414"/>
+              </a:spcAft>
+              <a:buClr>
+                <a:srgbClr val="2c3e50"/>
+              </a:buClr>
+              <a:buSzPct val="45000"/>
+              <a:buFont typeface="Wingdings" charset="2"/>
+              <a:buChar char=""/>
+            </a:pPr>
+            <a:r>
+              <a:rPr b="0" lang="en-IN" sz="2000" spc="-1" strike="noStrike">
+                <a:solidFill>
+                  <a:srgbClr val="2c3e50"/>
+                </a:solidFill>
+                <a:latin typeface="Source Sans Pro Semibold"/>
+              </a:rPr>
+              <a:t>High latency.</a:t>
+            </a:r>
+            <a:endParaRPr b="0" lang="en-IN" sz="2000" spc="-1" strike="noStrike">
+              <a:latin typeface="Arial"/>
+            </a:endParaRPr>
+          </a:p>
+          <a:p>
+            <a:pPr marL="432000" indent="-323640">
+              <a:lnSpc>
+                <a:spcPct val="100000"/>
+              </a:lnSpc>
+              <a:spcAft>
+                <a:spcPts val="1414"/>
+              </a:spcAft>
+              <a:buClr>
+                <a:srgbClr val="2c3e50"/>
+              </a:buClr>
+              <a:buSzPct val="45000"/>
+              <a:buFont typeface="Wingdings" charset="2"/>
+              <a:buChar char=""/>
+            </a:pPr>
+            <a:r>
+              <a:rPr b="0" lang="en-IN" sz="2000" spc="-1" strike="noStrike">
+                <a:solidFill>
+                  <a:srgbClr val="2c3e50"/>
+                </a:solidFill>
+                <a:latin typeface="Source Sans Pro Semibold"/>
+              </a:rPr>
+              <a:t>High work load on server.</a:t>
+            </a:r>
+            <a:endParaRPr b="0" lang="en-IN" sz="2000" spc="-1" strike="noStrike">
+              <a:latin typeface="Arial"/>
+            </a:endParaRPr>
+          </a:p>
+          <a:p>
+            <a:pPr marL="432000" indent="-323640">
+              <a:lnSpc>
+                <a:spcPct val="100000"/>
+              </a:lnSpc>
+              <a:spcAft>
+                <a:spcPts val="1414"/>
+              </a:spcAft>
+              <a:buClr>
+                <a:srgbClr val="2c3e50"/>
+              </a:buClr>
+              <a:buSzPct val="45000"/>
+              <a:buFont typeface="Wingdings" charset="2"/>
+              <a:buChar char=""/>
+            </a:pPr>
+            <a:r>
+              <a:rPr b="0" lang="en-IN" sz="2000" spc="-1" strike="noStrike">
+                <a:solidFill>
+                  <a:srgbClr val="2c3e50"/>
+                </a:solidFill>
+                <a:latin typeface="Source Sans Pro Semibold"/>
+              </a:rPr>
+              <a:t>Unable to serve large number of clients due to traffic congestion.</a:t>
+            </a:r>
+            <a:endParaRPr b="0" lang="en-IN" sz="2000" spc="-1" strike="noStrike">
+              <a:latin typeface="Arial"/>
+            </a:endParaRPr>
+          </a:p>
+        </p:txBody>
+      </p:sp>
+    </p:spTree>
+  </p:cSld>
+  <p:transition spd="med">
+    <p:wipe dir="u"/>
+  </p:transition>
+  <p:timing>
+    <p:tnLst>
+      <p:par>
+        <p:cTn id="36" dur="indefinite" restart="never" nodeType="tmRoot">
+          <p:childTnLst>
+            <p:seq>
+              <p:cTn id="37" nodeType="mainSeq"/>
+              <p:prevCondLst>
+                <p:cond delay="0" evt="onPrev">
+                  <p:tgtEl>
+                    <p:sldTgt/>
+                  </p:tgtEl>
+                </p:cond>
+              </p:prevCondLst>
+              <p:nextCondLst>
+                <p:cond delay="0" evt="onNext">
+                  <p:tgtEl>
+                    <p:sldTgt/>
+                  </p:tgtEl>
+                </p:cond>
+              </p:nextCondLst>
+            </p:seq>
+          </p:childTnLst>
+        </p:cTn>
+      </p:par>
+    </p:tnLst>
+  </p:timing>
+</p:sld>
+</file>
+
+<file path=ppt/slides/slide4.xml><?xml version="1.0" encoding="utf-8"?>
+<p:sld xmlns:a="http://schemas.openxmlformats.org/drawingml/2006/main" xmlns:p="http://schemas.openxmlformats.org/presentationml/2006/main" xmlns:r="http://schemas.openxmlformats.org/officeDocument/2006/relationships" xmlns:p14="http://schemas.microsoft.com/office/powerpoint/2010/main" xmlns:p15="http://schemas.microsoft.com/office/powerpoint/2012/main" xmlns:mc="http://schemas.openxmlformats.org/markup-compatibility/2006">
+  <p:cSld>
+    <p:spTree>
+      <p:nvGrpSpPr>
+        <p:cNvPr id="1" name=""/>
+        <p:cNvGrpSpPr/>
+        <p:nvPr/>
+      </p:nvGrpSpPr>
+      <p:grpSpPr>
+        <a:xfrm>
+          <a:off x="0" y="0"/>
+          <a:ext cx="0" cy="0"/>
+          <a:chOff x="0" y="0"/>
+          <a:chExt cx="0" cy="0"/>
+        </a:xfrm>
+      </p:grpSpPr>
+      <p:sp>
+        <p:nvSpPr>
+          <p:cNvPr id="126" name="CustomShape 1"/>
+          <p:cNvSpPr/>
+          <p:nvPr/>
+        </p:nvSpPr>
+        <p:spPr>
+          <a:xfrm>
+            <a:off x="360000" y="301320"/>
+            <a:ext cx="9359640" cy="958320"/>
+          </a:xfrm>
+          <a:prstGeom prst="rect">
+            <a:avLst/>
+          </a:prstGeom>
+          <a:noFill/>
+          <a:ln>
+            <a:noFill/>
+          </a:ln>
+        </p:spPr>
+        <p:style>
+          <a:lnRef idx="0"/>
+          <a:fillRef idx="0"/>
+          <a:effectRef idx="0"/>
+          <a:fontRef idx="minor"/>
+        </p:style>
+        <p:txBody>
+          <a:bodyPr lIns="0" rIns="0" tIns="0" bIns="0" anchor="ctr"/>
+          <a:p>
+            <a:pPr algn="ctr">
+              <a:lnSpc>
+                <a:spcPct val="100000"/>
+              </a:lnSpc>
+            </a:pPr>
+            <a:r>
+              <a:rPr b="1" lang="en-IN" sz="3600" spc="-1" strike="noStrike">
+                <a:solidFill>
+                  <a:srgbClr val="ffffff"/>
+                </a:solidFill>
+                <a:latin typeface="Roboto"/>
+              </a:rPr>
+              <a:t>Solution?</a:t>
+            </a:r>
+            <a:endParaRPr b="0" lang="en-IN" sz="3600" spc="-1" strike="noStrike">
+              <a:latin typeface="Arial"/>
+            </a:endParaRPr>
+          </a:p>
+        </p:txBody>
+      </p:sp>
+      <p:sp>
+        <p:nvSpPr>
+          <p:cNvPr id="127" name="CustomShape 2"/>
+          <p:cNvSpPr/>
+          <p:nvPr/>
+        </p:nvSpPr>
+        <p:spPr>
+          <a:xfrm>
+            <a:off x="360000" y="1980000"/>
+            <a:ext cx="9359640" cy="5039640"/>
+          </a:xfrm>
+          <a:prstGeom prst="rect">
+            <a:avLst/>
+          </a:prstGeom>
+          <a:noFill/>
+          <a:ln>
+            <a:noFill/>
+          </a:ln>
+        </p:spPr>
+        <p:style>
+          <a:lnRef idx="0"/>
+          <a:fillRef idx="0"/>
+          <a:effectRef idx="0"/>
+          <a:fontRef idx="minor"/>
+        </p:style>
+        <p:txBody>
+          <a:bodyPr lIns="0" rIns="0" tIns="0" bIns="0" anchor="ctr">
+            <a:normAutofit/>
+          </a:bodyPr>
+          <a:p>
+            <a:pPr marL="432000" indent="-323640" algn="ctr">
+              <a:lnSpc>
+                <a:spcPct val="100000"/>
+              </a:lnSpc>
+              <a:spcAft>
+                <a:spcPts val="1414"/>
+              </a:spcAft>
+              <a:buClr>
+                <a:srgbClr val="2c3e50"/>
+              </a:buClr>
+              <a:buSzPct val="45000"/>
+              <a:buFont typeface="Wingdings" charset="2"/>
+              <a:buChar char=""/>
+            </a:pPr>
+            <a:r>
+              <a:rPr b="1" lang="en-IN" sz="4800" spc="-1" strike="noStrike">
+                <a:solidFill>
+                  <a:srgbClr val="2c3e50"/>
+                </a:solidFill>
+                <a:latin typeface="Source Sans Pro Semibold"/>
+              </a:rPr>
+              <a:t>Peer to Peer (P2P) Networking</a:t>
+            </a:r>
+            <a:endParaRPr b="0" lang="en-IN" sz="4800" spc="-1" strike="noStrike">
+              <a:latin typeface="Arial"/>
+            </a:endParaRPr>
+          </a:p>
+        </p:txBody>
+      </p:sp>
+    </p:spTree>
+  </p:cSld>
+  <p:transition spd="med">
+    <p:wipe dir="u"/>
+  </p:transition>
+  <p:timing>
+    <p:tnLst>
+      <p:par>
+        <p:cTn id="38" dur="indefinite" restart="never" nodeType="tmRoot">
+          <p:childTnLst>
+            <p:seq>
+              <p:cTn id="39" nodeType="mainSeq"/>
+              <p:prevCondLst>
+                <p:cond delay="0" evt="onPrev">
+                  <p:tgtEl>
+                    <p:sldTgt/>
+                  </p:tgtEl>
+                </p:cond>
+              </p:prevCondLst>
+              <p:nextCondLst>
+                <p:cond delay="0" evt="onNext">
+                  <p:tgtEl>
+                    <p:sldTgt/>
+                  </p:tgtEl>
+                </p:cond>
+              </p:nextCondLst>
+            </p:seq>
+          </p:childTnLst>
+        </p:cTn>
+      </p:par>
+    </p:tnLst>
+  </p:timing>
+</p:sld>
+</file>
+
+<file path=ppt/slides/slide5.xml><?xml version="1.0" encoding="utf-8"?>
+<p:sld xmlns:a="http://schemas.openxmlformats.org/drawingml/2006/main" xmlns:p="http://schemas.openxmlformats.org/presentationml/2006/main" xmlns:r="http://schemas.openxmlformats.org/officeDocument/2006/relationships" xmlns:p14="http://schemas.microsoft.com/office/powerpoint/2010/main" xmlns:p15="http://schemas.microsoft.com/office/powerpoint/2012/main" xmlns:mc="http://schemas.openxmlformats.org/markup-compatibility/2006">
+  <p:cSld>
+    <p:spTree>
+      <p:nvGrpSpPr>
+        <p:cNvPr id="1" name=""/>
+        <p:cNvGrpSpPr/>
+        <p:nvPr/>
+      </p:nvGrpSpPr>
+      <p:grpSpPr>
+        <a:xfrm>
+          <a:off x="0" y="0"/>
+          <a:ext cx="0" cy="0"/>
+          <a:chOff x="0" y="0"/>
+          <a:chExt cx="0" cy="0"/>
+        </a:xfrm>
+      </p:grpSpPr>
+      <p:sp>
+        <p:nvSpPr>
+          <p:cNvPr id="128" name="CustomShape 1"/>
+          <p:cNvSpPr/>
+          <p:nvPr/>
+        </p:nvSpPr>
+        <p:spPr>
+          <a:xfrm>
+            <a:off x="360000" y="301320"/>
+            <a:ext cx="9359640" cy="958320"/>
+          </a:xfrm>
+          <a:prstGeom prst="rect">
+            <a:avLst/>
+          </a:prstGeom>
+          <a:noFill/>
+          <a:ln>
+            <a:noFill/>
+          </a:ln>
+        </p:spPr>
+        <p:style>
+          <a:lnRef idx="0"/>
+          <a:fillRef idx="0"/>
+          <a:effectRef idx="0"/>
+          <a:fontRef idx="minor"/>
+        </p:style>
+        <p:txBody>
+          <a:bodyPr lIns="0" rIns="0" tIns="0" bIns="0" anchor="ctr"/>
+          <a:p>
+            <a:pPr algn="ctr">
+              <a:lnSpc>
+                <a:spcPct val="100000"/>
+              </a:lnSpc>
+            </a:pPr>
+            <a:r>
+              <a:rPr b="1" lang="en-IN" sz="3600" spc="-1" strike="noStrike">
+                <a:solidFill>
+                  <a:srgbClr val="ffffff"/>
+                </a:solidFill>
+                <a:latin typeface="Roboto"/>
+              </a:rPr>
+              <a:t>What is P2P?</a:t>
+            </a:r>
+            <a:endParaRPr b="0" lang="en-IN" sz="3600" spc="-1" strike="noStrike">
+              <a:latin typeface="Arial"/>
+            </a:endParaRPr>
+          </a:p>
+        </p:txBody>
+      </p:sp>
+      <p:sp>
+        <p:nvSpPr>
+          <p:cNvPr id="129" name="CustomShape 2"/>
+          <p:cNvSpPr/>
+          <p:nvPr/>
+        </p:nvSpPr>
+        <p:spPr>
+          <a:xfrm>
+            <a:off x="360000" y="1980000"/>
+            <a:ext cx="9359640" cy="5039640"/>
+          </a:xfrm>
+          <a:prstGeom prst="rect">
+            <a:avLst/>
+          </a:prstGeom>
+          <a:noFill/>
+          <a:ln>
+            <a:noFill/>
+          </a:ln>
+        </p:spPr>
+        <p:style>
+          <a:lnRef idx="0"/>
+          <a:fillRef idx="0"/>
+          <a:effectRef idx="0"/>
+          <a:fontRef idx="minor"/>
+        </p:style>
+        <p:txBody>
+          <a:bodyPr lIns="0" rIns="0" tIns="0" bIns="0">
+            <a:normAutofit/>
+          </a:bodyPr>
+          <a:p>
+            <a:pPr marL="432000" indent="-323640">
+              <a:lnSpc>
+                <a:spcPct val="100000"/>
+              </a:lnSpc>
+              <a:spcAft>
+                <a:spcPts val="1414"/>
+              </a:spcAft>
+              <a:buClr>
+                <a:srgbClr val="2c3e50"/>
+              </a:buClr>
+              <a:buSzPct val="45000"/>
+              <a:buFont typeface="Wingdings" charset="2"/>
+              <a:buChar char=""/>
+            </a:pPr>
+            <a:r>
+              <a:rPr b="0" lang="en-IN" sz="2000" spc="-1" strike="noStrike">
+                <a:solidFill>
+                  <a:srgbClr val="2c3e50"/>
+                </a:solidFill>
+                <a:latin typeface="Source Sans Pro Semibold"/>
+              </a:rPr>
+              <a:t>Peer to Peer as the name suggests is communication between two </a:t>
+            </a:r>
+            <a:r>
+              <a:rPr b="0" i="1" lang="en-IN" sz="2000" spc="-1" strike="noStrike">
+                <a:solidFill>
+                  <a:srgbClr val="2c3e50"/>
+                </a:solidFill>
+                <a:latin typeface="Source Sans Pro Semibold"/>
+              </a:rPr>
+              <a:t>peers </a:t>
+            </a:r>
+            <a:r>
+              <a:rPr b="0" lang="en-IN" sz="2000" spc="-1" strike="noStrike">
+                <a:solidFill>
+                  <a:srgbClr val="2c3e50"/>
+                </a:solidFill>
+                <a:latin typeface="Source Sans Pro Semibold"/>
+              </a:rPr>
+              <a:t>without the intervention of a sever.</a:t>
+            </a:r>
+            <a:endParaRPr b="0" lang="en-IN" sz="2000" spc="-1" strike="noStrike">
+              <a:latin typeface="Arial"/>
+            </a:endParaRPr>
+          </a:p>
+          <a:p>
+            <a:pPr marL="432000" indent="-323640">
+              <a:lnSpc>
+                <a:spcPct val="100000"/>
+              </a:lnSpc>
+              <a:spcAft>
+                <a:spcPts val="1414"/>
+              </a:spcAft>
+              <a:buClr>
+                <a:srgbClr val="2c3e50"/>
+              </a:buClr>
+              <a:buSzPct val="45000"/>
+              <a:buFont typeface="Wingdings" charset="2"/>
+              <a:buChar char=""/>
+            </a:pPr>
+            <a:endParaRPr b="0" lang="en-IN" sz="2000" spc="-1" strike="noStrike">
+              <a:latin typeface="Arial"/>
+            </a:endParaRPr>
+          </a:p>
+        </p:txBody>
+      </p:sp>
+      <p:sp>
+        <p:nvSpPr>
+          <p:cNvPr id="130" name="CustomShape 3"/>
+          <p:cNvSpPr/>
+          <p:nvPr/>
+        </p:nvSpPr>
+        <p:spPr>
+          <a:xfrm>
+            <a:off x="4558320" y="2967840"/>
+            <a:ext cx="837000" cy="837000"/>
+          </a:xfrm>
+          <a:prstGeom prst="ellipse">
+            <a:avLst/>
+          </a:prstGeom>
+          <a:solidFill>
+            <a:srgbClr val="729fcf"/>
+          </a:solidFill>
+          <a:ln>
+            <a:solidFill>
+              <a:srgbClr val="3465a4"/>
+            </a:solidFill>
+          </a:ln>
+        </p:spPr>
+        <p:style>
+          <a:lnRef idx="0"/>
+          <a:fillRef idx="0"/>
+          <a:effectRef idx="0"/>
+          <a:fontRef idx="minor"/>
+        </p:style>
+        <p:txBody>
+          <a:bodyPr wrap="none" lIns="90000" rIns="90000" tIns="45000" bIns="45000" anchor="ctr"/>
           <a:p>
             <a:pPr algn="ctr"/>
-            <a:endParaRPr b="1" lang="en-IN" sz="3600" spc="-1" strike="noStrike">
-              <a:solidFill>
-                <a:srgbClr val="2c3e50"/>
-              </a:solidFill>
-              <a:latin typeface="Source Sans Pro Black"/>
-            </a:endParaRPr>
-          </a:p>
-        </p:txBody>
+            <a:r>
+              <a:rPr b="0" lang="en-IN" sz="1800" spc="-1" strike="noStrike">
+                <a:solidFill>
+                  <a:srgbClr val="ffffff"/>
+                </a:solidFill>
+                <a:latin typeface="Arial"/>
+              </a:rPr>
+              <a:t>Peer</a:t>
+            </a:r>
+            <a:endParaRPr b="0" lang="en-IN" sz="1800" spc="-1" strike="noStrike">
+              <a:latin typeface="Arial"/>
+            </a:endParaRPr>
+          </a:p>
+        </p:txBody>
+      </p:sp>
+      <p:sp>
+        <p:nvSpPr>
+          <p:cNvPr id="131" name="CustomShape 4"/>
+          <p:cNvSpPr/>
+          <p:nvPr/>
+        </p:nvSpPr>
+        <p:spPr>
+          <a:xfrm>
+            <a:off x="3024000" y="4103280"/>
+            <a:ext cx="837000" cy="837000"/>
+          </a:xfrm>
+          <a:prstGeom prst="ellipse">
+            <a:avLst/>
+          </a:prstGeom>
+          <a:solidFill>
+            <a:srgbClr val="729fcf"/>
+          </a:solidFill>
+          <a:ln>
+            <a:solidFill>
+              <a:srgbClr val="3465a4"/>
+            </a:solidFill>
+          </a:ln>
+        </p:spPr>
+        <p:style>
+          <a:lnRef idx="0"/>
+          <a:fillRef idx="0"/>
+          <a:effectRef idx="0"/>
+          <a:fontRef idx="minor"/>
+        </p:style>
+        <p:txBody>
+          <a:bodyPr wrap="none" lIns="90000" rIns="90000" tIns="45000" bIns="45000" anchor="ctr"/>
+          <a:p>
+            <a:pPr algn="ctr"/>
+            <a:r>
+              <a:rPr b="0" lang="en-IN" sz="1800" spc="-1" strike="noStrike">
+                <a:solidFill>
+                  <a:srgbClr val="ffffff"/>
+                </a:solidFill>
+                <a:latin typeface="Arial"/>
+              </a:rPr>
+              <a:t>Peer</a:t>
+            </a:r>
+            <a:endParaRPr b="0" lang="en-IN" sz="1800" spc="-1" strike="noStrike">
+              <a:latin typeface="Arial"/>
+            </a:endParaRPr>
+          </a:p>
+        </p:txBody>
+      </p:sp>
+      <p:sp>
+        <p:nvSpPr>
+          <p:cNvPr id="132" name="CustomShape 5"/>
+          <p:cNvSpPr/>
+          <p:nvPr/>
+        </p:nvSpPr>
+        <p:spPr>
+          <a:xfrm>
+            <a:off x="6064200" y="4104000"/>
+            <a:ext cx="837000" cy="837000"/>
+          </a:xfrm>
+          <a:prstGeom prst="ellipse">
+            <a:avLst/>
+          </a:prstGeom>
+          <a:solidFill>
+            <a:srgbClr val="729fcf"/>
+          </a:solidFill>
+          <a:ln>
+            <a:solidFill>
+              <a:srgbClr val="3465a4"/>
+            </a:solidFill>
+          </a:ln>
+        </p:spPr>
+        <p:style>
+          <a:lnRef idx="0"/>
+          <a:fillRef idx="0"/>
+          <a:effectRef idx="0"/>
+          <a:fontRef idx="minor"/>
+        </p:style>
+        <p:txBody>
+          <a:bodyPr wrap="none" lIns="90000" rIns="90000" tIns="45000" bIns="45000" anchor="ctr"/>
+          <a:p>
+            <a:pPr algn="ctr"/>
+            <a:r>
+              <a:rPr b="0" lang="en-IN" sz="1800" spc="-1" strike="noStrike">
+                <a:solidFill>
+                  <a:srgbClr val="ffffff"/>
+                </a:solidFill>
+                <a:latin typeface="Arial"/>
+              </a:rPr>
+              <a:t>Peer</a:t>
+            </a:r>
+            <a:endParaRPr b="0" lang="en-IN" sz="1800" spc="-1" strike="noStrike">
+              <a:latin typeface="Arial"/>
+            </a:endParaRPr>
+          </a:p>
+        </p:txBody>
+      </p:sp>
+      <p:sp>
+        <p:nvSpPr>
+          <p:cNvPr id="133" name="CustomShape 6"/>
+          <p:cNvSpPr/>
+          <p:nvPr/>
+        </p:nvSpPr>
+        <p:spPr>
+          <a:xfrm>
+            <a:off x="4558680" y="5351400"/>
+            <a:ext cx="837000" cy="837000"/>
+          </a:xfrm>
+          <a:prstGeom prst="ellipse">
+            <a:avLst/>
+          </a:prstGeom>
+          <a:solidFill>
+            <a:srgbClr val="729fcf"/>
+          </a:solidFill>
+          <a:ln>
+            <a:solidFill>
+              <a:srgbClr val="3465a4"/>
+            </a:solidFill>
+          </a:ln>
+        </p:spPr>
+        <p:style>
+          <a:lnRef idx="0"/>
+          <a:fillRef idx="0"/>
+          <a:effectRef idx="0"/>
+          <a:fontRef idx="minor"/>
+        </p:style>
+        <p:txBody>
+          <a:bodyPr wrap="none" lIns="90000" rIns="90000" tIns="45000" bIns="45000" anchor="ctr"/>
+          <a:p>
+            <a:pPr algn="ctr"/>
+            <a:r>
+              <a:rPr b="0" lang="en-IN" sz="1800" spc="-1" strike="noStrike">
+                <a:solidFill>
+                  <a:srgbClr val="ffffff"/>
+                </a:solidFill>
+                <a:latin typeface="Arial"/>
+              </a:rPr>
+              <a:t>Peer</a:t>
+            </a:r>
+            <a:endParaRPr b="0" lang="en-IN" sz="1800" spc="-1" strike="noStrike">
+              <a:latin typeface="Arial"/>
+            </a:endParaRPr>
+          </a:p>
+        </p:txBody>
+      </p:sp>
+      <p:sp>
+        <p:nvSpPr>
+          <p:cNvPr id="134" name="Line 7"/>
+          <p:cNvSpPr/>
+          <p:nvPr/>
+        </p:nvSpPr>
+        <p:spPr>
+          <a:xfrm flipV="1">
+            <a:off x="3801960" y="3571200"/>
+            <a:ext cx="774720" cy="775440"/>
+          </a:xfrm>
+          <a:prstGeom prst="line">
+            <a:avLst/>
+          </a:prstGeom>
+          <a:ln>
+            <a:solidFill>
+              <a:srgbClr val="000000"/>
+            </a:solidFill>
+            <a:tailEnd len="med" type="triangle" w="med"/>
+          </a:ln>
+        </p:spPr>
+        <p:style>
+          <a:lnRef idx="0"/>
+          <a:fillRef idx="0"/>
+          <a:effectRef idx="0"/>
+          <a:fontRef idx="minor"/>
+        </p:style>
+      </p:sp>
+      <p:sp>
+        <p:nvSpPr>
+          <p:cNvPr id="135" name="Line 8"/>
+          <p:cNvSpPr/>
+          <p:nvPr/>
+        </p:nvSpPr>
+        <p:spPr>
+          <a:xfrm flipH="1">
+            <a:off x="3861000" y="4566960"/>
+            <a:ext cx="2203200" cy="0"/>
+          </a:xfrm>
+          <a:prstGeom prst="line">
+            <a:avLst/>
+          </a:prstGeom>
+          <a:ln>
+            <a:solidFill>
+              <a:srgbClr val="000000"/>
+            </a:solidFill>
+            <a:tailEnd len="med" type="triangle" w="med"/>
+          </a:ln>
+        </p:spPr>
+        <p:style>
+          <a:lnRef idx="0"/>
+          <a:fillRef idx="0"/>
+          <a:effectRef idx="0"/>
+          <a:fontRef idx="minor"/>
+        </p:style>
+      </p:sp>
+      <p:sp>
+        <p:nvSpPr>
+          <p:cNvPr id="136" name="Line 9"/>
+          <p:cNvSpPr/>
+          <p:nvPr/>
+        </p:nvSpPr>
+        <p:spPr>
+          <a:xfrm flipH="1" flipV="1">
+            <a:off x="3733200" y="4769640"/>
+            <a:ext cx="912240" cy="709200"/>
+          </a:xfrm>
+          <a:prstGeom prst="line">
+            <a:avLst/>
+          </a:prstGeom>
+          <a:ln>
+            <a:solidFill>
+              <a:srgbClr val="000000"/>
+            </a:solidFill>
+            <a:tailEnd len="med" type="triangle" w="med"/>
+          </a:ln>
+        </p:spPr>
+        <p:style>
+          <a:lnRef idx="0"/>
+          <a:fillRef idx="0"/>
+          <a:effectRef idx="0"/>
+          <a:fontRef idx="minor"/>
+        </p:style>
+      </p:sp>
+      <p:sp>
+        <p:nvSpPr>
+          <p:cNvPr id="137" name="Line 10"/>
+          <p:cNvSpPr/>
+          <p:nvPr/>
+        </p:nvSpPr>
+        <p:spPr>
+          <a:xfrm>
+            <a:off x="5395320" y="3350880"/>
+            <a:ext cx="871560" cy="810720"/>
+          </a:xfrm>
+          <a:prstGeom prst="line">
+            <a:avLst/>
+          </a:prstGeom>
+          <a:ln>
+            <a:solidFill>
+              <a:srgbClr val="000000"/>
+            </a:solidFill>
+            <a:tailEnd len="med" type="triangle" w="med"/>
+          </a:ln>
+        </p:spPr>
+        <p:style>
+          <a:lnRef idx="0"/>
+          <a:fillRef idx="0"/>
+          <a:effectRef idx="0"/>
+          <a:fontRef idx="minor"/>
+        </p:style>
+      </p:sp>
+      <p:sp>
+        <p:nvSpPr>
+          <p:cNvPr id="138" name="Line 11"/>
+          <p:cNvSpPr/>
+          <p:nvPr/>
+        </p:nvSpPr>
+        <p:spPr>
+          <a:xfrm flipH="1">
+            <a:off x="5253480" y="4870800"/>
+            <a:ext cx="911880" cy="608040"/>
+          </a:xfrm>
+          <a:prstGeom prst="line">
+            <a:avLst/>
+          </a:prstGeom>
+          <a:ln>
+            <a:solidFill>
+              <a:srgbClr val="000000"/>
+            </a:solidFill>
+            <a:tailEnd len="med" type="triangle" w="med"/>
+          </a:ln>
+        </p:spPr>
+        <p:style>
+          <a:lnRef idx="0"/>
+          <a:fillRef idx="0"/>
+          <a:effectRef idx="0"/>
+          <a:fontRef idx="minor"/>
+        </p:style>
+      </p:sp>
+      <p:sp>
+        <p:nvSpPr>
+          <p:cNvPr id="139" name="Line 12"/>
+          <p:cNvSpPr/>
+          <p:nvPr/>
+        </p:nvSpPr>
+        <p:spPr>
+          <a:xfrm flipV="1">
+            <a:off x="4949280" y="3804840"/>
+            <a:ext cx="0" cy="1546560"/>
+          </a:xfrm>
+          <a:prstGeom prst="line">
+            <a:avLst/>
+          </a:prstGeom>
+          <a:ln>
+            <a:solidFill>
+              <a:srgbClr val="000000"/>
+            </a:solidFill>
+            <a:tailEnd len="med" type="triangle" w="med"/>
+          </a:ln>
+        </p:spPr>
+        <p:style>
+          <a:lnRef idx="0"/>
+          <a:fillRef idx="0"/>
+          <a:effectRef idx="0"/>
+          <a:fontRef idx="minor"/>
+        </p:style>
+      </p:sp>
+    </p:spTree>
+  </p:cSld>
+  <p:transition spd="med">
+    <p:wipe dir="u"/>
+  </p:transition>
+  <p:timing>
+    <p:tnLst>
+      <p:par>
+        <p:cTn id="40" dur="indefinite" restart="never" nodeType="tmRoot">
+          <p:childTnLst>
+            <p:seq>
+              <p:cTn id="41" nodeType="mainSeq"/>
+              <p:prevCondLst>
+                <p:cond delay="0" evt="onPrev">
+                  <p:tgtEl>
+                    <p:sldTgt/>
+                  </p:tgtEl>
+                </p:cond>
+              </p:prevCondLst>
+              <p:nextCondLst>
+                <p:cond delay="0" evt="onNext">
+                  <p:tgtEl>
+                    <p:sldTgt/>
+                  </p:tgtEl>
+                </p:cond>
+              </p:nextCondLst>
+            </p:seq>
+          </p:childTnLst>
+        </p:cTn>
+      </p:par>
+    </p:tnLst>
+  </p:timing>
+</p:sld>
+</file>
+
+<file path=ppt/slides/slide6.xml><?xml version="1.0" encoding="utf-8"?>
+<p:sld xmlns:a="http://schemas.openxmlformats.org/drawingml/2006/main" xmlns:p="http://schemas.openxmlformats.org/presentationml/2006/main" xmlns:r="http://schemas.openxmlformats.org/officeDocument/2006/relationships" xmlns:p14="http://schemas.microsoft.com/office/powerpoint/2010/main" xmlns:p15="http://schemas.microsoft.com/office/powerpoint/2012/main" xmlns:mc="http://schemas.openxmlformats.org/markup-compatibility/2006">
+  <p:cSld>
+    <p:spTree>
+      <p:nvGrpSpPr>
+        <p:cNvPr id="1" name=""/>
+        <p:cNvGrpSpPr/>
+        <p:nvPr/>
+      </p:nvGrpSpPr>
+      <p:grpSpPr>
+        <a:xfrm>
+          <a:off x="0" y="0"/>
+          <a:ext cx="0" cy="0"/>
+          <a:chOff x="0" y="0"/>
+          <a:chExt cx="0" cy="0"/>
+        </a:xfrm>
+      </p:grpSpPr>
+      <p:sp>
+        <p:nvSpPr>
+          <p:cNvPr id="140" name="CustomShape 1"/>
+          <p:cNvSpPr/>
+          <p:nvPr/>
+        </p:nvSpPr>
+        <p:spPr>
+          <a:xfrm>
+            <a:off x="360000" y="301320"/>
+            <a:ext cx="9359640" cy="958320"/>
+          </a:xfrm>
+          <a:prstGeom prst="rect">
+            <a:avLst/>
+          </a:prstGeom>
+          <a:noFill/>
+          <a:ln>
+            <a:noFill/>
+          </a:ln>
+        </p:spPr>
+        <p:style>
+          <a:lnRef idx="0"/>
+          <a:fillRef idx="0"/>
+          <a:effectRef idx="0"/>
+          <a:fontRef idx="minor"/>
+        </p:style>
+        <p:txBody>
+          <a:bodyPr lIns="0" rIns="0" tIns="0" bIns="0" anchor="ctr"/>
+          <a:p>
+            <a:pPr algn="ctr">
+              <a:lnSpc>
+                <a:spcPct val="100000"/>
+              </a:lnSpc>
+            </a:pPr>
+            <a:r>
+              <a:rPr b="1" lang="en-IN" sz="3600" spc="-1" strike="noStrike">
+                <a:solidFill>
+                  <a:srgbClr val="ffffff"/>
+                </a:solidFill>
+                <a:latin typeface="Roboto"/>
+              </a:rPr>
+              <a:t>Advantages</a:t>
+            </a:r>
+            <a:endParaRPr b="0" lang="en-IN" sz="3600" spc="-1" strike="noStrike">
+              <a:latin typeface="Arial"/>
+            </a:endParaRPr>
+          </a:p>
+        </p:txBody>
+      </p:sp>
+      <p:sp>
+        <p:nvSpPr>
+          <p:cNvPr id="141" name="CustomShape 2"/>
+          <p:cNvSpPr/>
+          <p:nvPr/>
+        </p:nvSpPr>
+        <p:spPr>
+          <a:xfrm>
+            <a:off x="360000" y="1980000"/>
+            <a:ext cx="9359640" cy="5039640"/>
+          </a:xfrm>
+          <a:prstGeom prst="rect">
+            <a:avLst/>
+          </a:prstGeom>
+          <a:noFill/>
+          <a:ln>
+            <a:noFill/>
+          </a:ln>
+        </p:spPr>
+        <p:style>
+          <a:lnRef idx="0"/>
+          <a:fillRef idx="0"/>
+          <a:effectRef idx="0"/>
+          <a:fontRef idx="minor"/>
+        </p:style>
+      </p:sp>
+    </p:spTree>
+  </p:cSld>
+  <p:transition spd="med">
+    <p:wipe dir="u"/>
+  </p:transition>
+  <p:timing>
+    <p:tnLst>
+      <p:par>
+        <p:cTn id="42" dur="indefinite" restart="never" nodeType="tmRoot">
+          <p:childTnLst>
+            <p:seq>
+              <p:cTn id="43" nodeType="mainSeq"/>
+              <p:prevCondLst>
+                <p:cond delay="0" evt="onPrev">
+                  <p:tgtEl>
+                    <p:sldTgt/>
+                  </p:tgtEl>
+                </p:cond>
+              </p:prevCondLst>
+              <p:nextCondLst>
+                <p:cond delay="0" evt="onNext">
+                  <p:tgtEl>
+                    <p:sldTgt/>
+                  </p:tgtEl>
+                </p:cond>
+              </p:nextCondLst>
+            </p:seq>
+          </p:childTnLst>
+        </p:cTn>
+      </p:par>
+    </p:tnLst>
+  </p:timing>
+</p:sld>
+</file>
+
+<file path=ppt/slides/slide7.xml><?xml version="1.0" encoding="utf-8"?>
+<p:sld xmlns:a="http://schemas.openxmlformats.org/drawingml/2006/main" xmlns:p="http://schemas.openxmlformats.org/presentationml/2006/main" xmlns:r="http://schemas.openxmlformats.org/officeDocument/2006/relationships" xmlns:p14="http://schemas.microsoft.com/office/powerpoint/2010/main" xmlns:p15="http://schemas.microsoft.com/office/powerpoint/2012/main" xmlns:mc="http://schemas.openxmlformats.org/markup-compatibility/2006">
+  <p:cSld>
+    <p:spTree>
+      <p:nvGrpSpPr>
+        <p:cNvPr id="1" name=""/>
+        <p:cNvGrpSpPr/>
+        <p:nvPr/>
+      </p:nvGrpSpPr>
+      <p:grpSpPr>
+        <a:xfrm>
+          <a:off x="0" y="0"/>
+          <a:ext cx="0" cy="0"/>
+          <a:chOff x="0" y="0"/>
+          <a:chExt cx="0" cy="0"/>
+        </a:xfrm>
+      </p:grpSpPr>
+      <p:sp>
+        <p:nvSpPr>
+          <p:cNvPr id="142" name="CustomShape 1"/>
+          <p:cNvSpPr/>
+          <p:nvPr/>
+        </p:nvSpPr>
+        <p:spPr>
+          <a:xfrm>
+            <a:off x="2700000" y="2700000"/>
+            <a:ext cx="4679640" cy="2159640"/>
+          </a:xfrm>
+          <a:prstGeom prst="rect">
+            <a:avLst/>
+          </a:prstGeom>
+          <a:noFill/>
+          <a:ln>
+            <a:noFill/>
+          </a:ln>
+        </p:spPr>
+        <p:style>
+          <a:lnRef idx="0"/>
+          <a:fillRef idx="0"/>
+          <a:effectRef idx="0"/>
+          <a:fontRef idx="minor"/>
+        </p:style>
       </p:sp>
     </p:spTree>
   </p:cSld>
   <p:timing>
     <p:tnLst>
       <p:par>
-        <p:cTn id="5" dur="indefinite" restart="never" nodeType="tmRoot">
+        <p:cTn id="44" dur="indefinite" restart="never" nodeType="tmRoot">
           <p:childTnLst>
             <p:seq>
-              <p:cTn id="6" nodeType="mainSeq"/>
+              <p:cTn id="45" nodeType="mainSeq"/>
               <p:prevCondLst>
                 <p:cond delay="0" evt="onPrev">
                   <p:tgtEl>

--- a/Presentation/Neeraj/Presentation.pptx
+++ b/Presentation/Neeraj/Presentation.pptx
@@ -71,8 +71,8 @@
         </p:nvSpPr>
         <p:spPr>
           <a:xfrm>
-            <a:off x="2700000" y="2700000"/>
-            <a:ext cx="4679640" cy="2159640"/>
+            <a:off x="504000" y="301320"/>
+            <a:ext cx="9072000" cy="1261800"/>
           </a:xfrm>
           <a:prstGeom prst="rect">
             <a:avLst/>
@@ -100,8 +100,8 @@
         </p:nvSpPr>
         <p:spPr>
           <a:xfrm>
-            <a:off x="3420000" y="5040000"/>
-            <a:ext cx="6299640" cy="1029960"/>
+            <a:off x="504000" y="1768680"/>
+            <a:ext cx="9072000" cy="2090880"/>
           </a:xfrm>
           <a:prstGeom prst="rect">
             <a:avLst/>
@@ -130,8 +130,8 @@
         </p:nvSpPr>
         <p:spPr>
           <a:xfrm>
-            <a:off x="3420000" y="6168240"/>
-            <a:ext cx="6299640" cy="1029960"/>
+            <a:off x="504000" y="4058640"/>
+            <a:ext cx="9072000" cy="2090880"/>
           </a:xfrm>
           <a:prstGeom prst="rect">
             <a:avLst/>
@@ -182,8 +182,8 @@
         </p:nvSpPr>
         <p:spPr>
           <a:xfrm>
-            <a:off x="2700000" y="2700000"/>
-            <a:ext cx="4679640" cy="2159640"/>
+            <a:off x="504000" y="301320"/>
+            <a:ext cx="9072000" cy="1261800"/>
           </a:xfrm>
           <a:prstGeom prst="rect">
             <a:avLst/>
@@ -211,8 +211,8 @@
         </p:nvSpPr>
         <p:spPr>
           <a:xfrm>
-            <a:off x="3420000" y="5040000"/>
-            <a:ext cx="3074040" cy="1029960"/>
+            <a:off x="504000" y="1768680"/>
+            <a:ext cx="4426920" cy="2090880"/>
           </a:xfrm>
           <a:prstGeom prst="rect">
             <a:avLst/>
@@ -241,8 +241,8 @@
         </p:nvSpPr>
         <p:spPr>
           <a:xfrm>
-            <a:off x="6648120" y="5040000"/>
-            <a:ext cx="3074040" cy="1029960"/>
+            <a:off x="5152680" y="1768680"/>
+            <a:ext cx="4426920" cy="2090880"/>
           </a:xfrm>
           <a:prstGeom prst="rect">
             <a:avLst/>
@@ -271,8 +271,8 @@
         </p:nvSpPr>
         <p:spPr>
           <a:xfrm>
-            <a:off x="6648120" y="6168240"/>
-            <a:ext cx="3074040" cy="1029960"/>
+            <a:off x="5152680" y="4058640"/>
+            <a:ext cx="4426920" cy="2090880"/>
           </a:xfrm>
           <a:prstGeom prst="rect">
             <a:avLst/>
@@ -301,8 +301,8 @@
         </p:nvSpPr>
         <p:spPr>
           <a:xfrm>
-            <a:off x="3420000" y="6168240"/>
-            <a:ext cx="3074040" cy="1029960"/>
+            <a:off x="504000" y="4058640"/>
+            <a:ext cx="4426920" cy="2090880"/>
           </a:xfrm>
           <a:prstGeom prst="rect">
             <a:avLst/>
@@ -353,8 +353,8 @@
         </p:nvSpPr>
         <p:spPr>
           <a:xfrm>
-            <a:off x="2700000" y="2700000"/>
-            <a:ext cx="4679640" cy="2159640"/>
+            <a:off x="504000" y="301320"/>
+            <a:ext cx="9072000" cy="1261800"/>
           </a:xfrm>
           <a:prstGeom prst="rect">
             <a:avLst/>
@@ -382,8 +382,8 @@
         </p:nvSpPr>
         <p:spPr>
           <a:xfrm>
-            <a:off x="3420000" y="5040000"/>
-            <a:ext cx="2028240" cy="1029960"/>
+            <a:off x="504000" y="1768680"/>
+            <a:ext cx="2921040" cy="2090880"/>
           </a:xfrm>
           <a:prstGeom prst="rect">
             <a:avLst/>
@@ -412,8 +412,8 @@
         </p:nvSpPr>
         <p:spPr>
           <a:xfrm>
-            <a:off x="5550120" y="5040000"/>
-            <a:ext cx="2028240" cy="1029960"/>
+            <a:off x="3571560" y="1768680"/>
+            <a:ext cx="2921040" cy="2090880"/>
           </a:xfrm>
           <a:prstGeom prst="rect">
             <a:avLst/>
@@ -442,8 +442,8 @@
         </p:nvSpPr>
         <p:spPr>
           <a:xfrm>
-            <a:off x="7680240" y="5040000"/>
-            <a:ext cx="2028240" cy="1029960"/>
+            <a:off x="6639120" y="1768680"/>
+            <a:ext cx="2921040" cy="2090880"/>
           </a:xfrm>
           <a:prstGeom prst="rect">
             <a:avLst/>
@@ -472,8 +472,8 @@
         </p:nvSpPr>
         <p:spPr>
           <a:xfrm>
-            <a:off x="7680240" y="6168240"/>
-            <a:ext cx="2028240" cy="1029960"/>
+            <a:off x="6639120" y="4058640"/>
+            <a:ext cx="2921040" cy="2090880"/>
           </a:xfrm>
           <a:prstGeom prst="rect">
             <a:avLst/>
@@ -502,8 +502,8 @@
         </p:nvSpPr>
         <p:spPr>
           <a:xfrm>
-            <a:off x="5550120" y="6168240"/>
-            <a:ext cx="2028240" cy="1029960"/>
+            <a:off x="3571560" y="4058640"/>
+            <a:ext cx="2921040" cy="2090880"/>
           </a:xfrm>
           <a:prstGeom prst="rect">
             <a:avLst/>
@@ -532,8 +532,8 @@
         </p:nvSpPr>
         <p:spPr>
           <a:xfrm>
-            <a:off x="3420000" y="6168240"/>
-            <a:ext cx="2028240" cy="1029960"/>
+            <a:off x="504000" y="4058640"/>
+            <a:ext cx="2921040" cy="2090880"/>
           </a:xfrm>
           <a:prstGeom prst="rect">
             <a:avLst/>
@@ -606,8 +606,8 @@
         </p:nvSpPr>
         <p:spPr>
           <a:xfrm>
-            <a:off x="2700000" y="2700000"/>
-            <a:ext cx="4679640" cy="2159640"/>
+            <a:off x="504000" y="301320"/>
+            <a:ext cx="9072000" cy="1261800"/>
           </a:xfrm>
           <a:prstGeom prst="rect">
             <a:avLst/>
@@ -635,8 +635,8 @@
         </p:nvSpPr>
         <p:spPr>
           <a:xfrm>
-            <a:off x="3420000" y="5040000"/>
-            <a:ext cx="6299640" cy="2159640"/>
+            <a:off x="504000" y="1768680"/>
+            <a:ext cx="9072000" cy="4384080"/>
           </a:xfrm>
           <a:prstGeom prst="rect">
             <a:avLst/>
@@ -686,8 +686,8 @@
         </p:nvSpPr>
         <p:spPr>
           <a:xfrm>
-            <a:off x="2700000" y="2700000"/>
-            <a:ext cx="4679640" cy="2159640"/>
+            <a:off x="504000" y="301320"/>
+            <a:ext cx="9072000" cy="1261800"/>
           </a:xfrm>
           <a:prstGeom prst="rect">
             <a:avLst/>
@@ -715,8 +715,8 @@
         </p:nvSpPr>
         <p:spPr>
           <a:xfrm>
-            <a:off x="3420000" y="5040000"/>
-            <a:ext cx="6299640" cy="2159640"/>
+            <a:off x="504000" y="1768680"/>
+            <a:ext cx="9072000" cy="4384080"/>
           </a:xfrm>
           <a:prstGeom prst="rect">
             <a:avLst/>
@@ -767,8 +767,8 @@
         </p:nvSpPr>
         <p:spPr>
           <a:xfrm>
-            <a:off x="2700000" y="2700000"/>
-            <a:ext cx="4679640" cy="2159640"/>
+            <a:off x="504000" y="301320"/>
+            <a:ext cx="9072000" cy="1261800"/>
           </a:xfrm>
           <a:prstGeom prst="rect">
             <a:avLst/>
@@ -796,8 +796,8 @@
         </p:nvSpPr>
         <p:spPr>
           <a:xfrm>
-            <a:off x="3420000" y="5040000"/>
-            <a:ext cx="3074040" cy="2159640"/>
+            <a:off x="504000" y="1768680"/>
+            <a:ext cx="4426920" cy="4384080"/>
           </a:xfrm>
           <a:prstGeom prst="rect">
             <a:avLst/>
@@ -826,8 +826,8 @@
         </p:nvSpPr>
         <p:spPr>
           <a:xfrm>
-            <a:off x="6648120" y="5040000"/>
-            <a:ext cx="3074040" cy="2159640"/>
+            <a:off x="5152680" y="1768680"/>
+            <a:ext cx="4426920" cy="4384080"/>
           </a:xfrm>
           <a:prstGeom prst="rect">
             <a:avLst/>
@@ -878,8 +878,8 @@
         </p:nvSpPr>
         <p:spPr>
           <a:xfrm>
-            <a:off x="2700000" y="2700000"/>
-            <a:ext cx="4679640" cy="2159640"/>
+            <a:off x="504000" y="301320"/>
+            <a:ext cx="9072000" cy="1261800"/>
           </a:xfrm>
           <a:prstGeom prst="rect">
             <a:avLst/>
@@ -929,8 +929,8 @@
         </p:nvSpPr>
         <p:spPr>
           <a:xfrm>
-            <a:off x="2700000" y="2700000"/>
-            <a:ext cx="4679640" cy="10011960"/>
+            <a:off x="504000" y="301320"/>
+            <a:ext cx="9072000" cy="5850360"/>
           </a:xfrm>
           <a:prstGeom prst="rect">
             <a:avLst/>
@@ -980,8 +980,8 @@
         </p:nvSpPr>
         <p:spPr>
           <a:xfrm>
-            <a:off x="2700000" y="2700000"/>
-            <a:ext cx="4679640" cy="2159640"/>
+            <a:off x="504000" y="301320"/>
+            <a:ext cx="9072000" cy="1261800"/>
           </a:xfrm>
           <a:prstGeom prst="rect">
             <a:avLst/>
@@ -1009,8 +1009,8 @@
         </p:nvSpPr>
         <p:spPr>
           <a:xfrm>
-            <a:off x="3420000" y="5040000"/>
-            <a:ext cx="3074040" cy="1029960"/>
+            <a:off x="504000" y="1768680"/>
+            <a:ext cx="4426920" cy="2090880"/>
           </a:xfrm>
           <a:prstGeom prst="rect">
             <a:avLst/>
@@ -1039,8 +1039,8 @@
         </p:nvSpPr>
         <p:spPr>
           <a:xfrm>
-            <a:off x="3420000" y="6168240"/>
-            <a:ext cx="3074040" cy="1029960"/>
+            <a:off x="504000" y="4058640"/>
+            <a:ext cx="4426920" cy="2090880"/>
           </a:xfrm>
           <a:prstGeom prst="rect">
             <a:avLst/>
@@ -1069,8 +1069,8 @@
         </p:nvSpPr>
         <p:spPr>
           <a:xfrm>
-            <a:off x="6648120" y="5040000"/>
-            <a:ext cx="3074040" cy="2159640"/>
+            <a:off x="5152680" y="1768680"/>
+            <a:ext cx="4426920" cy="4384080"/>
           </a:xfrm>
           <a:prstGeom prst="rect">
             <a:avLst/>
@@ -1121,8 +1121,8 @@
         </p:nvSpPr>
         <p:spPr>
           <a:xfrm>
-            <a:off x="2700000" y="2700000"/>
-            <a:ext cx="4679640" cy="2159640"/>
+            <a:off x="504000" y="301320"/>
+            <a:ext cx="9072000" cy="1261800"/>
           </a:xfrm>
           <a:prstGeom prst="rect">
             <a:avLst/>
@@ -1150,8 +1150,8 @@
         </p:nvSpPr>
         <p:spPr>
           <a:xfrm>
-            <a:off x="3420000" y="5040000"/>
-            <a:ext cx="6299640" cy="2159640"/>
+            <a:off x="504000" y="1768680"/>
+            <a:ext cx="9072000" cy="4384080"/>
           </a:xfrm>
           <a:prstGeom prst="rect">
             <a:avLst/>
@@ -1201,8 +1201,8 @@
         </p:nvSpPr>
         <p:spPr>
           <a:xfrm>
-            <a:off x="2700000" y="2700000"/>
-            <a:ext cx="4679640" cy="2159640"/>
+            <a:off x="504000" y="301320"/>
+            <a:ext cx="9072000" cy="1261800"/>
           </a:xfrm>
           <a:prstGeom prst="rect">
             <a:avLst/>
@@ -1230,8 +1230,8 @@
         </p:nvSpPr>
         <p:spPr>
           <a:xfrm>
-            <a:off x="3420000" y="5040000"/>
-            <a:ext cx="3074040" cy="2159640"/>
+            <a:off x="504000" y="1768680"/>
+            <a:ext cx="4426920" cy="4384080"/>
           </a:xfrm>
           <a:prstGeom prst="rect">
             <a:avLst/>
@@ -1260,8 +1260,8 @@
         </p:nvSpPr>
         <p:spPr>
           <a:xfrm>
-            <a:off x="6648120" y="5040000"/>
-            <a:ext cx="3074040" cy="1029960"/>
+            <a:off x="5152680" y="1768680"/>
+            <a:ext cx="4426920" cy="2090880"/>
           </a:xfrm>
           <a:prstGeom prst="rect">
             <a:avLst/>
@@ -1290,8 +1290,8 @@
         </p:nvSpPr>
         <p:spPr>
           <a:xfrm>
-            <a:off x="6648120" y="6168240"/>
-            <a:ext cx="3074040" cy="1029960"/>
+            <a:off x="5152680" y="4058640"/>
+            <a:ext cx="4426920" cy="2090880"/>
           </a:xfrm>
           <a:prstGeom prst="rect">
             <a:avLst/>
@@ -1342,8 +1342,8 @@
         </p:nvSpPr>
         <p:spPr>
           <a:xfrm>
-            <a:off x="2700000" y="2700000"/>
-            <a:ext cx="4679640" cy="2159640"/>
+            <a:off x="504000" y="301320"/>
+            <a:ext cx="9072000" cy="1261800"/>
           </a:xfrm>
           <a:prstGeom prst="rect">
             <a:avLst/>
@@ -1371,8 +1371,8 @@
         </p:nvSpPr>
         <p:spPr>
           <a:xfrm>
-            <a:off x="3420000" y="5040000"/>
-            <a:ext cx="3074040" cy="1029960"/>
+            <a:off x="504000" y="1768680"/>
+            <a:ext cx="4426920" cy="2090880"/>
           </a:xfrm>
           <a:prstGeom prst="rect">
             <a:avLst/>
@@ -1401,8 +1401,8 @@
         </p:nvSpPr>
         <p:spPr>
           <a:xfrm>
-            <a:off x="6648120" y="5040000"/>
-            <a:ext cx="3074040" cy="1029960"/>
+            <a:off x="5152680" y="1768680"/>
+            <a:ext cx="4426920" cy="2090880"/>
           </a:xfrm>
           <a:prstGeom prst="rect">
             <a:avLst/>
@@ -1431,8 +1431,8 @@
         </p:nvSpPr>
         <p:spPr>
           <a:xfrm>
-            <a:off x="3420000" y="6168240"/>
-            <a:ext cx="6299640" cy="1029960"/>
+            <a:off x="504000" y="4058640"/>
+            <a:ext cx="9072000" cy="2090880"/>
           </a:xfrm>
           <a:prstGeom prst="rect">
             <a:avLst/>
@@ -1483,8 +1483,8 @@
         </p:nvSpPr>
         <p:spPr>
           <a:xfrm>
-            <a:off x="2700000" y="2700000"/>
-            <a:ext cx="4679640" cy="2159640"/>
+            <a:off x="504000" y="301320"/>
+            <a:ext cx="9072000" cy="1261800"/>
           </a:xfrm>
           <a:prstGeom prst="rect">
             <a:avLst/>
@@ -1512,8 +1512,8 @@
         </p:nvSpPr>
         <p:spPr>
           <a:xfrm>
-            <a:off x="3420000" y="5040000"/>
-            <a:ext cx="6299640" cy="1029960"/>
+            <a:off x="504000" y="1768680"/>
+            <a:ext cx="9072000" cy="2090880"/>
           </a:xfrm>
           <a:prstGeom prst="rect">
             <a:avLst/>
@@ -1542,8 +1542,8 @@
         </p:nvSpPr>
         <p:spPr>
           <a:xfrm>
-            <a:off x="3420000" y="6168240"/>
-            <a:ext cx="6299640" cy="1029960"/>
+            <a:off x="504000" y="4058640"/>
+            <a:ext cx="9072000" cy="2090880"/>
           </a:xfrm>
           <a:prstGeom prst="rect">
             <a:avLst/>
@@ -1594,8 +1594,8 @@
         </p:nvSpPr>
         <p:spPr>
           <a:xfrm>
-            <a:off x="2700000" y="2700000"/>
-            <a:ext cx="4679640" cy="2159640"/>
+            <a:off x="504000" y="301320"/>
+            <a:ext cx="9072000" cy="1261800"/>
           </a:xfrm>
           <a:prstGeom prst="rect">
             <a:avLst/>
@@ -1623,8 +1623,8 @@
         </p:nvSpPr>
         <p:spPr>
           <a:xfrm>
-            <a:off x="3420000" y="5040000"/>
-            <a:ext cx="3074040" cy="1029960"/>
+            <a:off x="504000" y="1768680"/>
+            <a:ext cx="4426920" cy="2090880"/>
           </a:xfrm>
           <a:prstGeom prst="rect">
             <a:avLst/>
@@ -1653,8 +1653,8 @@
         </p:nvSpPr>
         <p:spPr>
           <a:xfrm>
-            <a:off x="6648120" y="5040000"/>
-            <a:ext cx="3074040" cy="1029960"/>
+            <a:off x="5152680" y="1768680"/>
+            <a:ext cx="4426920" cy="2090880"/>
           </a:xfrm>
           <a:prstGeom prst="rect">
             <a:avLst/>
@@ -1683,8 +1683,8 @@
         </p:nvSpPr>
         <p:spPr>
           <a:xfrm>
-            <a:off x="6648120" y="6168240"/>
-            <a:ext cx="3074040" cy="1029960"/>
+            <a:off x="5152680" y="4058640"/>
+            <a:ext cx="4426920" cy="2090880"/>
           </a:xfrm>
           <a:prstGeom prst="rect">
             <a:avLst/>
@@ -1713,8 +1713,8 @@
         </p:nvSpPr>
         <p:spPr>
           <a:xfrm>
-            <a:off x="3420000" y="6168240"/>
-            <a:ext cx="3074040" cy="1029960"/>
+            <a:off x="504000" y="4058640"/>
+            <a:ext cx="4426920" cy="2090880"/>
           </a:xfrm>
           <a:prstGeom prst="rect">
             <a:avLst/>
@@ -1765,8 +1765,8 @@
         </p:nvSpPr>
         <p:spPr>
           <a:xfrm>
-            <a:off x="2700000" y="2700000"/>
-            <a:ext cx="4679640" cy="2159640"/>
+            <a:off x="504000" y="301320"/>
+            <a:ext cx="9072000" cy="1261800"/>
           </a:xfrm>
           <a:prstGeom prst="rect">
             <a:avLst/>
@@ -1794,8 +1794,8 @@
         </p:nvSpPr>
         <p:spPr>
           <a:xfrm>
-            <a:off x="3420000" y="5040000"/>
-            <a:ext cx="2028240" cy="1029960"/>
+            <a:off x="504000" y="1768680"/>
+            <a:ext cx="2921040" cy="2090880"/>
           </a:xfrm>
           <a:prstGeom prst="rect">
             <a:avLst/>
@@ -1824,8 +1824,8 @@
         </p:nvSpPr>
         <p:spPr>
           <a:xfrm>
-            <a:off x="5550120" y="5040000"/>
-            <a:ext cx="2028240" cy="1029960"/>
+            <a:off x="3571560" y="1768680"/>
+            <a:ext cx="2921040" cy="2090880"/>
           </a:xfrm>
           <a:prstGeom prst="rect">
             <a:avLst/>
@@ -1854,8 +1854,8 @@
         </p:nvSpPr>
         <p:spPr>
           <a:xfrm>
-            <a:off x="7680240" y="5040000"/>
-            <a:ext cx="2028240" cy="1029960"/>
+            <a:off x="6639120" y="1768680"/>
+            <a:ext cx="2921040" cy="2090880"/>
           </a:xfrm>
           <a:prstGeom prst="rect">
             <a:avLst/>
@@ -1884,8 +1884,8 @@
         </p:nvSpPr>
         <p:spPr>
           <a:xfrm>
-            <a:off x="7680240" y="6168240"/>
-            <a:ext cx="2028240" cy="1029960"/>
+            <a:off x="6639120" y="4058640"/>
+            <a:ext cx="2921040" cy="2090880"/>
           </a:xfrm>
           <a:prstGeom prst="rect">
             <a:avLst/>
@@ -1914,8 +1914,8 @@
         </p:nvSpPr>
         <p:spPr>
           <a:xfrm>
-            <a:off x="5550120" y="6168240"/>
-            <a:ext cx="2028240" cy="1029960"/>
+            <a:off x="3571560" y="4058640"/>
+            <a:ext cx="2921040" cy="2090880"/>
           </a:xfrm>
           <a:prstGeom prst="rect">
             <a:avLst/>
@@ -1944,8 +1944,8 @@
         </p:nvSpPr>
         <p:spPr>
           <a:xfrm>
-            <a:off x="3420000" y="6168240"/>
-            <a:ext cx="2028240" cy="1029960"/>
+            <a:off x="504000" y="4058640"/>
+            <a:ext cx="2921040" cy="2090880"/>
           </a:xfrm>
           <a:prstGeom prst="rect">
             <a:avLst/>
@@ -2018,8 +2018,8 @@
         </p:nvSpPr>
         <p:spPr>
           <a:xfrm>
-            <a:off x="2700000" y="2700000"/>
-            <a:ext cx="4679640" cy="2159640"/>
+            <a:off x="504000" y="301320"/>
+            <a:ext cx="9072000" cy="1261800"/>
           </a:xfrm>
           <a:prstGeom prst="rect">
             <a:avLst/>
@@ -2047,8 +2047,8 @@
         </p:nvSpPr>
         <p:spPr>
           <a:xfrm>
-            <a:off x="3420000" y="5040000"/>
-            <a:ext cx="6299640" cy="2159640"/>
+            <a:off x="504000" y="1768680"/>
+            <a:ext cx="9072000" cy="4384080"/>
           </a:xfrm>
           <a:prstGeom prst="rect">
             <a:avLst/>
@@ -2098,8 +2098,8 @@
         </p:nvSpPr>
         <p:spPr>
           <a:xfrm>
-            <a:off x="2700000" y="2700000"/>
-            <a:ext cx="4679640" cy="2159640"/>
+            <a:off x="504000" y="301320"/>
+            <a:ext cx="9072000" cy="1261800"/>
           </a:xfrm>
           <a:prstGeom prst="rect">
             <a:avLst/>
@@ -2127,8 +2127,8 @@
         </p:nvSpPr>
         <p:spPr>
           <a:xfrm>
-            <a:off x="3420000" y="5040000"/>
-            <a:ext cx="6299640" cy="2159640"/>
+            <a:off x="504000" y="1768680"/>
+            <a:ext cx="9072000" cy="4384080"/>
           </a:xfrm>
           <a:prstGeom prst="rect">
             <a:avLst/>
@@ -2179,8 +2179,8 @@
         </p:nvSpPr>
         <p:spPr>
           <a:xfrm>
-            <a:off x="2700000" y="2700000"/>
-            <a:ext cx="4679640" cy="2159640"/>
+            <a:off x="504000" y="301320"/>
+            <a:ext cx="9072000" cy="1261800"/>
           </a:xfrm>
           <a:prstGeom prst="rect">
             <a:avLst/>
@@ -2208,8 +2208,8 @@
         </p:nvSpPr>
         <p:spPr>
           <a:xfrm>
-            <a:off x="3420000" y="5040000"/>
-            <a:ext cx="3074040" cy="2159640"/>
+            <a:off x="504000" y="1768680"/>
+            <a:ext cx="4426920" cy="4384080"/>
           </a:xfrm>
           <a:prstGeom prst="rect">
             <a:avLst/>
@@ -2238,8 +2238,8 @@
         </p:nvSpPr>
         <p:spPr>
           <a:xfrm>
-            <a:off x="6648120" y="5040000"/>
-            <a:ext cx="3074040" cy="2159640"/>
+            <a:off x="5152680" y="1768680"/>
+            <a:ext cx="4426920" cy="4384080"/>
           </a:xfrm>
           <a:prstGeom prst="rect">
             <a:avLst/>
@@ -2290,8 +2290,8 @@
         </p:nvSpPr>
         <p:spPr>
           <a:xfrm>
-            <a:off x="2700000" y="2700000"/>
-            <a:ext cx="4679640" cy="2159640"/>
+            <a:off x="504000" y="301320"/>
+            <a:ext cx="9072000" cy="1261800"/>
           </a:xfrm>
           <a:prstGeom prst="rect">
             <a:avLst/>
@@ -2341,8 +2341,8 @@
         </p:nvSpPr>
         <p:spPr>
           <a:xfrm>
-            <a:off x="2700000" y="2700000"/>
-            <a:ext cx="4679640" cy="2159640"/>
+            <a:off x="504000" y="301320"/>
+            <a:ext cx="9072000" cy="1261800"/>
           </a:xfrm>
           <a:prstGeom prst="rect">
             <a:avLst/>
@@ -2370,8 +2370,8 @@
         </p:nvSpPr>
         <p:spPr>
           <a:xfrm>
-            <a:off x="3420000" y="5040000"/>
-            <a:ext cx="6299640" cy="2159640"/>
+            <a:off x="504000" y="1768680"/>
+            <a:ext cx="9072000" cy="4384080"/>
           </a:xfrm>
           <a:prstGeom prst="rect">
             <a:avLst/>
@@ -2422,8 +2422,8 @@
         </p:nvSpPr>
         <p:spPr>
           <a:xfrm>
-            <a:off x="2700000" y="2700000"/>
-            <a:ext cx="4679640" cy="10011960"/>
+            <a:off x="504000" y="301320"/>
+            <a:ext cx="9072000" cy="5850360"/>
           </a:xfrm>
           <a:prstGeom prst="rect">
             <a:avLst/>
@@ -2473,8 +2473,8 @@
         </p:nvSpPr>
         <p:spPr>
           <a:xfrm>
-            <a:off x="2700000" y="2700000"/>
-            <a:ext cx="4679640" cy="2159640"/>
+            <a:off x="504000" y="301320"/>
+            <a:ext cx="9072000" cy="1261800"/>
           </a:xfrm>
           <a:prstGeom prst="rect">
             <a:avLst/>
@@ -2502,8 +2502,8 @@
         </p:nvSpPr>
         <p:spPr>
           <a:xfrm>
-            <a:off x="3420000" y="5040000"/>
-            <a:ext cx="3074040" cy="1029960"/>
+            <a:off x="504000" y="1768680"/>
+            <a:ext cx="4426920" cy="2090880"/>
           </a:xfrm>
           <a:prstGeom prst="rect">
             <a:avLst/>
@@ -2532,8 +2532,8 @@
         </p:nvSpPr>
         <p:spPr>
           <a:xfrm>
-            <a:off x="3420000" y="6168240"/>
-            <a:ext cx="3074040" cy="1029960"/>
+            <a:off x="504000" y="4058640"/>
+            <a:ext cx="4426920" cy="2090880"/>
           </a:xfrm>
           <a:prstGeom prst="rect">
             <a:avLst/>
@@ -2562,8 +2562,8 @@
         </p:nvSpPr>
         <p:spPr>
           <a:xfrm>
-            <a:off x="6648120" y="5040000"/>
-            <a:ext cx="3074040" cy="2159640"/>
+            <a:off x="5152680" y="1768680"/>
+            <a:ext cx="4426920" cy="4384080"/>
           </a:xfrm>
           <a:prstGeom prst="rect">
             <a:avLst/>
@@ -2614,8 +2614,8 @@
         </p:nvSpPr>
         <p:spPr>
           <a:xfrm>
-            <a:off x="2700000" y="2700000"/>
-            <a:ext cx="4679640" cy="2159640"/>
+            <a:off x="504000" y="301320"/>
+            <a:ext cx="9072000" cy="1261800"/>
           </a:xfrm>
           <a:prstGeom prst="rect">
             <a:avLst/>
@@ -2643,8 +2643,8 @@
         </p:nvSpPr>
         <p:spPr>
           <a:xfrm>
-            <a:off x="3420000" y="5040000"/>
-            <a:ext cx="3074040" cy="2159640"/>
+            <a:off x="504000" y="1768680"/>
+            <a:ext cx="4426920" cy="4384080"/>
           </a:xfrm>
           <a:prstGeom prst="rect">
             <a:avLst/>
@@ -2673,8 +2673,8 @@
         </p:nvSpPr>
         <p:spPr>
           <a:xfrm>
-            <a:off x="6648120" y="5040000"/>
-            <a:ext cx="3074040" cy="1029960"/>
+            <a:off x="5152680" y="1768680"/>
+            <a:ext cx="4426920" cy="2090880"/>
           </a:xfrm>
           <a:prstGeom prst="rect">
             <a:avLst/>
@@ -2703,8 +2703,8 @@
         </p:nvSpPr>
         <p:spPr>
           <a:xfrm>
-            <a:off x="6648120" y="6168240"/>
-            <a:ext cx="3074040" cy="1029960"/>
+            <a:off x="5152680" y="4058640"/>
+            <a:ext cx="4426920" cy="2090880"/>
           </a:xfrm>
           <a:prstGeom prst="rect">
             <a:avLst/>
@@ -2755,8 +2755,8 @@
         </p:nvSpPr>
         <p:spPr>
           <a:xfrm>
-            <a:off x="2700000" y="2700000"/>
-            <a:ext cx="4679640" cy="2159640"/>
+            <a:off x="504000" y="301320"/>
+            <a:ext cx="9072000" cy="1261800"/>
           </a:xfrm>
           <a:prstGeom prst="rect">
             <a:avLst/>
@@ -2784,8 +2784,8 @@
         </p:nvSpPr>
         <p:spPr>
           <a:xfrm>
-            <a:off x="3420000" y="5040000"/>
-            <a:ext cx="3074040" cy="1029960"/>
+            <a:off x="504000" y="1768680"/>
+            <a:ext cx="4426920" cy="2090880"/>
           </a:xfrm>
           <a:prstGeom prst="rect">
             <a:avLst/>
@@ -2814,8 +2814,8 @@
         </p:nvSpPr>
         <p:spPr>
           <a:xfrm>
-            <a:off x="6648120" y="5040000"/>
-            <a:ext cx="3074040" cy="1029960"/>
+            <a:off x="5152680" y="1768680"/>
+            <a:ext cx="4426920" cy="2090880"/>
           </a:xfrm>
           <a:prstGeom prst="rect">
             <a:avLst/>
@@ -2844,8 +2844,8 @@
         </p:nvSpPr>
         <p:spPr>
           <a:xfrm>
-            <a:off x="3420000" y="6168240"/>
-            <a:ext cx="6299640" cy="1029960"/>
+            <a:off x="504000" y="4058640"/>
+            <a:ext cx="9072000" cy="2090880"/>
           </a:xfrm>
           <a:prstGeom prst="rect">
             <a:avLst/>
@@ -2896,8 +2896,8 @@
         </p:nvSpPr>
         <p:spPr>
           <a:xfrm>
-            <a:off x="2700000" y="2700000"/>
-            <a:ext cx="4679640" cy="2159640"/>
+            <a:off x="504000" y="301320"/>
+            <a:ext cx="9072000" cy="1261800"/>
           </a:xfrm>
           <a:prstGeom prst="rect">
             <a:avLst/>
@@ -2925,8 +2925,8 @@
         </p:nvSpPr>
         <p:spPr>
           <a:xfrm>
-            <a:off x="3420000" y="5040000"/>
-            <a:ext cx="6299640" cy="1029960"/>
+            <a:off x="504000" y="1768680"/>
+            <a:ext cx="9072000" cy="2090880"/>
           </a:xfrm>
           <a:prstGeom prst="rect">
             <a:avLst/>
@@ -2955,8 +2955,8 @@
         </p:nvSpPr>
         <p:spPr>
           <a:xfrm>
-            <a:off x="3420000" y="6168240"/>
-            <a:ext cx="6299640" cy="1029960"/>
+            <a:off x="504000" y="4058640"/>
+            <a:ext cx="9072000" cy="2090880"/>
           </a:xfrm>
           <a:prstGeom prst="rect">
             <a:avLst/>
@@ -3007,8 +3007,8 @@
         </p:nvSpPr>
         <p:spPr>
           <a:xfrm>
-            <a:off x="2700000" y="2700000"/>
-            <a:ext cx="4679640" cy="2159640"/>
+            <a:off x="504000" y="301320"/>
+            <a:ext cx="9072000" cy="1261800"/>
           </a:xfrm>
           <a:prstGeom prst="rect">
             <a:avLst/>
@@ -3036,8 +3036,8 @@
         </p:nvSpPr>
         <p:spPr>
           <a:xfrm>
-            <a:off x="3420000" y="5040000"/>
-            <a:ext cx="3074040" cy="1029960"/>
+            <a:off x="504000" y="1768680"/>
+            <a:ext cx="4426920" cy="2090880"/>
           </a:xfrm>
           <a:prstGeom prst="rect">
             <a:avLst/>
@@ -3066,8 +3066,8 @@
         </p:nvSpPr>
         <p:spPr>
           <a:xfrm>
-            <a:off x="6648120" y="5040000"/>
-            <a:ext cx="3074040" cy="1029960"/>
+            <a:off x="5152680" y="1768680"/>
+            <a:ext cx="4426920" cy="2090880"/>
           </a:xfrm>
           <a:prstGeom prst="rect">
             <a:avLst/>
@@ -3096,8 +3096,8 @@
         </p:nvSpPr>
         <p:spPr>
           <a:xfrm>
-            <a:off x="6648120" y="6168240"/>
-            <a:ext cx="3074040" cy="1029960"/>
+            <a:off x="5152680" y="4058640"/>
+            <a:ext cx="4426920" cy="2090880"/>
           </a:xfrm>
           <a:prstGeom prst="rect">
             <a:avLst/>
@@ -3126,8 +3126,8 @@
         </p:nvSpPr>
         <p:spPr>
           <a:xfrm>
-            <a:off x="3420000" y="6168240"/>
-            <a:ext cx="3074040" cy="1029960"/>
+            <a:off x="504000" y="4058640"/>
+            <a:ext cx="4426920" cy="2090880"/>
           </a:xfrm>
           <a:prstGeom prst="rect">
             <a:avLst/>
@@ -3178,8 +3178,8 @@
         </p:nvSpPr>
         <p:spPr>
           <a:xfrm>
-            <a:off x="2700000" y="2700000"/>
-            <a:ext cx="4679640" cy="2159640"/>
+            <a:off x="504000" y="301320"/>
+            <a:ext cx="9072000" cy="1261800"/>
           </a:xfrm>
           <a:prstGeom prst="rect">
             <a:avLst/>
@@ -3207,8 +3207,8 @@
         </p:nvSpPr>
         <p:spPr>
           <a:xfrm>
-            <a:off x="3420000" y="5040000"/>
-            <a:ext cx="2028240" cy="1029960"/>
+            <a:off x="504000" y="1768680"/>
+            <a:ext cx="2921040" cy="2090880"/>
           </a:xfrm>
           <a:prstGeom prst="rect">
             <a:avLst/>
@@ -3237,8 +3237,8 @@
         </p:nvSpPr>
         <p:spPr>
           <a:xfrm>
-            <a:off x="5550120" y="5040000"/>
-            <a:ext cx="2028240" cy="1029960"/>
+            <a:off x="3571560" y="1768680"/>
+            <a:ext cx="2921040" cy="2090880"/>
           </a:xfrm>
           <a:prstGeom prst="rect">
             <a:avLst/>
@@ -3267,8 +3267,8 @@
         </p:nvSpPr>
         <p:spPr>
           <a:xfrm>
-            <a:off x="7680240" y="5040000"/>
-            <a:ext cx="2028240" cy="1029960"/>
+            <a:off x="6639120" y="1768680"/>
+            <a:ext cx="2921040" cy="2090880"/>
           </a:xfrm>
           <a:prstGeom prst="rect">
             <a:avLst/>
@@ -3297,8 +3297,8 @@
         </p:nvSpPr>
         <p:spPr>
           <a:xfrm>
-            <a:off x="7680240" y="6168240"/>
-            <a:ext cx="2028240" cy="1029960"/>
+            <a:off x="6639120" y="4058640"/>
+            <a:ext cx="2921040" cy="2090880"/>
           </a:xfrm>
           <a:prstGeom prst="rect">
             <a:avLst/>
@@ -3327,8 +3327,8 @@
         </p:nvSpPr>
         <p:spPr>
           <a:xfrm>
-            <a:off x="5550120" y="6168240"/>
-            <a:ext cx="2028240" cy="1029960"/>
+            <a:off x="3571560" y="4058640"/>
+            <a:ext cx="2921040" cy="2090880"/>
           </a:xfrm>
           <a:prstGeom prst="rect">
             <a:avLst/>
@@ -3357,8 +3357,8 @@
         </p:nvSpPr>
         <p:spPr>
           <a:xfrm>
-            <a:off x="3420000" y="6168240"/>
-            <a:ext cx="2028240" cy="1029960"/>
+            <a:off x="504000" y="4058640"/>
+            <a:ext cx="2921040" cy="2090880"/>
           </a:xfrm>
           <a:prstGeom prst="rect">
             <a:avLst/>
@@ -3409,8 +3409,8 @@
         </p:nvSpPr>
         <p:spPr>
           <a:xfrm>
-            <a:off x="2700000" y="2700000"/>
-            <a:ext cx="4679640" cy="2159640"/>
+            <a:off x="504000" y="301320"/>
+            <a:ext cx="9072000" cy="1261800"/>
           </a:xfrm>
           <a:prstGeom prst="rect">
             <a:avLst/>
@@ -3438,8 +3438,8 @@
         </p:nvSpPr>
         <p:spPr>
           <a:xfrm>
-            <a:off x="3420000" y="5040000"/>
-            <a:ext cx="3074040" cy="2159640"/>
+            <a:off x="504000" y="1768680"/>
+            <a:ext cx="4426920" cy="4384080"/>
           </a:xfrm>
           <a:prstGeom prst="rect">
             <a:avLst/>
@@ -3468,8 +3468,8 @@
         </p:nvSpPr>
         <p:spPr>
           <a:xfrm>
-            <a:off x="6648120" y="5040000"/>
-            <a:ext cx="3074040" cy="2159640"/>
+            <a:off x="5152680" y="1768680"/>
+            <a:ext cx="4426920" cy="4384080"/>
           </a:xfrm>
           <a:prstGeom prst="rect">
             <a:avLst/>
@@ -3520,8 +3520,8 @@
         </p:nvSpPr>
         <p:spPr>
           <a:xfrm>
-            <a:off x="2700000" y="2700000"/>
-            <a:ext cx="4679640" cy="2159640"/>
+            <a:off x="504000" y="301320"/>
+            <a:ext cx="9072000" cy="1261800"/>
           </a:xfrm>
           <a:prstGeom prst="rect">
             <a:avLst/>
@@ -3571,8 +3571,8 @@
         </p:nvSpPr>
         <p:spPr>
           <a:xfrm>
-            <a:off x="2700000" y="2700000"/>
-            <a:ext cx="4679640" cy="10011960"/>
+            <a:off x="504000" y="301320"/>
+            <a:ext cx="9072000" cy="5850360"/>
           </a:xfrm>
           <a:prstGeom prst="rect">
             <a:avLst/>
@@ -3622,8 +3622,8 @@
         </p:nvSpPr>
         <p:spPr>
           <a:xfrm>
-            <a:off x="2700000" y="2700000"/>
-            <a:ext cx="4679640" cy="2159640"/>
+            <a:off x="504000" y="301320"/>
+            <a:ext cx="9072000" cy="1261800"/>
           </a:xfrm>
           <a:prstGeom prst="rect">
             <a:avLst/>
@@ -3651,8 +3651,8 @@
         </p:nvSpPr>
         <p:spPr>
           <a:xfrm>
-            <a:off x="3420000" y="5040000"/>
-            <a:ext cx="3074040" cy="1029960"/>
+            <a:off x="504000" y="1768680"/>
+            <a:ext cx="4426920" cy="2090880"/>
           </a:xfrm>
           <a:prstGeom prst="rect">
             <a:avLst/>
@@ -3681,8 +3681,8 @@
         </p:nvSpPr>
         <p:spPr>
           <a:xfrm>
-            <a:off x="3420000" y="6168240"/>
-            <a:ext cx="3074040" cy="1029960"/>
+            <a:off x="504000" y="4058640"/>
+            <a:ext cx="4426920" cy="2090880"/>
           </a:xfrm>
           <a:prstGeom prst="rect">
             <a:avLst/>
@@ -3711,8 +3711,8 @@
         </p:nvSpPr>
         <p:spPr>
           <a:xfrm>
-            <a:off x="6648120" y="5040000"/>
-            <a:ext cx="3074040" cy="2159640"/>
+            <a:off x="5152680" y="1768680"/>
+            <a:ext cx="4426920" cy="4384080"/>
           </a:xfrm>
           <a:prstGeom prst="rect">
             <a:avLst/>
@@ -3763,8 +3763,8 @@
         </p:nvSpPr>
         <p:spPr>
           <a:xfrm>
-            <a:off x="2700000" y="2700000"/>
-            <a:ext cx="4679640" cy="2159640"/>
+            <a:off x="504000" y="301320"/>
+            <a:ext cx="9072000" cy="1261800"/>
           </a:xfrm>
           <a:prstGeom prst="rect">
             <a:avLst/>
@@ -3792,8 +3792,8 @@
         </p:nvSpPr>
         <p:spPr>
           <a:xfrm>
-            <a:off x="3420000" y="5040000"/>
-            <a:ext cx="3074040" cy="2159640"/>
+            <a:off x="504000" y="1768680"/>
+            <a:ext cx="4426920" cy="4384080"/>
           </a:xfrm>
           <a:prstGeom prst="rect">
             <a:avLst/>
@@ -3822,8 +3822,8 @@
         </p:nvSpPr>
         <p:spPr>
           <a:xfrm>
-            <a:off x="6648120" y="5040000"/>
-            <a:ext cx="3074040" cy="1029960"/>
+            <a:off x="5152680" y="1768680"/>
+            <a:ext cx="4426920" cy="2090880"/>
           </a:xfrm>
           <a:prstGeom prst="rect">
             <a:avLst/>
@@ -3852,8 +3852,8 @@
         </p:nvSpPr>
         <p:spPr>
           <a:xfrm>
-            <a:off x="6648120" y="6168240"/>
-            <a:ext cx="3074040" cy="1029960"/>
+            <a:off x="5152680" y="4058640"/>
+            <a:ext cx="4426920" cy="2090880"/>
           </a:xfrm>
           <a:prstGeom prst="rect">
             <a:avLst/>
@@ -3904,8 +3904,8 @@
         </p:nvSpPr>
         <p:spPr>
           <a:xfrm>
-            <a:off x="2700000" y="2700000"/>
-            <a:ext cx="4679640" cy="2159640"/>
+            <a:off x="504000" y="301320"/>
+            <a:ext cx="9072000" cy="1261800"/>
           </a:xfrm>
           <a:prstGeom prst="rect">
             <a:avLst/>
@@ -3933,8 +3933,8 @@
         </p:nvSpPr>
         <p:spPr>
           <a:xfrm>
-            <a:off x="3420000" y="5040000"/>
-            <a:ext cx="3074040" cy="1029960"/>
+            <a:off x="504000" y="1768680"/>
+            <a:ext cx="4426920" cy="2090880"/>
           </a:xfrm>
           <a:prstGeom prst="rect">
             <a:avLst/>
@@ -3963,8 +3963,8 @@
         </p:nvSpPr>
         <p:spPr>
           <a:xfrm>
-            <a:off x="6648120" y="5040000"/>
-            <a:ext cx="3074040" cy="1029960"/>
+            <a:off x="5152680" y="1768680"/>
+            <a:ext cx="4426920" cy="2090880"/>
           </a:xfrm>
           <a:prstGeom prst="rect">
             <a:avLst/>
@@ -3993,8 +3993,8 @@
         </p:nvSpPr>
         <p:spPr>
           <a:xfrm>
-            <a:off x="3420000" y="6168240"/>
-            <a:ext cx="6299640" cy="1029960"/>
+            <a:off x="504000" y="4058640"/>
+            <a:ext cx="9072000" cy="2090880"/>
           </a:xfrm>
           <a:prstGeom prst="rect">
             <a:avLst/>
@@ -4049,7 +4049,7 @@
         <p:spPr>
           <a:xfrm>
             <a:off x="0" y="0"/>
-            <a:ext cx="10079640" cy="5039640"/>
+            <a:ext cx="10079280" cy="5039280"/>
           </a:xfrm>
           <a:prstGeom prst="rect">
             <a:avLst/>
@@ -4081,7 +4081,7 @@
         <p:spPr>
           <a:xfrm>
             <a:off x="2700000" y="2700000"/>
-            <a:ext cx="4679640" cy="2159640"/>
+            <a:ext cx="4679280" cy="2159280"/>
           </a:xfrm>
           <a:prstGeom prst="rect">
             <a:avLst/>
@@ -4114,8 +4114,8 @@
         </p:nvSpPr>
         <p:spPr>
           <a:xfrm>
-            <a:off x="504000" y="1768680"/>
-            <a:ext cx="9072000" cy="4384080"/>
+            <a:off x="3420000" y="5040000"/>
+            <a:ext cx="6299280" cy="2159280"/>
           </a:xfrm>
           <a:prstGeom prst="rect">
             <a:avLst/>
@@ -4138,12 +4138,12 @@
               <a:buChar char=""/>
             </a:pPr>
             <a:r>
-              <a:rPr b="0" lang="en-IN" sz="3200" spc="-1" strike="noStrike">
+              <a:rPr b="0" lang="en-IN" sz="1800" spc="-1" strike="noStrike">
                 <a:latin typeface="Arial"/>
               </a:rPr>
               <a:t>Click to edit the outline text format</a:t>
             </a:r>
-            <a:endParaRPr b="0" lang="en-IN" sz="3200" spc="-1" strike="noStrike">
+            <a:endParaRPr b="0" lang="en-IN" sz="1800" spc="-1" strike="noStrike">
               <a:latin typeface="Arial"/>
             </a:endParaRPr>
           </a:p>
@@ -4160,12 +4160,12 @@
               <a:buChar char=""/>
             </a:pPr>
             <a:r>
-              <a:rPr b="0" lang="en-IN" sz="2800" spc="-1" strike="noStrike">
+              <a:rPr b="0" lang="en-IN" sz="1800" spc="-1" strike="noStrike">
                 <a:latin typeface="Arial"/>
               </a:rPr>
               <a:t>Second Outline Level</a:t>
             </a:r>
-            <a:endParaRPr b="0" lang="en-IN" sz="2800" spc="-1" strike="noStrike">
+            <a:endParaRPr b="0" lang="en-IN" sz="1800" spc="-1" strike="noStrike">
               <a:latin typeface="Arial"/>
             </a:endParaRPr>
           </a:p>
@@ -4182,12 +4182,12 @@
               <a:buChar char=""/>
             </a:pPr>
             <a:r>
-              <a:rPr b="0" lang="en-IN" sz="2400" spc="-1" strike="noStrike">
+              <a:rPr b="0" lang="en-IN" sz="1800" spc="-1" strike="noStrike">
                 <a:latin typeface="Arial"/>
               </a:rPr>
               <a:t>Third Outline Level</a:t>
             </a:r>
-            <a:endParaRPr b="0" lang="en-IN" sz="2400" spc="-1" strike="noStrike">
+            <a:endParaRPr b="0" lang="en-IN" sz="1800" spc="-1" strike="noStrike">
               <a:latin typeface="Arial"/>
             </a:endParaRPr>
           </a:p>
@@ -4204,12 +4204,12 @@
               <a:buChar char=""/>
             </a:pPr>
             <a:r>
-              <a:rPr b="0" lang="en-IN" sz="2000" spc="-1" strike="noStrike">
+              <a:rPr b="0" lang="en-IN" sz="1800" spc="-1" strike="noStrike">
                 <a:latin typeface="Arial"/>
               </a:rPr>
               <a:t>Fourth Outline Level</a:t>
             </a:r>
-            <a:endParaRPr b="0" lang="en-IN" sz="2000" spc="-1" strike="noStrike">
+            <a:endParaRPr b="0" lang="en-IN" sz="1800" spc="-1" strike="noStrike">
               <a:latin typeface="Arial"/>
             </a:endParaRPr>
           </a:p>
@@ -4226,12 +4226,12 @@
               <a:buChar char=""/>
             </a:pPr>
             <a:r>
-              <a:rPr b="0" lang="en-IN" sz="2000" spc="-1" strike="noStrike">
+              <a:rPr b="0" lang="en-IN" sz="1800" spc="-1" strike="noStrike">
                 <a:latin typeface="Arial"/>
               </a:rPr>
               <a:t>Fifth Outline Level</a:t>
             </a:r>
-            <a:endParaRPr b="0" lang="en-IN" sz="2000" spc="-1" strike="noStrike">
+            <a:endParaRPr b="0" lang="en-IN" sz="1800" spc="-1" strike="noStrike">
               <a:latin typeface="Arial"/>
             </a:endParaRPr>
           </a:p>
@@ -4248,12 +4248,12 @@
               <a:buChar char=""/>
             </a:pPr>
             <a:r>
-              <a:rPr b="0" lang="en-IN" sz="2000" spc="-1" strike="noStrike">
+              <a:rPr b="0" lang="en-IN" sz="1800" spc="-1" strike="noStrike">
                 <a:latin typeface="Arial"/>
               </a:rPr>
               <a:t>Sixth Outline Level</a:t>
             </a:r>
-            <a:endParaRPr b="0" lang="en-IN" sz="2000" spc="-1" strike="noStrike">
+            <a:endParaRPr b="0" lang="en-IN" sz="1800" spc="-1" strike="noStrike">
               <a:latin typeface="Arial"/>
             </a:endParaRPr>
           </a:p>
@@ -4270,12 +4270,12 @@
               <a:buChar char=""/>
             </a:pPr>
             <a:r>
-              <a:rPr b="0" lang="en-IN" sz="2000" spc="-1" strike="noStrike">
+              <a:rPr b="0" lang="en-IN" sz="1800" spc="-1" strike="noStrike">
                 <a:latin typeface="Arial"/>
               </a:rPr>
               <a:t>Seventh Outline Level</a:t>
             </a:r>
-            <a:endParaRPr b="0" lang="en-IN" sz="2000" spc="-1" strike="noStrike">
+            <a:endParaRPr b="0" lang="en-IN" sz="1800" spc="-1" strike="noStrike">
               <a:latin typeface="Arial"/>
             </a:endParaRPr>
           </a:p>
@@ -4327,7 +4327,7 @@
         <p:spPr>
           <a:xfrm>
             <a:off x="0" y="7200000"/>
-            <a:ext cx="10079640" cy="359640"/>
+            <a:ext cx="10079280" cy="359280"/>
           </a:xfrm>
           <a:prstGeom prst="rect">
             <a:avLst/>
@@ -4355,7 +4355,7 @@
         <p:spPr>
           <a:xfrm>
             <a:off x="0" y="0"/>
-            <a:ext cx="10079640" cy="1619640"/>
+            <a:ext cx="10079280" cy="1619280"/>
           </a:xfrm>
           <a:prstGeom prst="rect">
             <a:avLst/>
@@ -4383,7 +4383,7 @@
         <p:spPr>
           <a:xfrm>
             <a:off x="9270000" y="6894000"/>
-            <a:ext cx="539640" cy="539640"/>
+            <a:ext cx="539280" cy="539280"/>
           </a:xfrm>
           <a:prstGeom prst="ellipse">
             <a:avLst/>
@@ -4414,23 +4414,24 @@
         </p:nvSpPr>
         <p:spPr>
           <a:xfrm>
-            <a:off x="2700000" y="2700000"/>
-            <a:ext cx="4679640" cy="2159640"/>
-          </a:xfrm>
-          <a:prstGeom prst="rect">
-            <a:avLst/>
-          </a:prstGeom>
-        </p:spPr>
-        <p:txBody>
-          <a:bodyPr lIns="0" rIns="0" tIns="0" bIns="0" anchor="ctr" anchorCtr="1"/>
-          <a:p>
+            <a:off x="504000" y="301320"/>
+            <a:ext cx="9072000" cy="1261800"/>
+          </a:xfrm>
+          <a:prstGeom prst="rect">
+            <a:avLst/>
+          </a:prstGeom>
+        </p:spPr>
+        <p:txBody>
+          <a:bodyPr lIns="0" rIns="0" tIns="0" bIns="0" anchor="ctr"/>
+          <a:p>
+            <a:pPr algn="ctr"/>
             <a:r>
-              <a:rPr b="0" lang="en-IN" sz="1800" spc="-1" strike="noStrike">
+              <a:rPr b="0" lang="en-IN" sz="4400" spc="-1" strike="noStrike">
                 <a:latin typeface="Arial"/>
               </a:rPr>
               <a:t>Click to edit the title text format</a:t>
             </a:r>
-            <a:endParaRPr b="0" lang="en-IN" sz="1800" spc="-1" strike="noStrike">
+            <a:endParaRPr b="0" lang="en-IN" sz="4400" spc="-1" strike="noStrike">
               <a:latin typeface="Arial"/>
             </a:endParaRPr>
           </a:p>
@@ -4448,8 +4449,8 @@
         </p:nvSpPr>
         <p:spPr>
           <a:xfrm>
-            <a:off x="3420000" y="5040000"/>
-            <a:ext cx="6299640" cy="2159640"/>
+            <a:off x="504000" y="1768680"/>
+            <a:ext cx="9072000" cy="4384080"/>
           </a:xfrm>
           <a:prstGeom prst="rect">
             <a:avLst/>
@@ -4472,12 +4473,12 @@
               <a:buChar char=""/>
             </a:pPr>
             <a:r>
-              <a:rPr b="0" lang="en-IN" sz="1800" spc="-1" strike="noStrike">
+              <a:rPr b="0" lang="en-IN" sz="3200" spc="-1" strike="noStrike">
                 <a:latin typeface="Arial"/>
               </a:rPr>
               <a:t>Click to edit the outline text format</a:t>
             </a:r>
-            <a:endParaRPr b="0" lang="en-IN" sz="1800" spc="-1" strike="noStrike">
+            <a:endParaRPr b="0" lang="en-IN" sz="3200" spc="-1" strike="noStrike">
               <a:latin typeface="Arial"/>
             </a:endParaRPr>
           </a:p>
@@ -4494,12 +4495,12 @@
               <a:buChar char=""/>
             </a:pPr>
             <a:r>
-              <a:rPr b="0" lang="en-IN" sz="1800" spc="-1" strike="noStrike">
+              <a:rPr b="0" lang="en-IN" sz="2800" spc="-1" strike="noStrike">
                 <a:latin typeface="Arial"/>
               </a:rPr>
               <a:t>Second Outline Level</a:t>
             </a:r>
-            <a:endParaRPr b="0" lang="en-IN" sz="1800" spc="-1" strike="noStrike">
+            <a:endParaRPr b="0" lang="en-IN" sz="2800" spc="-1" strike="noStrike">
               <a:latin typeface="Arial"/>
             </a:endParaRPr>
           </a:p>
@@ -4516,12 +4517,12 @@
               <a:buChar char=""/>
             </a:pPr>
             <a:r>
-              <a:rPr b="0" lang="en-IN" sz="1800" spc="-1" strike="noStrike">
+              <a:rPr b="0" lang="en-IN" sz="2400" spc="-1" strike="noStrike">
                 <a:latin typeface="Arial"/>
               </a:rPr>
               <a:t>Third Outline Level</a:t>
             </a:r>
-            <a:endParaRPr b="0" lang="en-IN" sz="1800" spc="-1" strike="noStrike">
+            <a:endParaRPr b="0" lang="en-IN" sz="2400" spc="-1" strike="noStrike">
               <a:latin typeface="Arial"/>
             </a:endParaRPr>
           </a:p>
@@ -4538,12 +4539,12 @@
               <a:buChar char=""/>
             </a:pPr>
             <a:r>
-              <a:rPr b="0" lang="en-IN" sz="1800" spc="-1" strike="noStrike">
+              <a:rPr b="0" lang="en-IN" sz="2000" spc="-1" strike="noStrike">
                 <a:latin typeface="Arial"/>
               </a:rPr>
               <a:t>Fourth Outline Level</a:t>
             </a:r>
-            <a:endParaRPr b="0" lang="en-IN" sz="1800" spc="-1" strike="noStrike">
+            <a:endParaRPr b="0" lang="en-IN" sz="2000" spc="-1" strike="noStrike">
               <a:latin typeface="Arial"/>
             </a:endParaRPr>
           </a:p>
@@ -4560,12 +4561,12 @@
               <a:buChar char=""/>
             </a:pPr>
             <a:r>
-              <a:rPr b="0" lang="en-IN" sz="1800" spc="-1" strike="noStrike">
+              <a:rPr b="0" lang="en-IN" sz="2000" spc="-1" strike="noStrike">
                 <a:latin typeface="Arial"/>
               </a:rPr>
               <a:t>Fifth Outline Level</a:t>
             </a:r>
-            <a:endParaRPr b="0" lang="en-IN" sz="1800" spc="-1" strike="noStrike">
+            <a:endParaRPr b="0" lang="en-IN" sz="2000" spc="-1" strike="noStrike">
               <a:latin typeface="Arial"/>
             </a:endParaRPr>
           </a:p>
@@ -4582,12 +4583,12 @@
               <a:buChar char=""/>
             </a:pPr>
             <a:r>
-              <a:rPr b="0" lang="en-IN" sz="1800" spc="-1" strike="noStrike">
+              <a:rPr b="0" lang="en-IN" sz="2000" spc="-1" strike="noStrike">
                 <a:latin typeface="Arial"/>
               </a:rPr>
               <a:t>Sixth Outline Level</a:t>
             </a:r>
-            <a:endParaRPr b="0" lang="en-IN" sz="1800" spc="-1" strike="noStrike">
+            <a:endParaRPr b="0" lang="en-IN" sz="2000" spc="-1" strike="noStrike">
               <a:latin typeface="Arial"/>
             </a:endParaRPr>
           </a:p>
@@ -4604,12 +4605,12 @@
               <a:buChar char=""/>
             </a:pPr>
             <a:r>
-              <a:rPr b="0" lang="en-IN" sz="1800" spc="-1" strike="noStrike">
+              <a:rPr b="0" lang="en-IN" sz="2000" spc="-1" strike="noStrike">
                 <a:latin typeface="Arial"/>
               </a:rPr>
               <a:t>Seventh Outline Level</a:t>
             </a:r>
-            <a:endParaRPr b="0" lang="en-IN" sz="1800" spc="-1" strike="noStrike">
+            <a:endParaRPr b="0" lang="en-IN" sz="2000" spc="-1" strike="noStrike">
               <a:latin typeface="Arial"/>
             </a:endParaRPr>
           </a:p>
@@ -4668,7 +4669,7 @@
         <p:spPr>
           <a:xfrm>
             <a:off x="2520000" y="2520000"/>
-            <a:ext cx="5039640" cy="2519640"/>
+            <a:ext cx="5039280" cy="2519280"/>
           </a:xfrm>
           <a:prstGeom prst="wedgeRectCallout">
             <a:avLst>
@@ -4702,23 +4703,24 @@
         </p:nvSpPr>
         <p:spPr>
           <a:xfrm>
-            <a:off x="2700000" y="2700000"/>
-            <a:ext cx="4679640" cy="2159640"/>
-          </a:xfrm>
-          <a:prstGeom prst="rect">
-            <a:avLst/>
-          </a:prstGeom>
-        </p:spPr>
-        <p:txBody>
-          <a:bodyPr lIns="0" rIns="0" tIns="0" bIns="0" anchor="ctr" anchorCtr="1"/>
-          <a:p>
+            <a:off x="504000" y="301320"/>
+            <a:ext cx="9072000" cy="1261800"/>
+          </a:xfrm>
+          <a:prstGeom prst="rect">
+            <a:avLst/>
+          </a:prstGeom>
+        </p:spPr>
+        <p:txBody>
+          <a:bodyPr lIns="0" rIns="0" tIns="0" bIns="0" anchor="ctr"/>
+          <a:p>
+            <a:pPr algn="ctr"/>
             <a:r>
-              <a:rPr b="0" lang="en-IN" sz="1800" spc="-1" strike="noStrike">
+              <a:rPr b="0" lang="en-IN" sz="4400" spc="-1" strike="noStrike">
                 <a:latin typeface="Arial"/>
               </a:rPr>
               <a:t>Click to edit the title text format</a:t>
             </a:r>
-            <a:endParaRPr b="0" lang="en-IN" sz="1800" spc="-1" strike="noStrike">
+            <a:endParaRPr b="0" lang="en-IN" sz="4400" spc="-1" strike="noStrike">
               <a:latin typeface="Arial"/>
             </a:endParaRPr>
           </a:p>
@@ -4736,8 +4738,8 @@
         </p:nvSpPr>
         <p:spPr>
           <a:xfrm>
-            <a:off x="3420000" y="5040000"/>
-            <a:ext cx="6299640" cy="2159640"/>
+            <a:off x="504000" y="1768680"/>
+            <a:ext cx="9072000" cy="4384080"/>
           </a:xfrm>
           <a:prstGeom prst="rect">
             <a:avLst/>
@@ -4760,12 +4762,12 @@
               <a:buChar char=""/>
             </a:pPr>
             <a:r>
-              <a:rPr b="0" lang="en-IN" sz="1800" spc="-1" strike="noStrike">
+              <a:rPr b="0" lang="en-IN" sz="3200" spc="-1" strike="noStrike">
                 <a:latin typeface="Arial"/>
               </a:rPr>
               <a:t>Click to edit the outline text format</a:t>
             </a:r>
-            <a:endParaRPr b="0" lang="en-IN" sz="1800" spc="-1" strike="noStrike">
+            <a:endParaRPr b="0" lang="en-IN" sz="3200" spc="-1" strike="noStrike">
               <a:latin typeface="Arial"/>
             </a:endParaRPr>
           </a:p>
@@ -4782,12 +4784,12 @@
               <a:buChar char=""/>
             </a:pPr>
             <a:r>
-              <a:rPr b="0" lang="en-IN" sz="1800" spc="-1" strike="noStrike">
+              <a:rPr b="0" lang="en-IN" sz="2800" spc="-1" strike="noStrike">
                 <a:latin typeface="Arial"/>
               </a:rPr>
               <a:t>Second Outline Level</a:t>
             </a:r>
-            <a:endParaRPr b="0" lang="en-IN" sz="1800" spc="-1" strike="noStrike">
+            <a:endParaRPr b="0" lang="en-IN" sz="2800" spc="-1" strike="noStrike">
               <a:latin typeface="Arial"/>
             </a:endParaRPr>
           </a:p>
@@ -4804,12 +4806,12 @@
               <a:buChar char=""/>
             </a:pPr>
             <a:r>
-              <a:rPr b="0" lang="en-IN" sz="1800" spc="-1" strike="noStrike">
+              <a:rPr b="0" lang="en-IN" sz="2400" spc="-1" strike="noStrike">
                 <a:latin typeface="Arial"/>
               </a:rPr>
               <a:t>Third Outline Level</a:t>
             </a:r>
-            <a:endParaRPr b="0" lang="en-IN" sz="1800" spc="-1" strike="noStrike">
+            <a:endParaRPr b="0" lang="en-IN" sz="2400" spc="-1" strike="noStrike">
               <a:latin typeface="Arial"/>
             </a:endParaRPr>
           </a:p>
@@ -4826,12 +4828,12 @@
               <a:buChar char=""/>
             </a:pPr>
             <a:r>
-              <a:rPr b="0" lang="en-IN" sz="1800" spc="-1" strike="noStrike">
+              <a:rPr b="0" lang="en-IN" sz="2000" spc="-1" strike="noStrike">
                 <a:latin typeface="Arial"/>
               </a:rPr>
               <a:t>Fourth Outline Level</a:t>
             </a:r>
-            <a:endParaRPr b="0" lang="en-IN" sz="1800" spc="-1" strike="noStrike">
+            <a:endParaRPr b="0" lang="en-IN" sz="2000" spc="-1" strike="noStrike">
               <a:latin typeface="Arial"/>
             </a:endParaRPr>
           </a:p>
@@ -4848,12 +4850,12 @@
               <a:buChar char=""/>
             </a:pPr>
             <a:r>
-              <a:rPr b="0" lang="en-IN" sz="1800" spc="-1" strike="noStrike">
+              <a:rPr b="0" lang="en-IN" sz="2000" spc="-1" strike="noStrike">
                 <a:latin typeface="Arial"/>
               </a:rPr>
               <a:t>Fifth Outline Level</a:t>
             </a:r>
-            <a:endParaRPr b="0" lang="en-IN" sz="1800" spc="-1" strike="noStrike">
+            <a:endParaRPr b="0" lang="en-IN" sz="2000" spc="-1" strike="noStrike">
               <a:latin typeface="Arial"/>
             </a:endParaRPr>
           </a:p>
@@ -4870,12 +4872,12 @@
               <a:buChar char=""/>
             </a:pPr>
             <a:r>
-              <a:rPr b="0" lang="en-IN" sz="1800" spc="-1" strike="noStrike">
+              <a:rPr b="0" lang="en-IN" sz="2000" spc="-1" strike="noStrike">
                 <a:latin typeface="Arial"/>
               </a:rPr>
               <a:t>Sixth Outline Level</a:t>
             </a:r>
-            <a:endParaRPr b="0" lang="en-IN" sz="1800" spc="-1" strike="noStrike">
+            <a:endParaRPr b="0" lang="en-IN" sz="2000" spc="-1" strike="noStrike">
               <a:latin typeface="Arial"/>
             </a:endParaRPr>
           </a:p>
@@ -4892,12 +4894,12 @@
               <a:buChar char=""/>
             </a:pPr>
             <a:r>
-              <a:rPr b="0" lang="en-IN" sz="1800" spc="-1" strike="noStrike">
+              <a:rPr b="0" lang="en-IN" sz="2000" spc="-1" strike="noStrike">
                 <a:latin typeface="Arial"/>
               </a:rPr>
               <a:t>Seventh Outline Level</a:t>
             </a:r>
-            <a:endParaRPr b="0" lang="en-IN" sz="1800" spc="-1" strike="noStrike">
+            <a:endParaRPr b="0" lang="en-IN" sz="2000" spc="-1" strike="noStrike">
               <a:latin typeface="Arial"/>
             </a:endParaRPr>
           </a:p>
@@ -4949,7 +4951,7 @@
         <p:spPr>
           <a:xfrm>
             <a:off x="360000" y="3780000"/>
-            <a:ext cx="9359640" cy="958320"/>
+            <a:ext cx="9359280" cy="957960"/>
           </a:xfrm>
           <a:prstGeom prst="rect">
             <a:avLst/>
@@ -4979,6 +4981,7 @@
                   <a:srgbClr val="ffffff"/>
                 </a:solidFill>
                 <a:latin typeface="Roboto"/>
+                <a:ea typeface="DejaVu Sans"/>
               </a:rPr>
               <a:t>Peer to Peer Technology</a:t>
             </a:r>
@@ -4997,7 +5000,7 @@
         <p:spPr>
           <a:xfrm>
             <a:off x="360000" y="5220000"/>
-            <a:ext cx="9359640" cy="1979640"/>
+            <a:ext cx="9359280" cy="1979280"/>
           </a:xfrm>
           <a:prstGeom prst="rect">
             <a:avLst/>
@@ -5047,7 +5050,7 @@
                                   <p:childTnLst>
                                     <p:set>
                                       <p:cBhvr>
-                                        <p:cTn id="6" dur="0" fill="hold">
+                                        <p:cTn id="6" fill="hold">
                                           <p:stCondLst>
                                             <p:cond delay="0"/>
                                           </p:stCondLst>
@@ -5139,7 +5142,7 @@
         <p:spPr>
           <a:xfrm>
             <a:off x="360000" y="301320"/>
-            <a:ext cx="9359640" cy="958320"/>
+            <a:ext cx="9359280" cy="957960"/>
           </a:xfrm>
           <a:prstGeom prst="rect">
             <a:avLst/>
@@ -5169,6 +5172,7 @@
                   <a:srgbClr val="ffffff"/>
                 </a:solidFill>
                 <a:latin typeface="Roboto"/>
+                <a:ea typeface="DejaVu Sans"/>
               </a:rPr>
               <a:t>History</a:t>
             </a:r>
@@ -5187,7 +5191,7 @@
         <p:spPr>
           <a:xfrm>
             <a:off x="360000" y="1980000"/>
-            <a:ext cx="9359640" cy="5039640"/>
+            <a:ext cx="9359280" cy="5039280"/>
           </a:xfrm>
           <a:prstGeom prst="rect">
             <a:avLst/>
@@ -5208,7 +5212,7 @@
             <a:normAutofit/>
           </a:bodyPr>
           <a:p>
-            <a:pPr marL="432000" indent="-323640">
+            <a:pPr marL="432000" indent="-323280">
               <a:lnSpc>
                 <a:spcPct val="100000"/>
               </a:lnSpc>
@@ -5228,6 +5232,7 @@
                   <a:srgbClr val="2c3e50"/>
                 </a:solidFill>
                 <a:latin typeface="Source Sans Pro Semibold"/>
+                <a:ea typeface="DejaVu Sans"/>
               </a:rPr>
               <a:t>Before </a:t>
             </a:r>
@@ -5237,6 +5242,7 @@
                   <a:srgbClr val="2c3e50"/>
                 </a:solidFill>
                 <a:latin typeface="Source Sans Pro Semibold"/>
+                <a:ea typeface="DejaVu Sans"/>
               </a:rPr>
               <a:t>Peer to Peer (P2P)</a:t>
             </a:r>
@@ -5246,6 +5252,7 @@
                   <a:srgbClr val="2c3e50"/>
                 </a:solidFill>
                 <a:latin typeface="Source Sans Pro Semibold"/>
+                <a:ea typeface="DejaVu Sans"/>
               </a:rPr>
               <a:t> network was implemented, a more simple simple architecture was used in the form of </a:t>
             </a:r>
@@ -5255,6 +5262,7 @@
                   <a:srgbClr val="2c3e50"/>
                 </a:solidFill>
                 <a:latin typeface="Source Sans Pro Semibold"/>
+                <a:ea typeface="DejaVu Sans"/>
               </a:rPr>
               <a:t>Client Server</a:t>
             </a:r>
@@ -5264,6 +5272,7 @@
                   <a:srgbClr val="2c3e50"/>
                 </a:solidFill>
                 <a:latin typeface="Source Sans Pro Semibold"/>
+                <a:ea typeface="DejaVu Sans"/>
               </a:rPr>
               <a:t> architecture.</a:t>
             </a:r>
@@ -5272,7 +5281,7 @@
             </a:endParaRPr>
           </a:p>
           <a:p>
-            <a:pPr marL="432000" indent="-323640">
+            <a:pPr marL="432000" indent="-323280">
               <a:lnSpc>
                 <a:spcPct val="100000"/>
               </a:lnSpc>
@@ -5292,6 +5301,7 @@
                   <a:srgbClr val="2c3e50"/>
                 </a:solidFill>
                 <a:latin typeface="Source Sans Pro Semibold"/>
+                <a:ea typeface="DejaVu Sans"/>
               </a:rPr>
               <a:t>In this architecture multiple clients are connected to a server. The server component provides a function or service to one or many clients, which initiate requests for such services. </a:t>
             </a:r>
@@ -5300,7 +5310,7 @@
             </a:endParaRPr>
           </a:p>
           <a:p>
-            <a:pPr marL="432000" indent="-323640">
+            <a:pPr marL="432000" indent="-323280">
               <a:lnSpc>
                 <a:spcPct val="100000"/>
               </a:lnSpc>
@@ -5320,6 +5330,7 @@
                   <a:srgbClr val="2c3e50"/>
                 </a:solidFill>
                 <a:latin typeface="Source Sans Pro Semibold"/>
+                <a:ea typeface="DejaVu Sans"/>
               </a:rPr>
               <a:t>Eg: A web server serves web pages and a file server serves computer files</a:t>
             </a:r>
@@ -5341,19 +5352,13 @@
             </a:endParaRPr>
           </a:p>
           <a:p>
-            <a:pPr marL="432000" indent="-323640">
+            <a:pPr>
               <a:lnSpc>
                 <a:spcPct val="100000"/>
               </a:lnSpc>
               <a:spcAft>
                 <a:spcPts val="1414"/>
               </a:spcAft>
-              <a:buClr>
-                <a:srgbClr val="2c3e50"/>
-              </a:buClr>
-              <a:buSzPct val="45000"/>
-              <a:buFont typeface="Wingdings" charset="2"/>
-              <a:buChar char=""/>
             </a:pPr>
             <a:endParaRPr b="0" lang="en-IN" sz="2000" spc="-1" strike="noStrike">
               <a:latin typeface="Arial"/>
@@ -5374,7 +5379,7 @@
         <p:spPr>
           <a:xfrm>
             <a:off x="3240000" y="4608000"/>
-            <a:ext cx="3528000" cy="2116800"/>
+            <a:ext cx="3527640" cy="2116440"/>
           </a:xfrm>
           <a:prstGeom prst="rect">
             <a:avLst/>
@@ -5417,7 +5422,7 @@
                                   <p:childTnLst>
                                     <p:set>
                                       <p:cBhvr>
-                                        <p:cTn id="13" dur="0" fill="hold">
+                                        <p:cTn id="13" fill="hold">
                                           <p:stCondLst>
                                             <p:cond delay="0"/>
                                           </p:stCondLst>
@@ -5658,15 +5663,33 @@
                                   </p:childTnLst>
                                 </p:cTn>
                               </p:par>
+                            </p:childTnLst>
+                          </p:cTn>
+                        </p:par>
+                      </p:childTnLst>
+                    </p:cTn>
+                  </p:par>
+                  <p:par>
+                    <p:cTn id="27" fill="freeze">
+                      <p:stCondLst>
+                        <p:cond delay="indefinite"/>
+                      </p:stCondLst>
+                      <p:childTnLst>
+                        <p:par>
+                          <p:cTn id="28" fill="freeze">
+                            <p:stCondLst>
+                              <p:cond delay="0"/>
+                            </p:stCondLst>
+                            <p:childTnLst>
                               <p:par>
-                                <p:cTn id="27" nodeType="withEffect" fill="hold" presetClass="entr" presetID="2" presetSubtype="4">
+                                <p:cTn id="29" nodeType="clickEffect" fill="hold" presetClass="entr" presetID="2" presetSubtype="4">
                                   <p:stCondLst>
                                     <p:cond delay="0"/>
                                   </p:stCondLst>
                                   <p:childTnLst>
                                     <p:set>
                                       <p:cBhvr>
-                                        <p:cTn id="28" dur="2" fill="hold">
+                                        <p:cTn id="30" dur="1" fill="hold">
                                           <p:stCondLst>
                                             <p:cond delay="0"/>
                                           </p:stCondLst>
@@ -5688,7 +5711,7 @@
                                     </p:set>
                                     <p:anim calcmode="lin" valueType="num">
                                       <p:cBhvr additive="repl">
-                                        <p:cTn id="29" dur="1000" fill="hold"/>
+                                        <p:cTn id="31" dur="500" fill="hold"/>
                                         <p:tgtEl>
                                           <p:spTgt spid="122">
                                             <p:txEl>
@@ -5715,7 +5738,7 @@
                                     </p:anim>
                                     <p:anim calcmode="lin" valueType="num">
                                       <p:cBhvr additive="repl">
-                                        <p:cTn id="30" dur="1000" fill="hold"/>
+                                        <p:cTn id="32" dur="500" fill="hold"/>
                                         <p:tgtEl>
                                           <p:spTgt spid="122">
                                             <p:txEl>
@@ -5750,26 +5773,26 @@
                     </p:cTn>
                   </p:par>
                   <p:par>
-                    <p:cTn id="31" fill="freeze">
+                    <p:cTn id="33" fill="freeze">
                       <p:stCondLst>
                         <p:cond delay="indefinite"/>
                       </p:stCondLst>
                       <p:childTnLst>
                         <p:par>
-                          <p:cTn id="32" fill="freeze">
+                          <p:cTn id="34" fill="freeze">
                             <p:stCondLst>
                               <p:cond delay="0"/>
                             </p:stCondLst>
                             <p:childTnLst>
                               <p:par>
-                                <p:cTn id="33" nodeType="clickEffect" fill="hold" presetClass="entr" presetID="3" presetSubtype="10">
+                                <p:cTn id="35" nodeType="clickEffect" fill="hold" presetClass="entr" presetID="3" presetSubtype="10">
                                   <p:stCondLst>
                                     <p:cond delay="0"/>
                                   </p:stCondLst>
                                   <p:childTnLst>
                                     <p:set>
                                       <p:cBhvr>
-                                        <p:cTn id="34" dur="2" fill="hold">
+                                        <p:cTn id="36" dur="2" fill="hold">
                                           <p:stCondLst>
                                             <p:cond delay="0"/>
                                           </p:stCondLst>
@@ -5787,7 +5810,7 @@
                                     </p:set>
                                     <p:animEffect filter="blinds(horizontal)" transition="in">
                                       <p:cBhvr additive="repl">
-                                        <p:cTn id="35" dur="1000"/>
+                                        <p:cTn id="37" dur="1000"/>
                                         <p:tgtEl>
                                           <p:spTgt spid="123"/>
                                         </p:tgtEl>
@@ -5853,7 +5876,7 @@
         <p:spPr>
           <a:xfrm>
             <a:off x="360000" y="301320"/>
-            <a:ext cx="9359640" cy="958320"/>
+            <a:ext cx="9359280" cy="957960"/>
           </a:xfrm>
           <a:prstGeom prst="rect">
             <a:avLst/>
@@ -5883,6 +5906,7 @@
                   <a:srgbClr val="ffffff"/>
                 </a:solidFill>
                 <a:latin typeface="Roboto"/>
+                <a:ea typeface="DejaVu Sans"/>
               </a:rPr>
               <a:t>Disadvantages</a:t>
             </a:r>
@@ -5901,7 +5925,7 @@
         <p:spPr>
           <a:xfrm>
             <a:off x="360000" y="1980000"/>
-            <a:ext cx="9359640" cy="5039640"/>
+            <a:ext cx="9359280" cy="5039280"/>
           </a:xfrm>
           <a:prstGeom prst="rect">
             <a:avLst/>
@@ -5922,7 +5946,7 @@
             <a:normAutofit/>
           </a:bodyPr>
           <a:p>
-            <a:pPr marL="432000" indent="-323640">
+            <a:pPr marL="432000" indent="-323280">
               <a:lnSpc>
                 <a:spcPct val="100000"/>
               </a:lnSpc>
@@ -5942,6 +5966,7 @@
                   <a:srgbClr val="2c3e50"/>
                 </a:solidFill>
                 <a:latin typeface="Source Sans Pro Semibold"/>
+                <a:ea typeface="DejaVu Sans"/>
               </a:rPr>
               <a:t>Number of clients are much higher than servers.</a:t>
             </a:r>
@@ -5950,7 +5975,7 @@
             </a:endParaRPr>
           </a:p>
           <a:p>
-            <a:pPr marL="432000" indent="-323640">
+            <a:pPr marL="432000" indent="-323280">
               <a:lnSpc>
                 <a:spcPct val="100000"/>
               </a:lnSpc>
@@ -5970,6 +5995,7 @@
                   <a:srgbClr val="2c3e50"/>
                 </a:solidFill>
                 <a:latin typeface="Source Sans Pro Semibold"/>
+                <a:ea typeface="DejaVu Sans"/>
               </a:rPr>
               <a:t>High latency.</a:t>
             </a:r>
@@ -5978,7 +6004,7 @@
             </a:endParaRPr>
           </a:p>
           <a:p>
-            <a:pPr marL="432000" indent="-323640">
+            <a:pPr marL="432000" indent="-323280">
               <a:lnSpc>
                 <a:spcPct val="100000"/>
               </a:lnSpc>
@@ -5998,6 +6024,7 @@
                   <a:srgbClr val="2c3e50"/>
                 </a:solidFill>
                 <a:latin typeface="Source Sans Pro Semibold"/>
+                <a:ea typeface="DejaVu Sans"/>
               </a:rPr>
               <a:t>High work load on server.</a:t>
             </a:r>
@@ -6006,7 +6033,7 @@
             </a:endParaRPr>
           </a:p>
           <a:p>
-            <a:pPr marL="432000" indent="-323640">
+            <a:pPr marL="432000" indent="-323280">
               <a:lnSpc>
                 <a:spcPct val="100000"/>
               </a:lnSpc>
@@ -6026,6 +6053,7 @@
                   <a:srgbClr val="2c3e50"/>
                 </a:solidFill>
                 <a:latin typeface="Source Sans Pro Semibold"/>
+                <a:ea typeface="DejaVu Sans"/>
               </a:rPr>
               <a:t>Unable to serve large number of clients due to traffic congestion.</a:t>
             </a:r>
@@ -6043,10 +6071,10 @@
   <p:timing>
     <p:tnLst>
       <p:par>
-        <p:cTn id="36" dur="indefinite" restart="never" nodeType="tmRoot">
+        <p:cTn id="38" dur="indefinite" restart="never" nodeType="tmRoot">
           <p:childTnLst>
             <p:seq>
-              <p:cTn id="37" nodeType="mainSeq"/>
+              <p:cTn id="39" nodeType="mainSeq"/>
               <p:prevCondLst>
                 <p:cond delay="0" evt="onPrev">
                   <p:tgtEl>
@@ -6096,7 +6124,7 @@
         <p:spPr>
           <a:xfrm>
             <a:off x="360000" y="301320"/>
-            <a:ext cx="9359640" cy="958320"/>
+            <a:ext cx="9359280" cy="957960"/>
           </a:xfrm>
           <a:prstGeom prst="rect">
             <a:avLst/>
@@ -6126,6 +6154,7 @@
                   <a:srgbClr val="ffffff"/>
                 </a:solidFill>
                 <a:latin typeface="Roboto"/>
+                <a:ea typeface="DejaVu Sans"/>
               </a:rPr>
               <a:t>Solution?</a:t>
             </a:r>
@@ -6144,7 +6173,7 @@
         <p:spPr>
           <a:xfrm>
             <a:off x="360000" y="1980000"/>
-            <a:ext cx="9359640" cy="5039640"/>
+            <a:ext cx="9359280" cy="5039280"/>
           </a:xfrm>
           <a:prstGeom prst="rect">
             <a:avLst/>
@@ -6165,7 +6194,7 @@
             <a:normAutofit/>
           </a:bodyPr>
           <a:p>
-            <a:pPr marL="432000" indent="-323640" algn="ctr">
+            <a:pPr marL="432000" indent="-323280" algn="ctr">
               <a:lnSpc>
                 <a:spcPct val="100000"/>
               </a:lnSpc>
@@ -6185,6 +6214,7 @@
                   <a:srgbClr val="2c3e50"/>
                 </a:solidFill>
                 <a:latin typeface="Source Sans Pro Semibold"/>
+                <a:ea typeface="DejaVu Sans"/>
               </a:rPr>
               <a:t>Peer to Peer (P2P) Networking</a:t>
             </a:r>
@@ -6202,10 +6232,128 @@
   <p:timing>
     <p:tnLst>
       <p:par>
-        <p:cTn id="38" dur="indefinite" restart="never" nodeType="tmRoot">
+        <p:cTn id="40" dur="indefinite" restart="never" nodeType="tmRoot">
           <p:childTnLst>
             <p:seq>
-              <p:cTn id="39" nodeType="mainSeq"/>
+              <p:cTn id="41" nodeType="mainSeq">
+                <p:childTnLst>
+                  <p:par>
+                    <p:cTn id="42" fill="freeze">
+                      <p:stCondLst>
+                        <p:cond delay="indefinite"/>
+                      </p:stCondLst>
+                      <p:childTnLst>
+                        <p:par>
+                          <p:cTn id="43" fill="freeze">
+                            <p:stCondLst>
+                              <p:cond delay="0"/>
+                            </p:stCondLst>
+                            <p:childTnLst>
+                              <p:par>
+                                <p:cTn id="44" nodeType="clickEffect" fill="hold" presetClass="entr" presetID="42">
+                                  <p:stCondLst>
+                                    <p:cond delay="0"/>
+                                  </p:stCondLst>
+                                  <p:childTnLst>
+                                    <p:set>
+                                      <p:cBhvr>
+                                        <p:cTn id="45" dur="1" fill="hold">
+                                          <p:stCondLst>
+                                            <p:cond delay="0"/>
+                                          </p:stCondLst>
+                                        </p:cTn>
+                                        <p:tgtEl>
+                                          <p:spTgt spid="127">
+                                            <p:txEl>
+                                              <p:pRg st="0" end="30"/>
+                                            </p:txEl>
+                                          </p:spTgt>
+                                        </p:tgtEl>
+                                        <p:attrNameLst>
+                                          <p:attrName>style.visibility</p:attrName>
+                                        </p:attrNameLst>
+                                      </p:cBhvr>
+                                      <p:to>
+                                        <p:strVal val="visible"/>
+                                      </p:to>
+                                    </p:set>
+                                    <p:animEffect filter="fade" transition="in">
+                                      <p:cBhvr additive="repl">
+                                        <p:cTn id="46" dur="1000"/>
+                                        <p:tgtEl>
+                                          <p:spTgt spid="127">
+                                            <p:txEl>
+                                              <p:pRg st="0" end="30"/>
+                                            </p:txEl>
+                                          </p:spTgt>
+                                        </p:tgtEl>
+                                      </p:cBhvr>
+                                    </p:animEffect>
+                                    <p:anim calcmode="lin" valueType="num">
+                                      <p:cBhvr additive="repl">
+                                        <p:cTn id="47" dur="1000" fill="hold"/>
+                                        <p:tgtEl>
+                                          <p:spTgt spid="127">
+                                            <p:txEl>
+                                              <p:pRg st="0" end="30"/>
+                                            </p:txEl>
+                                          </p:spTgt>
+                                        </p:tgtEl>
+                                        <p:attrNameLst>
+                                          <p:attrName>ppt_x</p:attrName>
+                                        </p:attrNameLst>
+                                      </p:cBhvr>
+                                      <p:tavLst>
+                                        <p:tav tm="0">
+                                          <p:val>
+                                            <p:strVal val="#ppt_x"/>
+                                          </p:val>
+                                        </p:tav>
+                                        <p:tav tm="100000">
+                                          <p:val>
+                                            <p:strVal val="#ppt_x"/>
+                                          </p:val>
+                                        </p:tav>
+                                      </p:tavLst>
+                                    </p:anim>
+                                    <p:anim calcmode="lin" valueType="num">
+                                      <p:cBhvr additive="repl">
+                                        <p:cTn id="48" dur="1000" fill="hold"/>
+                                        <p:tgtEl>
+                                          <p:spTgt spid="127">
+                                            <p:txEl>
+                                              <p:pRg st="0" end="30"/>
+                                            </p:txEl>
+                                          </p:spTgt>
+                                        </p:tgtEl>
+                                        <p:attrNameLst>
+                                          <p:attrName>ppt_y</p:attrName>
+                                        </p:attrNameLst>
+                                      </p:cBhvr>
+                                      <p:tavLst>
+                                        <p:tav tm="0">
+                                          <p:val>
+                                            <p:strVal val="#ppt_y+.1"/>
+                                          </p:val>
+                                        </p:tav>
+                                        <p:tav tm="100000">
+                                          <p:val>
+                                            <p:strVal val="#ppt_y"/>
+                                          </p:val>
+                                        </p:tav>
+                                      </p:tavLst>
+                                    </p:anim>
+                                  </p:childTnLst>
+                                </p:cTn>
+                              </p:par>
+                            </p:childTnLst>
+                          </p:cTn>
+                        </p:par>
+                      </p:childTnLst>
+                    </p:cTn>
+                  </p:par>
+                </p:childTnLst>
+              </p:cTn>
               <p:prevCondLst>
                 <p:cond delay="0" evt="onPrev">
                   <p:tgtEl>
@@ -6255,7 +6403,7 @@
         <p:spPr>
           <a:xfrm>
             <a:off x="360000" y="301320"/>
-            <a:ext cx="9359640" cy="958320"/>
+            <a:ext cx="9359280" cy="957960"/>
           </a:xfrm>
           <a:prstGeom prst="rect">
             <a:avLst/>
@@ -6285,6 +6433,7 @@
                   <a:srgbClr val="ffffff"/>
                 </a:solidFill>
                 <a:latin typeface="Roboto"/>
+                <a:ea typeface="DejaVu Sans"/>
               </a:rPr>
               <a:t>What is P2P?</a:t>
             </a:r>
@@ -6303,7 +6452,7 @@
         <p:spPr>
           <a:xfrm>
             <a:off x="360000" y="1980000"/>
-            <a:ext cx="9359640" cy="5039640"/>
+            <a:ext cx="9359280" cy="5039280"/>
           </a:xfrm>
           <a:prstGeom prst="rect">
             <a:avLst/>
@@ -6324,7 +6473,7 @@
             <a:normAutofit/>
           </a:bodyPr>
           <a:p>
-            <a:pPr marL="432000" indent="-323640">
+            <a:pPr marL="432000" indent="-323280">
               <a:lnSpc>
                 <a:spcPct val="100000"/>
               </a:lnSpc>
@@ -6344,6 +6493,7 @@
                   <a:srgbClr val="2c3e50"/>
                 </a:solidFill>
                 <a:latin typeface="Source Sans Pro Semibold"/>
+                <a:ea typeface="DejaVu Sans"/>
               </a:rPr>
               <a:t>Peer to Peer as the name suggests is communication between two </a:t>
             </a:r>
@@ -6353,6 +6503,7 @@
                   <a:srgbClr val="2c3e50"/>
                 </a:solidFill>
                 <a:latin typeface="Source Sans Pro Semibold"/>
+                <a:ea typeface="DejaVu Sans"/>
               </a:rPr>
               <a:t>peers </a:t>
             </a:r>
@@ -6362,6 +6513,7 @@
                   <a:srgbClr val="2c3e50"/>
                 </a:solidFill>
                 <a:latin typeface="Source Sans Pro Semibold"/>
+                <a:ea typeface="DejaVu Sans"/>
               </a:rPr>
               <a:t>without the intervention of a sever.</a:t>
             </a:r>
@@ -6370,19 +6522,13 @@
             </a:endParaRPr>
           </a:p>
           <a:p>
-            <a:pPr marL="432000" indent="-323640">
+            <a:pPr>
               <a:lnSpc>
                 <a:spcPct val="100000"/>
               </a:lnSpc>
               <a:spcAft>
                 <a:spcPts val="1414"/>
               </a:spcAft>
-              <a:buClr>
-                <a:srgbClr val="2c3e50"/>
-              </a:buClr>
-              <a:buSzPct val="45000"/>
-              <a:buFont typeface="Wingdings" charset="2"/>
-              <a:buChar char=""/>
             </a:pPr>
             <a:endParaRPr b="0" lang="en-IN" sz="2000" spc="-1" strike="noStrike">
               <a:latin typeface="Arial"/>
@@ -6399,7 +6545,7 @@
         <p:spPr>
           <a:xfrm>
             <a:off x="4558320" y="2967840"/>
-            <a:ext cx="837000" cy="837000"/>
+            <a:ext cx="836640" cy="836640"/>
           </a:xfrm>
           <a:prstGeom prst="ellipse">
             <a:avLst/>
@@ -6422,13 +6568,18 @@
         <p:txBody>
           <a:bodyPr wrap="none" lIns="90000" rIns="90000" tIns="45000" bIns="45000" anchor="ctr"/>
           <a:p>
-            <a:pPr algn="ctr"/>
+            <a:pPr algn="ctr">
+              <a:lnSpc>
+                <a:spcPct val="100000"/>
+              </a:lnSpc>
+            </a:pPr>
             <a:r>
               <a:rPr b="0" lang="en-IN" sz="1800" spc="-1" strike="noStrike">
                 <a:solidFill>
                   <a:srgbClr val="ffffff"/>
                 </a:solidFill>
                 <a:latin typeface="Arial"/>
+                <a:ea typeface="DejaVu Sans"/>
               </a:rPr>
               <a:t>Peer</a:t>
             </a:r>
@@ -6447,7 +6598,7 @@
         <p:spPr>
           <a:xfrm>
             <a:off x="3024000" y="4103280"/>
-            <a:ext cx="837000" cy="837000"/>
+            <a:ext cx="836640" cy="836640"/>
           </a:xfrm>
           <a:prstGeom prst="ellipse">
             <a:avLst/>
@@ -6470,13 +6621,18 @@
         <p:txBody>
           <a:bodyPr wrap="none" lIns="90000" rIns="90000" tIns="45000" bIns="45000" anchor="ctr"/>
           <a:p>
-            <a:pPr algn="ctr"/>
+            <a:pPr algn="ctr">
+              <a:lnSpc>
+                <a:spcPct val="100000"/>
+              </a:lnSpc>
+            </a:pPr>
             <a:r>
               <a:rPr b="0" lang="en-IN" sz="1800" spc="-1" strike="noStrike">
                 <a:solidFill>
                   <a:srgbClr val="ffffff"/>
                 </a:solidFill>
                 <a:latin typeface="Arial"/>
+                <a:ea typeface="DejaVu Sans"/>
               </a:rPr>
               <a:t>Peer</a:t>
             </a:r>
@@ -6495,7 +6651,7 @@
         <p:spPr>
           <a:xfrm>
             <a:off x="6064200" y="4104000"/>
-            <a:ext cx="837000" cy="837000"/>
+            <a:ext cx="836640" cy="836640"/>
           </a:xfrm>
           <a:prstGeom prst="ellipse">
             <a:avLst/>
@@ -6518,13 +6674,18 @@
         <p:txBody>
           <a:bodyPr wrap="none" lIns="90000" rIns="90000" tIns="45000" bIns="45000" anchor="ctr"/>
           <a:p>
-            <a:pPr algn="ctr"/>
+            <a:pPr algn="ctr">
+              <a:lnSpc>
+                <a:spcPct val="100000"/>
+              </a:lnSpc>
+            </a:pPr>
             <a:r>
               <a:rPr b="0" lang="en-IN" sz="1800" spc="-1" strike="noStrike">
                 <a:solidFill>
                   <a:srgbClr val="ffffff"/>
                 </a:solidFill>
                 <a:latin typeface="Arial"/>
+                <a:ea typeface="DejaVu Sans"/>
               </a:rPr>
               <a:t>Peer</a:t>
             </a:r>
@@ -6543,7 +6704,7 @@
         <p:spPr>
           <a:xfrm>
             <a:off x="4558680" y="5351400"/>
-            <a:ext cx="837000" cy="837000"/>
+            <a:ext cx="836640" cy="836640"/>
           </a:xfrm>
           <a:prstGeom prst="ellipse">
             <a:avLst/>
@@ -6566,13 +6727,18 @@
         <p:txBody>
           <a:bodyPr wrap="none" lIns="90000" rIns="90000" tIns="45000" bIns="45000" anchor="ctr"/>
           <a:p>
-            <a:pPr algn="ctr"/>
+            <a:pPr algn="ctr">
+              <a:lnSpc>
+                <a:spcPct val="100000"/>
+              </a:lnSpc>
+            </a:pPr>
             <a:r>
               <a:rPr b="0" lang="en-IN" sz="1800" spc="-1" strike="noStrike">
                 <a:solidFill>
                   <a:srgbClr val="ffffff"/>
                 </a:solidFill>
                 <a:latin typeface="Arial"/>
+                <a:ea typeface="DejaVu Sans"/>
               </a:rPr>
               <a:t>Peer</a:t>
             </a:r>
@@ -6619,7 +6785,7 @@
         <p:spPr>
           <a:xfrm flipH="1">
             <a:off x="3861000" y="4566960"/>
-            <a:ext cx="2203200" cy="0"/>
+            <a:ext cx="2203200" cy="360"/>
           </a:xfrm>
           <a:prstGeom prst="line">
             <a:avLst/>
@@ -6731,7 +6897,7 @@
         <p:spPr>
           <a:xfrm flipV="1">
             <a:off x="4949280" y="3804840"/>
-            <a:ext cx="0" cy="1546560"/>
+            <a:ext cx="360" cy="1546560"/>
           </a:xfrm>
           <a:prstGeom prst="line">
             <a:avLst/>
@@ -6758,10 +6924,489 @@
   <p:timing>
     <p:tnLst>
       <p:par>
-        <p:cTn id="40" dur="indefinite" restart="never" nodeType="tmRoot">
+        <p:cTn id="49" dur="indefinite" restart="never" nodeType="tmRoot">
           <p:childTnLst>
             <p:seq>
-              <p:cTn id="41" nodeType="mainSeq"/>
+              <p:cTn id="50" nodeType="mainSeq">
+                <p:childTnLst>
+                  <p:par>
+                    <p:cTn id="51" fill="freeze">
+                      <p:stCondLst>
+                        <p:cond delay="indefinite"/>
+                      </p:stCondLst>
+                      <p:childTnLst>
+                        <p:par>
+                          <p:cTn id="52" fill="freeze">
+                            <p:stCondLst>
+                              <p:cond delay="0"/>
+                            </p:stCondLst>
+                            <p:childTnLst>
+                              <p:par>
+                                <p:cTn id="53" nodeType="clickEffect" fill="hold" presetClass="entr" presetID="10">
+                                  <p:stCondLst>
+                                    <p:cond delay="0"/>
+                                  </p:stCondLst>
+                                  <p:childTnLst>
+                                    <p:set>
+                                      <p:cBhvr>
+                                        <p:cTn id="54" dur="0" fill="hold">
+                                          <p:stCondLst>
+                                            <p:cond delay="0"/>
+                                          </p:stCondLst>
+                                        </p:cTn>
+                                        <p:tgtEl>
+                                          <p:spTgt spid="130"/>
+                                        </p:tgtEl>
+                                        <p:attrNameLst>
+                                          <p:attrName>style.visibility</p:attrName>
+                                        </p:attrNameLst>
+                                      </p:cBhvr>
+                                      <p:to>
+                                        <p:strVal val="visible"/>
+                                      </p:to>
+                                    </p:set>
+                                    <p:animEffect filter="fade" transition="in">
+                                      <p:cBhvr additive="repl">
+                                        <p:cTn id="55" dur="1000"/>
+                                        <p:tgtEl>
+                                          <p:spTgt spid="130"/>
+                                        </p:tgtEl>
+                                      </p:cBhvr>
+                                    </p:animEffect>
+                                  </p:childTnLst>
+                                </p:cTn>
+                              </p:par>
+                              <p:par>
+                                <p:cTn id="56" nodeType="withEffect" fill="hold" presetClass="entr" presetID="10">
+                                  <p:stCondLst>
+                                    <p:cond delay="0"/>
+                                  </p:stCondLst>
+                                  <p:childTnLst>
+                                    <p:set>
+                                      <p:cBhvr>
+                                        <p:cTn id="57" dur="0" fill="hold">
+                                          <p:stCondLst>
+                                            <p:cond delay="0"/>
+                                          </p:stCondLst>
+                                        </p:cTn>
+                                        <p:tgtEl>
+                                          <p:spTgt spid="131"/>
+                                        </p:tgtEl>
+                                        <p:attrNameLst>
+                                          <p:attrName>style.visibility</p:attrName>
+                                        </p:attrNameLst>
+                                      </p:cBhvr>
+                                      <p:to>
+                                        <p:strVal val="visible"/>
+                                      </p:to>
+                                    </p:set>
+                                    <p:animEffect filter="fade" transition="in">
+                                      <p:cBhvr additive="repl">
+                                        <p:cTn id="58" dur="1000"/>
+                                        <p:tgtEl>
+                                          <p:spTgt spid="131"/>
+                                        </p:tgtEl>
+                                      </p:cBhvr>
+                                    </p:animEffect>
+                                  </p:childTnLst>
+                                </p:cTn>
+                              </p:par>
+                              <p:par>
+                                <p:cTn id="59" nodeType="withEffect" fill="hold" presetClass="entr" presetID="10">
+                                  <p:stCondLst>
+                                    <p:cond delay="0"/>
+                                  </p:stCondLst>
+                                  <p:childTnLst>
+                                    <p:set>
+                                      <p:cBhvr>
+                                        <p:cTn id="60" dur="0" fill="hold">
+                                          <p:stCondLst>
+                                            <p:cond delay="0"/>
+                                          </p:stCondLst>
+                                        </p:cTn>
+                                        <p:tgtEl>
+                                          <p:spTgt spid="132"/>
+                                        </p:tgtEl>
+                                        <p:attrNameLst>
+                                          <p:attrName>style.visibility</p:attrName>
+                                        </p:attrNameLst>
+                                      </p:cBhvr>
+                                      <p:to>
+                                        <p:strVal val="visible"/>
+                                      </p:to>
+                                    </p:set>
+                                    <p:animEffect filter="fade" transition="in">
+                                      <p:cBhvr additive="repl">
+                                        <p:cTn id="61" dur="1000"/>
+                                        <p:tgtEl>
+                                          <p:spTgt spid="132"/>
+                                        </p:tgtEl>
+                                      </p:cBhvr>
+                                    </p:animEffect>
+                                  </p:childTnLst>
+                                </p:cTn>
+                              </p:par>
+                              <p:par>
+                                <p:cTn id="62" nodeType="withEffect" fill="hold" presetClass="entr" presetID="10">
+                                  <p:stCondLst>
+                                    <p:cond delay="0"/>
+                                  </p:stCondLst>
+                                  <p:childTnLst>
+                                    <p:set>
+                                      <p:cBhvr>
+                                        <p:cTn id="63" dur="0" fill="hold">
+                                          <p:stCondLst>
+                                            <p:cond delay="0"/>
+                                          </p:stCondLst>
+                                        </p:cTn>
+                                        <p:tgtEl>
+                                          <p:spTgt spid="133"/>
+                                        </p:tgtEl>
+                                        <p:attrNameLst>
+                                          <p:attrName>style.visibility</p:attrName>
+                                        </p:attrNameLst>
+                                      </p:cBhvr>
+                                      <p:to>
+                                        <p:strVal val="visible"/>
+                                      </p:to>
+                                    </p:set>
+                                    <p:animEffect filter="fade" transition="in">
+                                      <p:cBhvr additive="repl">
+                                        <p:cTn id="64" dur="1000"/>
+                                        <p:tgtEl>
+                                          <p:spTgt spid="133"/>
+                                        </p:tgtEl>
+                                      </p:cBhvr>
+                                    </p:animEffect>
+                                  </p:childTnLst>
+                                </p:cTn>
+                              </p:par>
+                            </p:childTnLst>
+                          </p:cTn>
+                        </p:par>
+                      </p:childTnLst>
+                    </p:cTn>
+                  </p:par>
+                  <p:par>
+                    <p:cTn id="65" fill="freeze">
+                      <p:stCondLst>
+                        <p:cond delay="indefinite"/>
+                      </p:stCondLst>
+                      <p:childTnLst>
+                        <p:par>
+                          <p:cTn id="66" fill="freeze">
+                            <p:stCondLst>
+                              <p:cond delay="0"/>
+                            </p:stCondLst>
+                            <p:childTnLst>
+                              <p:par>
+                                <p:cTn id="67" nodeType="clickEffect" fill="hold" presetClass="entr" presetID="3" presetSubtype="10">
+                                  <p:stCondLst>
+                                    <p:cond delay="0"/>
+                                  </p:stCondLst>
+                                  <p:childTnLst>
+                                    <p:set>
+                                      <p:cBhvr>
+                                        <p:cTn id="68" dur="1" fill="hold">
+                                          <p:stCondLst>
+                                            <p:cond delay="0"/>
+                                          </p:stCondLst>
+                                        </p:cTn>
+                                        <p:tgtEl>
+                                          <p:spTgt spid="134"/>
+                                        </p:tgtEl>
+                                        <p:attrNameLst>
+                                          <p:attrName>style.visibility</p:attrName>
+                                        </p:attrNameLst>
+                                      </p:cBhvr>
+                                      <p:to>
+                                        <p:strVal val="visible"/>
+                                      </p:to>
+                                    </p:set>
+                                    <p:animEffect filter="blinds(horizontal)" transition="in">
+                                      <p:cBhvr additive="repl">
+                                        <p:cTn id="69" dur="500"/>
+                                        <p:tgtEl>
+                                          <p:spTgt spid="134"/>
+                                        </p:tgtEl>
+                                      </p:cBhvr>
+                                    </p:animEffect>
+                                  </p:childTnLst>
+                                </p:cTn>
+                              </p:par>
+                            </p:childTnLst>
+                          </p:cTn>
+                        </p:par>
+                      </p:childTnLst>
+                    </p:cTn>
+                  </p:par>
+                  <p:par>
+                    <p:cTn id="70" fill="freeze">
+                      <p:stCondLst>
+                        <p:cond delay="indefinite"/>
+                      </p:stCondLst>
+                      <p:childTnLst>
+                        <p:par>
+                          <p:cTn id="71" fill="freeze">
+                            <p:stCondLst>
+                              <p:cond delay="0"/>
+                            </p:stCondLst>
+                            <p:childTnLst>
+                              <p:par>
+                                <p:cTn id="72" nodeType="clickEffect" fill="hold" presetClass="entr" presetID="3" presetSubtype="10">
+                                  <p:stCondLst>
+                                    <p:cond delay="0"/>
+                                  </p:stCondLst>
+                                  <p:childTnLst>
+                                    <p:set>
+                                      <p:cBhvr>
+                                        <p:cTn id="73" dur="1" fill="hold">
+                                          <p:stCondLst>
+                                            <p:cond delay="0"/>
+                                          </p:stCondLst>
+                                        </p:cTn>
+                                        <p:tgtEl>
+                                          <p:spTgt spid="137"/>
+                                        </p:tgtEl>
+                                        <p:attrNameLst>
+                                          <p:attrName>style.visibility</p:attrName>
+                                        </p:attrNameLst>
+                                      </p:cBhvr>
+                                      <p:to>
+                                        <p:strVal val="visible"/>
+                                      </p:to>
+                                    </p:set>
+                                    <p:animEffect filter="blinds(horizontal)" transition="in">
+                                      <p:cBhvr additive="repl">
+                                        <p:cTn id="74" dur="500"/>
+                                        <p:tgtEl>
+                                          <p:spTgt spid="137"/>
+                                        </p:tgtEl>
+                                      </p:cBhvr>
+                                    </p:animEffect>
+                                  </p:childTnLst>
+                                </p:cTn>
+                              </p:par>
+                            </p:childTnLst>
+                          </p:cTn>
+                        </p:par>
+                      </p:childTnLst>
+                    </p:cTn>
+                  </p:par>
+                  <p:par>
+                    <p:cTn id="75" fill="freeze">
+                      <p:stCondLst>
+                        <p:cond delay="indefinite"/>
+                      </p:stCondLst>
+                      <p:childTnLst>
+                        <p:par>
+                          <p:cTn id="76" fill="freeze">
+                            <p:stCondLst>
+                              <p:cond delay="0"/>
+                            </p:stCondLst>
+                            <p:childTnLst>
+                              <p:par>
+                                <p:cTn id="77" nodeType="clickEffect" fill="hold" presetClass="entr" presetID="3" presetSubtype="10">
+                                  <p:stCondLst>
+                                    <p:cond delay="0"/>
+                                  </p:stCondLst>
+                                  <p:childTnLst>
+                                    <p:set>
+                                      <p:cBhvr>
+                                        <p:cTn id="78" dur="1" fill="hold">
+                                          <p:stCondLst>
+                                            <p:cond delay="0"/>
+                                          </p:stCondLst>
+                                        </p:cTn>
+                                        <p:tgtEl>
+                                          <p:spTgt spid="138"/>
+                                        </p:tgtEl>
+                                        <p:attrNameLst>
+                                          <p:attrName>style.visibility</p:attrName>
+                                        </p:attrNameLst>
+                                      </p:cBhvr>
+                                      <p:to>
+                                        <p:strVal val="visible"/>
+                                      </p:to>
+                                    </p:set>
+                                    <p:animEffect filter="blinds(horizontal)" transition="in">
+                                      <p:cBhvr additive="repl">
+                                        <p:cTn id="79" dur="500"/>
+                                        <p:tgtEl>
+                                          <p:spTgt spid="138"/>
+                                        </p:tgtEl>
+                                      </p:cBhvr>
+                                    </p:animEffect>
+                                  </p:childTnLst>
+                                </p:cTn>
+                              </p:par>
+                            </p:childTnLst>
+                          </p:cTn>
+                        </p:par>
+                      </p:childTnLst>
+                    </p:cTn>
+                  </p:par>
+                  <p:par>
+                    <p:cTn id="80" fill="freeze">
+                      <p:stCondLst>
+                        <p:cond delay="indefinite"/>
+                      </p:stCondLst>
+                      <p:childTnLst>
+                        <p:par>
+                          <p:cTn id="81" fill="freeze">
+                            <p:stCondLst>
+                              <p:cond delay="0"/>
+                            </p:stCondLst>
+                            <p:childTnLst>
+                              <p:par>
+                                <p:cTn id="82" nodeType="clickEffect" fill="hold" presetClass="entr" presetID="3" presetSubtype="10">
+                                  <p:stCondLst>
+                                    <p:cond delay="0"/>
+                                  </p:stCondLst>
+                                  <p:childTnLst>
+                                    <p:set>
+                                      <p:cBhvr>
+                                        <p:cTn id="83" dur="1" fill="hold">
+                                          <p:stCondLst>
+                                            <p:cond delay="0"/>
+                                          </p:stCondLst>
+                                        </p:cTn>
+                                        <p:tgtEl>
+                                          <p:spTgt spid="136"/>
+                                        </p:tgtEl>
+                                        <p:attrNameLst>
+                                          <p:attrName>style.visibility</p:attrName>
+                                        </p:attrNameLst>
+                                      </p:cBhvr>
+                                      <p:to>
+                                        <p:strVal val="visible"/>
+                                      </p:to>
+                                    </p:set>
+                                    <p:animEffect filter="blinds(horizontal)" transition="in">
+                                      <p:cBhvr additive="repl">
+                                        <p:cTn id="84" dur="500"/>
+                                        <p:tgtEl>
+                                          <p:spTgt spid="136"/>
+                                        </p:tgtEl>
+                                      </p:cBhvr>
+                                    </p:animEffect>
+                                  </p:childTnLst>
+                                </p:cTn>
+                              </p:par>
+                            </p:childTnLst>
+                          </p:cTn>
+                        </p:par>
+                      </p:childTnLst>
+                    </p:cTn>
+                  </p:par>
+                  <p:par>
+                    <p:cTn id="85" fill="freeze">
+                      <p:stCondLst>
+                        <p:cond delay="indefinite"/>
+                      </p:stCondLst>
+                      <p:childTnLst>
+                        <p:par>
+                          <p:cTn id="86" fill="freeze">
+                            <p:stCondLst>
+                              <p:cond delay="0"/>
+                            </p:stCondLst>
+                            <p:childTnLst>
+                              <p:par>
+                                <p:cTn id="87" nodeType="clickEffect" fill="hold" presetClass="entr" presetID="3" presetSubtype="10">
+                                  <p:stCondLst>
+                                    <p:cond delay="0"/>
+                                  </p:stCondLst>
+                                  <p:childTnLst>
+                                    <p:set>
+                                      <p:cBhvr>
+                                        <p:cTn id="88" dur="1" fill="hold">
+                                          <p:stCondLst>
+                                            <p:cond delay="0"/>
+                                          </p:stCondLst>
+                                        </p:cTn>
+                                        <p:tgtEl>
+                                          <p:spTgt spid="135"/>
+                                        </p:tgtEl>
+                                        <p:attrNameLst>
+                                          <p:attrName>style.visibility</p:attrName>
+                                        </p:attrNameLst>
+                                      </p:cBhvr>
+                                      <p:to>
+                                        <p:strVal val="visible"/>
+                                      </p:to>
+                                    </p:set>
+                                    <p:animEffect filter="blinds(horizontal)" transition="in">
+                                      <p:cBhvr additive="repl">
+                                        <p:cTn id="89" dur="500"/>
+                                        <p:tgtEl>
+                                          <p:spTgt spid="135"/>
+                                        </p:tgtEl>
+                                      </p:cBhvr>
+                                    </p:animEffect>
+                                  </p:childTnLst>
+                                </p:cTn>
+                              </p:par>
+                            </p:childTnLst>
+                          </p:cTn>
+                        </p:par>
+                      </p:childTnLst>
+                    </p:cTn>
+                  </p:par>
+                  <p:par>
+                    <p:cTn id="90" fill="freeze">
+                      <p:stCondLst>
+                        <p:cond delay="indefinite"/>
+                      </p:stCondLst>
+                      <p:childTnLst>
+                        <p:par>
+                          <p:cTn id="91" fill="freeze">
+                            <p:stCondLst>
+                              <p:cond delay="0"/>
+                            </p:stCondLst>
+                            <p:childTnLst>
+                              <p:par>
+                                <p:cTn id="92" nodeType="clickEffect" fill="hold" presetClass="entr" presetID="3" presetSubtype="10">
+                                  <p:stCondLst>
+                                    <p:cond delay="0"/>
+                                  </p:stCondLst>
+                                  <p:childTnLst>
+                                    <p:set>
+                                      <p:cBhvr>
+                                        <p:cTn id="93" dur="1" fill="hold">
+                                          <p:stCondLst>
+                                            <p:cond delay="0"/>
+                                          </p:stCondLst>
+                                        </p:cTn>
+                                        <p:tgtEl>
+                                          <p:spTgt spid="139"/>
+                                        </p:tgtEl>
+                                        <p:attrNameLst>
+                                          <p:attrName>style.visibility</p:attrName>
+                                        </p:attrNameLst>
+                                      </p:cBhvr>
+                                      <p:to>
+                                        <p:strVal val="visible"/>
+                                      </p:to>
+                                    </p:set>
+                                    <p:animEffect filter="blinds(horizontal)" transition="in">
+                                      <p:cBhvr additive="repl">
+                                        <p:cTn id="94" dur="500"/>
+                                        <p:tgtEl>
+                                          <p:spTgt spid="139"/>
+                                        </p:tgtEl>
+                                      </p:cBhvr>
+                                    </p:animEffect>
+                                  </p:childTnLst>
+                                </p:cTn>
+                              </p:par>
+                            </p:childTnLst>
+                          </p:cTn>
+                        </p:par>
+                      </p:childTnLst>
+                    </p:cTn>
+                  </p:par>
+                </p:childTnLst>
+              </p:cTn>
               <p:prevCondLst>
                 <p:cond delay="0" evt="onPrev">
                   <p:tgtEl>
@@ -6811,7 +7456,7 @@
         <p:spPr>
           <a:xfrm>
             <a:off x="360000" y="301320"/>
-            <a:ext cx="9359640" cy="958320"/>
+            <a:ext cx="9359280" cy="957960"/>
           </a:xfrm>
           <a:prstGeom prst="rect">
             <a:avLst/>
@@ -6841,6 +7486,7 @@
                   <a:srgbClr val="ffffff"/>
                 </a:solidFill>
                 <a:latin typeface="Roboto"/>
+                <a:ea typeface="DejaVu Sans"/>
               </a:rPr>
               <a:t>Advantages</a:t>
             </a:r>
@@ -6859,7 +7505,7 @@
         <p:spPr>
           <a:xfrm>
             <a:off x="360000" y="1980000"/>
-            <a:ext cx="9359640" cy="5039640"/>
+            <a:ext cx="9359280" cy="5039280"/>
           </a:xfrm>
           <a:prstGeom prst="rect">
             <a:avLst/>
@@ -6884,10 +7530,10 @@
   <p:timing>
     <p:tnLst>
       <p:par>
-        <p:cTn id="42" dur="indefinite" restart="never" nodeType="tmRoot">
+        <p:cTn id="95" dur="indefinite" restart="never" nodeType="tmRoot">
           <p:childTnLst>
             <p:seq>
-              <p:cTn id="43" nodeType="mainSeq"/>
+              <p:cTn id="96" nodeType="mainSeq"/>
               <p:prevCondLst>
                 <p:cond delay="0" evt="onPrev">
                   <p:tgtEl>
@@ -6937,7 +7583,7 @@
         <p:spPr>
           <a:xfrm>
             <a:off x="2700000" y="2700000"/>
-            <a:ext cx="4679640" cy="2159640"/>
+            <a:ext cx="4679280" cy="2159280"/>
           </a:xfrm>
           <a:prstGeom prst="rect">
             <a:avLst/>
@@ -6959,10 +7605,10 @@
   <p:timing>
     <p:tnLst>
       <p:par>
-        <p:cTn id="44" dur="indefinite" restart="never" nodeType="tmRoot">
+        <p:cTn id="97" dur="indefinite" restart="never" nodeType="tmRoot">
           <p:childTnLst>
             <p:seq>
-              <p:cTn id="45" nodeType="mainSeq"/>
+              <p:cTn id="98" nodeType="mainSeq"/>
               <p:prevCondLst>
                 <p:cond delay="0" evt="onPrev">
                   <p:tgtEl>

--- a/Presentation/Neeraj/Presentation.pptx
+++ b/Presentation/Neeraj/Presentation.pptx
@@ -6,18 +6,525 @@
     <p:sldMasterId id="2147483661" r:id="rId3"/>
     <p:sldMasterId id="2147483674" r:id="rId4"/>
   </p:sldMasterIdLst>
+  <p:notesMasterIdLst>
+    <p:notesMasterId r:id="rId5"/>
+  </p:notesMasterIdLst>
   <p:sldIdLst>
-    <p:sldId id="256" r:id="rId5"/>
-    <p:sldId id="257" r:id="rId6"/>
-    <p:sldId id="258" r:id="rId7"/>
-    <p:sldId id="259" r:id="rId8"/>
-    <p:sldId id="260" r:id="rId9"/>
-    <p:sldId id="261" r:id="rId10"/>
-    <p:sldId id="262" r:id="rId11"/>
+    <p:sldId id="256" r:id="rId6"/>
+    <p:sldId id="257" r:id="rId7"/>
+    <p:sldId id="258" r:id="rId8"/>
+    <p:sldId id="259" r:id="rId9"/>
+    <p:sldId id="260" r:id="rId10"/>
+    <p:sldId id="261" r:id="rId11"/>
+    <p:sldId id="262" r:id="rId12"/>
+    <p:sldId id="263" r:id="rId13"/>
+    <p:sldId id="264" r:id="rId14"/>
+    <p:sldId id="265" r:id="rId15"/>
+    <p:sldId id="266" r:id="rId16"/>
+    <p:sldId id="267" r:id="rId17"/>
   </p:sldIdLst>
   <p:sldSz cx="10080625" cy="7559675"/>
   <p:notesSz cx="7559675" cy="10691812"/>
 </p:presentation>
+</file>
+
+<file path=ppt/notesMasters/notesMaster1.xml><?xml version="1.0" encoding="utf-8"?>
+<p:notesMaster xmlns:a="http://schemas.openxmlformats.org/drawingml/2006/main" xmlns:p="http://schemas.openxmlformats.org/presentationml/2006/main" xmlns:r="http://schemas.openxmlformats.org/officeDocument/2006/relationships" xmlns:p14="http://schemas.microsoft.com/office/powerpoint/2010/main" xmlns:p15="http://schemas.microsoft.com/office/powerpoint/2012/main" xmlns:mc="http://schemas.openxmlformats.org/markup-compatibility/2006">
+  <p:cSld>
+    <p:spTree>
+      <p:nvGrpSpPr>
+        <p:cNvPr id="1" name=""/>
+        <p:cNvGrpSpPr/>
+        <p:nvPr/>
+      </p:nvGrpSpPr>
+      <p:grpSpPr>
+        <a:xfrm>
+          <a:off x="0" y="0"/>
+          <a:ext cx="0" cy="0"/>
+          <a:chOff x="0" y="0"/>
+          <a:chExt cx="0" cy="0"/>
+        </a:xfrm>
+      </p:grpSpPr>
+      <p:sp>
+        <p:nvSpPr>
+          <p:cNvPr id="119" name="PlaceHolder 1"/>
+          <p:cNvSpPr>
+            <a:spLocks noGrp="1"/>
+          </p:cNvSpPr>
+          <p:nvPr>
+            <p:ph type="body"/>
+          </p:nvPr>
+        </p:nvSpPr>
+        <p:spPr>
+          <a:xfrm>
+            <a:off x="756000" y="5078520"/>
+            <a:ext cx="6047640" cy="4811040"/>
+          </a:xfrm>
+          <a:prstGeom prst="rect">
+            <a:avLst/>
+          </a:prstGeom>
+        </p:spPr>
+        <p:txBody>
+          <a:bodyPr lIns="0" rIns="0" tIns="0" bIns="0"/>
+          <a:p>
+            <a:r>
+              <a:rPr b="0" lang="en-IN" sz="2000" spc="-1" strike="noStrike">
+                <a:latin typeface="Arial"/>
+              </a:rPr>
+              <a:t>Click to edit the notes format</a:t>
+            </a:r>
+            <a:endParaRPr b="0" lang="en-IN" sz="2000" spc="-1" strike="noStrike">
+              <a:latin typeface="Arial"/>
+            </a:endParaRPr>
+          </a:p>
+        </p:txBody>
+      </p:sp>
+      <p:sp>
+        <p:nvSpPr>
+          <p:cNvPr id="120" name="PlaceHolder 2"/>
+          <p:cNvSpPr>
+            <a:spLocks noGrp="1"/>
+          </p:cNvSpPr>
+          <p:nvPr>
+            <p:ph type="hdr"/>
+          </p:nvPr>
+        </p:nvSpPr>
+        <p:spPr>
+          <a:xfrm>
+            <a:off x="0" y="0"/>
+            <a:ext cx="3280680" cy="534240"/>
+          </a:xfrm>
+          <a:prstGeom prst="rect">
+            <a:avLst/>
+          </a:prstGeom>
+        </p:spPr>
+        <p:txBody>
+          <a:bodyPr lIns="0" rIns="0" tIns="0" bIns="0"/>
+          <a:p>
+            <a:r>
+              <a:rPr b="0" lang="en-IN" sz="1400" spc="-1" strike="noStrike">
+                <a:latin typeface="Times New Roman"/>
+              </a:rPr>
+              <a:t>&lt;header&gt;</a:t>
+            </a:r>
+            <a:endParaRPr b="0" lang="en-IN" sz="1400" spc="-1" strike="noStrike">
+              <a:latin typeface="Times New Roman"/>
+            </a:endParaRPr>
+          </a:p>
+        </p:txBody>
+      </p:sp>
+      <p:sp>
+        <p:nvSpPr>
+          <p:cNvPr id="121" name="PlaceHolder 3"/>
+          <p:cNvSpPr>
+            <a:spLocks noGrp="1"/>
+          </p:cNvSpPr>
+          <p:nvPr>
+            <p:ph type="dt"/>
+          </p:nvPr>
+        </p:nvSpPr>
+        <p:spPr>
+          <a:xfrm>
+            <a:off x="4278960" y="0"/>
+            <a:ext cx="3280680" cy="534240"/>
+          </a:xfrm>
+          <a:prstGeom prst="rect">
+            <a:avLst/>
+          </a:prstGeom>
+        </p:spPr>
+        <p:txBody>
+          <a:bodyPr lIns="0" rIns="0" tIns="0" bIns="0"/>
+          <a:p>
+            <a:pPr algn="r"/>
+            <a:r>
+              <a:rPr b="0" lang="en-IN" sz="1400" spc="-1" strike="noStrike">
+                <a:latin typeface="Times New Roman"/>
+              </a:rPr>
+              <a:t>&lt;date/time&gt;</a:t>
+            </a:r>
+            <a:endParaRPr b="0" lang="en-IN" sz="1400" spc="-1" strike="noStrike">
+              <a:latin typeface="Times New Roman"/>
+            </a:endParaRPr>
+          </a:p>
+        </p:txBody>
+      </p:sp>
+      <p:sp>
+        <p:nvSpPr>
+          <p:cNvPr id="122" name="PlaceHolder 4"/>
+          <p:cNvSpPr>
+            <a:spLocks noGrp="1"/>
+          </p:cNvSpPr>
+          <p:nvPr>
+            <p:ph type="ftr"/>
+          </p:nvPr>
+        </p:nvSpPr>
+        <p:spPr>
+          <a:xfrm>
+            <a:off x="0" y="10157400"/>
+            <a:ext cx="3280680" cy="534240"/>
+          </a:xfrm>
+          <a:prstGeom prst="rect">
+            <a:avLst/>
+          </a:prstGeom>
+        </p:spPr>
+        <p:txBody>
+          <a:bodyPr lIns="0" rIns="0" tIns="0" bIns="0" anchor="b"/>
+          <a:p>
+            <a:r>
+              <a:rPr b="0" lang="en-IN" sz="1400" spc="-1" strike="noStrike">
+                <a:latin typeface="Times New Roman"/>
+              </a:rPr>
+              <a:t>&lt;footer&gt;</a:t>
+            </a:r>
+            <a:endParaRPr b="0" lang="en-IN" sz="1400" spc="-1" strike="noStrike">
+              <a:latin typeface="Times New Roman"/>
+            </a:endParaRPr>
+          </a:p>
+        </p:txBody>
+      </p:sp>
+      <p:sp>
+        <p:nvSpPr>
+          <p:cNvPr id="123" name="PlaceHolder 5"/>
+          <p:cNvSpPr>
+            <a:spLocks noGrp="1"/>
+          </p:cNvSpPr>
+          <p:nvPr>
+            <p:ph type="sldNum"/>
+          </p:nvPr>
+        </p:nvSpPr>
+        <p:spPr>
+          <a:xfrm>
+            <a:off x="4278960" y="10157400"/>
+            <a:ext cx="3280680" cy="534240"/>
+          </a:xfrm>
+          <a:prstGeom prst="rect">
+            <a:avLst/>
+          </a:prstGeom>
+        </p:spPr>
+        <p:txBody>
+          <a:bodyPr lIns="0" rIns="0" tIns="0" bIns="0" anchor="b"/>
+          <a:p>
+            <a:pPr algn="r"/>
+            <a:fld id="{64D3A7F0-E233-440D-9B38-441327DBBF4B}" type="slidenum">
+              <a:rPr b="0" lang="en-IN" sz="1400" spc="-1" strike="noStrike">
+                <a:latin typeface="Times New Roman"/>
+              </a:rPr>
+              <a:t>&lt;number&gt;</a:t>
+            </a:fld>
+            <a:endParaRPr b="0" lang="en-IN" sz="1400" spc="-1" strike="noStrike">
+              <a:latin typeface="Times New Roman"/>
+            </a:endParaRPr>
+          </a:p>
+        </p:txBody>
+      </p:sp>
+    </p:spTree>
+  </p:cSld>
+  <p:clrMap bg1="lt1" bg2="lt2" tx1="dk1" tx2="dk2" accent1="accent1" accent2="accent2" accent3="accent3" accent4="accent4" accent5="accent5" accent6="accent6" hlink="hlink" folHlink="folHlink"/>
+</p:notesMaster>
+</file>
+
+<file path=ppt/notesSlides/notesSlide10.xml><?xml version="1.0" encoding="utf-8"?>
+<p:notes xmlns:a="http://schemas.openxmlformats.org/drawingml/2006/main" xmlns:p="http://schemas.openxmlformats.org/presentationml/2006/main" xmlns:r="http://schemas.openxmlformats.org/officeDocument/2006/relationships" xmlns:p14="http://schemas.microsoft.com/office/powerpoint/2010/main" xmlns:p15="http://schemas.microsoft.com/office/powerpoint/2012/main" xmlns:mc="http://schemas.openxmlformats.org/markup-compatibility/2006">
+  <p:cSld>
+    <p:spTree>
+      <p:nvGrpSpPr>
+        <p:cNvPr id="1" name=""/>
+        <p:cNvGrpSpPr/>
+        <p:nvPr/>
+      </p:nvGrpSpPr>
+      <p:grpSpPr>
+        <a:xfrm>
+          <a:off x="0" y="0"/>
+          <a:ext cx="0" cy="0"/>
+          <a:chOff x="0" y="0"/>
+          <a:chExt cx="0" cy="0"/>
+        </a:xfrm>
+      </p:grpSpPr>
+      <p:sp>
+        <p:nvSpPr>
+          <p:cNvPr id="165" name="PlaceHolder 1"/>
+          <p:cNvSpPr>
+            <a:spLocks noGrp="1"/>
+          </p:cNvSpPr>
+          <p:nvPr>
+            <p:ph type="body"/>
+          </p:nvPr>
+        </p:nvSpPr>
+        <p:spPr>
+          <a:xfrm>
+            <a:off x="756000" y="5078520"/>
+            <a:ext cx="6047640" cy="4811040"/>
+          </a:xfrm>
+          <a:prstGeom prst="rect">
+            <a:avLst/>
+          </a:prstGeom>
+        </p:spPr>
+        <p:txBody>
+          <a:bodyPr lIns="0" rIns="0" tIns="0" bIns="0"/>
+          <a:p>
+            <a:r>
+              <a:rPr b="0" lang="en-IN" sz="2000" spc="-1" strike="noStrike">
+                <a:latin typeface="Arial"/>
+              </a:rPr>
+              <a:t>Flooded request model is used by Gnutella and requires a lot of bandwidth and so it is not efficient.</a:t>
+            </a:r>
+            <a:endParaRPr b="0" lang="en-IN" sz="2000" spc="-1" strike="noStrike">
+              <a:latin typeface="Arial"/>
+            </a:endParaRPr>
+          </a:p>
+        </p:txBody>
+      </p:sp>
+    </p:spTree>
+  </p:cSld>
+</p:notes>
+</file>
+
+<file path=ppt/notesSlides/notesSlide6.xml><?xml version="1.0" encoding="utf-8"?>
+<p:notes xmlns:a="http://schemas.openxmlformats.org/drawingml/2006/main" xmlns:p="http://schemas.openxmlformats.org/presentationml/2006/main" xmlns:r="http://schemas.openxmlformats.org/officeDocument/2006/relationships" xmlns:p14="http://schemas.microsoft.com/office/powerpoint/2010/main" xmlns:p15="http://schemas.microsoft.com/office/powerpoint/2012/main" xmlns:mc="http://schemas.openxmlformats.org/markup-compatibility/2006">
+  <p:cSld>
+    <p:spTree>
+      <p:nvGrpSpPr>
+        <p:cNvPr id="1" name=""/>
+        <p:cNvGrpSpPr/>
+        <p:nvPr/>
+      </p:nvGrpSpPr>
+      <p:grpSpPr>
+        <a:xfrm>
+          <a:off x="0" y="0"/>
+          <a:ext cx="0" cy="0"/>
+          <a:chOff x="0" y="0"/>
+          <a:chExt cx="0" cy="0"/>
+        </a:xfrm>
+      </p:grpSpPr>
+      <p:sp>
+        <p:nvSpPr>
+          <p:cNvPr id="162" name="PlaceHolder 1"/>
+          <p:cNvSpPr>
+            <a:spLocks noGrp="1"/>
+          </p:cNvSpPr>
+          <p:nvPr>
+            <p:ph type="body"/>
+          </p:nvPr>
+        </p:nvSpPr>
+        <p:spPr>
+          <a:xfrm>
+            <a:off x="756000" y="5078520"/>
+            <a:ext cx="6047640" cy="4811040"/>
+          </a:xfrm>
+          <a:prstGeom prst="rect">
+            <a:avLst/>
+          </a:prstGeom>
+        </p:spPr>
+        <p:txBody>
+          <a:bodyPr lIns="0" rIns="0" tIns="0" bIns="0"/>
+          <a:p>
+            <a:r>
+              <a:rPr b="0" lang="en-IN" sz="2000" spc="-1" strike="noStrike">
+                <a:latin typeface="Arial"/>
+              </a:rPr>
+              <a:t>Explain what Napster and Gnutella is.</a:t>
+            </a:r>
+            <a:endParaRPr b="0" lang="en-IN" sz="2000" spc="-1" strike="noStrike">
+              <a:latin typeface="Arial"/>
+            </a:endParaRPr>
+          </a:p>
+          <a:p>
+            <a:endParaRPr b="0" lang="en-IN" sz="2000" spc="-1" strike="noStrike">
+              <a:latin typeface="Arial"/>
+            </a:endParaRPr>
+          </a:p>
+          <a:p>
+            <a:r>
+              <a:rPr b="0" lang="en-IN" sz="2000" spc="-1" strike="noStrike">
+                <a:latin typeface="Arial"/>
+              </a:rPr>
+              <a:t>Napster is a p2p music sharing site which allowed to share mp3 files between files. It was closed due to copyright infringement.</a:t>
+            </a:r>
+            <a:endParaRPr b="0" lang="en-IN" sz="2000" spc="-1" strike="noStrike">
+              <a:latin typeface="Arial"/>
+            </a:endParaRPr>
+          </a:p>
+          <a:p>
+            <a:endParaRPr b="0" lang="en-IN" sz="2000" spc="-1" strike="noStrike">
+              <a:latin typeface="Arial"/>
+            </a:endParaRPr>
+          </a:p>
+          <a:p>
+            <a:r>
+              <a:rPr b="0" lang="en-IN" sz="2000" spc="-1" strike="noStrike">
+                <a:latin typeface="Arial"/>
+              </a:rPr>
+              <a:t>Gnutella is a file sharing protocol which is similar to napster but was used to share files over the network not restricting to mp3 file. It too was shut down to copyright infringement.</a:t>
+            </a:r>
+            <a:endParaRPr b="0" lang="en-IN" sz="2000" spc="-1" strike="noStrike">
+              <a:latin typeface="Arial"/>
+            </a:endParaRPr>
+          </a:p>
+        </p:txBody>
+      </p:sp>
+    </p:spTree>
+  </p:cSld>
+</p:notes>
+</file>
+
+<file path=ppt/notesSlides/notesSlide7.xml><?xml version="1.0" encoding="utf-8"?>
+<p:notes xmlns:a="http://schemas.openxmlformats.org/drawingml/2006/main" xmlns:p="http://schemas.openxmlformats.org/presentationml/2006/main" xmlns:r="http://schemas.openxmlformats.org/officeDocument/2006/relationships" xmlns:p14="http://schemas.microsoft.com/office/powerpoint/2010/main" xmlns:p15="http://schemas.microsoft.com/office/powerpoint/2012/main" xmlns:mc="http://schemas.openxmlformats.org/markup-compatibility/2006">
+  <p:cSld>
+    <p:spTree>
+      <p:nvGrpSpPr>
+        <p:cNvPr id="1" name=""/>
+        <p:cNvGrpSpPr/>
+        <p:nvPr/>
+      </p:nvGrpSpPr>
+      <p:grpSpPr>
+        <a:xfrm>
+          <a:off x="0" y="0"/>
+          <a:ext cx="0" cy="0"/>
+          <a:chOff x="0" y="0"/>
+          <a:chExt cx="0" cy="0"/>
+        </a:xfrm>
+      </p:grpSpPr>
+      <p:sp>
+        <p:nvSpPr>
+          <p:cNvPr id="163" name="PlaceHolder 1"/>
+          <p:cNvSpPr>
+            <a:spLocks noGrp="1"/>
+          </p:cNvSpPr>
+          <p:nvPr>
+            <p:ph type="body"/>
+          </p:nvPr>
+        </p:nvSpPr>
+        <p:spPr>
+          <a:xfrm>
+            <a:off x="756000" y="5078520"/>
+            <a:ext cx="6047640" cy="4811040"/>
+          </a:xfrm>
+          <a:prstGeom prst="rect">
+            <a:avLst/>
+          </a:prstGeom>
+        </p:spPr>
+        <p:txBody>
+          <a:bodyPr lIns="0" rIns="0" tIns="0" bIns="0"/>
+          <a:p>
+            <a:r>
+              <a:rPr b="0" lang="en-IN" sz="2000" spc="-1" strike="noStrike">
+                <a:latin typeface="Arial"/>
+              </a:rPr>
+              <a:t>These files are shared amongst the peer network which allows the aggregate bandwidth capacity of the network to grow naturally with the number of clients connected.</a:t>
+            </a:r>
+            <a:endParaRPr b="0" lang="en-IN" sz="2000" spc="-1" strike="noStrike">
+              <a:latin typeface="Arial"/>
+            </a:endParaRPr>
+          </a:p>
+          <a:p>
+            <a:endParaRPr b="0" lang="en-IN" sz="2000" spc="-1" strike="noStrike">
+              <a:latin typeface="Arial"/>
+            </a:endParaRPr>
+          </a:p>
+          <a:p>
+            <a:r>
+              <a:rPr b="0" lang="en-IN" sz="2000" spc="-1" strike="noStrike">
+                <a:latin typeface="Arial"/>
+              </a:rPr>
+              <a:t>Tor is used by everyday ordinary Internet users who wish to avoid advertiser's behavioural targeting, citizen journalists in countries without safe access to media, law enforcement setting up anonymous tip lines, activists, and whistleblowers.</a:t>
+            </a:r>
+            <a:endParaRPr b="0" lang="en-IN" sz="2000" spc="-1" strike="noStrike">
+              <a:latin typeface="Arial"/>
+            </a:endParaRPr>
+          </a:p>
+          <a:p>
+            <a:endParaRPr b="0" lang="en-IN" sz="2000" spc="-1" strike="noStrike">
+              <a:latin typeface="Arial"/>
+            </a:endParaRPr>
+          </a:p>
+          <a:p>
+            <a:r>
+              <a:rPr b="0" lang="en-IN" sz="2000" spc="-1" strike="noStrike">
+                <a:latin typeface="Arial"/>
+              </a:rPr>
+              <a:t>Some more examples like bittorrent </a:t>
+            </a:r>
+            <a:endParaRPr b="0" lang="en-IN" sz="2000" spc="-1" strike="noStrike">
+              <a:latin typeface="Arial"/>
+            </a:endParaRPr>
+          </a:p>
+          <a:p>
+            <a:endParaRPr b="0" lang="en-IN" sz="2000" spc="-1" strike="noStrike">
+              <a:latin typeface="Arial"/>
+            </a:endParaRPr>
+          </a:p>
+          <a:p>
+            <a:r>
+              <a:rPr b="0" lang="en-IN" sz="2000" spc="-1" strike="noStrike">
+                <a:latin typeface="Arial"/>
+              </a:rPr>
+              <a:t> </a:t>
+            </a:r>
+            <a:endParaRPr b="0" lang="en-IN" sz="2000" spc="-1" strike="noStrike">
+              <a:latin typeface="Arial"/>
+            </a:endParaRPr>
+          </a:p>
+        </p:txBody>
+      </p:sp>
+    </p:spTree>
+  </p:cSld>
+</p:notes>
+</file>
+
+<file path=ppt/notesSlides/notesSlide9.xml><?xml version="1.0" encoding="utf-8"?>
+<p:notes xmlns:a="http://schemas.openxmlformats.org/drawingml/2006/main" xmlns:p="http://schemas.openxmlformats.org/presentationml/2006/main" xmlns:r="http://schemas.openxmlformats.org/officeDocument/2006/relationships" xmlns:p14="http://schemas.microsoft.com/office/powerpoint/2010/main" xmlns:p15="http://schemas.microsoft.com/office/powerpoint/2012/main" xmlns:mc="http://schemas.openxmlformats.org/markup-compatibility/2006">
+  <p:cSld>
+    <p:spTree>
+      <p:nvGrpSpPr>
+        <p:cNvPr id="1" name=""/>
+        <p:cNvGrpSpPr/>
+        <p:nvPr/>
+      </p:nvGrpSpPr>
+      <p:grpSpPr>
+        <a:xfrm>
+          <a:off x="0" y="0"/>
+          <a:ext cx="0" cy="0"/>
+          <a:chOff x="0" y="0"/>
+          <a:chExt cx="0" cy="0"/>
+        </a:xfrm>
+      </p:grpSpPr>
+      <p:sp>
+        <p:nvSpPr>
+          <p:cNvPr id="164" name="PlaceHolder 1"/>
+          <p:cNvSpPr>
+            <a:spLocks noGrp="1"/>
+          </p:cNvSpPr>
+          <p:nvPr>
+            <p:ph type="body"/>
+          </p:nvPr>
+        </p:nvSpPr>
+        <p:spPr>
+          <a:xfrm>
+            <a:off x="756000" y="5078520"/>
+            <a:ext cx="6047640" cy="4811040"/>
+          </a:xfrm>
+          <a:prstGeom prst="rect">
+            <a:avLst/>
+          </a:prstGeom>
+        </p:spPr>
+        <p:txBody>
+          <a:bodyPr lIns="0" rIns="0" tIns="0" bIns="0"/>
+          <a:p>
+            <a:r>
+              <a:rPr b="0" lang="en-IN" sz="2000" spc="-1" strike="noStrike">
+                <a:latin typeface="Arial"/>
+              </a:rPr>
+              <a:t>Flooded request model is used by Gnutella and requires a lot of bandwidth and so it is not efficient.</a:t>
+            </a:r>
+            <a:endParaRPr b="0" lang="en-IN" sz="2000" spc="-1" strike="noStrike">
+              <a:latin typeface="Arial"/>
+            </a:endParaRPr>
+          </a:p>
+        </p:txBody>
+      </p:sp>
+    </p:spTree>
+  </p:cSld>
+</p:notes>
 </file>
 
 <file path=ppt/slideLayouts/slideLayout1.xml><?xml version="1.0" encoding="utf-8"?>
@@ -4049,7 +4556,7 @@
         <p:spPr>
           <a:xfrm>
             <a:off x="0" y="0"/>
-            <a:ext cx="10079280" cy="5039280"/>
+            <a:ext cx="10078920" cy="5038920"/>
           </a:xfrm>
           <a:prstGeom prst="rect">
             <a:avLst/>
@@ -4080,23 +4587,24 @@
         </p:nvSpPr>
         <p:spPr>
           <a:xfrm>
-            <a:off x="2700000" y="2700000"/>
-            <a:ext cx="4679280" cy="2159280"/>
-          </a:xfrm>
-          <a:prstGeom prst="rect">
-            <a:avLst/>
-          </a:prstGeom>
-        </p:spPr>
-        <p:txBody>
-          <a:bodyPr lIns="0" rIns="0" tIns="0" bIns="0" anchor="ctr" anchorCtr="1"/>
-          <a:p>
+            <a:off x="504000" y="301320"/>
+            <a:ext cx="9072000" cy="1261800"/>
+          </a:xfrm>
+          <a:prstGeom prst="rect">
+            <a:avLst/>
+          </a:prstGeom>
+        </p:spPr>
+        <p:txBody>
+          <a:bodyPr lIns="0" rIns="0" tIns="0" bIns="0" anchor="ctr"/>
+          <a:p>
+            <a:pPr algn="ctr"/>
             <a:r>
-              <a:rPr b="0" lang="en-IN" sz="1800" spc="-1" strike="noStrike">
+              <a:rPr b="0" lang="en-IN" sz="4400" spc="-1" strike="noStrike">
                 <a:latin typeface="Arial"/>
               </a:rPr>
               <a:t>Click to edit the title text format</a:t>
             </a:r>
-            <a:endParaRPr b="0" lang="en-IN" sz="1800" spc="-1" strike="noStrike">
+            <a:endParaRPr b="0" lang="en-IN" sz="4400" spc="-1" strike="noStrike">
               <a:latin typeface="Arial"/>
             </a:endParaRPr>
           </a:p>
@@ -4114,8 +4622,8 @@
         </p:nvSpPr>
         <p:spPr>
           <a:xfrm>
-            <a:off x="3420000" y="5040000"/>
-            <a:ext cx="6299280" cy="2159280"/>
+            <a:off x="504000" y="1768680"/>
+            <a:ext cx="9072000" cy="4384080"/>
           </a:xfrm>
           <a:prstGeom prst="rect">
             <a:avLst/>
@@ -4138,12 +4646,12 @@
               <a:buChar char=""/>
             </a:pPr>
             <a:r>
-              <a:rPr b="0" lang="en-IN" sz="1800" spc="-1" strike="noStrike">
+              <a:rPr b="0" lang="en-IN" sz="3200" spc="-1" strike="noStrike">
                 <a:latin typeface="Arial"/>
               </a:rPr>
               <a:t>Click to edit the outline text format</a:t>
             </a:r>
-            <a:endParaRPr b="0" lang="en-IN" sz="1800" spc="-1" strike="noStrike">
+            <a:endParaRPr b="0" lang="en-IN" sz="3200" spc="-1" strike="noStrike">
               <a:latin typeface="Arial"/>
             </a:endParaRPr>
           </a:p>
@@ -4160,12 +4668,12 @@
               <a:buChar char=""/>
             </a:pPr>
             <a:r>
-              <a:rPr b="0" lang="en-IN" sz="1800" spc="-1" strike="noStrike">
+              <a:rPr b="0" lang="en-IN" sz="2800" spc="-1" strike="noStrike">
                 <a:latin typeface="Arial"/>
               </a:rPr>
               <a:t>Second Outline Level</a:t>
             </a:r>
-            <a:endParaRPr b="0" lang="en-IN" sz="1800" spc="-1" strike="noStrike">
+            <a:endParaRPr b="0" lang="en-IN" sz="2800" spc="-1" strike="noStrike">
               <a:latin typeface="Arial"/>
             </a:endParaRPr>
           </a:p>
@@ -4182,12 +4690,12 @@
               <a:buChar char=""/>
             </a:pPr>
             <a:r>
-              <a:rPr b="0" lang="en-IN" sz="1800" spc="-1" strike="noStrike">
+              <a:rPr b="0" lang="en-IN" sz="2400" spc="-1" strike="noStrike">
                 <a:latin typeface="Arial"/>
               </a:rPr>
               <a:t>Third Outline Level</a:t>
             </a:r>
-            <a:endParaRPr b="0" lang="en-IN" sz="1800" spc="-1" strike="noStrike">
+            <a:endParaRPr b="0" lang="en-IN" sz="2400" spc="-1" strike="noStrike">
               <a:latin typeface="Arial"/>
             </a:endParaRPr>
           </a:p>
@@ -4204,12 +4712,12 @@
               <a:buChar char=""/>
             </a:pPr>
             <a:r>
-              <a:rPr b="0" lang="en-IN" sz="1800" spc="-1" strike="noStrike">
+              <a:rPr b="0" lang="en-IN" sz="2000" spc="-1" strike="noStrike">
                 <a:latin typeface="Arial"/>
               </a:rPr>
               <a:t>Fourth Outline Level</a:t>
             </a:r>
-            <a:endParaRPr b="0" lang="en-IN" sz="1800" spc="-1" strike="noStrike">
+            <a:endParaRPr b="0" lang="en-IN" sz="2000" spc="-1" strike="noStrike">
               <a:latin typeface="Arial"/>
             </a:endParaRPr>
           </a:p>
@@ -4226,12 +4734,12 @@
               <a:buChar char=""/>
             </a:pPr>
             <a:r>
-              <a:rPr b="0" lang="en-IN" sz="1800" spc="-1" strike="noStrike">
+              <a:rPr b="0" lang="en-IN" sz="2000" spc="-1" strike="noStrike">
                 <a:latin typeface="Arial"/>
               </a:rPr>
               <a:t>Fifth Outline Level</a:t>
             </a:r>
-            <a:endParaRPr b="0" lang="en-IN" sz="1800" spc="-1" strike="noStrike">
+            <a:endParaRPr b="0" lang="en-IN" sz="2000" spc="-1" strike="noStrike">
               <a:latin typeface="Arial"/>
             </a:endParaRPr>
           </a:p>
@@ -4248,12 +4756,12 @@
               <a:buChar char=""/>
             </a:pPr>
             <a:r>
-              <a:rPr b="0" lang="en-IN" sz="1800" spc="-1" strike="noStrike">
+              <a:rPr b="0" lang="en-IN" sz="2000" spc="-1" strike="noStrike">
                 <a:latin typeface="Arial"/>
               </a:rPr>
               <a:t>Sixth Outline Level</a:t>
             </a:r>
-            <a:endParaRPr b="0" lang="en-IN" sz="1800" spc="-1" strike="noStrike">
+            <a:endParaRPr b="0" lang="en-IN" sz="2000" spc="-1" strike="noStrike">
               <a:latin typeface="Arial"/>
             </a:endParaRPr>
           </a:p>
@@ -4270,12 +4778,12 @@
               <a:buChar char=""/>
             </a:pPr>
             <a:r>
-              <a:rPr b="0" lang="en-IN" sz="1800" spc="-1" strike="noStrike">
+              <a:rPr b="0" lang="en-IN" sz="2000" spc="-1" strike="noStrike">
                 <a:latin typeface="Arial"/>
               </a:rPr>
               <a:t>Seventh Outline Level</a:t>
             </a:r>
-            <a:endParaRPr b="0" lang="en-IN" sz="1800" spc="-1" strike="noStrike">
+            <a:endParaRPr b="0" lang="en-IN" sz="2000" spc="-1" strike="noStrike">
               <a:latin typeface="Arial"/>
             </a:endParaRPr>
           </a:p>
@@ -4327,7 +4835,7 @@
         <p:spPr>
           <a:xfrm>
             <a:off x="0" y="7200000"/>
-            <a:ext cx="10079280" cy="359280"/>
+            <a:ext cx="10078920" cy="358920"/>
           </a:xfrm>
           <a:prstGeom prst="rect">
             <a:avLst/>
@@ -4355,7 +4863,7 @@
         <p:spPr>
           <a:xfrm>
             <a:off x="0" y="0"/>
-            <a:ext cx="10079280" cy="1619280"/>
+            <a:ext cx="10078920" cy="1618920"/>
           </a:xfrm>
           <a:prstGeom prst="rect">
             <a:avLst/>
@@ -4383,7 +4891,7 @@
         <p:spPr>
           <a:xfrm>
             <a:off x="9270000" y="6894000"/>
-            <a:ext cx="539280" cy="539280"/>
+            <a:ext cx="538920" cy="538920"/>
           </a:xfrm>
           <a:prstGeom prst="ellipse">
             <a:avLst/>
@@ -4669,7 +5177,7 @@
         <p:spPr>
           <a:xfrm>
             <a:off x="2520000" y="2520000"/>
-            <a:ext cx="5039280" cy="2519280"/>
+            <a:ext cx="5038920" cy="2518920"/>
           </a:xfrm>
           <a:prstGeom prst="wedgeRectCallout">
             <a:avLst>
@@ -4944,14 +5452,14 @@
       </p:grpSpPr>
       <p:sp>
         <p:nvSpPr>
-          <p:cNvPr id="119" name="CustomShape 1"/>
+          <p:cNvPr id="124" name="CustomShape 1"/>
           <p:cNvSpPr/>
           <p:nvPr/>
         </p:nvSpPr>
         <p:spPr>
           <a:xfrm>
             <a:off x="360000" y="3780000"/>
-            <a:ext cx="9359280" cy="957960"/>
+            <a:ext cx="9358920" cy="957600"/>
           </a:xfrm>
           <a:prstGeom prst="rect">
             <a:avLst/>
@@ -4993,14 +5501,14 @@
       </p:sp>
       <p:sp>
         <p:nvSpPr>
-          <p:cNvPr id="120" name="CustomShape 2"/>
+          <p:cNvPr id="125" name="CustomShape 2"/>
           <p:cNvSpPr/>
           <p:nvPr/>
         </p:nvSpPr>
         <p:spPr>
           <a:xfrm>
             <a:off x="360000" y="5220000"/>
-            <a:ext cx="9359280" cy="1979280"/>
+            <a:ext cx="9358920" cy="1978920"/>
           </a:xfrm>
           <a:prstGeom prst="rect">
             <a:avLst/>
@@ -5056,7 +5564,7 @@
                                           </p:stCondLst>
                                         </p:cTn>
                                         <p:tgtEl>
-                                          <p:spTgt spid="119">
+                                          <p:spTgt spid="124">
                                             <p:txEl>
                                               <p:pRg st="0" end="24"/>
                                             </p:txEl>
@@ -5074,7 +5582,7 @@
                                       <p:cBhvr additive="repl">
                                         <p:cTn id="7" dur="1000"/>
                                         <p:tgtEl>
-                                          <p:spTgt spid="119">
+                                          <p:spTgt spid="124">
                                             <p:txEl>
                                               <p:pRg st="0" end="24"/>
                                             </p:txEl>
@@ -5116,6 +5624,1319 @@
 </p:sld>
 </file>
 
+<file path=ppt/slides/slide10.xml><?xml version="1.0" encoding="utf-8"?>
+<p:sld xmlns:a="http://schemas.openxmlformats.org/drawingml/2006/main" xmlns:p="http://schemas.openxmlformats.org/presentationml/2006/main" xmlns:r="http://schemas.openxmlformats.org/officeDocument/2006/relationships" xmlns:p14="http://schemas.microsoft.com/office/powerpoint/2010/main" xmlns:p15="http://schemas.microsoft.com/office/powerpoint/2012/main" xmlns:mc="http://schemas.openxmlformats.org/markup-compatibility/2006">
+  <p:cSld>
+    <p:spTree>
+      <p:nvGrpSpPr>
+        <p:cNvPr id="1" name=""/>
+        <p:cNvGrpSpPr/>
+        <p:nvPr/>
+      </p:nvGrpSpPr>
+      <p:grpSpPr>
+        <a:xfrm>
+          <a:off x="0" y="0"/>
+          <a:ext cx="0" cy="0"/>
+          <a:chOff x="0" y="0"/>
+          <a:chExt cx="0" cy="0"/>
+        </a:xfrm>
+      </p:grpSpPr>
+      <p:sp>
+        <p:nvSpPr>
+          <p:cNvPr id="155" name="CustomShape 1"/>
+          <p:cNvSpPr/>
+          <p:nvPr/>
+        </p:nvSpPr>
+        <p:spPr>
+          <a:xfrm>
+            <a:off x="360000" y="301320"/>
+            <a:ext cx="9358920" cy="957600"/>
+          </a:xfrm>
+          <a:prstGeom prst="rect">
+            <a:avLst/>
+          </a:prstGeom>
+          <a:noFill/>
+          <a:ln>
+            <a:noFill/>
+          </a:ln>
+        </p:spPr>
+        <p:style>
+          <a:lnRef idx="0"/>
+          <a:fillRef idx="0"/>
+          <a:effectRef idx="0"/>
+          <a:fontRef idx="minor"/>
+        </p:style>
+        <p:txBody>
+          <a:bodyPr lIns="0" rIns="0" tIns="0" bIns="0" anchor="ctr"/>
+          <a:p>
+            <a:pPr algn="ctr">
+              <a:lnSpc>
+                <a:spcPct val="100000"/>
+              </a:lnSpc>
+            </a:pPr>
+            <a:r>
+              <a:rPr b="1" lang="en-IN" sz="3600" spc="-1" strike="noStrike">
+                <a:solidFill>
+                  <a:srgbClr val="ffffff"/>
+                </a:solidFill>
+                <a:latin typeface="Roboto"/>
+                <a:ea typeface="DejaVu Sans"/>
+              </a:rPr>
+              <a:t>Algorithms</a:t>
+            </a:r>
+            <a:endParaRPr b="0" lang="en-IN" sz="3600" spc="-1" strike="noStrike">
+              <a:latin typeface="Arial"/>
+            </a:endParaRPr>
+          </a:p>
+        </p:txBody>
+      </p:sp>
+      <p:sp>
+        <p:nvSpPr>
+          <p:cNvPr id="156" name="CustomShape 2"/>
+          <p:cNvSpPr/>
+          <p:nvPr/>
+        </p:nvSpPr>
+        <p:spPr>
+          <a:xfrm>
+            <a:off x="360000" y="1980000"/>
+            <a:ext cx="9358920" cy="5038920"/>
+          </a:xfrm>
+          <a:prstGeom prst="rect">
+            <a:avLst/>
+          </a:prstGeom>
+          <a:noFill/>
+          <a:ln>
+            <a:noFill/>
+          </a:ln>
+        </p:spPr>
+        <p:style>
+          <a:lnRef idx="0"/>
+          <a:fillRef idx="0"/>
+          <a:effectRef idx="0"/>
+          <a:fontRef idx="minor"/>
+        </p:style>
+        <p:txBody>
+          <a:bodyPr lIns="0" rIns="0" tIns="0" bIns="0">
+            <a:normAutofit/>
+          </a:bodyPr>
+          <a:p>
+            <a:pPr marL="432000" indent="-322920">
+              <a:lnSpc>
+                <a:spcPct val="100000"/>
+              </a:lnSpc>
+              <a:spcAft>
+                <a:spcPts val="1414"/>
+              </a:spcAft>
+              <a:buClr>
+                <a:srgbClr val="2c3e50"/>
+              </a:buClr>
+              <a:buSzPct val="45000"/>
+              <a:buFont typeface="Wingdings" charset="2"/>
+              <a:buChar char=""/>
+            </a:pPr>
+            <a:r>
+              <a:rPr b="0" lang="en-IN" sz="2000" spc="-1" strike="noStrike">
+                <a:solidFill>
+                  <a:srgbClr val="2c3e50"/>
+                </a:solidFill>
+                <a:latin typeface="Source Sans Pro Semibold"/>
+                <a:ea typeface="DejaVu Sans"/>
+              </a:rPr>
+              <a:t>Document Routing Model:</a:t>
+            </a:r>
+            <a:endParaRPr b="0" lang="en-IN" sz="2000" spc="-1" strike="noStrike">
+              <a:latin typeface="Arial"/>
+            </a:endParaRPr>
+          </a:p>
+          <a:p>
+            <a:pPr lvl="6" marL="1512000" indent="-216000">
+              <a:lnSpc>
+                <a:spcPct val="100000"/>
+              </a:lnSpc>
+              <a:spcAft>
+                <a:spcPts val="1414"/>
+              </a:spcAft>
+              <a:buClr>
+                <a:srgbClr val="000000"/>
+              </a:buClr>
+              <a:buSzPct val="45000"/>
+              <a:buFont typeface="Wingdings" charset="2"/>
+              <a:buChar char=""/>
+            </a:pPr>
+            <a:r>
+              <a:rPr b="0" lang="en-IN" sz="2000" spc="-1" strike="noStrike">
+                <a:solidFill>
+                  <a:srgbClr val="2c3e50"/>
+                </a:solidFill>
+                <a:latin typeface="Source Sans Pro Semibold"/>
+                <a:ea typeface="DejaVu Sans"/>
+              </a:rPr>
+              <a:t> </a:t>
+            </a:r>
+            <a:r>
+              <a:rPr b="0" lang="en-IN" sz="2000" spc="-1" strike="noStrike">
+                <a:solidFill>
+                  <a:srgbClr val="2c3e50"/>
+                </a:solidFill>
+                <a:latin typeface="Source Sans Pro Semibold"/>
+                <a:ea typeface="DejaVu Sans"/>
+              </a:rPr>
+              <a:t>The document routing model, used by FreeNet, is the most recent approach. Each peer from the network is assigned a random ID and each peer also knows a given number of peers. When a document is published (shared) on such a system, an ID is assigned to the document based on a hash of the document’s contents and its name.</a:t>
+            </a:r>
+            <a:endParaRPr b="0" lang="en-IN" sz="2000" spc="-1" strike="noStrike">
+              <a:latin typeface="Arial"/>
+            </a:endParaRPr>
+          </a:p>
+          <a:p>
+            <a:pPr marL="432000" indent="-322920">
+              <a:lnSpc>
+                <a:spcPct val="100000"/>
+              </a:lnSpc>
+              <a:spcAft>
+                <a:spcPts val="1414"/>
+              </a:spcAft>
+              <a:buClr>
+                <a:srgbClr val="2c3e50"/>
+              </a:buClr>
+              <a:buSzPct val="45000"/>
+              <a:buFont typeface="Wingdings" charset="2"/>
+              <a:buChar char=""/>
+            </a:pPr>
+            <a:endParaRPr b="0" lang="en-IN" sz="2000" spc="-1" strike="noStrike">
+              <a:latin typeface="Arial"/>
+            </a:endParaRPr>
+          </a:p>
+          <a:p>
+            <a:pPr lvl="6" marL="1512000" indent="-216000">
+              <a:lnSpc>
+                <a:spcPct val="100000"/>
+              </a:lnSpc>
+              <a:spcAft>
+                <a:spcPts val="1414"/>
+              </a:spcAft>
+              <a:buClr>
+                <a:srgbClr val="000000"/>
+              </a:buClr>
+              <a:buSzPct val="45000"/>
+              <a:buFont typeface="Wingdings" charset="2"/>
+              <a:buChar char=""/>
+            </a:pPr>
+            <a:endParaRPr b="0" lang="en-IN" sz="2000" spc="-1" strike="noStrike">
+              <a:latin typeface="Arial"/>
+            </a:endParaRPr>
+          </a:p>
+          <a:p>
+            <a:pPr>
+              <a:lnSpc>
+                <a:spcPct val="100000"/>
+              </a:lnSpc>
+              <a:spcAft>
+                <a:spcPts val="1414"/>
+              </a:spcAft>
+            </a:pPr>
+            <a:endParaRPr b="0" lang="en-IN" sz="2000" spc="-1" strike="noStrike">
+              <a:latin typeface="Arial"/>
+            </a:endParaRPr>
+          </a:p>
+        </p:txBody>
+      </p:sp>
+      <p:pic>
+        <p:nvPicPr>
+          <p:cNvPr id="157" name="" descr=""/>
+          <p:cNvPicPr/>
+          <p:nvPr/>
+        </p:nvPicPr>
+        <p:blipFill>
+          <a:blip r:embed="rId1"/>
+          <a:stretch/>
+        </p:blipFill>
+        <p:spPr>
+          <a:xfrm>
+            <a:off x="2808000" y="4248000"/>
+            <a:ext cx="4467240" cy="2390400"/>
+          </a:xfrm>
+          <a:prstGeom prst="rect">
+            <a:avLst/>
+          </a:prstGeom>
+          <a:ln>
+            <a:noFill/>
+          </a:ln>
+        </p:spPr>
+      </p:pic>
+    </p:spTree>
+  </p:cSld>
+  <p:transition spd="med">
+    <p:wipe dir="u"/>
+  </p:transition>
+  <p:timing>
+    <p:tnLst>
+      <p:par>
+        <p:cTn id="241" dur="indefinite" restart="never" nodeType="tmRoot">
+          <p:childTnLst>
+            <p:seq>
+              <p:cTn id="242" nodeType="mainSeq">
+                <p:childTnLst>
+                  <p:par>
+                    <p:cTn id="243" fill="freeze">
+                      <p:stCondLst>
+                        <p:cond delay="indefinite"/>
+                      </p:stCondLst>
+                      <p:childTnLst>
+                        <p:par>
+                          <p:cTn id="244" fill="freeze">
+                            <p:stCondLst>
+                              <p:cond delay="0"/>
+                            </p:stCondLst>
+                            <p:childTnLst>
+                              <p:par>
+                                <p:cTn id="245" nodeType="clickEffect" fill="hold" presetClass="entr" presetID="10">
+                                  <p:stCondLst>
+                                    <p:cond delay="0"/>
+                                  </p:stCondLst>
+                                  <p:childTnLst>
+                                    <p:set>
+                                      <p:cBhvr>
+                                        <p:cTn id="246" dur="0" fill="hold">
+                                          <p:stCondLst>
+                                            <p:cond delay="0"/>
+                                          </p:stCondLst>
+                                        </p:cTn>
+                                        <p:tgtEl>
+                                          <p:spTgt spid="155">
+                                            <p:txEl>
+                                              <p:pRg st="0" end="11"/>
+                                            </p:txEl>
+                                          </p:spTgt>
+                                        </p:tgtEl>
+                                        <p:attrNameLst>
+                                          <p:attrName>style.visibility</p:attrName>
+                                        </p:attrNameLst>
+                                      </p:cBhvr>
+                                      <p:to>
+                                        <p:strVal val="visible"/>
+                                      </p:to>
+                                    </p:set>
+                                    <p:animEffect filter="fade" transition="in">
+                                      <p:cBhvr additive="repl">
+                                        <p:cTn id="247" dur="1000"/>
+                                        <p:tgtEl>
+                                          <p:spTgt spid="155">
+                                            <p:txEl>
+                                              <p:pRg st="0" end="11"/>
+                                            </p:txEl>
+                                          </p:spTgt>
+                                        </p:tgtEl>
+                                      </p:cBhvr>
+                                    </p:animEffect>
+                                  </p:childTnLst>
+                                </p:cTn>
+                              </p:par>
+                            </p:childTnLst>
+                          </p:cTn>
+                        </p:par>
+                      </p:childTnLst>
+                    </p:cTn>
+                  </p:par>
+                  <p:par>
+                    <p:cTn id="248" fill="freeze">
+                      <p:stCondLst>
+                        <p:cond delay="indefinite"/>
+                      </p:stCondLst>
+                      <p:childTnLst>
+                        <p:par>
+                          <p:cTn id="249" fill="freeze">
+                            <p:stCondLst>
+                              <p:cond delay="0"/>
+                            </p:stCondLst>
+                            <p:childTnLst>
+                              <p:par>
+                                <p:cTn id="250" nodeType="clickEffect" fill="hold" presetClass="entr" presetID="5" presetSubtype="10">
+                                  <p:stCondLst>
+                                    <p:cond delay="0"/>
+                                  </p:stCondLst>
+                                  <p:childTnLst>
+                                    <p:set>
+                                      <p:cBhvr>
+                                        <p:cTn id="251" dur="2" fill="hold">
+                                          <p:stCondLst>
+                                            <p:cond delay="0"/>
+                                          </p:stCondLst>
+                                        </p:cTn>
+                                        <p:tgtEl>
+                                          <p:spTgt spid="156">
+                                            <p:txEl>
+                                              <p:pRg st="0" end="24"/>
+                                            </p:txEl>
+                                          </p:spTgt>
+                                        </p:tgtEl>
+                                        <p:attrNameLst>
+                                          <p:attrName>style.visibility</p:attrName>
+                                        </p:attrNameLst>
+                                      </p:cBhvr>
+                                      <p:to>
+                                        <p:strVal val="visible"/>
+                                      </p:to>
+                                    </p:set>
+                                    <p:animEffect filter="checkerboard(across)" transition="in">
+                                      <p:cBhvr additive="repl">
+                                        <p:cTn id="252" dur="1000"/>
+                                        <p:tgtEl>
+                                          <p:spTgt spid="156">
+                                            <p:txEl>
+                                              <p:pRg st="0" end="24"/>
+                                            </p:txEl>
+                                          </p:spTgt>
+                                        </p:tgtEl>
+                                      </p:cBhvr>
+                                    </p:animEffect>
+                                  </p:childTnLst>
+                                </p:cTn>
+                              </p:par>
+                            </p:childTnLst>
+                          </p:cTn>
+                        </p:par>
+                      </p:childTnLst>
+                    </p:cTn>
+                  </p:par>
+                  <p:par>
+                    <p:cTn id="253" fill="freeze">
+                      <p:stCondLst>
+                        <p:cond delay="indefinite"/>
+                      </p:stCondLst>
+                      <p:childTnLst>
+                        <p:par>
+                          <p:cTn id="254" fill="freeze">
+                            <p:stCondLst>
+                              <p:cond delay="0"/>
+                            </p:stCondLst>
+                            <p:childTnLst>
+                              <p:par>
+                                <p:cTn id="255" nodeType="clickEffect" fill="hold" presetClass="entr" presetID="4" presetSubtype="16">
+                                  <p:stCondLst>
+                                    <p:cond delay="0"/>
+                                  </p:stCondLst>
+                                  <p:childTnLst>
+                                    <p:set>
+                                      <p:cBhvr>
+                                        <p:cTn id="256" dur="2" fill="hold">
+                                          <p:stCondLst>
+                                            <p:cond delay="0"/>
+                                          </p:stCondLst>
+                                        </p:cTn>
+                                        <p:tgtEl>
+                                          <p:spTgt spid="156">
+                                            <p:txEl>
+                                              <p:pRg st="24" end="347"/>
+                                            </p:txEl>
+                                          </p:spTgt>
+                                        </p:tgtEl>
+                                        <p:attrNameLst>
+                                          <p:attrName>style.visibility</p:attrName>
+                                        </p:attrNameLst>
+                                      </p:cBhvr>
+                                      <p:to>
+                                        <p:strVal val="visible"/>
+                                      </p:to>
+                                    </p:set>
+                                    <p:animEffect filter="box(in)" transition="out">
+                                      <p:cBhvr additive="repl">
+                                        <p:cTn id="257" dur="1000"/>
+                                        <p:tgtEl>
+                                          <p:spTgt spid="156">
+                                            <p:txEl>
+                                              <p:pRg st="24" end="347"/>
+                                            </p:txEl>
+                                          </p:spTgt>
+                                        </p:tgtEl>
+                                      </p:cBhvr>
+                                    </p:animEffect>
+                                  </p:childTnLst>
+                                </p:cTn>
+                              </p:par>
+                            </p:childTnLst>
+                          </p:cTn>
+                        </p:par>
+                      </p:childTnLst>
+                    </p:cTn>
+                  </p:par>
+                  <p:par>
+                    <p:cTn id="258" fill="freeze">
+                      <p:stCondLst>
+                        <p:cond delay="indefinite"/>
+                      </p:stCondLst>
+                      <p:childTnLst>
+                        <p:par>
+                          <p:cTn id="259" fill="freeze">
+                            <p:stCondLst>
+                              <p:cond delay="0"/>
+                            </p:stCondLst>
+                            <p:childTnLst>
+                              <p:par>
+                                <p:cTn id="260" nodeType="clickEffect" fill="hold" presetClass="entr" presetID="3" presetSubtype="10">
+                                  <p:stCondLst>
+                                    <p:cond delay="0"/>
+                                  </p:stCondLst>
+                                  <p:childTnLst>
+                                    <p:set>
+                                      <p:cBhvr>
+                                        <p:cTn id="261" dur="1" fill="hold">
+                                          <p:stCondLst>
+                                            <p:cond delay="0"/>
+                                          </p:stCondLst>
+                                        </p:cTn>
+                                        <p:tgtEl>
+                                          <p:spTgt spid="157"/>
+                                        </p:tgtEl>
+                                        <p:attrNameLst>
+                                          <p:attrName>style.visibility</p:attrName>
+                                        </p:attrNameLst>
+                                      </p:cBhvr>
+                                      <p:to>
+                                        <p:strVal val="visible"/>
+                                      </p:to>
+                                    </p:set>
+                                    <p:animEffect filter="blinds(horizontal)" transition="in">
+                                      <p:cBhvr additive="repl">
+                                        <p:cTn id="262" dur="500"/>
+                                        <p:tgtEl>
+                                          <p:spTgt spid="157"/>
+                                        </p:tgtEl>
+                                      </p:cBhvr>
+                                    </p:animEffect>
+                                  </p:childTnLst>
+                                </p:cTn>
+                              </p:par>
+                            </p:childTnLst>
+                          </p:cTn>
+                        </p:par>
+                      </p:childTnLst>
+                    </p:cTn>
+                  </p:par>
+                </p:childTnLst>
+              </p:cTn>
+              <p:prevCondLst>
+                <p:cond delay="0" evt="onPrev">
+                  <p:tgtEl>
+                    <p:sldTgt/>
+                  </p:tgtEl>
+                </p:cond>
+              </p:prevCondLst>
+              <p:nextCondLst>
+                <p:cond delay="0" evt="onNext">
+                  <p:tgtEl>
+                    <p:sldTgt/>
+                  </p:tgtEl>
+                </p:cond>
+              </p:nextCondLst>
+            </p:seq>
+          </p:childTnLst>
+        </p:cTn>
+      </p:par>
+    </p:tnLst>
+  </p:timing>
+</p:sld>
+</file>
+
+<file path=ppt/slides/slide11.xml><?xml version="1.0" encoding="utf-8"?>
+<p:sld xmlns:a="http://schemas.openxmlformats.org/drawingml/2006/main" xmlns:p="http://schemas.openxmlformats.org/presentationml/2006/main" xmlns:r="http://schemas.openxmlformats.org/officeDocument/2006/relationships" xmlns:p14="http://schemas.microsoft.com/office/powerpoint/2010/main" xmlns:p15="http://schemas.microsoft.com/office/powerpoint/2012/main" xmlns:mc="http://schemas.openxmlformats.org/markup-compatibility/2006">
+  <p:cSld>
+    <p:spTree>
+      <p:nvGrpSpPr>
+        <p:cNvPr id="1" name=""/>
+        <p:cNvGrpSpPr/>
+        <p:nvPr/>
+      </p:nvGrpSpPr>
+      <p:grpSpPr>
+        <a:xfrm>
+          <a:off x="0" y="0"/>
+          <a:ext cx="0" cy="0"/>
+          <a:chOff x="0" y="0"/>
+          <a:chExt cx="0" cy="0"/>
+        </a:xfrm>
+      </p:grpSpPr>
+      <p:sp>
+        <p:nvSpPr>
+          <p:cNvPr id="158" name="CustomShape 1"/>
+          <p:cNvSpPr/>
+          <p:nvPr/>
+        </p:nvSpPr>
+        <p:spPr>
+          <a:xfrm>
+            <a:off x="360000" y="301320"/>
+            <a:ext cx="9358920" cy="957600"/>
+          </a:xfrm>
+          <a:prstGeom prst="rect">
+            <a:avLst/>
+          </a:prstGeom>
+          <a:noFill/>
+          <a:ln>
+            <a:noFill/>
+          </a:ln>
+        </p:spPr>
+        <p:style>
+          <a:lnRef idx="0"/>
+          <a:fillRef idx="0"/>
+          <a:effectRef idx="0"/>
+          <a:fontRef idx="minor"/>
+        </p:style>
+        <p:txBody>
+          <a:bodyPr lIns="0" rIns="0" tIns="0" bIns="0" anchor="ctr"/>
+          <a:p>
+            <a:pPr algn="ctr">
+              <a:lnSpc>
+                <a:spcPct val="100000"/>
+              </a:lnSpc>
+            </a:pPr>
+            <a:r>
+              <a:rPr b="1" lang="en-IN" sz="3600" spc="-1" strike="noStrike">
+                <a:solidFill>
+                  <a:srgbClr val="ffffff"/>
+                </a:solidFill>
+                <a:latin typeface="Roboto"/>
+                <a:ea typeface="DejaVu Sans"/>
+              </a:rPr>
+              <a:t>Advantages</a:t>
+            </a:r>
+            <a:endParaRPr b="0" lang="en-IN" sz="3600" spc="-1" strike="noStrike">
+              <a:latin typeface="Arial"/>
+            </a:endParaRPr>
+          </a:p>
+        </p:txBody>
+      </p:sp>
+      <p:sp>
+        <p:nvSpPr>
+          <p:cNvPr id="159" name="CustomShape 2"/>
+          <p:cNvSpPr/>
+          <p:nvPr/>
+        </p:nvSpPr>
+        <p:spPr>
+          <a:xfrm>
+            <a:off x="360000" y="1980000"/>
+            <a:ext cx="9358920" cy="5038920"/>
+          </a:xfrm>
+          <a:prstGeom prst="rect">
+            <a:avLst/>
+          </a:prstGeom>
+          <a:noFill/>
+          <a:ln>
+            <a:noFill/>
+          </a:ln>
+        </p:spPr>
+        <p:style>
+          <a:lnRef idx="0"/>
+          <a:fillRef idx="0"/>
+          <a:effectRef idx="0"/>
+          <a:fontRef idx="minor"/>
+        </p:style>
+        <p:txBody>
+          <a:bodyPr lIns="0" rIns="0" tIns="0" bIns="0">
+            <a:normAutofit/>
+          </a:bodyPr>
+          <a:p>
+            <a:pPr marL="432000" indent="-322920">
+              <a:lnSpc>
+                <a:spcPct val="100000"/>
+              </a:lnSpc>
+              <a:spcAft>
+                <a:spcPts val="1414"/>
+              </a:spcAft>
+              <a:buClr>
+                <a:srgbClr val="2c3e50"/>
+              </a:buClr>
+              <a:buSzPct val="45000"/>
+              <a:buFont typeface="Wingdings" charset="2"/>
+              <a:buChar char=""/>
+            </a:pPr>
+            <a:r>
+              <a:rPr b="0" lang="en-IN" sz="2000" spc="-1" strike="noStrike">
+                <a:solidFill>
+                  <a:srgbClr val="2c3e50"/>
+                </a:solidFill>
+                <a:latin typeface="Source Sans Pro Semibold"/>
+                <a:ea typeface="DejaVu Sans"/>
+              </a:rPr>
+              <a:t>Each peer acts as a client as well as a server. Due to this, there is minimum load.</a:t>
+            </a:r>
+            <a:endParaRPr b="0" lang="en-IN" sz="2000" spc="-1" strike="noStrike">
+              <a:latin typeface="Arial"/>
+            </a:endParaRPr>
+          </a:p>
+          <a:p>
+            <a:pPr marL="432000" indent="-322920">
+              <a:lnSpc>
+                <a:spcPct val="100000"/>
+              </a:lnSpc>
+              <a:spcAft>
+                <a:spcPts val="1414"/>
+              </a:spcAft>
+              <a:buClr>
+                <a:srgbClr val="2c3e50"/>
+              </a:buClr>
+              <a:buSzPct val="45000"/>
+              <a:buFont typeface="Wingdings" charset="2"/>
+              <a:buChar char=""/>
+            </a:pPr>
+            <a:endParaRPr b="0" lang="en-IN" sz="2000" spc="-1" strike="noStrike">
+              <a:latin typeface="Arial"/>
+            </a:endParaRPr>
+          </a:p>
+          <a:p>
+            <a:pPr marL="432000" indent="-322920">
+              <a:lnSpc>
+                <a:spcPct val="100000"/>
+              </a:lnSpc>
+              <a:spcAft>
+                <a:spcPts val="1414"/>
+              </a:spcAft>
+              <a:buClr>
+                <a:srgbClr val="2c3e50"/>
+              </a:buClr>
+              <a:buSzPct val="45000"/>
+              <a:buFont typeface="Wingdings" charset="2"/>
+              <a:buChar char=""/>
+            </a:pPr>
+            <a:endParaRPr b="0" lang="en-IN" sz="2000" spc="-1" strike="noStrike">
+              <a:latin typeface="Arial"/>
+            </a:endParaRPr>
+          </a:p>
+          <a:p>
+            <a:pPr marL="432000" indent="-322920">
+              <a:lnSpc>
+                <a:spcPct val="100000"/>
+              </a:lnSpc>
+              <a:spcAft>
+                <a:spcPts val="1414"/>
+              </a:spcAft>
+              <a:buClr>
+                <a:srgbClr val="2c3e50"/>
+              </a:buClr>
+              <a:buSzPct val="45000"/>
+              <a:buFont typeface="Wingdings" charset="2"/>
+              <a:buChar char=""/>
+            </a:pPr>
+            <a:endParaRPr b="0" lang="en-IN" sz="2000" spc="-1" strike="noStrike">
+              <a:latin typeface="Arial"/>
+            </a:endParaRPr>
+          </a:p>
+          <a:p>
+            <a:pPr marL="432000" indent="-322920">
+              <a:lnSpc>
+                <a:spcPct val="100000"/>
+              </a:lnSpc>
+              <a:spcAft>
+                <a:spcPts val="1414"/>
+              </a:spcAft>
+              <a:buClr>
+                <a:srgbClr val="2c3e50"/>
+              </a:buClr>
+              <a:buSzPct val="45000"/>
+              <a:buFont typeface="Wingdings" charset="2"/>
+              <a:buChar char=""/>
+            </a:pPr>
+            <a:endParaRPr b="0" lang="en-IN" sz="2000" spc="-1" strike="noStrike">
+              <a:latin typeface="Arial"/>
+            </a:endParaRPr>
+          </a:p>
+          <a:p>
+            <a:pPr marL="432000" indent="-322920">
+              <a:lnSpc>
+                <a:spcPct val="100000"/>
+              </a:lnSpc>
+              <a:spcAft>
+                <a:spcPts val="1414"/>
+              </a:spcAft>
+              <a:buClr>
+                <a:srgbClr val="2c3e50"/>
+              </a:buClr>
+              <a:buSzPct val="45000"/>
+              <a:buFont typeface="Wingdings" charset="2"/>
+              <a:buChar char=""/>
+            </a:pPr>
+            <a:endParaRPr b="0" lang="en-IN" sz="2000" spc="-1" strike="noStrike">
+              <a:latin typeface="Arial"/>
+            </a:endParaRPr>
+          </a:p>
+          <a:p>
+            <a:pPr marL="432000" indent="-322920">
+              <a:lnSpc>
+                <a:spcPct val="100000"/>
+              </a:lnSpc>
+              <a:spcAft>
+                <a:spcPts val="1414"/>
+              </a:spcAft>
+              <a:buClr>
+                <a:srgbClr val="2c3e50"/>
+              </a:buClr>
+              <a:buSzPct val="45000"/>
+              <a:buFont typeface="Wingdings" charset="2"/>
+              <a:buChar char=""/>
+            </a:pPr>
+            <a:endParaRPr b="0" lang="en-IN" sz="2000" spc="-1" strike="noStrike">
+              <a:latin typeface="Arial"/>
+            </a:endParaRPr>
+          </a:p>
+          <a:p>
+            <a:pPr marL="432000" indent="-322920">
+              <a:lnSpc>
+                <a:spcPct val="100000"/>
+              </a:lnSpc>
+              <a:spcAft>
+                <a:spcPts val="1414"/>
+              </a:spcAft>
+              <a:buClr>
+                <a:srgbClr val="2c3e50"/>
+              </a:buClr>
+              <a:buSzPct val="45000"/>
+              <a:buFont typeface="Wingdings" charset="2"/>
+              <a:buChar char=""/>
+            </a:pPr>
+            <a:endParaRPr b="0" lang="en-IN" sz="2000" spc="-1" strike="noStrike">
+              <a:latin typeface="Arial"/>
+            </a:endParaRPr>
+          </a:p>
+          <a:p>
+            <a:pPr marL="432000" indent="-322920">
+              <a:lnSpc>
+                <a:spcPct val="100000"/>
+              </a:lnSpc>
+              <a:spcAft>
+                <a:spcPts val="1414"/>
+              </a:spcAft>
+              <a:buClr>
+                <a:srgbClr val="2c3e50"/>
+              </a:buClr>
+              <a:buSzPct val="45000"/>
+              <a:buFont typeface="Wingdings" charset="2"/>
+              <a:buChar char=""/>
+            </a:pPr>
+            <a:r>
+              <a:rPr b="0" lang="en-IN" sz="2000" spc="-1" strike="noStrike">
+                <a:solidFill>
+                  <a:srgbClr val="2c3e50"/>
+                </a:solidFill>
+                <a:latin typeface="Source Sans Pro Semibold"/>
+                <a:ea typeface="DejaVu Sans"/>
+              </a:rPr>
+              <a:t>Server is not present in P2P, which results in increased speed, reliability, reduced latency and maximum efficiency.</a:t>
+            </a:r>
+            <a:endParaRPr b="0" lang="en-IN" sz="2000" spc="-1" strike="noStrike">
+              <a:latin typeface="Arial"/>
+            </a:endParaRPr>
+          </a:p>
+          <a:p>
+            <a:pPr marL="432000" indent="-322920">
+              <a:lnSpc>
+                <a:spcPct val="100000"/>
+              </a:lnSpc>
+              <a:spcAft>
+                <a:spcPts val="1414"/>
+              </a:spcAft>
+              <a:buClr>
+                <a:srgbClr val="2c3e50"/>
+              </a:buClr>
+              <a:buSzPct val="45000"/>
+              <a:buFont typeface="Wingdings" charset="2"/>
+              <a:buChar char=""/>
+            </a:pPr>
+            <a:endParaRPr b="0" lang="en-IN" sz="2000" spc="-1" strike="noStrike">
+              <a:latin typeface="Arial"/>
+            </a:endParaRPr>
+          </a:p>
+          <a:p>
+            <a:pPr>
+              <a:lnSpc>
+                <a:spcPct val="100000"/>
+              </a:lnSpc>
+              <a:spcAft>
+                <a:spcPts val="1414"/>
+              </a:spcAft>
+            </a:pPr>
+            <a:endParaRPr b="0" lang="en-IN" sz="2000" spc="-1" strike="noStrike">
+              <a:latin typeface="Arial"/>
+            </a:endParaRPr>
+          </a:p>
+        </p:txBody>
+      </p:sp>
+      <p:pic>
+        <p:nvPicPr>
+          <p:cNvPr id="160" name="" descr=""/>
+          <p:cNvPicPr/>
+          <p:nvPr/>
+        </p:nvPicPr>
+        <p:blipFill>
+          <a:blip r:embed="rId1"/>
+          <a:stretch/>
+        </p:blipFill>
+        <p:spPr>
+          <a:xfrm>
+            <a:off x="3024000" y="2520000"/>
+            <a:ext cx="4223880" cy="3168000"/>
+          </a:xfrm>
+          <a:prstGeom prst="rect">
+            <a:avLst/>
+          </a:prstGeom>
+          <a:ln>
+            <a:noFill/>
+          </a:ln>
+        </p:spPr>
+      </p:pic>
+    </p:spTree>
+  </p:cSld>
+  <p:transition spd="med">
+    <p:wipe dir="u"/>
+  </p:transition>
+  <p:timing>
+    <p:tnLst>
+      <p:par>
+        <p:cTn id="263" dur="indefinite" restart="never" nodeType="tmRoot">
+          <p:childTnLst>
+            <p:seq>
+              <p:cTn id="264" nodeType="mainSeq">
+                <p:childTnLst>
+                  <p:par>
+                    <p:cTn id="265" fill="freeze">
+                      <p:stCondLst>
+                        <p:cond delay="indefinite"/>
+                      </p:stCondLst>
+                      <p:childTnLst>
+                        <p:par>
+                          <p:cTn id="266" fill="freeze">
+                            <p:stCondLst>
+                              <p:cond delay="0"/>
+                            </p:stCondLst>
+                            <p:childTnLst>
+                              <p:par>
+                                <p:cTn id="267" nodeType="clickEffect" fill="hold" presetClass="entr" presetID="10">
+                                  <p:stCondLst>
+                                    <p:cond delay="0"/>
+                                  </p:stCondLst>
+                                  <p:childTnLst>
+                                    <p:set>
+                                      <p:cBhvr>
+                                        <p:cTn id="268" dur="0" fill="hold">
+                                          <p:stCondLst>
+                                            <p:cond delay="0"/>
+                                          </p:stCondLst>
+                                        </p:cTn>
+                                        <p:tgtEl>
+                                          <p:spTgt spid="158">
+                                            <p:txEl>
+                                              <p:pRg st="0" end="11"/>
+                                            </p:txEl>
+                                          </p:spTgt>
+                                        </p:tgtEl>
+                                        <p:attrNameLst>
+                                          <p:attrName>style.visibility</p:attrName>
+                                        </p:attrNameLst>
+                                      </p:cBhvr>
+                                      <p:to>
+                                        <p:strVal val="visible"/>
+                                      </p:to>
+                                    </p:set>
+                                    <p:animEffect filter="fade" transition="in">
+                                      <p:cBhvr additive="repl">
+                                        <p:cTn id="269" dur="1000"/>
+                                        <p:tgtEl>
+                                          <p:spTgt spid="158">
+                                            <p:txEl>
+                                              <p:pRg st="0" end="11"/>
+                                            </p:txEl>
+                                          </p:spTgt>
+                                        </p:tgtEl>
+                                      </p:cBhvr>
+                                    </p:animEffect>
+                                  </p:childTnLst>
+                                </p:cTn>
+                              </p:par>
+                            </p:childTnLst>
+                          </p:cTn>
+                        </p:par>
+                      </p:childTnLst>
+                    </p:cTn>
+                  </p:par>
+                  <p:par>
+                    <p:cTn id="270" fill="freeze">
+                      <p:stCondLst>
+                        <p:cond delay="indefinite"/>
+                      </p:stCondLst>
+                      <p:childTnLst>
+                        <p:par>
+                          <p:cTn id="271" fill="freeze">
+                            <p:stCondLst>
+                              <p:cond delay="0"/>
+                            </p:stCondLst>
+                            <p:childTnLst>
+                              <p:par>
+                                <p:cTn id="272" nodeType="clickEffect" fill="hold" presetClass="entr" presetID="55">
+                                  <p:stCondLst>
+                                    <p:cond delay="0"/>
+                                  </p:stCondLst>
+                                  <p:childTnLst>
+                                    <p:set>
+                                      <p:cBhvr>
+                                        <p:cTn id="273" dur="0" fill="hold">
+                                          <p:stCondLst>
+                                            <p:cond delay="0"/>
+                                          </p:stCondLst>
+                                        </p:cTn>
+                                        <p:tgtEl>
+                                          <p:spTgt spid="159">
+                                            <p:txEl>
+                                              <p:pRg st="0" end="84"/>
+                                            </p:txEl>
+                                          </p:spTgt>
+                                        </p:tgtEl>
+                                        <p:attrNameLst>
+                                          <p:attrName>style.visibility</p:attrName>
+                                        </p:attrNameLst>
+                                      </p:cBhvr>
+                                      <p:to>
+                                        <p:strVal val="visible"/>
+                                      </p:to>
+                                    </p:set>
+                                    <p:anim calcmode="lin" valueType="num">
+                                      <p:cBhvr additive="repl">
+                                        <p:cTn id="274" dur="750" fill="hold"/>
+                                        <p:tgtEl>
+                                          <p:spTgt spid="159">
+                                            <p:txEl>
+                                              <p:pRg st="0" end="84"/>
+                                            </p:txEl>
+                                          </p:spTgt>
+                                        </p:tgtEl>
+                                        <p:attrNameLst>
+                                          <p:attrName/>
+                                        </p:attrNameLst>
+                                      </p:cBhvr>
+                                      <p:tavLst>
+                                        <p:tav tm="0">
+                                          <p:val>
+                                            <p:strVal val="#ppt_w*0.70"/>
+                                          </p:val>
+                                        </p:tav>
+                                        <p:tav tm="100000">
+                                          <p:val>
+                                            <p:strVal val="#ppt_w"/>
+                                          </p:val>
+                                        </p:tav>
+                                      </p:tavLst>
+                                    </p:anim>
+                                    <p:anim calcmode="lin" valueType="num">
+                                      <p:cBhvr additive="repl">
+                                        <p:cTn id="275" dur="750" fill="hold"/>
+                                        <p:tgtEl>
+                                          <p:spTgt spid="159">
+                                            <p:txEl>
+                                              <p:pRg st="0" end="84"/>
+                                            </p:txEl>
+                                          </p:spTgt>
+                                        </p:tgtEl>
+                                        <p:attrNameLst>
+                                          <p:attrName/>
+                                        </p:attrNameLst>
+                                      </p:cBhvr>
+                                      <p:tavLst>
+                                        <p:tav tm="0">
+                                          <p:val>
+                                            <p:strVal val="#ppt_h"/>
+                                          </p:val>
+                                        </p:tav>
+                                        <p:tav tm="100000">
+                                          <p:val>
+                                            <p:strVal val="#ppt_h"/>
+                                          </p:val>
+                                        </p:tav>
+                                      </p:tavLst>
+                                    </p:anim>
+                                    <p:animEffect filter="fade" transition="in">
+                                      <p:cBhvr additive="repl">
+                                        <p:cTn id="276" dur="750"/>
+                                        <p:tgtEl>
+                                          <p:spTgt spid="159">
+                                            <p:txEl>
+                                              <p:pRg st="0" end="84"/>
+                                            </p:txEl>
+                                          </p:spTgt>
+                                        </p:tgtEl>
+                                      </p:cBhvr>
+                                    </p:animEffect>
+                                  </p:childTnLst>
+                                </p:cTn>
+                              </p:par>
+                            </p:childTnLst>
+                          </p:cTn>
+                        </p:par>
+                      </p:childTnLst>
+                    </p:cTn>
+                  </p:par>
+                  <p:par>
+                    <p:cTn id="277" fill="freeze">
+                      <p:stCondLst>
+                        <p:cond delay="indefinite"/>
+                      </p:stCondLst>
+                      <p:childTnLst>
+                        <p:par>
+                          <p:cTn id="278" fill="freeze">
+                            <p:stCondLst>
+                              <p:cond delay="0"/>
+                            </p:stCondLst>
+                            <p:childTnLst>
+                              <p:par>
+                                <p:cTn id="279" nodeType="clickEffect" fill="hold" presetClass="entr" presetID="4" presetSubtype="16">
+                                  <p:stCondLst>
+                                    <p:cond delay="0"/>
+                                  </p:stCondLst>
+                                  <p:childTnLst>
+                                    <p:set>
+                                      <p:cBhvr>
+                                        <p:cTn id="280" dur="2" fill="hold">
+                                          <p:stCondLst>
+                                            <p:cond delay="0"/>
+                                          </p:stCondLst>
+                                        </p:cTn>
+                                        <p:tgtEl>
+                                          <p:spTgt spid="160"/>
+                                        </p:tgtEl>
+                                        <p:attrNameLst>
+                                          <p:attrName>style.visibility</p:attrName>
+                                        </p:attrNameLst>
+                                      </p:cBhvr>
+                                      <p:to>
+                                        <p:strVal val="visible"/>
+                                      </p:to>
+                                    </p:set>
+                                    <p:animEffect filter="box(in)" transition="out">
+                                      <p:cBhvr additive="repl">
+                                        <p:cTn id="281" dur="1000"/>
+                                        <p:tgtEl>
+                                          <p:spTgt spid="160"/>
+                                        </p:tgtEl>
+                                      </p:cBhvr>
+                                    </p:animEffect>
+                                  </p:childTnLst>
+                                </p:cTn>
+                              </p:par>
+                            </p:childTnLst>
+                          </p:cTn>
+                        </p:par>
+                      </p:childTnLst>
+                    </p:cTn>
+                  </p:par>
+                  <p:par>
+                    <p:cTn id="282" fill="freeze">
+                      <p:stCondLst>
+                        <p:cond delay="indefinite"/>
+                      </p:stCondLst>
+                      <p:childTnLst>
+                        <p:par>
+                          <p:cTn id="283" fill="freeze">
+                            <p:stCondLst>
+                              <p:cond delay="0"/>
+                            </p:stCondLst>
+                            <p:childTnLst>
+                              <p:par>
+                                <p:cTn id="284" nodeType="clickEffect" fill="hold" presetClass="entr" presetID="55">
+                                  <p:stCondLst>
+                                    <p:cond delay="0"/>
+                                  </p:stCondLst>
+                                  <p:childTnLst>
+                                    <p:set>
+                                      <p:cBhvr>
+                                        <p:cTn id="285" dur="1" fill="hold">
+                                          <p:stCondLst>
+                                            <p:cond delay="0"/>
+                                          </p:stCondLst>
+                                        </p:cTn>
+                                        <p:tgtEl>
+                                          <p:spTgt spid="159">
+                                            <p:txEl>
+                                              <p:pRg st="91" end="208"/>
+                                            </p:txEl>
+                                          </p:spTgt>
+                                        </p:tgtEl>
+                                        <p:attrNameLst>
+                                          <p:attrName>style.visibility</p:attrName>
+                                        </p:attrNameLst>
+                                      </p:cBhvr>
+                                      <p:to>
+                                        <p:strVal val="visible"/>
+                                      </p:to>
+                                    </p:set>
+                                    <p:anim calcmode="lin" valueType="num">
+                                      <p:cBhvr additive="repl">
+                                        <p:cTn id="286" dur="1500" fill="hold"/>
+                                        <p:tgtEl>
+                                          <p:spTgt spid="159">
+                                            <p:txEl>
+                                              <p:pRg st="91" end="208"/>
+                                            </p:txEl>
+                                          </p:spTgt>
+                                        </p:tgtEl>
+                                        <p:attrNameLst>
+                                          <p:attrName/>
+                                        </p:attrNameLst>
+                                      </p:cBhvr>
+                                      <p:tavLst>
+                                        <p:tav tm="0">
+                                          <p:val>
+                                            <p:strVal val="#ppt_w*0.70"/>
+                                          </p:val>
+                                        </p:tav>
+                                        <p:tav tm="100000">
+                                          <p:val>
+                                            <p:strVal val="#ppt_w"/>
+                                          </p:val>
+                                        </p:tav>
+                                      </p:tavLst>
+                                    </p:anim>
+                                    <p:anim calcmode="lin" valueType="num">
+                                      <p:cBhvr additive="repl">
+                                        <p:cTn id="287" dur="1500" fill="hold"/>
+                                        <p:tgtEl>
+                                          <p:spTgt spid="159">
+                                            <p:txEl>
+                                              <p:pRg st="91" end="208"/>
+                                            </p:txEl>
+                                          </p:spTgt>
+                                        </p:tgtEl>
+                                        <p:attrNameLst>
+                                          <p:attrName/>
+                                        </p:attrNameLst>
+                                      </p:cBhvr>
+                                      <p:tavLst>
+                                        <p:tav tm="0">
+                                          <p:val>
+                                            <p:strVal val="#ppt_h"/>
+                                          </p:val>
+                                        </p:tav>
+                                        <p:tav tm="100000">
+                                          <p:val>
+                                            <p:strVal val="#ppt_h"/>
+                                          </p:val>
+                                        </p:tav>
+                                      </p:tavLst>
+                                    </p:anim>
+                                    <p:animEffect filter="fade" transition="in">
+                                      <p:cBhvr additive="repl">
+                                        <p:cTn id="288" dur="1500"/>
+                                        <p:tgtEl>
+                                          <p:spTgt spid="159">
+                                            <p:txEl>
+                                              <p:pRg st="91" end="208"/>
+                                            </p:txEl>
+                                          </p:spTgt>
+                                        </p:tgtEl>
+                                      </p:cBhvr>
+                                    </p:animEffect>
+                                  </p:childTnLst>
+                                </p:cTn>
+                              </p:par>
+                            </p:childTnLst>
+                          </p:cTn>
+                        </p:par>
+                      </p:childTnLst>
+                    </p:cTn>
+                  </p:par>
+                </p:childTnLst>
+              </p:cTn>
+              <p:prevCondLst>
+                <p:cond delay="0" evt="onPrev">
+                  <p:tgtEl>
+                    <p:sldTgt/>
+                  </p:tgtEl>
+                </p:cond>
+              </p:prevCondLst>
+              <p:nextCondLst>
+                <p:cond delay="0" evt="onNext">
+                  <p:tgtEl>
+                    <p:sldTgt/>
+                  </p:tgtEl>
+                </p:cond>
+              </p:nextCondLst>
+            </p:seq>
+          </p:childTnLst>
+        </p:cTn>
+      </p:par>
+    </p:tnLst>
+  </p:timing>
+</p:sld>
+</file>
+
+<file path=ppt/slides/slide12.xml><?xml version="1.0" encoding="utf-8"?>
+<p:sld xmlns:a="http://schemas.openxmlformats.org/drawingml/2006/main" xmlns:p="http://schemas.openxmlformats.org/presentationml/2006/main" xmlns:r="http://schemas.openxmlformats.org/officeDocument/2006/relationships" xmlns:p14="http://schemas.microsoft.com/office/powerpoint/2010/main" xmlns:p15="http://schemas.microsoft.com/office/powerpoint/2012/main" xmlns:mc="http://schemas.openxmlformats.org/markup-compatibility/2006">
+  <p:cSld>
+    <p:spTree>
+      <p:nvGrpSpPr>
+        <p:cNvPr id="1" name=""/>
+        <p:cNvGrpSpPr/>
+        <p:nvPr/>
+      </p:nvGrpSpPr>
+      <p:grpSpPr>
+        <a:xfrm>
+          <a:off x="0" y="0"/>
+          <a:ext cx="0" cy="0"/>
+          <a:chOff x="0" y="0"/>
+          <a:chExt cx="0" cy="0"/>
+        </a:xfrm>
+      </p:grpSpPr>
+      <p:sp>
+        <p:nvSpPr>
+          <p:cNvPr id="161" name="CustomShape 1"/>
+          <p:cNvSpPr/>
+          <p:nvPr/>
+        </p:nvSpPr>
+        <p:spPr>
+          <a:xfrm>
+            <a:off x="2700000" y="2700000"/>
+            <a:ext cx="4678920" cy="2158920"/>
+          </a:xfrm>
+          <a:prstGeom prst="rect">
+            <a:avLst/>
+          </a:prstGeom>
+          <a:noFill/>
+          <a:ln>
+            <a:noFill/>
+          </a:ln>
+        </p:spPr>
+        <p:style>
+          <a:lnRef idx="0"/>
+          <a:fillRef idx="0"/>
+          <a:effectRef idx="0"/>
+          <a:fontRef idx="minor"/>
+        </p:style>
+      </p:sp>
+    </p:spTree>
+  </p:cSld>
+  <p:timing>
+    <p:tnLst>
+      <p:par>
+        <p:cTn id="289" dur="indefinite" restart="never" nodeType="tmRoot">
+          <p:childTnLst>
+            <p:seq>
+              <p:cTn id="290" nodeType="mainSeq"/>
+              <p:prevCondLst>
+                <p:cond delay="0" evt="onPrev">
+                  <p:tgtEl>
+                    <p:sldTgt/>
+                  </p:tgtEl>
+                </p:cond>
+              </p:prevCondLst>
+              <p:nextCondLst>
+                <p:cond delay="0" evt="onNext">
+                  <p:tgtEl>
+                    <p:sldTgt/>
+                  </p:tgtEl>
+                </p:cond>
+              </p:nextCondLst>
+            </p:seq>
+          </p:childTnLst>
+        </p:cTn>
+      </p:par>
+    </p:tnLst>
+  </p:timing>
+</p:sld>
+</file>
+
 <file path=ppt/slides/slide2.xml><?xml version="1.0" encoding="utf-8"?>
 <p:sld xmlns:a="http://schemas.openxmlformats.org/drawingml/2006/main" xmlns:p="http://schemas.openxmlformats.org/presentationml/2006/main" xmlns:r="http://schemas.openxmlformats.org/officeDocument/2006/relationships" xmlns:p14="http://schemas.microsoft.com/office/powerpoint/2010/main" xmlns:p15="http://schemas.microsoft.com/office/powerpoint/2012/main" xmlns:mc="http://schemas.openxmlformats.org/markup-compatibility/2006">
   <p:cSld>
@@ -5135,14 +6956,14 @@
       </p:grpSpPr>
       <p:sp>
         <p:nvSpPr>
-          <p:cNvPr id="121" name="CustomShape 1"/>
+          <p:cNvPr id="126" name="CustomShape 1"/>
           <p:cNvSpPr/>
           <p:nvPr/>
         </p:nvSpPr>
         <p:spPr>
           <a:xfrm>
             <a:off x="360000" y="301320"/>
-            <a:ext cx="9359280" cy="957960"/>
+            <a:ext cx="9358920" cy="957600"/>
           </a:xfrm>
           <a:prstGeom prst="rect">
             <a:avLst/>
@@ -5184,14 +7005,14 @@
       </p:sp>
       <p:sp>
         <p:nvSpPr>
-          <p:cNvPr id="122" name="CustomShape 2"/>
+          <p:cNvPr id="127" name="CustomShape 2"/>
           <p:cNvSpPr/>
           <p:nvPr/>
         </p:nvSpPr>
         <p:spPr>
           <a:xfrm>
             <a:off x="360000" y="1980000"/>
-            <a:ext cx="9359280" cy="5039280"/>
+            <a:ext cx="9358920" cy="5038920"/>
           </a:xfrm>
           <a:prstGeom prst="rect">
             <a:avLst/>
@@ -5212,7 +7033,7 @@
             <a:normAutofit/>
           </a:bodyPr>
           <a:p>
-            <a:pPr marL="432000" indent="-323280">
+            <a:pPr marL="432000" indent="-322920">
               <a:lnSpc>
                 <a:spcPct val="100000"/>
               </a:lnSpc>
@@ -5281,7 +7102,7 @@
             </a:endParaRPr>
           </a:p>
           <a:p>
-            <a:pPr marL="432000" indent="-323280">
+            <a:pPr marL="432000" indent="-322920">
               <a:lnSpc>
                 <a:spcPct val="100000"/>
               </a:lnSpc>
@@ -5310,7 +7131,7 @@
             </a:endParaRPr>
           </a:p>
           <a:p>
-            <a:pPr marL="432000" indent="-323280">
+            <a:pPr marL="432000" indent="-322920">
               <a:lnSpc>
                 <a:spcPct val="100000"/>
               </a:lnSpc>
@@ -5368,7 +7189,7 @@
       </p:sp>
       <p:pic>
         <p:nvPicPr>
-          <p:cNvPr id="123" name="" descr=""/>
+          <p:cNvPr id="128" name="" descr=""/>
           <p:cNvPicPr/>
           <p:nvPr/>
         </p:nvPicPr>
@@ -5379,7 +7200,7 @@
         <p:spPr>
           <a:xfrm>
             <a:off x="3240000" y="4608000"/>
-            <a:ext cx="3527640" cy="2116440"/>
+            <a:ext cx="3527280" cy="2116080"/>
           </a:xfrm>
           <a:prstGeom prst="rect">
             <a:avLst/>
@@ -5428,7 +7249,7 @@
                                           </p:stCondLst>
                                         </p:cTn>
                                         <p:tgtEl>
-                                          <p:spTgt spid="121">
+                                          <p:spTgt spid="126">
                                             <p:txEl>
                                               <p:pRg st="0" end="8"/>
                                             </p:txEl>
@@ -5446,7 +7267,7 @@
                                       <p:cBhvr additive="repl">
                                         <p:cTn id="14" dur="1000"/>
                                         <p:tgtEl>
-                                          <p:spTgt spid="121">
+                                          <p:spTgt spid="126">
                                             <p:txEl>
                                               <p:pRg st="0" end="8"/>
                                             </p:txEl>
@@ -5489,7 +7310,7 @@
                                           </p:stCondLst>
                                         </p:cTn>
                                         <p:tgtEl>
-                                          <p:spTgt spid="122">
+                                          <p:spTgt spid="127">
                                             <p:txEl>
                                               <p:pRg st="0" end="137"/>
                                             </p:txEl>
@@ -5507,7 +7328,7 @@
                                       <p:cBhvr additive="repl">
                                         <p:cTn id="19" dur="1000" fill="hold"/>
                                         <p:tgtEl>
-                                          <p:spTgt spid="122">
+                                          <p:spTgt spid="127">
                                             <p:txEl>
                                               <p:pRg st="0" end="137"/>
                                             </p:txEl>
@@ -5534,7 +7355,7 @@
                                       <p:cBhvr additive="repl">
                                         <p:cTn id="20" dur="1000" fill="hold"/>
                                         <p:tgtEl>
-                                          <p:spTgt spid="122">
+                                          <p:spTgt spid="127">
                                             <p:txEl>
                                               <p:pRg st="0" end="137"/>
                                             </p:txEl>
@@ -5586,13 +7407,13 @@
                                   <p:childTnLst>
                                     <p:set>
                                       <p:cBhvr>
-                                        <p:cTn id="24" dur="2" fill="hold">
+                                        <p:cTn id="24" dur="1" fill="hold">
                                           <p:stCondLst>
                                             <p:cond delay="0"/>
                                           </p:stCondLst>
                                         </p:cTn>
                                         <p:tgtEl>
-                                          <p:spTgt spid="122">
+                                          <p:spTgt spid="127">
                                             <p:txEl>
                                               <p:pRg st="137" end="322"/>
                                             </p:txEl>
@@ -5608,9 +7429,9 @@
                                     </p:set>
                                     <p:anim calcmode="lin" valueType="num">
                                       <p:cBhvr additive="repl">
-                                        <p:cTn id="25" dur="1000" fill="hold"/>
+                                        <p:cTn id="25" dur="500" fill="hold"/>
                                         <p:tgtEl>
-                                          <p:spTgt spid="122">
+                                          <p:spTgt spid="127">
                                             <p:txEl>
                                               <p:pRg st="137" end="322"/>
                                             </p:txEl>
@@ -5635,9 +7456,9 @@
                                     </p:anim>
                                     <p:anim calcmode="lin" valueType="num">
                                       <p:cBhvr additive="repl">
-                                        <p:cTn id="26" dur="1000" fill="hold"/>
+                                        <p:cTn id="26" dur="500" fill="hold"/>
                                         <p:tgtEl>
-                                          <p:spTgt spid="122">
+                                          <p:spTgt spid="127">
                                             <p:txEl>
                                               <p:pRg st="137" end="322"/>
                                             </p:txEl>
@@ -5695,7 +7516,7 @@
                                           </p:stCondLst>
                                         </p:cTn>
                                         <p:tgtEl>
-                                          <p:spTgt spid="122">
+                                          <p:spTgt spid="127">
                                             <p:txEl>
                                               <p:pRg st="322" end="396"/>
                                             </p:txEl>
@@ -5713,7 +7534,7 @@
                                       <p:cBhvr additive="repl">
                                         <p:cTn id="31" dur="500" fill="hold"/>
                                         <p:tgtEl>
-                                          <p:spTgt spid="122">
+                                          <p:spTgt spid="127">
                                             <p:txEl>
                                               <p:pRg st="322" end="396"/>
                                             </p:txEl>
@@ -5740,7 +7561,7 @@
                                       <p:cBhvr additive="repl">
                                         <p:cTn id="32" dur="500" fill="hold"/>
                                         <p:tgtEl>
-                                          <p:spTgt spid="122">
+                                          <p:spTgt spid="127">
                                             <p:txEl>
                                               <p:pRg st="322" end="396"/>
                                             </p:txEl>
@@ -5798,7 +7619,7 @@
                                           </p:stCondLst>
                                         </p:cTn>
                                         <p:tgtEl>
-                                          <p:spTgt spid="123"/>
+                                          <p:spTgt spid="128"/>
                                         </p:tgtEl>
                                         <p:attrNameLst>
                                           <p:attrName>style.visibility</p:attrName>
@@ -5812,7 +7633,7 @@
                                       <p:cBhvr additive="repl">
                                         <p:cTn id="37" dur="1000"/>
                                         <p:tgtEl>
-                                          <p:spTgt spid="123"/>
+                                          <p:spTgt spid="128"/>
                                         </p:tgtEl>
                                       </p:cBhvr>
                                     </p:animEffect>
@@ -5869,14 +7690,14 @@
       </p:grpSpPr>
       <p:sp>
         <p:nvSpPr>
-          <p:cNvPr id="124" name="CustomShape 1"/>
+          <p:cNvPr id="129" name="CustomShape 1"/>
           <p:cNvSpPr/>
           <p:nvPr/>
         </p:nvSpPr>
         <p:spPr>
           <a:xfrm>
             <a:off x="360000" y="301320"/>
-            <a:ext cx="9359280" cy="957960"/>
+            <a:ext cx="9358920" cy="957600"/>
           </a:xfrm>
           <a:prstGeom prst="rect">
             <a:avLst/>
@@ -5918,14 +7739,14 @@
       </p:sp>
       <p:sp>
         <p:nvSpPr>
-          <p:cNvPr id="125" name="CustomShape 2"/>
+          <p:cNvPr id="130" name="CustomShape 2"/>
           <p:cNvSpPr/>
           <p:nvPr/>
         </p:nvSpPr>
         <p:spPr>
           <a:xfrm>
             <a:off x="360000" y="1980000"/>
-            <a:ext cx="9359280" cy="5039280"/>
+            <a:ext cx="9358920" cy="5038920"/>
           </a:xfrm>
           <a:prstGeom prst="rect">
             <a:avLst/>
@@ -5946,7 +7767,7 @@
             <a:normAutofit/>
           </a:bodyPr>
           <a:p>
-            <a:pPr marL="432000" indent="-323280">
+            <a:pPr marL="432000" indent="-322920">
               <a:lnSpc>
                 <a:spcPct val="100000"/>
               </a:lnSpc>
@@ -5975,7 +7796,7 @@
             </a:endParaRPr>
           </a:p>
           <a:p>
-            <a:pPr marL="432000" indent="-323280">
+            <a:pPr marL="432000" indent="-322920">
               <a:lnSpc>
                 <a:spcPct val="100000"/>
               </a:lnSpc>
@@ -6004,7 +7825,7 @@
             </a:endParaRPr>
           </a:p>
           <a:p>
-            <a:pPr marL="432000" indent="-323280">
+            <a:pPr marL="432000" indent="-322920">
               <a:lnSpc>
                 <a:spcPct val="100000"/>
               </a:lnSpc>
@@ -6033,7 +7854,7 @@
             </a:endParaRPr>
           </a:p>
           <a:p>
-            <a:pPr marL="432000" indent="-323280">
+            <a:pPr marL="432000" indent="-322920">
               <a:lnSpc>
                 <a:spcPct val="100000"/>
               </a:lnSpc>
@@ -6074,7 +7895,483 @@
         <p:cTn id="38" dur="indefinite" restart="never" nodeType="tmRoot">
           <p:childTnLst>
             <p:seq>
-              <p:cTn id="39" nodeType="mainSeq"/>
+              <p:cTn id="39" nodeType="mainSeq">
+                <p:childTnLst>
+                  <p:par>
+                    <p:cTn id="40" fill="freeze">
+                      <p:stCondLst>
+                        <p:cond delay="indefinite"/>
+                      </p:stCondLst>
+                      <p:childTnLst>
+                        <p:par>
+                          <p:cTn id="41" fill="freeze">
+                            <p:stCondLst>
+                              <p:cond delay="0"/>
+                            </p:stCondLst>
+                            <p:childTnLst>
+                              <p:par>
+                                <p:cTn id="42" nodeType="clickEffect" fill="hold" presetClass="entr" presetID="10">
+                                  <p:stCondLst>
+                                    <p:cond delay="0"/>
+                                  </p:stCondLst>
+                                  <p:childTnLst>
+                                    <p:set>
+                                      <p:cBhvr>
+                                        <p:cTn id="43" dur="0" fill="hold">
+                                          <p:stCondLst>
+                                            <p:cond delay="0"/>
+                                          </p:stCondLst>
+                                        </p:cTn>
+                                        <p:tgtEl>
+                                          <p:spTgt spid="129">
+                                            <p:txEl>
+                                              <p:pRg st="0" end="14"/>
+                                            </p:txEl>
+                                          </p:spTgt>
+                                        </p:tgtEl>
+                                        <p:attrNameLst>
+                                          <p:attrName>style.visibility</p:attrName>
+                                        </p:attrNameLst>
+                                      </p:cBhvr>
+                                      <p:to>
+                                        <p:strVal val="visible"/>
+                                      </p:to>
+                                    </p:set>
+                                    <p:animEffect filter="fade" transition="in">
+                                      <p:cBhvr additive="repl">
+                                        <p:cTn id="44" dur="1000"/>
+                                        <p:tgtEl>
+                                          <p:spTgt spid="129">
+                                            <p:txEl>
+                                              <p:pRg st="0" end="14"/>
+                                            </p:txEl>
+                                          </p:spTgt>
+                                        </p:tgtEl>
+                                      </p:cBhvr>
+                                    </p:animEffect>
+                                  </p:childTnLst>
+                                </p:cTn>
+                              </p:par>
+                            </p:childTnLst>
+                          </p:cTn>
+                        </p:par>
+                      </p:childTnLst>
+                    </p:cTn>
+                  </p:par>
+                  <p:par>
+                    <p:cTn id="45" fill="freeze">
+                      <p:stCondLst>
+                        <p:cond delay="indefinite"/>
+                      </p:stCondLst>
+                      <p:childTnLst>
+                        <p:par>
+                          <p:cTn id="46" fill="freeze">
+                            <p:stCondLst>
+                              <p:cond delay="0"/>
+                            </p:stCondLst>
+                            <p:childTnLst>
+                              <p:par>
+                                <p:cTn id="47" nodeType="clickEffect" fill="hold" presetClass="entr" presetID="2" presetSubtype="4">
+                                  <p:stCondLst>
+                                    <p:cond delay="0"/>
+                                  </p:stCondLst>
+                                  <p:childTnLst>
+                                    <p:set>
+                                      <p:cBhvr>
+                                        <p:cTn id="48" dur="1" fill="hold">
+                                          <p:stCondLst>
+                                            <p:cond delay="0"/>
+                                          </p:stCondLst>
+                                        </p:cTn>
+                                        <p:tgtEl>
+                                          <p:spTgt spid="130">
+                                            <p:txEl>
+                                              <p:pRg st="0" end="48"/>
+                                            </p:txEl>
+                                          </p:spTgt>
+                                        </p:tgtEl>
+                                        <p:attrNameLst>
+                                          <p:attrName>style.visibility</p:attrName>
+                                        </p:attrNameLst>
+                                      </p:cBhvr>
+                                      <p:to>
+                                        <p:strVal val="visible"/>
+                                      </p:to>
+                                    </p:set>
+                                    <p:anim calcmode="lin" valueType="num">
+                                      <p:cBhvr additive="repl">
+                                        <p:cTn id="49" dur="760" fill="hold"/>
+                                        <p:tgtEl>
+                                          <p:spTgt spid="130">
+                                            <p:txEl>
+                                              <p:pRg st="0" end="48"/>
+                                            </p:txEl>
+                                          </p:spTgt>
+                                        </p:tgtEl>
+                                        <p:attrNameLst>
+                                          <p:attrName>ppt_x</p:attrName>
+                                        </p:attrNameLst>
+                                      </p:cBhvr>
+                                      <p:tavLst>
+                                        <p:tav tm="0">
+                                          <p:val>
+                                            <p:strVal val="#ppt_x"/>
+                                          </p:val>
+                                        </p:tav>
+                                        <p:tav tm="100000">
+                                          <p:val>
+                                            <p:strVal val="#ppt_x"/>
+                                          </p:val>
+                                        </p:tav>
+                                      </p:tavLst>
+                                    </p:anim>
+                                    <p:anim calcmode="lin" valueType="num">
+                                      <p:cBhvr additive="repl">
+                                        <p:cTn id="50" dur="760" fill="hold"/>
+                                        <p:tgtEl>
+                                          <p:spTgt spid="130">
+                                            <p:txEl>
+                                              <p:pRg st="0" end="48"/>
+                                            </p:txEl>
+                                          </p:spTgt>
+                                        </p:tgtEl>
+                                        <p:attrNameLst>
+                                          <p:attrName>ppt_y</p:attrName>
+                                        </p:attrNameLst>
+                                      </p:cBhvr>
+                                      <p:tavLst>
+                                        <p:tav tm="0">
+                                          <p:val>
+                                            <p:strVal val="1+#ppt_h/2"/>
+                                          </p:val>
+                                        </p:tav>
+                                        <p:tav tm="100000">
+                                          <p:val>
+                                            <p:strVal val="#ppt_y"/>
+                                          </p:val>
+                                        </p:tav>
+                                      </p:tavLst>
+                                    </p:anim>
+                                  </p:childTnLst>
+                                </p:cTn>
+                              </p:par>
+                            </p:childTnLst>
+                          </p:cTn>
+                        </p:par>
+                      </p:childTnLst>
+                    </p:cTn>
+                  </p:par>
+                  <p:par>
+                    <p:cTn id="51" fill="freeze">
+                      <p:stCondLst>
+                        <p:cond delay="indefinite"/>
+                      </p:stCondLst>
+                      <p:childTnLst>
+                        <p:par>
+                          <p:cTn id="52" fill="freeze">
+                            <p:stCondLst>
+                              <p:cond delay="0"/>
+                            </p:stCondLst>
+                            <p:childTnLst>
+                              <p:par>
+                                <p:cTn id="53" nodeType="clickEffect" fill="hold" presetClass="entr" presetID="2" presetSubtype="4">
+                                  <p:stCondLst>
+                                    <p:cond delay="0"/>
+                                  </p:stCondLst>
+                                  <p:childTnLst>
+                                    <p:set>
+                                      <p:cBhvr>
+                                        <p:cTn id="54" dur="1" fill="hold">
+                                          <p:stCondLst>
+                                            <p:cond delay="0"/>
+                                          </p:stCondLst>
+                                        </p:cTn>
+                                        <p:tgtEl>
+                                          <p:spTgt spid="130">
+                                            <p:txEl>
+                                              <p:pRg st="48" end="62"/>
+                                            </p:txEl>
+                                          </p:spTgt>
+                                        </p:tgtEl>
+                                        <p:attrNameLst>
+                                          <p:attrName>style.visibility</p:attrName>
+                                        </p:attrNameLst>
+                                      </p:cBhvr>
+                                      <p:to>
+                                        <p:strVal val="visible"/>
+                                      </p:to>
+                                    </p:set>
+                                    <p:anim calcmode="lin" valueType="num">
+                                      <p:cBhvr additive="repl">
+                                        <p:cTn id="55" dur="760" fill="hold"/>
+                                        <p:tgtEl>
+                                          <p:spTgt spid="130">
+                                            <p:txEl>
+                                              <p:pRg st="48" end="62"/>
+                                            </p:txEl>
+                                          </p:spTgt>
+                                        </p:tgtEl>
+                                        <p:attrNameLst>
+                                          <p:attrName>ppt_x</p:attrName>
+                                        </p:attrNameLst>
+                                      </p:cBhvr>
+                                      <p:tavLst>
+                                        <p:tav tm="0">
+                                          <p:val>
+                                            <p:strVal val="#ppt_x"/>
+                                          </p:val>
+                                        </p:tav>
+                                        <p:tav tm="100000">
+                                          <p:val>
+                                            <p:strVal val="#ppt_x"/>
+                                          </p:val>
+                                        </p:tav>
+                                      </p:tavLst>
+                                    </p:anim>
+                                    <p:anim calcmode="lin" valueType="num">
+                                      <p:cBhvr additive="repl">
+                                        <p:cTn id="56" dur="760" fill="hold"/>
+                                        <p:tgtEl>
+                                          <p:spTgt spid="130">
+                                            <p:txEl>
+                                              <p:pRg st="48" end="62"/>
+                                            </p:txEl>
+                                          </p:spTgt>
+                                        </p:tgtEl>
+                                        <p:attrNameLst>
+                                          <p:attrName>ppt_y</p:attrName>
+                                        </p:attrNameLst>
+                                      </p:cBhvr>
+                                      <p:tavLst>
+                                        <p:tav tm="0">
+                                          <p:val>
+                                            <p:strVal val="1+#ppt_h/2"/>
+                                          </p:val>
+                                        </p:tav>
+                                        <p:tav tm="100000">
+                                          <p:val>
+                                            <p:strVal val="#ppt_y"/>
+                                          </p:val>
+                                        </p:tav>
+                                      </p:tavLst>
+                                    </p:anim>
+                                  </p:childTnLst>
+                                </p:cTn>
+                              </p:par>
+                            </p:childTnLst>
+                          </p:cTn>
+                        </p:par>
+                      </p:childTnLst>
+                    </p:cTn>
+                  </p:par>
+                  <p:par>
+                    <p:cTn id="57" fill="freeze">
+                      <p:stCondLst>
+                        <p:cond delay="indefinite"/>
+                      </p:stCondLst>
+                      <p:childTnLst>
+                        <p:par>
+                          <p:cTn id="58" fill="freeze">
+                            <p:stCondLst>
+                              <p:cond delay="0"/>
+                            </p:stCondLst>
+                            <p:childTnLst>
+                              <p:par>
+                                <p:cTn id="59" nodeType="clickEffect" fill="hold" presetClass="entr" presetID="2" presetSubtype="4">
+                                  <p:stCondLst>
+                                    <p:cond delay="0"/>
+                                  </p:stCondLst>
+                                  <p:childTnLst>
+                                    <p:set>
+                                      <p:cBhvr>
+                                        <p:cTn id="60" dur="1" fill="hold">
+                                          <p:stCondLst>
+                                            <p:cond delay="0"/>
+                                          </p:stCondLst>
+                                        </p:cTn>
+                                        <p:tgtEl>
+                                          <p:spTgt spid="130">
+                                            <p:txEl>
+                                              <p:pRg st="62" end="88"/>
+                                            </p:txEl>
+                                          </p:spTgt>
+                                        </p:tgtEl>
+                                        <p:attrNameLst>
+                                          <p:attrName>style.visibility</p:attrName>
+                                        </p:attrNameLst>
+                                      </p:cBhvr>
+                                      <p:to>
+                                        <p:strVal val="visible"/>
+                                      </p:to>
+                                    </p:set>
+                                    <p:anim calcmode="lin" valueType="num">
+                                      <p:cBhvr additive="repl">
+                                        <p:cTn id="61" dur="760" fill="hold"/>
+                                        <p:tgtEl>
+                                          <p:spTgt spid="130">
+                                            <p:txEl>
+                                              <p:pRg st="62" end="88"/>
+                                            </p:txEl>
+                                          </p:spTgt>
+                                        </p:tgtEl>
+                                        <p:attrNameLst>
+                                          <p:attrName>ppt_x</p:attrName>
+                                        </p:attrNameLst>
+                                      </p:cBhvr>
+                                      <p:tavLst>
+                                        <p:tav tm="0">
+                                          <p:val>
+                                            <p:strVal val="#ppt_x"/>
+                                          </p:val>
+                                        </p:tav>
+                                        <p:tav tm="100000">
+                                          <p:val>
+                                            <p:strVal val="#ppt_x"/>
+                                          </p:val>
+                                        </p:tav>
+                                      </p:tavLst>
+                                    </p:anim>
+                                    <p:anim calcmode="lin" valueType="num">
+                                      <p:cBhvr additive="repl">
+                                        <p:cTn id="62" dur="760" fill="hold"/>
+                                        <p:tgtEl>
+                                          <p:spTgt spid="130">
+                                            <p:txEl>
+                                              <p:pRg st="62" end="88"/>
+                                            </p:txEl>
+                                          </p:spTgt>
+                                        </p:tgtEl>
+                                        <p:attrNameLst>
+                                          <p:attrName>ppt_y</p:attrName>
+                                        </p:attrNameLst>
+                                      </p:cBhvr>
+                                      <p:tavLst>
+                                        <p:tav tm="0">
+                                          <p:val>
+                                            <p:strVal val="1+#ppt_h/2"/>
+                                          </p:val>
+                                        </p:tav>
+                                        <p:tav tm="100000">
+                                          <p:val>
+                                            <p:strVal val="#ppt_y"/>
+                                          </p:val>
+                                        </p:tav>
+                                      </p:tavLst>
+                                    </p:anim>
+                                  </p:childTnLst>
+                                </p:cTn>
+                              </p:par>
+                            </p:childTnLst>
+                          </p:cTn>
+                        </p:par>
+                      </p:childTnLst>
+                    </p:cTn>
+                  </p:par>
+                  <p:par>
+                    <p:cTn id="63" fill="freeze">
+                      <p:stCondLst>
+                        <p:cond delay="indefinite"/>
+                      </p:stCondLst>
+                      <p:childTnLst>
+                        <p:par>
+                          <p:cTn id="64" fill="freeze">
+                            <p:stCondLst>
+                              <p:cond delay="0"/>
+                            </p:stCondLst>
+                            <p:childTnLst>
+                              <p:par>
+                                <p:cTn id="65" nodeType="clickEffect" fill="hold" presetClass="entr" presetID="2" presetSubtype="4">
+                                  <p:stCondLst>
+                                    <p:cond delay="0"/>
+                                  </p:stCondLst>
+                                  <p:childTnLst>
+                                    <p:set>
+                                      <p:cBhvr>
+                                        <p:cTn id="66" dur="1" fill="hold">
+                                          <p:stCondLst>
+                                            <p:cond delay="0"/>
+                                          </p:stCondLst>
+                                        </p:cTn>
+                                        <p:tgtEl>
+                                          <p:spTgt spid="130">
+                                            <p:txEl>
+                                              <p:pRg st="88" end="155"/>
+                                            </p:txEl>
+                                          </p:spTgt>
+                                        </p:tgtEl>
+                                        <p:attrNameLst>
+                                          <p:attrName>style.visibility</p:attrName>
+                                        </p:attrNameLst>
+                                      </p:cBhvr>
+                                      <p:to>
+                                        <p:strVal val="visible"/>
+                                      </p:to>
+                                    </p:set>
+                                    <p:anim calcmode="lin" valueType="num">
+                                      <p:cBhvr additive="repl">
+                                        <p:cTn id="67" dur="760" fill="hold"/>
+                                        <p:tgtEl>
+                                          <p:spTgt spid="130">
+                                            <p:txEl>
+                                              <p:pRg st="88" end="155"/>
+                                            </p:txEl>
+                                          </p:spTgt>
+                                        </p:tgtEl>
+                                        <p:attrNameLst>
+                                          <p:attrName>ppt_x</p:attrName>
+                                        </p:attrNameLst>
+                                      </p:cBhvr>
+                                      <p:tavLst>
+                                        <p:tav tm="0">
+                                          <p:val>
+                                            <p:strVal val="#ppt_x"/>
+                                          </p:val>
+                                        </p:tav>
+                                        <p:tav tm="100000">
+                                          <p:val>
+                                            <p:strVal val="#ppt_x"/>
+                                          </p:val>
+                                        </p:tav>
+                                      </p:tavLst>
+                                    </p:anim>
+                                    <p:anim calcmode="lin" valueType="num">
+                                      <p:cBhvr additive="repl">
+                                        <p:cTn id="68" dur="760" fill="hold"/>
+                                        <p:tgtEl>
+                                          <p:spTgt spid="130">
+                                            <p:txEl>
+                                              <p:pRg st="88" end="155"/>
+                                            </p:txEl>
+                                          </p:spTgt>
+                                        </p:tgtEl>
+                                        <p:attrNameLst>
+                                          <p:attrName>ppt_y</p:attrName>
+                                        </p:attrNameLst>
+                                      </p:cBhvr>
+                                      <p:tavLst>
+                                        <p:tav tm="0">
+                                          <p:val>
+                                            <p:strVal val="1+#ppt_h/2"/>
+                                          </p:val>
+                                        </p:tav>
+                                        <p:tav tm="100000">
+                                          <p:val>
+                                            <p:strVal val="#ppt_y"/>
+                                          </p:val>
+                                        </p:tav>
+                                      </p:tavLst>
+                                    </p:anim>
+                                  </p:childTnLst>
+                                </p:cTn>
+                              </p:par>
+                            </p:childTnLst>
+                          </p:cTn>
+                        </p:par>
+                      </p:childTnLst>
+                    </p:cTn>
+                  </p:par>
+                </p:childTnLst>
+              </p:cTn>
               <p:prevCondLst>
                 <p:cond delay="0" evt="onPrev">
                   <p:tgtEl>
@@ -6117,14 +8414,14 @@
       </p:grpSpPr>
       <p:sp>
         <p:nvSpPr>
-          <p:cNvPr id="126" name="CustomShape 1"/>
+          <p:cNvPr id="131" name="CustomShape 1"/>
           <p:cNvSpPr/>
           <p:nvPr/>
         </p:nvSpPr>
         <p:spPr>
           <a:xfrm>
             <a:off x="360000" y="301320"/>
-            <a:ext cx="9359280" cy="957960"/>
+            <a:ext cx="9358920" cy="957600"/>
           </a:xfrm>
           <a:prstGeom prst="rect">
             <a:avLst/>
@@ -6166,14 +8463,14 @@
       </p:sp>
       <p:sp>
         <p:nvSpPr>
-          <p:cNvPr id="127" name="CustomShape 2"/>
+          <p:cNvPr id="132" name="CustomShape 2"/>
           <p:cNvSpPr/>
           <p:nvPr/>
         </p:nvSpPr>
         <p:spPr>
           <a:xfrm>
             <a:off x="360000" y="1980000"/>
-            <a:ext cx="9359280" cy="5039280"/>
+            <a:ext cx="9358920" cy="5038920"/>
           </a:xfrm>
           <a:prstGeom prst="rect">
             <a:avLst/>
@@ -6194,7 +8491,7 @@
             <a:normAutofit/>
           </a:bodyPr>
           <a:p>
-            <a:pPr marL="432000" indent="-323280" algn="ctr">
+            <a:pPr marL="432000" indent="-322920" algn="ctr">
               <a:lnSpc>
                 <a:spcPct val="100000"/>
               </a:lnSpc>
@@ -6209,7 +8506,7 @@
               <a:buChar char=""/>
             </a:pPr>
             <a:r>
-              <a:rPr b="1" lang="en-IN" sz="4800" spc="-1" strike="noStrike">
+              <a:rPr b="1" lang="en-IN" sz="5300" spc="-1" strike="noStrike">
                 <a:solidFill>
                   <a:srgbClr val="2c3e50"/>
                 </a:solidFill>
@@ -6218,7 +8515,7 @@
               </a:rPr>
               <a:t>Peer to Peer (P2P) Networking</a:t>
             </a:r>
-            <a:endParaRPr b="0" lang="en-IN" sz="4800" spc="-1" strike="noStrike">
+            <a:endParaRPr b="0" lang="en-IN" sz="5300" spc="-1" strike="noStrike">
               <a:latin typeface="Arial"/>
             </a:endParaRPr>
           </a:p>
@@ -6232,38 +8529,99 @@
   <p:timing>
     <p:tnLst>
       <p:par>
-        <p:cTn id="40" dur="indefinite" restart="never" nodeType="tmRoot">
+        <p:cTn id="69" dur="indefinite" restart="never" nodeType="tmRoot">
           <p:childTnLst>
             <p:seq>
-              <p:cTn id="41" nodeType="mainSeq">
+              <p:cTn id="70" nodeType="mainSeq">
                 <p:childTnLst>
                   <p:par>
-                    <p:cTn id="42" fill="freeze">
+                    <p:cTn id="71" fill="freeze">
                       <p:stCondLst>
                         <p:cond delay="indefinite"/>
                       </p:stCondLst>
                       <p:childTnLst>
                         <p:par>
-                          <p:cTn id="43" fill="freeze">
+                          <p:cTn id="72" fill="freeze">
                             <p:stCondLst>
                               <p:cond delay="0"/>
                             </p:stCondLst>
                             <p:childTnLst>
                               <p:par>
-                                <p:cTn id="44" nodeType="clickEffect" fill="hold" presetClass="entr" presetID="42">
+                                <p:cTn id="73" nodeType="clickEffect" fill="hold" presetClass="entr" presetID="10">
                                   <p:stCondLst>
                                     <p:cond delay="0"/>
                                   </p:stCondLst>
                                   <p:childTnLst>
                                     <p:set>
                                       <p:cBhvr>
-                                        <p:cTn id="45" dur="1" fill="hold">
+                                        <p:cTn id="74" dur="0" fill="hold">
                                           <p:stCondLst>
                                             <p:cond delay="0"/>
                                           </p:stCondLst>
                                         </p:cTn>
                                         <p:tgtEl>
-                                          <p:spTgt spid="127">
+                                          <p:spTgt spid="131">
+                                            <p:txEl>
+                                              <p:pRg st="0" end="10"/>
+                                            </p:txEl>
+                                          </p:spTgt>
+                                        </p:tgtEl>
+                                        <p:attrNameLst>
+                                          <p:attrName>style.visibility</p:attrName>
+                                        </p:attrNameLst>
+                                      </p:cBhvr>
+                                      <p:to>
+                                        <p:strVal val="visible"/>
+                                      </p:to>
+                                    </p:set>
+                                    <p:animEffect filter="fade" transition="in">
+                                      <p:cBhvr additive="repl">
+                                        <p:cTn id="75" dur="1000"/>
+                                        <p:tgtEl>
+                                          <p:spTgt spid="131">
+                                            <p:txEl>
+                                              <p:pRg st="0" end="10"/>
+                                            </p:txEl>
+                                          </p:spTgt>
+                                        </p:tgtEl>
+                                      </p:cBhvr>
+                                    </p:animEffect>
+                                  </p:childTnLst>
+                                </p:cTn>
+                              </p:par>
+                            </p:childTnLst>
+                          </p:cTn>
+                        </p:par>
+                      </p:childTnLst>
+                    </p:cTn>
+                  </p:par>
+                  <p:par>
+                    <p:cTn id="76" fill="freeze">
+                      <p:stCondLst>
+                        <p:cond delay="indefinite"/>
+                      </p:stCondLst>
+                      <p:childTnLst>
+                        <p:par>
+                          <p:cTn id="77" fill="freeze">
+                            <p:stCondLst>
+                              <p:cond delay="0"/>
+                            </p:stCondLst>
+                            <p:childTnLst>
+                              <p:par>
+                                <p:cTn id="78" nodeType="clickEffect" fill="hold" presetClass="entr" presetID="53">
+                                  <p:stCondLst>
+                                    <p:cond delay="0"/>
+                                  </p:stCondLst>
+                                  <p:childTnLst>
+                                    <p:set>
+                                      <p:cBhvr>
+                                        <p:cTn id="79" dur="1" fill="hold">
+                                          <p:stCondLst>
+                                            <p:cond delay="0"/>
+                                          </p:stCondLst>
+                                        </p:cTn>
+                                        <p:tgtEl>
+                                          <p:spTgt spid="132">
                                             <p:txEl>
                                               <p:pRg st="0" end="30"/>
                                             </p:txEl>
@@ -6277,11 +8635,65 @@
                                         <p:strVal val="visible"/>
                                       </p:to>
                                     </p:set>
+                                    <p:anim calcmode="lin" valueType="num">
+                                      <p:cBhvr additive="repl">
+                                        <p:cTn id="80" dur="750" fill="hold"/>
+                                        <p:tgtEl>
+                                          <p:spTgt spid="132">
+                                            <p:txEl>
+                                              <p:pRg st="0" end="30"/>
+                                            </p:txEl>
+                                          </p:spTgt>
+                                        </p:tgtEl>
+                                        <p:attrNameLst>
+                                          <p:attrName/>
+                                        </p:attrNameLst>
+                                      </p:cBhvr>
+                                      <p:tavLst>
+                                        <p:tav tm="0">
+                                          <p:val>
+                                            <p:strVal val="0"/>
+                                          </p:val>
+                                        </p:tav>
+                                        <p:tav tm="100000">
+                                          <p:val>
+                                            <p:strVal val="#ppt_w"/>
+                                          </p:val>
+                                        </p:tav>
+                                      </p:tavLst>
+                                    </p:anim>
+                                    <p:anim calcmode="lin" valueType="num">
+                                      <p:cBhvr additive="repl">
+                                        <p:cTn id="81" dur="750" fill="hold"/>
+                                        <p:tgtEl>
+                                          <p:spTgt spid="132">
+                                            <p:txEl>
+                                              <p:pRg st="0" end="30"/>
+                                            </p:txEl>
+                                          </p:spTgt>
+                                        </p:tgtEl>
+                                        <p:attrNameLst>
+                                          <p:attrName/>
+                                        </p:attrNameLst>
+                                      </p:cBhvr>
+                                      <p:tavLst>
+                                        <p:tav tm="0">
+                                          <p:val>
+                                            <p:strVal val="0"/>
+                                          </p:val>
+                                        </p:tav>
+                                        <p:tav tm="100000">
+                                          <p:val>
+                                            <p:strVal val="#ppt_h"/>
+                                          </p:val>
+                                        </p:tav>
+                                      </p:tavLst>
+                                    </p:anim>
                                     <p:animEffect filter="fade" transition="in">
                                       <p:cBhvr additive="repl">
-                                        <p:cTn id="46" dur="1000"/>
+                                        <p:cTn id="82" dur="750"/>
                                         <p:tgtEl>
-                                          <p:spTgt spid="127">
+                                          <p:spTgt spid="132">
                                             <p:txEl>
                                               <p:pRg st="0" end="30"/>
                                             </p:txEl>
@@ -6289,60 +8701,6 @@
                                         </p:tgtEl>
                                       </p:cBhvr>
                                     </p:animEffect>
-                                    <p:anim calcmode="lin" valueType="num">
-                                      <p:cBhvr additive="repl">
-                                        <p:cTn id="47" dur="1000" fill="hold"/>
-                                        <p:tgtEl>
-                                          <p:spTgt spid="127">
-                                            <p:txEl>
-                                              <p:pRg st="0" end="30"/>
-                                            </p:txEl>
-                                          </p:spTgt>
-                                        </p:tgtEl>
-                                        <p:attrNameLst>
-                                          <p:attrName>ppt_x</p:attrName>
-                                        </p:attrNameLst>
-                                      </p:cBhvr>
-                                      <p:tavLst>
-                                        <p:tav tm="0">
-                                          <p:val>
-                                            <p:strVal val="#ppt_x"/>
-                                          </p:val>
-                                        </p:tav>
-                                        <p:tav tm="100000">
-                                          <p:val>
-                                            <p:strVal val="#ppt_x"/>
-                                          </p:val>
-                                        </p:tav>
-                                      </p:tavLst>
-                                    </p:anim>
-                                    <p:anim calcmode="lin" valueType="num">
-                                      <p:cBhvr additive="repl">
-                                        <p:cTn id="48" dur="1000" fill="hold"/>
-                                        <p:tgtEl>
-                                          <p:spTgt spid="127">
-                                            <p:txEl>
-                                              <p:pRg st="0" end="30"/>
-                                            </p:txEl>
-                                          </p:spTgt>
-                                        </p:tgtEl>
-                                        <p:attrNameLst>
-                                          <p:attrName>ppt_y</p:attrName>
-                                        </p:attrNameLst>
-                                      </p:cBhvr>
-                                      <p:tavLst>
-                                        <p:tav tm="0">
-                                          <p:val>
-                                            <p:strVal val="#ppt_y+.1"/>
-                                          </p:val>
-                                        </p:tav>
-                                        <p:tav tm="100000">
-                                          <p:val>
-                                            <p:strVal val="#ppt_y"/>
-                                          </p:val>
-                                        </p:tav>
-                                      </p:tavLst>
-                                    </p:anim>
                                   </p:childTnLst>
                                 </p:cTn>
                               </p:par>
@@ -6396,14 +8754,14 @@
       </p:grpSpPr>
       <p:sp>
         <p:nvSpPr>
-          <p:cNvPr id="128" name="CustomShape 1"/>
+          <p:cNvPr id="133" name="CustomShape 1"/>
           <p:cNvSpPr/>
           <p:nvPr/>
         </p:nvSpPr>
         <p:spPr>
           <a:xfrm>
             <a:off x="360000" y="301320"/>
-            <a:ext cx="9359280" cy="957960"/>
+            <a:ext cx="9358920" cy="957600"/>
           </a:xfrm>
           <a:prstGeom prst="rect">
             <a:avLst/>
@@ -6445,14 +8803,14 @@
       </p:sp>
       <p:sp>
         <p:nvSpPr>
-          <p:cNvPr id="129" name="CustomShape 2"/>
+          <p:cNvPr id="134" name="CustomShape 2"/>
           <p:cNvSpPr/>
           <p:nvPr/>
         </p:nvSpPr>
         <p:spPr>
           <a:xfrm>
             <a:off x="360000" y="1980000"/>
-            <a:ext cx="9359280" cy="5039280"/>
+            <a:ext cx="9358920" cy="5038920"/>
           </a:xfrm>
           <a:prstGeom prst="rect">
             <a:avLst/>
@@ -6473,7 +8831,7 @@
             <a:normAutofit/>
           </a:bodyPr>
           <a:p>
-            <a:pPr marL="432000" indent="-323280">
+            <a:pPr marL="432000" indent="-322920">
               <a:lnSpc>
                 <a:spcPct val="100000"/>
               </a:lnSpc>
@@ -6495,7 +8853,7 @@
                 <a:latin typeface="Source Sans Pro Semibold"/>
                 <a:ea typeface="DejaVu Sans"/>
               </a:rPr>
-              <a:t>Peer to Peer as the name suggests is communication between two </a:t>
+              <a:t>Peer to Peer as the name suggests is communication between </a:t>
             </a:r>
             <a:r>
               <a:rPr b="0" i="1" lang="en-IN" sz="2000" spc="-1" strike="noStrike">
@@ -6538,14 +8896,14 @@
       </p:sp>
       <p:sp>
         <p:nvSpPr>
-          <p:cNvPr id="130" name="CustomShape 3"/>
+          <p:cNvPr id="135" name="CustomShape 3"/>
           <p:cNvSpPr/>
           <p:nvPr/>
         </p:nvSpPr>
         <p:spPr>
           <a:xfrm>
             <a:off x="4558320" y="2967840"/>
-            <a:ext cx="836640" cy="836640"/>
+            <a:ext cx="836280" cy="836280"/>
           </a:xfrm>
           <a:prstGeom prst="ellipse">
             <a:avLst/>
@@ -6591,14 +8949,14 @@
       </p:sp>
       <p:sp>
         <p:nvSpPr>
-          <p:cNvPr id="131" name="CustomShape 4"/>
+          <p:cNvPr id="136" name="CustomShape 4"/>
           <p:cNvSpPr/>
           <p:nvPr/>
         </p:nvSpPr>
         <p:spPr>
           <a:xfrm>
             <a:off x="3024000" y="4103280"/>
-            <a:ext cx="836640" cy="836640"/>
+            <a:ext cx="836280" cy="836280"/>
           </a:xfrm>
           <a:prstGeom prst="ellipse">
             <a:avLst/>
@@ -6644,14 +9002,14 @@
       </p:sp>
       <p:sp>
         <p:nvSpPr>
-          <p:cNvPr id="132" name="CustomShape 5"/>
+          <p:cNvPr id="137" name="CustomShape 5"/>
           <p:cNvSpPr/>
           <p:nvPr/>
         </p:nvSpPr>
         <p:spPr>
           <a:xfrm>
             <a:off x="6064200" y="4104000"/>
-            <a:ext cx="836640" cy="836640"/>
+            <a:ext cx="836280" cy="836280"/>
           </a:xfrm>
           <a:prstGeom prst="ellipse">
             <a:avLst/>
@@ -6697,14 +9055,14 @@
       </p:sp>
       <p:sp>
         <p:nvSpPr>
-          <p:cNvPr id="133" name="CustomShape 6"/>
+          <p:cNvPr id="138" name="CustomShape 6"/>
           <p:cNvSpPr/>
           <p:nvPr/>
         </p:nvSpPr>
         <p:spPr>
           <a:xfrm>
             <a:off x="4558680" y="5351400"/>
-            <a:ext cx="836640" cy="836640"/>
+            <a:ext cx="836280" cy="836280"/>
           </a:xfrm>
           <a:prstGeom prst="ellipse">
             <a:avLst/>
@@ -6750,7 +9108,7 @@
       </p:sp>
       <p:sp>
         <p:nvSpPr>
-          <p:cNvPr id="134" name="Line 7"/>
+          <p:cNvPr id="139" name="Line 7"/>
           <p:cNvSpPr/>
           <p:nvPr/>
         </p:nvSpPr>
@@ -6778,7 +9136,7 @@
       </p:sp>
       <p:sp>
         <p:nvSpPr>
-          <p:cNvPr id="135" name="Line 8"/>
+          <p:cNvPr id="140" name="Line 8"/>
           <p:cNvSpPr/>
           <p:nvPr/>
         </p:nvSpPr>
@@ -6806,7 +9164,7 @@
       </p:sp>
       <p:sp>
         <p:nvSpPr>
-          <p:cNvPr id="136" name="Line 9"/>
+          <p:cNvPr id="141" name="Line 9"/>
           <p:cNvSpPr/>
           <p:nvPr/>
         </p:nvSpPr>
@@ -6834,7 +9192,7 @@
       </p:sp>
       <p:sp>
         <p:nvSpPr>
-          <p:cNvPr id="137" name="Line 10"/>
+          <p:cNvPr id="142" name="Line 10"/>
           <p:cNvSpPr/>
           <p:nvPr/>
         </p:nvSpPr>
@@ -6862,7 +9220,7 @@
       </p:sp>
       <p:sp>
         <p:nvSpPr>
-          <p:cNvPr id="138" name="Line 11"/>
+          <p:cNvPr id="143" name="Line 11"/>
           <p:cNvSpPr/>
           <p:nvPr/>
         </p:nvSpPr>
@@ -6890,7 +9248,7 @@
       </p:sp>
       <p:sp>
         <p:nvSpPr>
-          <p:cNvPr id="139" name="Line 12"/>
+          <p:cNvPr id="144" name="Line 12"/>
           <p:cNvSpPr/>
           <p:nvPr/>
         </p:nvSpPr>
@@ -6924,381 +9282,11 @@
   <p:timing>
     <p:tnLst>
       <p:par>
-        <p:cTn id="49" dur="indefinite" restart="never" nodeType="tmRoot">
+        <p:cTn id="83" dur="indefinite" restart="never" nodeType="tmRoot">
           <p:childTnLst>
             <p:seq>
-              <p:cTn id="50" nodeType="mainSeq">
+              <p:cTn id="84" nodeType="mainSeq">
                 <p:childTnLst>
-                  <p:par>
-                    <p:cTn id="51" fill="freeze">
-                      <p:stCondLst>
-                        <p:cond delay="indefinite"/>
-                      </p:stCondLst>
-                      <p:childTnLst>
-                        <p:par>
-                          <p:cTn id="52" fill="freeze">
-                            <p:stCondLst>
-                              <p:cond delay="0"/>
-                            </p:stCondLst>
-                            <p:childTnLst>
-                              <p:par>
-                                <p:cTn id="53" nodeType="clickEffect" fill="hold" presetClass="entr" presetID="10">
-                                  <p:stCondLst>
-                                    <p:cond delay="0"/>
-                                  </p:stCondLst>
-                                  <p:childTnLst>
-                                    <p:set>
-                                      <p:cBhvr>
-                                        <p:cTn id="54" dur="0" fill="hold">
-                                          <p:stCondLst>
-                                            <p:cond delay="0"/>
-                                          </p:stCondLst>
-                                        </p:cTn>
-                                        <p:tgtEl>
-                                          <p:spTgt spid="130"/>
-                                        </p:tgtEl>
-                                        <p:attrNameLst>
-                                          <p:attrName>style.visibility</p:attrName>
-                                        </p:attrNameLst>
-                                      </p:cBhvr>
-                                      <p:to>
-                                        <p:strVal val="visible"/>
-                                      </p:to>
-                                    </p:set>
-                                    <p:animEffect filter="fade" transition="in">
-                                      <p:cBhvr additive="repl">
-                                        <p:cTn id="55" dur="1000"/>
-                                        <p:tgtEl>
-                                          <p:spTgt spid="130"/>
-                                        </p:tgtEl>
-                                      </p:cBhvr>
-                                    </p:animEffect>
-                                  </p:childTnLst>
-                                </p:cTn>
-                              </p:par>
-                              <p:par>
-                                <p:cTn id="56" nodeType="withEffect" fill="hold" presetClass="entr" presetID="10">
-                                  <p:stCondLst>
-                                    <p:cond delay="0"/>
-                                  </p:stCondLst>
-                                  <p:childTnLst>
-                                    <p:set>
-                                      <p:cBhvr>
-                                        <p:cTn id="57" dur="0" fill="hold">
-                                          <p:stCondLst>
-                                            <p:cond delay="0"/>
-                                          </p:stCondLst>
-                                        </p:cTn>
-                                        <p:tgtEl>
-                                          <p:spTgt spid="131"/>
-                                        </p:tgtEl>
-                                        <p:attrNameLst>
-                                          <p:attrName>style.visibility</p:attrName>
-                                        </p:attrNameLst>
-                                      </p:cBhvr>
-                                      <p:to>
-                                        <p:strVal val="visible"/>
-                                      </p:to>
-                                    </p:set>
-                                    <p:animEffect filter="fade" transition="in">
-                                      <p:cBhvr additive="repl">
-                                        <p:cTn id="58" dur="1000"/>
-                                        <p:tgtEl>
-                                          <p:spTgt spid="131"/>
-                                        </p:tgtEl>
-                                      </p:cBhvr>
-                                    </p:animEffect>
-                                  </p:childTnLst>
-                                </p:cTn>
-                              </p:par>
-                              <p:par>
-                                <p:cTn id="59" nodeType="withEffect" fill="hold" presetClass="entr" presetID="10">
-                                  <p:stCondLst>
-                                    <p:cond delay="0"/>
-                                  </p:stCondLst>
-                                  <p:childTnLst>
-                                    <p:set>
-                                      <p:cBhvr>
-                                        <p:cTn id="60" dur="0" fill="hold">
-                                          <p:stCondLst>
-                                            <p:cond delay="0"/>
-                                          </p:stCondLst>
-                                        </p:cTn>
-                                        <p:tgtEl>
-                                          <p:spTgt spid="132"/>
-                                        </p:tgtEl>
-                                        <p:attrNameLst>
-                                          <p:attrName>style.visibility</p:attrName>
-                                        </p:attrNameLst>
-                                      </p:cBhvr>
-                                      <p:to>
-                                        <p:strVal val="visible"/>
-                                      </p:to>
-                                    </p:set>
-                                    <p:animEffect filter="fade" transition="in">
-                                      <p:cBhvr additive="repl">
-                                        <p:cTn id="61" dur="1000"/>
-                                        <p:tgtEl>
-                                          <p:spTgt spid="132"/>
-                                        </p:tgtEl>
-                                      </p:cBhvr>
-                                    </p:animEffect>
-                                  </p:childTnLst>
-                                </p:cTn>
-                              </p:par>
-                              <p:par>
-                                <p:cTn id="62" nodeType="withEffect" fill="hold" presetClass="entr" presetID="10">
-                                  <p:stCondLst>
-                                    <p:cond delay="0"/>
-                                  </p:stCondLst>
-                                  <p:childTnLst>
-                                    <p:set>
-                                      <p:cBhvr>
-                                        <p:cTn id="63" dur="0" fill="hold">
-                                          <p:stCondLst>
-                                            <p:cond delay="0"/>
-                                          </p:stCondLst>
-                                        </p:cTn>
-                                        <p:tgtEl>
-                                          <p:spTgt spid="133"/>
-                                        </p:tgtEl>
-                                        <p:attrNameLst>
-                                          <p:attrName>style.visibility</p:attrName>
-                                        </p:attrNameLst>
-                                      </p:cBhvr>
-                                      <p:to>
-                                        <p:strVal val="visible"/>
-                                      </p:to>
-                                    </p:set>
-                                    <p:animEffect filter="fade" transition="in">
-                                      <p:cBhvr additive="repl">
-                                        <p:cTn id="64" dur="1000"/>
-                                        <p:tgtEl>
-                                          <p:spTgt spid="133"/>
-                                        </p:tgtEl>
-                                      </p:cBhvr>
-                                    </p:animEffect>
-                                  </p:childTnLst>
-                                </p:cTn>
-                              </p:par>
-                            </p:childTnLst>
-                          </p:cTn>
-                        </p:par>
-                      </p:childTnLst>
-                    </p:cTn>
-                  </p:par>
-                  <p:par>
-                    <p:cTn id="65" fill="freeze">
-                      <p:stCondLst>
-                        <p:cond delay="indefinite"/>
-                      </p:stCondLst>
-                      <p:childTnLst>
-                        <p:par>
-                          <p:cTn id="66" fill="freeze">
-                            <p:stCondLst>
-                              <p:cond delay="0"/>
-                            </p:stCondLst>
-                            <p:childTnLst>
-                              <p:par>
-                                <p:cTn id="67" nodeType="clickEffect" fill="hold" presetClass="entr" presetID="3" presetSubtype="10">
-                                  <p:stCondLst>
-                                    <p:cond delay="0"/>
-                                  </p:stCondLst>
-                                  <p:childTnLst>
-                                    <p:set>
-                                      <p:cBhvr>
-                                        <p:cTn id="68" dur="1" fill="hold">
-                                          <p:stCondLst>
-                                            <p:cond delay="0"/>
-                                          </p:stCondLst>
-                                        </p:cTn>
-                                        <p:tgtEl>
-                                          <p:spTgt spid="134"/>
-                                        </p:tgtEl>
-                                        <p:attrNameLst>
-                                          <p:attrName>style.visibility</p:attrName>
-                                        </p:attrNameLst>
-                                      </p:cBhvr>
-                                      <p:to>
-                                        <p:strVal val="visible"/>
-                                      </p:to>
-                                    </p:set>
-                                    <p:animEffect filter="blinds(horizontal)" transition="in">
-                                      <p:cBhvr additive="repl">
-                                        <p:cTn id="69" dur="500"/>
-                                        <p:tgtEl>
-                                          <p:spTgt spid="134"/>
-                                        </p:tgtEl>
-                                      </p:cBhvr>
-                                    </p:animEffect>
-                                  </p:childTnLst>
-                                </p:cTn>
-                              </p:par>
-                            </p:childTnLst>
-                          </p:cTn>
-                        </p:par>
-                      </p:childTnLst>
-                    </p:cTn>
-                  </p:par>
-                  <p:par>
-                    <p:cTn id="70" fill="freeze">
-                      <p:stCondLst>
-                        <p:cond delay="indefinite"/>
-                      </p:stCondLst>
-                      <p:childTnLst>
-                        <p:par>
-                          <p:cTn id="71" fill="freeze">
-                            <p:stCondLst>
-                              <p:cond delay="0"/>
-                            </p:stCondLst>
-                            <p:childTnLst>
-                              <p:par>
-                                <p:cTn id="72" nodeType="clickEffect" fill="hold" presetClass="entr" presetID="3" presetSubtype="10">
-                                  <p:stCondLst>
-                                    <p:cond delay="0"/>
-                                  </p:stCondLst>
-                                  <p:childTnLst>
-                                    <p:set>
-                                      <p:cBhvr>
-                                        <p:cTn id="73" dur="1" fill="hold">
-                                          <p:stCondLst>
-                                            <p:cond delay="0"/>
-                                          </p:stCondLst>
-                                        </p:cTn>
-                                        <p:tgtEl>
-                                          <p:spTgt spid="137"/>
-                                        </p:tgtEl>
-                                        <p:attrNameLst>
-                                          <p:attrName>style.visibility</p:attrName>
-                                        </p:attrNameLst>
-                                      </p:cBhvr>
-                                      <p:to>
-                                        <p:strVal val="visible"/>
-                                      </p:to>
-                                    </p:set>
-                                    <p:animEffect filter="blinds(horizontal)" transition="in">
-                                      <p:cBhvr additive="repl">
-                                        <p:cTn id="74" dur="500"/>
-                                        <p:tgtEl>
-                                          <p:spTgt spid="137"/>
-                                        </p:tgtEl>
-                                      </p:cBhvr>
-                                    </p:animEffect>
-                                  </p:childTnLst>
-                                </p:cTn>
-                              </p:par>
-                            </p:childTnLst>
-                          </p:cTn>
-                        </p:par>
-                      </p:childTnLst>
-                    </p:cTn>
-                  </p:par>
-                  <p:par>
-                    <p:cTn id="75" fill="freeze">
-                      <p:stCondLst>
-                        <p:cond delay="indefinite"/>
-                      </p:stCondLst>
-                      <p:childTnLst>
-                        <p:par>
-                          <p:cTn id="76" fill="freeze">
-                            <p:stCondLst>
-                              <p:cond delay="0"/>
-                            </p:stCondLst>
-                            <p:childTnLst>
-                              <p:par>
-                                <p:cTn id="77" nodeType="clickEffect" fill="hold" presetClass="entr" presetID="3" presetSubtype="10">
-                                  <p:stCondLst>
-                                    <p:cond delay="0"/>
-                                  </p:stCondLst>
-                                  <p:childTnLst>
-                                    <p:set>
-                                      <p:cBhvr>
-                                        <p:cTn id="78" dur="1" fill="hold">
-                                          <p:stCondLst>
-                                            <p:cond delay="0"/>
-                                          </p:stCondLst>
-                                        </p:cTn>
-                                        <p:tgtEl>
-                                          <p:spTgt spid="138"/>
-                                        </p:tgtEl>
-                                        <p:attrNameLst>
-                                          <p:attrName>style.visibility</p:attrName>
-                                        </p:attrNameLst>
-                                      </p:cBhvr>
-                                      <p:to>
-                                        <p:strVal val="visible"/>
-                                      </p:to>
-                                    </p:set>
-                                    <p:animEffect filter="blinds(horizontal)" transition="in">
-                                      <p:cBhvr additive="repl">
-                                        <p:cTn id="79" dur="500"/>
-                                        <p:tgtEl>
-                                          <p:spTgt spid="138"/>
-                                        </p:tgtEl>
-                                      </p:cBhvr>
-                                    </p:animEffect>
-                                  </p:childTnLst>
-                                </p:cTn>
-                              </p:par>
-                            </p:childTnLst>
-                          </p:cTn>
-                        </p:par>
-                      </p:childTnLst>
-                    </p:cTn>
-                  </p:par>
-                  <p:par>
-                    <p:cTn id="80" fill="freeze">
-                      <p:stCondLst>
-                        <p:cond delay="indefinite"/>
-                      </p:stCondLst>
-                      <p:childTnLst>
-                        <p:par>
-                          <p:cTn id="81" fill="freeze">
-                            <p:stCondLst>
-                              <p:cond delay="0"/>
-                            </p:stCondLst>
-                            <p:childTnLst>
-                              <p:par>
-                                <p:cTn id="82" nodeType="clickEffect" fill="hold" presetClass="entr" presetID="3" presetSubtype="10">
-                                  <p:stCondLst>
-                                    <p:cond delay="0"/>
-                                  </p:stCondLst>
-                                  <p:childTnLst>
-                                    <p:set>
-                                      <p:cBhvr>
-                                        <p:cTn id="83" dur="1" fill="hold">
-                                          <p:stCondLst>
-                                            <p:cond delay="0"/>
-                                          </p:stCondLst>
-                                        </p:cTn>
-                                        <p:tgtEl>
-                                          <p:spTgt spid="136"/>
-                                        </p:tgtEl>
-                                        <p:attrNameLst>
-                                          <p:attrName>style.visibility</p:attrName>
-                                        </p:attrNameLst>
-                                      </p:cBhvr>
-                                      <p:to>
-                                        <p:strVal val="visible"/>
-                                      </p:to>
-                                    </p:set>
-                                    <p:animEffect filter="blinds(horizontal)" transition="in">
-                                      <p:cBhvr additive="repl">
-                                        <p:cTn id="84" dur="500"/>
-                                        <p:tgtEl>
-                                          <p:spTgt spid="136"/>
-                                        </p:tgtEl>
-                                      </p:cBhvr>
-                                    </p:animEffect>
-                                  </p:childTnLst>
-                                </p:cTn>
-                              </p:par>
-                            </p:childTnLst>
-                          </p:cTn>
-                        </p:par>
-                      </p:childTnLst>
-                    </p:cTn>
-                  </p:par>
                   <p:par>
                     <p:cTn id="85" fill="freeze">
                       <p:stCondLst>
@@ -7312,20 +9300,24 @@
                             </p:stCondLst>
                             <p:childTnLst>
                               <p:par>
-                                <p:cTn id="87" nodeType="clickEffect" fill="hold" presetClass="entr" presetID="3" presetSubtype="10">
+                                <p:cTn id="87" nodeType="clickEffect" fill="hold" presetClass="entr" presetID="10">
                                   <p:stCondLst>
                                     <p:cond delay="0"/>
                                   </p:stCondLst>
                                   <p:childTnLst>
                                     <p:set>
                                       <p:cBhvr>
-                                        <p:cTn id="88" dur="1" fill="hold">
+                                        <p:cTn id="88" dur="0" fill="hold">
                                           <p:stCondLst>
                                             <p:cond delay="0"/>
                                           </p:stCondLst>
                                         </p:cTn>
                                         <p:tgtEl>
-                                          <p:spTgt spid="135"/>
+                                          <p:spTgt spid="133">
+                                            <p:txEl>
+                                              <p:pRg st="0" end="13"/>
+                                            </p:txEl>
+                                          </p:spTgt>
                                         </p:tgtEl>
                                         <p:attrNameLst>
                                           <p:attrName>style.visibility</p:attrName>
@@ -7335,11 +9327,15 @@
                                         <p:strVal val="visible"/>
                                       </p:to>
                                     </p:set>
-                                    <p:animEffect filter="blinds(horizontal)" transition="in">
+                                    <p:animEffect filter="fade" transition="in">
                                       <p:cBhvr additive="repl">
-                                        <p:cTn id="89" dur="500"/>
+                                        <p:cTn id="89" dur="1000"/>
                                         <p:tgtEl>
-                                          <p:spTgt spid="135"/>
+                                          <p:spTgt spid="133">
+                                            <p:txEl>
+                                              <p:pRg st="0" end="13"/>
+                                            </p:txEl>
+                                          </p:spTgt>
                                         </p:tgtEl>
                                       </p:cBhvr>
                                     </p:animEffect>
@@ -7365,14 +9361,233 @@
                             </p:stCondLst>
                             <p:childTnLst>
                               <p:par>
-                                <p:cTn id="92" nodeType="clickEffect" fill="hold" presetClass="entr" presetID="3" presetSubtype="10">
+                                <p:cTn id="92" nodeType="clickEffect" fill="hold" presetClass="entr" presetID="5" presetSubtype="10">
                                   <p:stCondLst>
                                     <p:cond delay="0"/>
                                   </p:stCondLst>
                                   <p:childTnLst>
                                     <p:set>
                                       <p:cBhvr>
-                                        <p:cTn id="93" dur="1" fill="hold">
+                                        <p:cTn id="93" dur="2" fill="hold">
+                                          <p:stCondLst>
+                                            <p:cond delay="0"/>
+                                          </p:stCondLst>
+                                        </p:cTn>
+                                        <p:tgtEl>
+                                          <p:spTgt spid="134">
+                                            <p:txEl>
+                                              <p:pRg st="0" end="102"/>
+                                            </p:txEl>
+                                          </p:spTgt>
+                                        </p:tgtEl>
+                                        <p:attrNameLst>
+                                          <p:attrName>style.visibility</p:attrName>
+                                        </p:attrNameLst>
+                                      </p:cBhvr>
+                                      <p:to>
+                                        <p:strVal val="visible"/>
+                                      </p:to>
+                                    </p:set>
+                                    <p:animEffect filter="checkerboard(across)" transition="in">
+                                      <p:cBhvr additive="repl">
+                                        <p:cTn id="94" dur="1000"/>
+                                        <p:tgtEl>
+                                          <p:spTgt spid="134">
+                                            <p:txEl>
+                                              <p:pRg st="0" end="102"/>
+                                            </p:txEl>
+                                          </p:spTgt>
+                                        </p:tgtEl>
+                                      </p:cBhvr>
+                                    </p:animEffect>
+                                  </p:childTnLst>
+                                </p:cTn>
+                              </p:par>
+                            </p:childTnLst>
+                          </p:cTn>
+                        </p:par>
+                      </p:childTnLst>
+                    </p:cTn>
+                  </p:par>
+                  <p:par>
+                    <p:cTn id="95" fill="freeze">
+                      <p:stCondLst>
+                        <p:cond delay="indefinite"/>
+                      </p:stCondLst>
+                      <p:childTnLst>
+                        <p:par>
+                          <p:cTn id="96" fill="freeze">
+                            <p:stCondLst>
+                              <p:cond delay="0"/>
+                            </p:stCondLst>
+                            <p:childTnLst>
+                              <p:par>
+                                <p:cTn id="97" nodeType="clickEffect" fill="hold" presetClass="entr" presetID="10">
+                                  <p:stCondLst>
+                                    <p:cond delay="0"/>
+                                  </p:stCondLst>
+                                  <p:childTnLst>
+                                    <p:set>
+                                      <p:cBhvr>
+                                        <p:cTn id="98" fill="hold">
+                                          <p:stCondLst>
+                                            <p:cond delay="0"/>
+                                          </p:stCondLst>
+                                        </p:cTn>
+                                        <p:tgtEl>
+                                          <p:spTgt spid="135"/>
+                                        </p:tgtEl>
+                                        <p:attrNameLst>
+                                          <p:attrName>style.visibility</p:attrName>
+                                        </p:attrNameLst>
+                                      </p:cBhvr>
+                                      <p:to>
+                                        <p:strVal val="visible"/>
+                                      </p:to>
+                                    </p:set>
+                                    <p:animEffect filter="fade" transition="in">
+                                      <p:cBhvr additive="repl">
+                                        <p:cTn id="99" dur="1000"/>
+                                        <p:tgtEl>
+                                          <p:spTgt spid="135"/>
+                                        </p:tgtEl>
+                                      </p:cBhvr>
+                                    </p:animEffect>
+                                  </p:childTnLst>
+                                </p:cTn>
+                              </p:par>
+                              <p:par>
+                                <p:cTn id="100" nodeType="withEffect" fill="hold" presetClass="entr" presetID="10">
+                                  <p:stCondLst>
+                                    <p:cond delay="0"/>
+                                  </p:stCondLst>
+                                  <p:childTnLst>
+                                    <p:set>
+                                      <p:cBhvr>
+                                        <p:cTn id="101" fill="hold">
+                                          <p:stCondLst>
+                                            <p:cond delay="0"/>
+                                          </p:stCondLst>
+                                        </p:cTn>
+                                        <p:tgtEl>
+                                          <p:spTgt spid="136"/>
+                                        </p:tgtEl>
+                                        <p:attrNameLst>
+                                          <p:attrName>style.visibility</p:attrName>
+                                        </p:attrNameLst>
+                                      </p:cBhvr>
+                                      <p:to>
+                                        <p:strVal val="visible"/>
+                                      </p:to>
+                                    </p:set>
+                                    <p:animEffect filter="fade" transition="in">
+                                      <p:cBhvr additive="repl">
+                                        <p:cTn id="102" dur="1000"/>
+                                        <p:tgtEl>
+                                          <p:spTgt spid="136"/>
+                                        </p:tgtEl>
+                                      </p:cBhvr>
+                                    </p:animEffect>
+                                  </p:childTnLst>
+                                </p:cTn>
+                              </p:par>
+                              <p:par>
+                                <p:cTn id="103" nodeType="withEffect" fill="hold" presetClass="entr" presetID="10">
+                                  <p:stCondLst>
+                                    <p:cond delay="0"/>
+                                  </p:stCondLst>
+                                  <p:childTnLst>
+                                    <p:set>
+                                      <p:cBhvr>
+                                        <p:cTn id="104" fill="hold">
+                                          <p:stCondLst>
+                                            <p:cond delay="0"/>
+                                          </p:stCondLst>
+                                        </p:cTn>
+                                        <p:tgtEl>
+                                          <p:spTgt spid="137"/>
+                                        </p:tgtEl>
+                                        <p:attrNameLst>
+                                          <p:attrName>style.visibility</p:attrName>
+                                        </p:attrNameLst>
+                                      </p:cBhvr>
+                                      <p:to>
+                                        <p:strVal val="visible"/>
+                                      </p:to>
+                                    </p:set>
+                                    <p:animEffect filter="fade" transition="in">
+                                      <p:cBhvr additive="repl">
+                                        <p:cTn id="105" dur="1000"/>
+                                        <p:tgtEl>
+                                          <p:spTgt spid="137"/>
+                                        </p:tgtEl>
+                                      </p:cBhvr>
+                                    </p:animEffect>
+                                  </p:childTnLst>
+                                </p:cTn>
+                              </p:par>
+                              <p:par>
+                                <p:cTn id="106" nodeType="withEffect" fill="hold" presetClass="entr" presetID="10">
+                                  <p:stCondLst>
+                                    <p:cond delay="0"/>
+                                  </p:stCondLst>
+                                  <p:childTnLst>
+                                    <p:set>
+                                      <p:cBhvr>
+                                        <p:cTn id="107" fill="hold">
+                                          <p:stCondLst>
+                                            <p:cond delay="0"/>
+                                          </p:stCondLst>
+                                        </p:cTn>
+                                        <p:tgtEl>
+                                          <p:spTgt spid="138"/>
+                                        </p:tgtEl>
+                                        <p:attrNameLst>
+                                          <p:attrName>style.visibility</p:attrName>
+                                        </p:attrNameLst>
+                                      </p:cBhvr>
+                                      <p:to>
+                                        <p:strVal val="visible"/>
+                                      </p:to>
+                                    </p:set>
+                                    <p:animEffect filter="fade" transition="in">
+                                      <p:cBhvr additive="repl">
+                                        <p:cTn id="108" dur="1000"/>
+                                        <p:tgtEl>
+                                          <p:spTgt spid="138"/>
+                                        </p:tgtEl>
+                                      </p:cBhvr>
+                                    </p:animEffect>
+                                  </p:childTnLst>
+                                </p:cTn>
+                              </p:par>
+                            </p:childTnLst>
+                          </p:cTn>
+                        </p:par>
+                      </p:childTnLst>
+                    </p:cTn>
+                  </p:par>
+                  <p:par>
+                    <p:cTn id="109" fill="freeze">
+                      <p:stCondLst>
+                        <p:cond delay="indefinite"/>
+                      </p:stCondLst>
+                      <p:childTnLst>
+                        <p:par>
+                          <p:cTn id="110" fill="freeze">
+                            <p:stCondLst>
+                              <p:cond delay="0"/>
+                            </p:stCondLst>
+                            <p:childTnLst>
+                              <p:par>
+                                <p:cTn id="111" nodeType="clickEffect" fill="hold" presetClass="entr" presetID="3" presetSubtype="10">
+                                  <p:stCondLst>
+                                    <p:cond delay="0"/>
+                                  </p:stCondLst>
+                                  <p:childTnLst>
+                                    <p:set>
+                                      <p:cBhvr>
+                                        <p:cTn id="112" dur="1" fill="hold">
                                           <p:stCondLst>
                                             <p:cond delay="0"/>
                                           </p:stCondLst>
@@ -7390,9 +9605,274 @@
                                     </p:set>
                                     <p:animEffect filter="blinds(horizontal)" transition="in">
                                       <p:cBhvr additive="repl">
-                                        <p:cTn id="94" dur="500"/>
+                                        <p:cTn id="113" dur="500"/>
                                         <p:tgtEl>
                                           <p:spTgt spid="139"/>
+                                        </p:tgtEl>
+                                      </p:cBhvr>
+                                    </p:animEffect>
+                                  </p:childTnLst>
+                                </p:cTn>
+                              </p:par>
+                            </p:childTnLst>
+                          </p:cTn>
+                        </p:par>
+                      </p:childTnLst>
+                    </p:cTn>
+                  </p:par>
+                  <p:par>
+                    <p:cTn id="114" fill="freeze">
+                      <p:stCondLst>
+                        <p:cond delay="indefinite"/>
+                      </p:stCondLst>
+                      <p:childTnLst>
+                        <p:par>
+                          <p:cTn id="115" fill="freeze">
+                            <p:stCondLst>
+                              <p:cond delay="0"/>
+                            </p:stCondLst>
+                            <p:childTnLst>
+                              <p:par>
+                                <p:cTn id="116" nodeType="clickEffect" fill="hold" presetClass="entr" presetID="3" presetSubtype="10">
+                                  <p:stCondLst>
+                                    <p:cond delay="0"/>
+                                  </p:stCondLst>
+                                  <p:childTnLst>
+                                    <p:set>
+                                      <p:cBhvr>
+                                        <p:cTn id="117" dur="1" fill="hold">
+                                          <p:stCondLst>
+                                            <p:cond delay="0"/>
+                                          </p:stCondLst>
+                                        </p:cTn>
+                                        <p:tgtEl>
+                                          <p:spTgt spid="142"/>
+                                        </p:tgtEl>
+                                        <p:attrNameLst>
+                                          <p:attrName>style.visibility</p:attrName>
+                                        </p:attrNameLst>
+                                      </p:cBhvr>
+                                      <p:to>
+                                        <p:strVal val="visible"/>
+                                      </p:to>
+                                    </p:set>
+                                    <p:animEffect filter="blinds(horizontal)" transition="in">
+                                      <p:cBhvr additive="repl">
+                                        <p:cTn id="118" dur="500"/>
+                                        <p:tgtEl>
+                                          <p:spTgt spid="142"/>
+                                        </p:tgtEl>
+                                      </p:cBhvr>
+                                    </p:animEffect>
+                                  </p:childTnLst>
+                                </p:cTn>
+                              </p:par>
+                            </p:childTnLst>
+                          </p:cTn>
+                        </p:par>
+                      </p:childTnLst>
+                    </p:cTn>
+                  </p:par>
+                  <p:par>
+                    <p:cTn id="119" fill="freeze">
+                      <p:stCondLst>
+                        <p:cond delay="indefinite"/>
+                      </p:stCondLst>
+                      <p:childTnLst>
+                        <p:par>
+                          <p:cTn id="120" fill="freeze">
+                            <p:stCondLst>
+                              <p:cond delay="0"/>
+                            </p:stCondLst>
+                            <p:childTnLst>
+                              <p:par>
+                                <p:cTn id="121" nodeType="clickEffect" fill="hold" presetClass="entr" presetID="3" presetSubtype="10">
+                                  <p:stCondLst>
+                                    <p:cond delay="0"/>
+                                  </p:stCondLst>
+                                  <p:childTnLst>
+                                    <p:set>
+                                      <p:cBhvr>
+                                        <p:cTn id="122" dur="1" fill="hold">
+                                          <p:stCondLst>
+                                            <p:cond delay="0"/>
+                                          </p:stCondLst>
+                                        </p:cTn>
+                                        <p:tgtEl>
+                                          <p:spTgt spid="143"/>
+                                        </p:tgtEl>
+                                        <p:attrNameLst>
+                                          <p:attrName>style.visibility</p:attrName>
+                                        </p:attrNameLst>
+                                      </p:cBhvr>
+                                      <p:to>
+                                        <p:strVal val="visible"/>
+                                      </p:to>
+                                    </p:set>
+                                    <p:animEffect filter="blinds(horizontal)" transition="in">
+                                      <p:cBhvr additive="repl">
+                                        <p:cTn id="123" dur="500"/>
+                                        <p:tgtEl>
+                                          <p:spTgt spid="143"/>
+                                        </p:tgtEl>
+                                      </p:cBhvr>
+                                    </p:animEffect>
+                                  </p:childTnLst>
+                                </p:cTn>
+                              </p:par>
+                            </p:childTnLst>
+                          </p:cTn>
+                        </p:par>
+                      </p:childTnLst>
+                    </p:cTn>
+                  </p:par>
+                  <p:par>
+                    <p:cTn id="124" fill="freeze">
+                      <p:stCondLst>
+                        <p:cond delay="indefinite"/>
+                      </p:stCondLst>
+                      <p:childTnLst>
+                        <p:par>
+                          <p:cTn id="125" fill="freeze">
+                            <p:stCondLst>
+                              <p:cond delay="0"/>
+                            </p:stCondLst>
+                            <p:childTnLst>
+                              <p:par>
+                                <p:cTn id="126" nodeType="clickEffect" fill="hold" presetClass="entr" presetID="3" presetSubtype="10">
+                                  <p:stCondLst>
+                                    <p:cond delay="0"/>
+                                  </p:stCondLst>
+                                  <p:childTnLst>
+                                    <p:set>
+                                      <p:cBhvr>
+                                        <p:cTn id="127" dur="1" fill="hold">
+                                          <p:stCondLst>
+                                            <p:cond delay="0"/>
+                                          </p:stCondLst>
+                                        </p:cTn>
+                                        <p:tgtEl>
+                                          <p:spTgt spid="141"/>
+                                        </p:tgtEl>
+                                        <p:attrNameLst>
+                                          <p:attrName>style.visibility</p:attrName>
+                                        </p:attrNameLst>
+                                      </p:cBhvr>
+                                      <p:to>
+                                        <p:strVal val="visible"/>
+                                      </p:to>
+                                    </p:set>
+                                    <p:animEffect filter="blinds(horizontal)" transition="in">
+                                      <p:cBhvr additive="repl">
+                                        <p:cTn id="128" dur="500"/>
+                                        <p:tgtEl>
+                                          <p:spTgt spid="141"/>
+                                        </p:tgtEl>
+                                      </p:cBhvr>
+                                    </p:animEffect>
+                                  </p:childTnLst>
+                                </p:cTn>
+                              </p:par>
+                            </p:childTnLst>
+                          </p:cTn>
+                        </p:par>
+                      </p:childTnLst>
+                    </p:cTn>
+                  </p:par>
+                  <p:par>
+                    <p:cTn id="129" fill="freeze">
+                      <p:stCondLst>
+                        <p:cond delay="indefinite"/>
+                      </p:stCondLst>
+                      <p:childTnLst>
+                        <p:par>
+                          <p:cTn id="130" fill="freeze">
+                            <p:stCondLst>
+                              <p:cond delay="0"/>
+                            </p:stCondLst>
+                            <p:childTnLst>
+                              <p:par>
+                                <p:cTn id="131" nodeType="clickEffect" fill="hold" presetClass="entr" presetID="3" presetSubtype="10">
+                                  <p:stCondLst>
+                                    <p:cond delay="0"/>
+                                  </p:stCondLst>
+                                  <p:childTnLst>
+                                    <p:set>
+                                      <p:cBhvr>
+                                        <p:cTn id="132" dur="1" fill="hold">
+                                          <p:stCondLst>
+                                            <p:cond delay="0"/>
+                                          </p:stCondLst>
+                                        </p:cTn>
+                                        <p:tgtEl>
+                                          <p:spTgt spid="140"/>
+                                        </p:tgtEl>
+                                        <p:attrNameLst>
+                                          <p:attrName>style.visibility</p:attrName>
+                                        </p:attrNameLst>
+                                      </p:cBhvr>
+                                      <p:to>
+                                        <p:strVal val="visible"/>
+                                      </p:to>
+                                    </p:set>
+                                    <p:animEffect filter="blinds(horizontal)" transition="in">
+                                      <p:cBhvr additive="repl">
+                                        <p:cTn id="133" dur="500"/>
+                                        <p:tgtEl>
+                                          <p:spTgt spid="140"/>
+                                        </p:tgtEl>
+                                      </p:cBhvr>
+                                    </p:animEffect>
+                                  </p:childTnLst>
+                                </p:cTn>
+                              </p:par>
+                            </p:childTnLst>
+                          </p:cTn>
+                        </p:par>
+                      </p:childTnLst>
+                    </p:cTn>
+                  </p:par>
+                  <p:par>
+                    <p:cTn id="134" fill="freeze">
+                      <p:stCondLst>
+                        <p:cond delay="indefinite"/>
+                      </p:stCondLst>
+                      <p:childTnLst>
+                        <p:par>
+                          <p:cTn id="135" fill="freeze">
+                            <p:stCondLst>
+                              <p:cond delay="0"/>
+                            </p:stCondLst>
+                            <p:childTnLst>
+                              <p:par>
+                                <p:cTn id="136" nodeType="clickEffect" fill="hold" presetClass="entr" presetID="3" presetSubtype="10">
+                                  <p:stCondLst>
+                                    <p:cond delay="0"/>
+                                  </p:stCondLst>
+                                  <p:childTnLst>
+                                    <p:set>
+                                      <p:cBhvr>
+                                        <p:cTn id="137" dur="1" fill="hold">
+                                          <p:stCondLst>
+                                            <p:cond delay="0"/>
+                                          </p:stCondLst>
+                                        </p:cTn>
+                                        <p:tgtEl>
+                                          <p:spTgt spid="144"/>
+                                        </p:tgtEl>
+                                        <p:attrNameLst>
+                                          <p:attrName>style.visibility</p:attrName>
+                                        </p:attrNameLst>
+                                      </p:cBhvr>
+                                      <p:to>
+                                        <p:strVal val="visible"/>
+                                      </p:to>
+                                    </p:set>
+                                    <p:animEffect filter="blinds(horizontal)" transition="in">
+                                      <p:cBhvr additive="repl">
+                                        <p:cTn id="138" dur="500"/>
+                                        <p:tgtEl>
+                                          <p:spTgt spid="144"/>
                                         </p:tgtEl>
                                       </p:cBhvr>
                                     </p:animEffect>
@@ -7449,14 +9929,14 @@
       </p:grpSpPr>
       <p:sp>
         <p:nvSpPr>
-          <p:cNvPr id="140" name="CustomShape 1"/>
+          <p:cNvPr id="145" name="CustomShape 1"/>
           <p:cNvSpPr/>
           <p:nvPr/>
         </p:nvSpPr>
         <p:spPr>
           <a:xfrm>
             <a:off x="360000" y="301320"/>
-            <a:ext cx="9359280" cy="957960"/>
+            <a:ext cx="9358920" cy="957600"/>
           </a:xfrm>
           <a:prstGeom prst="rect">
             <a:avLst/>
@@ -7488,7 +9968,7 @@
                 <a:latin typeface="Roboto"/>
                 <a:ea typeface="DejaVu Sans"/>
               </a:rPr>
-              <a:t>Advantages</a:t>
+              <a:t>Applications</a:t>
             </a:r>
             <a:endParaRPr b="0" lang="en-IN" sz="3600" spc="-1" strike="noStrike">
               <a:latin typeface="Arial"/>
@@ -7498,14 +9978,14 @@
       </p:sp>
       <p:sp>
         <p:nvSpPr>
-          <p:cNvPr id="141" name="CustomShape 2"/>
+          <p:cNvPr id="146" name="CustomShape 2"/>
           <p:cNvSpPr/>
           <p:nvPr/>
         </p:nvSpPr>
         <p:spPr>
           <a:xfrm>
             <a:off x="360000" y="1980000"/>
-            <a:ext cx="9359280" cy="5039280"/>
+            <a:ext cx="9358920" cy="5038920"/>
           </a:xfrm>
           <a:prstGeom prst="rect">
             <a:avLst/>
@@ -7521,6 +10001,127 @@
           <a:effectRef idx="0"/>
           <a:fontRef idx="minor"/>
         </p:style>
+        <p:txBody>
+          <a:bodyPr lIns="0" rIns="0" tIns="0" bIns="0">
+            <a:normAutofit/>
+          </a:bodyPr>
+          <a:p>
+            <a:pPr marL="432000" indent="-322920">
+              <a:lnSpc>
+                <a:spcPct val="100000"/>
+              </a:lnSpc>
+              <a:spcAft>
+                <a:spcPts val="1414"/>
+              </a:spcAft>
+              <a:buClr>
+                <a:srgbClr val="2c3e50"/>
+              </a:buClr>
+              <a:buSzPct val="45000"/>
+              <a:buFont typeface="Wingdings" charset="2"/>
+              <a:buChar char=""/>
+            </a:pPr>
+            <a:r>
+              <a:rPr b="0" lang="en-IN" sz="2000" spc="-1" strike="noStrike">
+                <a:solidFill>
+                  <a:srgbClr val="2c3e50"/>
+                </a:solidFill>
+                <a:latin typeface="Source Sans Pro Semibold"/>
+                <a:ea typeface="DejaVu Sans"/>
+              </a:rPr>
+              <a:t>Communication:</a:t>
+            </a:r>
+            <a:endParaRPr b="0" lang="en-IN" sz="2000" spc="-1" strike="noStrike">
+              <a:latin typeface="Arial"/>
+            </a:endParaRPr>
+          </a:p>
+          <a:p>
+            <a:pPr lvl="5" marL="1296000" indent="-216000">
+              <a:lnSpc>
+                <a:spcPct val="100000"/>
+              </a:lnSpc>
+              <a:spcAft>
+                <a:spcPts val="1414"/>
+              </a:spcAft>
+              <a:buClr>
+                <a:srgbClr val="000000"/>
+              </a:buClr>
+              <a:buSzPct val="45000"/>
+              <a:buFont typeface="Wingdings" charset="2"/>
+              <a:buChar char=""/>
+            </a:pPr>
+            <a:r>
+              <a:rPr b="0" lang="en-IN" sz="2000" spc="-1" strike="noStrike">
+                <a:solidFill>
+                  <a:srgbClr val="2c3e50"/>
+                </a:solidFill>
+                <a:latin typeface="Source Sans Pro Semibold"/>
+                <a:ea typeface="DejaVu Sans"/>
+              </a:rPr>
+              <a:t>The P2P model covers a wide spectrum of communication paradigms. At one end of the spectrum are desktop machines mostly connected via stable, high-speed links over the Internet [Saroiu et al. 2002]. At the other end of the spectrum, are small wireless devices such as smartphones or even sensor-based devices that are connected in an ad-hoc manner via a wireless medium.</a:t>
+            </a:r>
+            <a:endParaRPr b="0" lang="en-IN" sz="2000" spc="-1" strike="noStrike">
+              <a:latin typeface="Arial"/>
+            </a:endParaRPr>
+          </a:p>
+          <a:p>
+            <a:pPr marL="432000" indent="-322920">
+              <a:lnSpc>
+                <a:spcPct val="100000"/>
+              </a:lnSpc>
+              <a:spcAft>
+                <a:spcPts val="1414"/>
+              </a:spcAft>
+              <a:buClr>
+                <a:srgbClr val="2c3e50"/>
+              </a:buClr>
+              <a:buSzPct val="45000"/>
+              <a:buFont typeface="Wingdings" charset="2"/>
+              <a:buChar char=""/>
+            </a:pPr>
+            <a:r>
+              <a:rPr b="0" lang="en-IN" sz="2000" spc="-1" strike="noStrike">
+                <a:solidFill>
+                  <a:srgbClr val="2c3e50"/>
+                </a:solidFill>
+                <a:latin typeface="Source Sans Pro Semibold"/>
+                <a:ea typeface="DejaVu Sans"/>
+              </a:rPr>
+              <a:t>Group Management:</a:t>
+            </a:r>
+            <a:endParaRPr b="0" lang="en-IN" sz="2000" spc="-1" strike="noStrike">
+              <a:latin typeface="Arial"/>
+            </a:endParaRPr>
+          </a:p>
+          <a:p>
+            <a:pPr lvl="5" marL="1296000" indent="-216000">
+              <a:lnSpc>
+                <a:spcPct val="100000"/>
+              </a:lnSpc>
+              <a:spcAft>
+                <a:spcPts val="1414"/>
+              </a:spcAft>
+              <a:buClr>
+                <a:srgbClr val="000000"/>
+              </a:buClr>
+              <a:buSzPct val="45000"/>
+              <a:buFont typeface="Wingdings" charset="2"/>
+              <a:buChar char=""/>
+            </a:pPr>
+            <a:r>
+              <a:rPr b="0" lang="en-IN" sz="2000" spc="-1" strike="noStrike">
+                <a:solidFill>
+                  <a:srgbClr val="2c3e50"/>
+                </a:solidFill>
+                <a:latin typeface="Source Sans Pro Semibold"/>
+                <a:ea typeface="DejaVu Sans"/>
+              </a:rPr>
+              <a:t>Peer group management includes discovery of other peers in the community and location and routing between those peers. Discovery of peers can be highly centralized such as in Napster [Napster 2001], highly distributed such as in Gnutella [Gnutella 2001].</a:t>
+            </a:r>
+            <a:endParaRPr b="0" lang="en-IN" sz="2000" spc="-1" strike="noStrike">
+              <a:latin typeface="Arial"/>
+            </a:endParaRPr>
+          </a:p>
+        </p:txBody>
       </p:sp>
     </p:spTree>
   </p:cSld>
@@ -7530,10 +10131,402 @@
   <p:timing>
     <p:tnLst>
       <p:par>
-        <p:cTn id="95" dur="indefinite" restart="never" nodeType="tmRoot">
+        <p:cTn id="139" dur="indefinite" restart="never" nodeType="tmRoot">
           <p:childTnLst>
             <p:seq>
-              <p:cTn id="96" nodeType="mainSeq"/>
+              <p:cTn id="140" nodeType="mainSeq">
+                <p:childTnLst>
+                  <p:par>
+                    <p:cTn id="141" fill="freeze">
+                      <p:stCondLst>
+                        <p:cond delay="indefinite"/>
+                      </p:stCondLst>
+                      <p:childTnLst>
+                        <p:par>
+                          <p:cTn id="142" fill="freeze">
+                            <p:stCondLst>
+                              <p:cond delay="0"/>
+                            </p:stCondLst>
+                            <p:childTnLst>
+                              <p:par>
+                                <p:cTn id="143" nodeType="clickEffect" fill="hold" presetClass="entr" presetID="10">
+                                  <p:stCondLst>
+                                    <p:cond delay="0"/>
+                                  </p:stCondLst>
+                                  <p:childTnLst>
+                                    <p:set>
+                                      <p:cBhvr>
+                                        <p:cTn id="144" dur="0" fill="hold">
+                                          <p:stCondLst>
+                                            <p:cond delay="0"/>
+                                          </p:stCondLst>
+                                        </p:cTn>
+                                        <p:tgtEl>
+                                          <p:spTgt spid="145">
+                                            <p:txEl>
+                                              <p:pRg st="0" end="13"/>
+                                            </p:txEl>
+                                          </p:spTgt>
+                                        </p:tgtEl>
+                                        <p:attrNameLst>
+                                          <p:attrName>style.visibility</p:attrName>
+                                        </p:attrNameLst>
+                                      </p:cBhvr>
+                                      <p:to>
+                                        <p:strVal val="visible"/>
+                                      </p:to>
+                                    </p:set>
+                                    <p:animEffect filter="fade" transition="in">
+                                      <p:cBhvr additive="repl">
+                                        <p:cTn id="145" dur="1000"/>
+                                        <p:tgtEl>
+                                          <p:spTgt spid="145">
+                                            <p:txEl>
+                                              <p:pRg st="0" end="13"/>
+                                            </p:txEl>
+                                          </p:spTgt>
+                                        </p:tgtEl>
+                                      </p:cBhvr>
+                                    </p:animEffect>
+                                  </p:childTnLst>
+                                </p:cTn>
+                              </p:par>
+                            </p:childTnLst>
+                          </p:cTn>
+                        </p:par>
+                      </p:childTnLst>
+                    </p:cTn>
+                  </p:par>
+                  <p:par>
+                    <p:cTn id="146" fill="freeze">
+                      <p:stCondLst>
+                        <p:cond delay="indefinite"/>
+                      </p:stCondLst>
+                      <p:childTnLst>
+                        <p:par>
+                          <p:cTn id="147" fill="freeze">
+                            <p:stCondLst>
+                              <p:cond delay="0"/>
+                            </p:stCondLst>
+                            <p:childTnLst>
+                              <p:par>
+                                <p:cTn id="148" nodeType="clickEffect" fill="hold" presetClass="entr" presetID="2" presetSubtype="4">
+                                  <p:stCondLst>
+                                    <p:cond delay="0"/>
+                                  </p:stCondLst>
+                                  <p:childTnLst>
+                                    <p:set>
+                                      <p:cBhvr>
+                                        <p:cTn id="149" dur="1" fill="hold">
+                                          <p:stCondLst>
+                                            <p:cond delay="0"/>
+                                          </p:stCondLst>
+                                        </p:cTn>
+                                        <p:tgtEl>
+                                          <p:spTgt spid="146">
+                                            <p:txEl>
+                                              <p:pRg st="0" end="15"/>
+                                            </p:txEl>
+                                          </p:spTgt>
+                                        </p:tgtEl>
+                                        <p:attrNameLst>
+                                          <p:attrName>style.visibility</p:attrName>
+                                        </p:attrNameLst>
+                                      </p:cBhvr>
+                                      <p:to>
+                                        <p:strVal val="visible"/>
+                                      </p:to>
+                                    </p:set>
+                                    <p:anim calcmode="lin" valueType="num">
+                                      <p:cBhvr additive="repl">
+                                        <p:cTn id="150" dur="500" fill="hold"/>
+                                        <p:tgtEl>
+                                          <p:spTgt spid="146">
+                                            <p:txEl>
+                                              <p:pRg st="0" end="15"/>
+                                            </p:txEl>
+                                          </p:spTgt>
+                                        </p:tgtEl>
+                                        <p:attrNameLst>
+                                          <p:attrName>ppt_x</p:attrName>
+                                        </p:attrNameLst>
+                                      </p:cBhvr>
+                                      <p:tavLst>
+                                        <p:tav tm="0">
+                                          <p:val>
+                                            <p:strVal val="#ppt_x"/>
+                                          </p:val>
+                                        </p:tav>
+                                        <p:tav tm="100000">
+                                          <p:val>
+                                            <p:strVal val="#ppt_x"/>
+                                          </p:val>
+                                        </p:tav>
+                                      </p:tavLst>
+                                    </p:anim>
+                                    <p:anim calcmode="lin" valueType="num">
+                                      <p:cBhvr additive="repl">
+                                        <p:cTn id="151" dur="500" fill="hold"/>
+                                        <p:tgtEl>
+                                          <p:spTgt spid="146">
+                                            <p:txEl>
+                                              <p:pRg st="0" end="15"/>
+                                            </p:txEl>
+                                          </p:spTgt>
+                                        </p:tgtEl>
+                                        <p:attrNameLst>
+                                          <p:attrName>ppt_y</p:attrName>
+                                        </p:attrNameLst>
+                                      </p:cBhvr>
+                                      <p:tavLst>
+                                        <p:tav tm="0">
+                                          <p:val>
+                                            <p:strVal val="1+#ppt_h/2"/>
+                                          </p:val>
+                                        </p:tav>
+                                        <p:tav tm="100000">
+                                          <p:val>
+                                            <p:strVal val="#ppt_y"/>
+                                          </p:val>
+                                        </p:tav>
+                                      </p:tavLst>
+                                    </p:anim>
+                                  </p:childTnLst>
+                                </p:cTn>
+                              </p:par>
+                            </p:childTnLst>
+                          </p:cTn>
+                        </p:par>
+                      </p:childTnLst>
+                    </p:cTn>
+                  </p:par>
+                  <p:par>
+                    <p:cTn id="152" fill="freeze">
+                      <p:stCondLst>
+                        <p:cond delay="indefinite"/>
+                      </p:stCondLst>
+                      <p:childTnLst>
+                        <p:par>
+                          <p:cTn id="153" fill="freeze">
+                            <p:stCondLst>
+                              <p:cond delay="0"/>
+                            </p:stCondLst>
+                            <p:childTnLst>
+                              <p:par>
+                                <p:cTn id="154" nodeType="clickEffect" fill="hold" presetClass="entr" presetID="4" presetSubtype="16">
+                                  <p:stCondLst>
+                                    <p:cond delay="0"/>
+                                  </p:stCondLst>
+                                  <p:childTnLst>
+                                    <p:set>
+                                      <p:cBhvr>
+                                        <p:cTn id="155" dur="2" fill="hold">
+                                          <p:stCondLst>
+                                            <p:cond delay="0"/>
+                                          </p:stCondLst>
+                                        </p:cTn>
+                                        <p:tgtEl>
+                                          <p:spTgt spid="146">
+                                            <p:txEl>
+                                              <p:pRg st="15" end="386"/>
+                                            </p:txEl>
+                                          </p:spTgt>
+                                        </p:tgtEl>
+                                        <p:attrNameLst>
+                                          <p:attrName>style.visibility</p:attrName>
+                                        </p:attrNameLst>
+                                      </p:cBhvr>
+                                      <p:to>
+                                        <p:strVal val="visible"/>
+                                      </p:to>
+                                    </p:set>
+                                    <p:animEffect filter="box(in)" transition="out">
+                                      <p:cBhvr additive="repl">
+                                        <p:cTn id="156" dur="1000"/>
+                                        <p:tgtEl>
+                                          <p:spTgt spid="146">
+                                            <p:txEl>
+                                              <p:pRg st="15" end="386"/>
+                                            </p:txEl>
+                                          </p:spTgt>
+                                        </p:tgtEl>
+                                      </p:cBhvr>
+                                    </p:animEffect>
+                                  </p:childTnLst>
+                                </p:cTn>
+                              </p:par>
+                            </p:childTnLst>
+                          </p:cTn>
+                        </p:par>
+                      </p:childTnLst>
+                    </p:cTn>
+                  </p:par>
+                  <p:par>
+                    <p:cTn id="157" fill="freeze">
+                      <p:stCondLst>
+                        <p:cond delay="indefinite"/>
+                      </p:stCondLst>
+                      <p:childTnLst>
+                        <p:par>
+                          <p:cTn id="158" fill="freeze">
+                            <p:stCondLst>
+                              <p:cond delay="0"/>
+                            </p:stCondLst>
+                            <p:childTnLst>
+                              <p:par>
+                                <p:cTn id="159" nodeType="clickEffect" fill="hold" presetClass="entr" presetID="2" presetSubtype="4">
+                                  <p:stCondLst>
+                                    <p:cond delay="0"/>
+                                  </p:stCondLst>
+                                  <p:childTnLst>
+                                    <p:set>
+                                      <p:cBhvr>
+                                        <p:cTn id="160" dur="1" fill="hold">
+                                          <p:stCondLst>
+                                            <p:cond delay="0"/>
+                                          </p:stCondLst>
+                                        </p:cTn>
+                                        <p:tgtEl>
+                                          <p:spTgt spid="146">
+                                            <p:txEl>
+                                              <p:pRg st="386" end="404"/>
+                                            </p:txEl>
+                                          </p:spTgt>
+                                        </p:tgtEl>
+                                        <p:attrNameLst>
+                                          <p:attrName>style.visibility</p:attrName>
+                                        </p:attrNameLst>
+                                      </p:cBhvr>
+                                      <p:to>
+                                        <p:strVal val="visible"/>
+                                      </p:to>
+                                    </p:set>
+                                    <p:anim calcmode="lin" valueType="num">
+                                      <p:cBhvr additive="repl">
+                                        <p:cTn id="161" dur="500" fill="hold"/>
+                                        <p:tgtEl>
+                                          <p:spTgt spid="146">
+                                            <p:txEl>
+                                              <p:pRg st="386" end="404"/>
+                                            </p:txEl>
+                                          </p:spTgt>
+                                        </p:tgtEl>
+                                        <p:attrNameLst>
+                                          <p:attrName>ppt_x</p:attrName>
+                                        </p:attrNameLst>
+                                      </p:cBhvr>
+                                      <p:tavLst>
+                                        <p:tav tm="0">
+                                          <p:val>
+                                            <p:strVal val="#ppt_x"/>
+                                          </p:val>
+                                        </p:tav>
+                                        <p:tav tm="100000">
+                                          <p:val>
+                                            <p:strVal val="#ppt_x"/>
+                                          </p:val>
+                                        </p:tav>
+                                      </p:tavLst>
+                                    </p:anim>
+                                    <p:anim calcmode="lin" valueType="num">
+                                      <p:cBhvr additive="repl">
+                                        <p:cTn id="162" dur="500" fill="hold"/>
+                                        <p:tgtEl>
+                                          <p:spTgt spid="146">
+                                            <p:txEl>
+                                              <p:pRg st="386" end="404"/>
+                                            </p:txEl>
+                                          </p:spTgt>
+                                        </p:tgtEl>
+                                        <p:attrNameLst>
+                                          <p:attrName>ppt_y</p:attrName>
+                                        </p:attrNameLst>
+                                      </p:cBhvr>
+                                      <p:tavLst>
+                                        <p:tav tm="0">
+                                          <p:val>
+                                            <p:strVal val="1+#ppt_h/2"/>
+                                          </p:val>
+                                        </p:tav>
+                                        <p:tav tm="100000">
+                                          <p:val>
+                                            <p:strVal val="#ppt_y"/>
+                                          </p:val>
+                                        </p:tav>
+                                      </p:tavLst>
+                                    </p:anim>
+                                  </p:childTnLst>
+                                </p:cTn>
+                              </p:par>
+                            </p:childTnLst>
+                          </p:cTn>
+                        </p:par>
+                      </p:childTnLst>
+                    </p:cTn>
+                  </p:par>
+                  <p:par>
+                    <p:cTn id="163" fill="freeze">
+                      <p:stCondLst>
+                        <p:cond delay="indefinite"/>
+                      </p:stCondLst>
+                      <p:childTnLst>
+                        <p:par>
+                          <p:cTn id="164" fill="freeze">
+                            <p:stCondLst>
+                              <p:cond delay="0"/>
+                            </p:stCondLst>
+                            <p:childTnLst>
+                              <p:par>
+                                <p:cTn id="165" nodeType="clickEffect" fill="hold" presetClass="entr" presetID="4" presetSubtype="16">
+                                  <p:stCondLst>
+                                    <p:cond delay="0"/>
+                                  </p:stCondLst>
+                                  <p:childTnLst>
+                                    <p:set>
+                                      <p:cBhvr>
+                                        <p:cTn id="166" dur="2" fill="hold">
+                                          <p:stCondLst>
+                                            <p:cond delay="0"/>
+                                          </p:stCondLst>
+                                        </p:cTn>
+                                        <p:tgtEl>
+                                          <p:spTgt spid="146">
+                                            <p:txEl>
+                                              <p:pRg st="404" end="659"/>
+                                            </p:txEl>
+                                          </p:spTgt>
+                                        </p:tgtEl>
+                                        <p:attrNameLst>
+                                          <p:attrName>style.visibility</p:attrName>
+                                        </p:attrNameLst>
+                                      </p:cBhvr>
+                                      <p:to>
+                                        <p:strVal val="visible"/>
+                                      </p:to>
+                                    </p:set>
+                                    <p:animEffect filter="box(in)" transition="out">
+                                      <p:cBhvr additive="repl">
+                                        <p:cTn id="167" dur="1000"/>
+                                        <p:tgtEl>
+                                          <p:spTgt spid="146">
+                                            <p:txEl>
+                                              <p:pRg st="404" end="659"/>
+                                            </p:txEl>
+                                          </p:spTgt>
+                                        </p:tgtEl>
+                                      </p:cBhvr>
+                                    </p:animEffect>
+                                  </p:childTnLst>
+                                </p:cTn>
+                              </p:par>
+                            </p:childTnLst>
+                          </p:cTn>
+                        </p:par>
+                      </p:childTnLst>
+                    </p:cTn>
+                  </p:par>
+                </p:childTnLst>
+              </p:cTn>
               <p:prevCondLst>
                 <p:cond delay="0" evt="onPrev">
                   <p:tgtEl>
@@ -7576,14 +10569,14 @@
       </p:grpSpPr>
       <p:sp>
         <p:nvSpPr>
-          <p:cNvPr id="142" name="CustomShape 1"/>
+          <p:cNvPr id="147" name="CustomShape 1"/>
           <p:cNvSpPr/>
           <p:nvPr/>
         </p:nvSpPr>
         <p:spPr>
           <a:xfrm>
-            <a:off x="2700000" y="2700000"/>
-            <a:ext cx="4679280" cy="2159280"/>
+            <a:off x="360000" y="301320"/>
+            <a:ext cx="9358920" cy="957600"/>
           </a:xfrm>
           <a:prstGeom prst="rect">
             <a:avLst/>
@@ -7599,16 +10592,1587 @@
           <a:effectRef idx="0"/>
           <a:fontRef idx="minor"/>
         </p:style>
+        <p:txBody>
+          <a:bodyPr lIns="0" rIns="0" tIns="0" bIns="0" anchor="ctr"/>
+          <a:p>
+            <a:pPr algn="ctr">
+              <a:lnSpc>
+                <a:spcPct val="100000"/>
+              </a:lnSpc>
+            </a:pPr>
+            <a:r>
+              <a:rPr b="1" lang="en-IN" sz="3600" spc="-1" strike="noStrike">
+                <a:solidFill>
+                  <a:srgbClr val="ffffff"/>
+                </a:solidFill>
+                <a:latin typeface="Roboto"/>
+                <a:ea typeface="DejaVu Sans"/>
+              </a:rPr>
+              <a:t>Applications</a:t>
+            </a:r>
+            <a:endParaRPr b="0" lang="en-IN" sz="3600" spc="-1" strike="noStrike">
+              <a:latin typeface="Arial"/>
+            </a:endParaRPr>
+          </a:p>
+        </p:txBody>
+      </p:sp>
+      <p:sp>
+        <p:nvSpPr>
+          <p:cNvPr id="148" name="CustomShape 2"/>
+          <p:cNvSpPr/>
+          <p:nvPr/>
+        </p:nvSpPr>
+        <p:spPr>
+          <a:xfrm>
+            <a:off x="360000" y="1980000"/>
+            <a:ext cx="9358920" cy="5038920"/>
+          </a:xfrm>
+          <a:prstGeom prst="rect">
+            <a:avLst/>
+          </a:prstGeom>
+          <a:noFill/>
+          <a:ln>
+            <a:noFill/>
+          </a:ln>
+        </p:spPr>
+        <p:style>
+          <a:lnRef idx="0"/>
+          <a:fillRef idx="0"/>
+          <a:effectRef idx="0"/>
+          <a:fontRef idx="minor"/>
+        </p:style>
+        <p:txBody>
+          <a:bodyPr lIns="0" rIns="0" tIns="0" bIns="0">
+            <a:normAutofit/>
+          </a:bodyPr>
+          <a:p>
+            <a:pPr marL="432000" indent="-322920">
+              <a:lnSpc>
+                <a:spcPct val="100000"/>
+              </a:lnSpc>
+              <a:spcAft>
+                <a:spcPts val="1414"/>
+              </a:spcAft>
+              <a:buClr>
+                <a:srgbClr val="2c3e50"/>
+              </a:buClr>
+              <a:buSzPct val="45000"/>
+              <a:buFont typeface="Wingdings" charset="2"/>
+              <a:buChar char=""/>
+            </a:pPr>
+            <a:r>
+              <a:rPr b="0" lang="en-IN" sz="2000" spc="-1" strike="noStrike">
+                <a:solidFill>
+                  <a:srgbClr val="2c3e50"/>
+                </a:solidFill>
+                <a:latin typeface="Source Sans Pro Semibold"/>
+                <a:ea typeface="DejaVu Sans"/>
+              </a:rPr>
+              <a:t>Peercasting:</a:t>
+            </a:r>
+            <a:endParaRPr b="0" lang="en-IN" sz="2000" spc="-1" strike="noStrike">
+              <a:latin typeface="Arial"/>
+            </a:endParaRPr>
+          </a:p>
+          <a:p>
+            <a:pPr lvl="5" marL="1296000" indent="-216000">
+              <a:lnSpc>
+                <a:spcPct val="100000"/>
+              </a:lnSpc>
+              <a:spcAft>
+                <a:spcPts val="1414"/>
+              </a:spcAft>
+              <a:buClr>
+                <a:srgbClr val="000000"/>
+              </a:buClr>
+              <a:buSzPct val="45000"/>
+              <a:buFont typeface="Wingdings" charset="2"/>
+              <a:buChar char=""/>
+            </a:pPr>
+            <a:r>
+              <a:rPr b="0" lang="en-IN" sz="2000" spc="-1" strike="noStrike">
+                <a:solidFill>
+                  <a:srgbClr val="2c3e50"/>
+                </a:solidFill>
+                <a:latin typeface="Source Sans Pro Semibold"/>
+                <a:ea typeface="DejaVu Sans"/>
+              </a:rPr>
+              <a:t>Like broadcasting, peercasting is a method of streaming content to consumers. But it differs from traditional broadcasting because the consumers of peercasted content are simultaneously broadcasters. The Peer Distributed Transfer Protocol (PDTP) specification is a peer-to-peer system that provides streaming downloads of content which originates from a central server. </a:t>
+            </a:r>
+            <a:endParaRPr b="0" lang="en-IN" sz="2000" spc="-1" strike="noStrike">
+              <a:latin typeface="Arial"/>
+            </a:endParaRPr>
+          </a:p>
+          <a:p>
+            <a:pPr marL="432000" indent="-322920">
+              <a:lnSpc>
+                <a:spcPct val="100000"/>
+              </a:lnSpc>
+              <a:spcAft>
+                <a:spcPts val="1414"/>
+              </a:spcAft>
+              <a:buClr>
+                <a:srgbClr val="2c3e50"/>
+              </a:buClr>
+              <a:buSzPct val="45000"/>
+              <a:buFont typeface="Wingdings" charset="2"/>
+              <a:buChar char=""/>
+            </a:pPr>
+            <a:r>
+              <a:rPr b="0" lang="en-IN" sz="2000" spc="-1" strike="noStrike">
+                <a:solidFill>
+                  <a:srgbClr val="2c3e50"/>
+                </a:solidFill>
+                <a:latin typeface="Source Sans Pro Semibold"/>
+                <a:ea typeface="DejaVu Sans"/>
+              </a:rPr>
+              <a:t>Tor:</a:t>
+            </a:r>
+            <a:endParaRPr b="0" lang="en-IN" sz="2000" spc="-1" strike="noStrike">
+              <a:latin typeface="Arial"/>
+            </a:endParaRPr>
+          </a:p>
+          <a:p>
+            <a:pPr lvl="5" marL="1296000" indent="-216000">
+              <a:lnSpc>
+                <a:spcPct val="100000"/>
+              </a:lnSpc>
+              <a:spcAft>
+                <a:spcPts val="1414"/>
+              </a:spcAft>
+              <a:buClr>
+                <a:srgbClr val="000000"/>
+              </a:buClr>
+              <a:buSzPct val="45000"/>
+              <a:buFont typeface="Wingdings" charset="2"/>
+              <a:buChar char=""/>
+            </a:pPr>
+            <a:r>
+              <a:rPr b="0" lang="en-IN" sz="2000" spc="-1" strike="noStrike">
+                <a:solidFill>
+                  <a:srgbClr val="2c3e50"/>
+                </a:solidFill>
+                <a:latin typeface="Source Sans Pro Semibold"/>
+                <a:ea typeface="DejaVu Sans"/>
+              </a:rPr>
+              <a:t>Tor is an application that shields its user's identities by sending their traffic through a network of relays set up by volunteers around the world. In other words “it prevents somebody watching your Internet connection from learning what sites you visit, and it prevents the sites you visit from learning your physical location.”</a:t>
+            </a:r>
+            <a:endParaRPr b="0" lang="en-IN" sz="2000" spc="-1" strike="noStrike">
+              <a:latin typeface="Arial"/>
+            </a:endParaRPr>
+          </a:p>
+        </p:txBody>
       </p:sp>
     </p:spTree>
   </p:cSld>
+  <p:transition spd="med">
+    <p:wipe dir="u"/>
+  </p:transition>
   <p:timing>
     <p:tnLst>
       <p:par>
-        <p:cTn id="97" dur="indefinite" restart="never" nodeType="tmRoot">
+        <p:cTn id="168" dur="indefinite" restart="never" nodeType="tmRoot">
           <p:childTnLst>
             <p:seq>
-              <p:cTn id="98" nodeType="mainSeq"/>
+              <p:cTn id="169" nodeType="mainSeq">
+                <p:childTnLst>
+                  <p:par>
+                    <p:cTn id="170" fill="freeze">
+                      <p:stCondLst>
+                        <p:cond delay="indefinite"/>
+                      </p:stCondLst>
+                      <p:childTnLst>
+                        <p:par>
+                          <p:cTn id="171" fill="freeze">
+                            <p:stCondLst>
+                              <p:cond delay="0"/>
+                            </p:stCondLst>
+                            <p:childTnLst>
+                              <p:par>
+                                <p:cTn id="172" nodeType="clickEffect" fill="hold" presetClass="entr" presetID="10">
+                                  <p:stCondLst>
+                                    <p:cond delay="0"/>
+                                  </p:stCondLst>
+                                  <p:childTnLst>
+                                    <p:set>
+                                      <p:cBhvr>
+                                        <p:cTn id="173" dur="0" fill="hold">
+                                          <p:stCondLst>
+                                            <p:cond delay="0"/>
+                                          </p:stCondLst>
+                                        </p:cTn>
+                                        <p:tgtEl>
+                                          <p:spTgt spid="147">
+                                            <p:txEl>
+                                              <p:pRg st="0" end="13"/>
+                                            </p:txEl>
+                                          </p:spTgt>
+                                        </p:tgtEl>
+                                        <p:attrNameLst>
+                                          <p:attrName>style.visibility</p:attrName>
+                                        </p:attrNameLst>
+                                      </p:cBhvr>
+                                      <p:to>
+                                        <p:strVal val="visible"/>
+                                      </p:to>
+                                    </p:set>
+                                    <p:animEffect filter="fade" transition="in">
+                                      <p:cBhvr additive="repl">
+                                        <p:cTn id="174" dur="1000"/>
+                                        <p:tgtEl>
+                                          <p:spTgt spid="147">
+                                            <p:txEl>
+                                              <p:pRg st="0" end="13"/>
+                                            </p:txEl>
+                                          </p:spTgt>
+                                        </p:tgtEl>
+                                      </p:cBhvr>
+                                    </p:animEffect>
+                                  </p:childTnLst>
+                                </p:cTn>
+                              </p:par>
+                            </p:childTnLst>
+                          </p:cTn>
+                        </p:par>
+                      </p:childTnLst>
+                    </p:cTn>
+                  </p:par>
+                  <p:par>
+                    <p:cTn id="175" fill="freeze">
+                      <p:stCondLst>
+                        <p:cond delay="indefinite"/>
+                      </p:stCondLst>
+                      <p:childTnLst>
+                        <p:par>
+                          <p:cTn id="176" fill="freeze">
+                            <p:stCondLst>
+                              <p:cond delay="0"/>
+                            </p:stCondLst>
+                            <p:childTnLst>
+                              <p:par>
+                                <p:cTn id="177" nodeType="clickEffect" fill="hold" presetClass="entr" presetID="2" presetSubtype="4">
+                                  <p:stCondLst>
+                                    <p:cond delay="0"/>
+                                  </p:stCondLst>
+                                  <p:childTnLst>
+                                    <p:set>
+                                      <p:cBhvr>
+                                        <p:cTn id="178" dur="1" fill="hold">
+                                          <p:stCondLst>
+                                            <p:cond delay="0"/>
+                                          </p:stCondLst>
+                                        </p:cTn>
+                                        <p:tgtEl>
+                                          <p:spTgt spid="148">
+                                            <p:txEl>
+                                              <p:pRg st="0" end="13"/>
+                                            </p:txEl>
+                                          </p:spTgt>
+                                        </p:tgtEl>
+                                        <p:attrNameLst>
+                                          <p:attrName>style.visibility</p:attrName>
+                                        </p:attrNameLst>
+                                      </p:cBhvr>
+                                      <p:to>
+                                        <p:strVal val="visible"/>
+                                      </p:to>
+                                    </p:set>
+                                    <p:anim calcmode="lin" valueType="num">
+                                      <p:cBhvr additive="repl">
+                                        <p:cTn id="179" dur="500" fill="hold"/>
+                                        <p:tgtEl>
+                                          <p:spTgt spid="148">
+                                            <p:txEl>
+                                              <p:pRg st="0" end="13"/>
+                                            </p:txEl>
+                                          </p:spTgt>
+                                        </p:tgtEl>
+                                        <p:attrNameLst>
+                                          <p:attrName>ppt_x</p:attrName>
+                                        </p:attrNameLst>
+                                      </p:cBhvr>
+                                      <p:tavLst>
+                                        <p:tav tm="0">
+                                          <p:val>
+                                            <p:strVal val="#ppt_x"/>
+                                          </p:val>
+                                        </p:tav>
+                                        <p:tav tm="100000">
+                                          <p:val>
+                                            <p:strVal val="#ppt_x"/>
+                                          </p:val>
+                                        </p:tav>
+                                      </p:tavLst>
+                                    </p:anim>
+                                    <p:anim calcmode="lin" valueType="num">
+                                      <p:cBhvr additive="repl">
+                                        <p:cTn id="180" dur="500" fill="hold"/>
+                                        <p:tgtEl>
+                                          <p:spTgt spid="148">
+                                            <p:txEl>
+                                              <p:pRg st="0" end="13"/>
+                                            </p:txEl>
+                                          </p:spTgt>
+                                        </p:tgtEl>
+                                        <p:attrNameLst>
+                                          <p:attrName>ppt_y</p:attrName>
+                                        </p:attrNameLst>
+                                      </p:cBhvr>
+                                      <p:tavLst>
+                                        <p:tav tm="0">
+                                          <p:val>
+                                            <p:strVal val="1+#ppt_h/2"/>
+                                          </p:val>
+                                        </p:tav>
+                                        <p:tav tm="100000">
+                                          <p:val>
+                                            <p:strVal val="#ppt_y"/>
+                                          </p:val>
+                                        </p:tav>
+                                      </p:tavLst>
+                                    </p:anim>
+                                  </p:childTnLst>
+                                </p:cTn>
+                              </p:par>
+                            </p:childTnLst>
+                          </p:cTn>
+                        </p:par>
+                      </p:childTnLst>
+                    </p:cTn>
+                  </p:par>
+                  <p:par>
+                    <p:cTn id="181" fill="freeze">
+                      <p:stCondLst>
+                        <p:cond delay="indefinite"/>
+                      </p:stCondLst>
+                      <p:childTnLst>
+                        <p:par>
+                          <p:cTn id="182" fill="freeze">
+                            <p:stCondLst>
+                              <p:cond delay="0"/>
+                            </p:stCondLst>
+                            <p:childTnLst>
+                              <p:par>
+                                <p:cTn id="183" nodeType="clickEffect" fill="hold" presetClass="entr" presetID="4" presetSubtype="16">
+                                  <p:stCondLst>
+                                    <p:cond delay="0"/>
+                                  </p:stCondLst>
+                                  <p:childTnLst>
+                                    <p:set>
+                                      <p:cBhvr>
+                                        <p:cTn id="184" dur="2" fill="hold">
+                                          <p:stCondLst>
+                                            <p:cond delay="0"/>
+                                          </p:stCondLst>
+                                        </p:cTn>
+                                        <p:tgtEl>
+                                          <p:spTgt spid="148">
+                                            <p:txEl>
+                                              <p:pRg st="13" end="384"/>
+                                            </p:txEl>
+                                          </p:spTgt>
+                                        </p:tgtEl>
+                                        <p:attrNameLst>
+                                          <p:attrName>style.visibility</p:attrName>
+                                        </p:attrNameLst>
+                                      </p:cBhvr>
+                                      <p:to>
+                                        <p:strVal val="visible"/>
+                                      </p:to>
+                                    </p:set>
+                                    <p:animEffect filter="box(in)" transition="out">
+                                      <p:cBhvr additive="repl">
+                                        <p:cTn id="185" dur="1000"/>
+                                        <p:tgtEl>
+                                          <p:spTgt spid="148">
+                                            <p:txEl>
+                                              <p:pRg st="13" end="384"/>
+                                            </p:txEl>
+                                          </p:spTgt>
+                                        </p:tgtEl>
+                                      </p:cBhvr>
+                                    </p:animEffect>
+                                  </p:childTnLst>
+                                </p:cTn>
+                              </p:par>
+                            </p:childTnLst>
+                          </p:cTn>
+                        </p:par>
+                      </p:childTnLst>
+                    </p:cTn>
+                  </p:par>
+                  <p:par>
+                    <p:cTn id="186" fill="freeze">
+                      <p:stCondLst>
+                        <p:cond delay="indefinite"/>
+                      </p:stCondLst>
+                      <p:childTnLst>
+                        <p:par>
+                          <p:cTn id="187" fill="freeze">
+                            <p:stCondLst>
+                              <p:cond delay="0"/>
+                            </p:stCondLst>
+                            <p:childTnLst>
+                              <p:par>
+                                <p:cTn id="188" nodeType="clickEffect" fill="hold" presetClass="entr" presetID="2" presetSubtype="4">
+                                  <p:stCondLst>
+                                    <p:cond delay="0"/>
+                                  </p:stCondLst>
+                                  <p:childTnLst>
+                                    <p:set>
+                                      <p:cBhvr>
+                                        <p:cTn id="189" dur="1" fill="hold">
+                                          <p:stCondLst>
+                                            <p:cond delay="0"/>
+                                          </p:stCondLst>
+                                        </p:cTn>
+                                        <p:tgtEl>
+                                          <p:spTgt spid="148">
+                                            <p:txEl>
+                                              <p:pRg st="384" end="389"/>
+                                            </p:txEl>
+                                          </p:spTgt>
+                                        </p:tgtEl>
+                                        <p:attrNameLst>
+                                          <p:attrName>style.visibility</p:attrName>
+                                        </p:attrNameLst>
+                                      </p:cBhvr>
+                                      <p:to>
+                                        <p:strVal val="visible"/>
+                                      </p:to>
+                                    </p:set>
+                                    <p:anim calcmode="lin" valueType="num">
+                                      <p:cBhvr additive="repl">
+                                        <p:cTn id="190" dur="500" fill="hold"/>
+                                        <p:tgtEl>
+                                          <p:spTgt spid="148">
+                                            <p:txEl>
+                                              <p:pRg st="384" end="389"/>
+                                            </p:txEl>
+                                          </p:spTgt>
+                                        </p:tgtEl>
+                                        <p:attrNameLst>
+                                          <p:attrName>ppt_x</p:attrName>
+                                        </p:attrNameLst>
+                                      </p:cBhvr>
+                                      <p:tavLst>
+                                        <p:tav tm="0">
+                                          <p:val>
+                                            <p:strVal val="#ppt_x"/>
+                                          </p:val>
+                                        </p:tav>
+                                        <p:tav tm="100000">
+                                          <p:val>
+                                            <p:strVal val="#ppt_x"/>
+                                          </p:val>
+                                        </p:tav>
+                                      </p:tavLst>
+                                    </p:anim>
+                                    <p:anim calcmode="lin" valueType="num">
+                                      <p:cBhvr additive="repl">
+                                        <p:cTn id="191" dur="500" fill="hold"/>
+                                        <p:tgtEl>
+                                          <p:spTgt spid="148">
+                                            <p:txEl>
+                                              <p:pRg st="384" end="389"/>
+                                            </p:txEl>
+                                          </p:spTgt>
+                                        </p:tgtEl>
+                                        <p:attrNameLst>
+                                          <p:attrName>ppt_y</p:attrName>
+                                        </p:attrNameLst>
+                                      </p:cBhvr>
+                                      <p:tavLst>
+                                        <p:tav tm="0">
+                                          <p:val>
+                                            <p:strVal val="1+#ppt_h/2"/>
+                                          </p:val>
+                                        </p:tav>
+                                        <p:tav tm="100000">
+                                          <p:val>
+                                            <p:strVal val="#ppt_y"/>
+                                          </p:val>
+                                        </p:tav>
+                                      </p:tavLst>
+                                    </p:anim>
+                                  </p:childTnLst>
+                                </p:cTn>
+                              </p:par>
+                            </p:childTnLst>
+                          </p:cTn>
+                        </p:par>
+                      </p:childTnLst>
+                    </p:cTn>
+                  </p:par>
+                  <p:par>
+                    <p:cTn id="192" fill="freeze">
+                      <p:stCondLst>
+                        <p:cond delay="indefinite"/>
+                      </p:stCondLst>
+                      <p:childTnLst>
+                        <p:par>
+                          <p:cTn id="193" fill="freeze">
+                            <p:stCondLst>
+                              <p:cond delay="0"/>
+                            </p:stCondLst>
+                            <p:childTnLst>
+                              <p:par>
+                                <p:cTn id="194" nodeType="clickEffect" fill="hold" presetClass="entr" presetID="4" presetSubtype="16">
+                                  <p:stCondLst>
+                                    <p:cond delay="0"/>
+                                  </p:stCondLst>
+                                  <p:childTnLst>
+                                    <p:set>
+                                      <p:cBhvr>
+                                        <p:cTn id="195" dur="2" fill="hold">
+                                          <p:stCondLst>
+                                            <p:cond delay="0"/>
+                                          </p:stCondLst>
+                                        </p:cTn>
+                                        <p:tgtEl>
+                                          <p:spTgt spid="148">
+                                            <p:txEl>
+                                              <p:pRg st="389" end="720"/>
+                                            </p:txEl>
+                                          </p:spTgt>
+                                        </p:tgtEl>
+                                        <p:attrNameLst>
+                                          <p:attrName>style.visibility</p:attrName>
+                                        </p:attrNameLst>
+                                      </p:cBhvr>
+                                      <p:to>
+                                        <p:strVal val="visible"/>
+                                      </p:to>
+                                    </p:set>
+                                    <p:animEffect filter="box(in)" transition="out">
+                                      <p:cBhvr additive="repl">
+                                        <p:cTn id="196" dur="1000"/>
+                                        <p:tgtEl>
+                                          <p:spTgt spid="148">
+                                            <p:txEl>
+                                              <p:pRg st="389" end="720"/>
+                                            </p:txEl>
+                                          </p:spTgt>
+                                        </p:tgtEl>
+                                      </p:cBhvr>
+                                    </p:animEffect>
+                                  </p:childTnLst>
+                                </p:cTn>
+                              </p:par>
+                            </p:childTnLst>
+                          </p:cTn>
+                        </p:par>
+                      </p:childTnLst>
+                    </p:cTn>
+                  </p:par>
+                </p:childTnLst>
+              </p:cTn>
+              <p:prevCondLst>
+                <p:cond delay="0" evt="onPrev">
+                  <p:tgtEl>
+                    <p:sldTgt/>
+                  </p:tgtEl>
+                </p:cond>
+              </p:prevCondLst>
+              <p:nextCondLst>
+                <p:cond delay="0" evt="onNext">
+                  <p:tgtEl>
+                    <p:sldTgt/>
+                  </p:tgtEl>
+                </p:cond>
+              </p:nextCondLst>
+            </p:seq>
+          </p:childTnLst>
+        </p:cTn>
+      </p:par>
+    </p:tnLst>
+  </p:timing>
+</p:sld>
+</file>
+
+<file path=ppt/slides/slide8.xml><?xml version="1.0" encoding="utf-8"?>
+<p:sld xmlns:a="http://schemas.openxmlformats.org/drawingml/2006/main" xmlns:p="http://schemas.openxmlformats.org/presentationml/2006/main" xmlns:r="http://schemas.openxmlformats.org/officeDocument/2006/relationships" xmlns:p14="http://schemas.microsoft.com/office/powerpoint/2010/main" xmlns:p15="http://schemas.microsoft.com/office/powerpoint/2012/main" xmlns:mc="http://schemas.openxmlformats.org/markup-compatibility/2006">
+  <p:cSld>
+    <p:spTree>
+      <p:nvGrpSpPr>
+        <p:cNvPr id="1" name=""/>
+        <p:cNvGrpSpPr/>
+        <p:nvPr/>
+      </p:nvGrpSpPr>
+      <p:grpSpPr>
+        <a:xfrm>
+          <a:off x="0" y="0"/>
+          <a:ext cx="0" cy="0"/>
+          <a:chOff x="0" y="0"/>
+          <a:chExt cx="0" cy="0"/>
+        </a:xfrm>
+      </p:grpSpPr>
+      <p:sp>
+        <p:nvSpPr>
+          <p:cNvPr id="149" name="CustomShape 1"/>
+          <p:cNvSpPr/>
+          <p:nvPr/>
+        </p:nvSpPr>
+        <p:spPr>
+          <a:xfrm>
+            <a:off x="360000" y="301320"/>
+            <a:ext cx="9358920" cy="957600"/>
+          </a:xfrm>
+          <a:prstGeom prst="rect">
+            <a:avLst/>
+          </a:prstGeom>
+          <a:noFill/>
+          <a:ln>
+            <a:noFill/>
+          </a:ln>
+        </p:spPr>
+        <p:style>
+          <a:lnRef idx="0"/>
+          <a:fillRef idx="0"/>
+          <a:effectRef idx="0"/>
+          <a:fontRef idx="minor"/>
+        </p:style>
+        <p:txBody>
+          <a:bodyPr lIns="0" rIns="0" tIns="0" bIns="0" anchor="ctr"/>
+          <a:p>
+            <a:pPr algn="ctr">
+              <a:lnSpc>
+                <a:spcPct val="100000"/>
+              </a:lnSpc>
+            </a:pPr>
+            <a:r>
+              <a:rPr b="1" lang="en-IN" sz="3600" spc="-1" strike="noStrike">
+                <a:solidFill>
+                  <a:srgbClr val="ffffff"/>
+                </a:solidFill>
+                <a:latin typeface="Roboto"/>
+                <a:ea typeface="DejaVu Sans"/>
+              </a:rPr>
+              <a:t>Algorithms</a:t>
+            </a:r>
+            <a:endParaRPr b="0" lang="en-IN" sz="3600" spc="-1" strike="noStrike">
+              <a:latin typeface="Arial"/>
+            </a:endParaRPr>
+          </a:p>
+        </p:txBody>
+      </p:sp>
+      <p:sp>
+        <p:nvSpPr>
+          <p:cNvPr id="150" name="CustomShape 2"/>
+          <p:cNvSpPr/>
+          <p:nvPr/>
+        </p:nvSpPr>
+        <p:spPr>
+          <a:xfrm>
+            <a:off x="360000" y="1980000"/>
+            <a:ext cx="9358920" cy="5038920"/>
+          </a:xfrm>
+          <a:prstGeom prst="rect">
+            <a:avLst/>
+          </a:prstGeom>
+          <a:noFill/>
+          <a:ln>
+            <a:noFill/>
+          </a:ln>
+        </p:spPr>
+        <p:style>
+          <a:lnRef idx="0"/>
+          <a:fillRef idx="0"/>
+          <a:effectRef idx="0"/>
+          <a:fontRef idx="minor"/>
+        </p:style>
+        <p:txBody>
+          <a:bodyPr lIns="0" rIns="0" tIns="0" bIns="0">
+            <a:normAutofit/>
+          </a:bodyPr>
+          <a:p>
+            <a:pPr marL="432000" indent="-322920">
+              <a:lnSpc>
+                <a:spcPct val="100000"/>
+              </a:lnSpc>
+              <a:spcAft>
+                <a:spcPts val="1414"/>
+              </a:spcAft>
+              <a:buClr>
+                <a:srgbClr val="2c3e50"/>
+              </a:buClr>
+              <a:buSzPct val="45000"/>
+              <a:buFont typeface="Wingdings" charset="2"/>
+              <a:buChar char=""/>
+            </a:pPr>
+            <a:r>
+              <a:rPr b="0" lang="en-IN" sz="2000" spc="-1" strike="noStrike">
+                <a:solidFill>
+                  <a:srgbClr val="2c3e50"/>
+                </a:solidFill>
+                <a:latin typeface="Source Sans Pro Semibold"/>
+                <a:ea typeface="DejaVu Sans"/>
+              </a:rPr>
+              <a:t>Centralized directory model:</a:t>
+            </a:r>
+            <a:endParaRPr b="0" lang="en-IN" sz="2000" spc="-1" strike="noStrike">
+              <a:latin typeface="Arial"/>
+            </a:endParaRPr>
+          </a:p>
+          <a:p>
+            <a:pPr lvl="6" marL="1512000" indent="-216000">
+              <a:lnSpc>
+                <a:spcPct val="100000"/>
+              </a:lnSpc>
+              <a:spcAft>
+                <a:spcPts val="1414"/>
+              </a:spcAft>
+              <a:buClr>
+                <a:srgbClr val="000000"/>
+              </a:buClr>
+              <a:buSzPct val="45000"/>
+              <a:buFont typeface="Wingdings" charset="2"/>
+              <a:buChar char=""/>
+            </a:pPr>
+            <a:r>
+              <a:rPr b="0" lang="en-IN" sz="2000" spc="-1" strike="noStrike">
+                <a:solidFill>
+                  <a:srgbClr val="2c3e50"/>
+                </a:solidFill>
+                <a:latin typeface="Source Sans Pro Semibold"/>
+                <a:ea typeface="DejaVu Sans"/>
+              </a:rPr>
+              <a:t>This model was made popular by Napster. The peers of the community connect to a central directory where they publish information about the content they offer for sharing.</a:t>
+            </a:r>
+            <a:endParaRPr b="0" lang="en-IN" sz="2000" spc="-1" strike="noStrike">
+              <a:latin typeface="Arial"/>
+            </a:endParaRPr>
+          </a:p>
+          <a:p>
+            <a:pPr marL="432000" indent="-322920">
+              <a:lnSpc>
+                <a:spcPct val="100000"/>
+              </a:lnSpc>
+              <a:spcAft>
+                <a:spcPts val="1414"/>
+              </a:spcAft>
+              <a:buClr>
+                <a:srgbClr val="2c3e50"/>
+              </a:buClr>
+              <a:buSzPct val="45000"/>
+              <a:buFont typeface="Wingdings" charset="2"/>
+              <a:buChar char=""/>
+            </a:pPr>
+            <a:endParaRPr b="0" lang="en-IN" sz="2000" spc="-1" strike="noStrike">
+              <a:latin typeface="Arial"/>
+            </a:endParaRPr>
+          </a:p>
+          <a:p>
+            <a:pPr lvl="6" marL="1512000" indent="-216000">
+              <a:lnSpc>
+                <a:spcPct val="100000"/>
+              </a:lnSpc>
+              <a:spcAft>
+                <a:spcPts val="1414"/>
+              </a:spcAft>
+              <a:buClr>
+                <a:srgbClr val="000000"/>
+              </a:buClr>
+              <a:buSzPct val="45000"/>
+              <a:buFont typeface="Wingdings" charset="2"/>
+              <a:buChar char=""/>
+            </a:pPr>
+            <a:endParaRPr b="0" lang="en-IN" sz="2000" spc="-1" strike="noStrike">
+              <a:latin typeface="Arial"/>
+            </a:endParaRPr>
+          </a:p>
+          <a:p>
+            <a:pPr>
+              <a:lnSpc>
+                <a:spcPct val="100000"/>
+              </a:lnSpc>
+              <a:spcAft>
+                <a:spcPts val="1414"/>
+              </a:spcAft>
+            </a:pPr>
+            <a:endParaRPr b="0" lang="en-IN" sz="2000" spc="-1" strike="noStrike">
+              <a:latin typeface="Arial"/>
+            </a:endParaRPr>
+          </a:p>
+        </p:txBody>
+      </p:sp>
+      <p:pic>
+        <p:nvPicPr>
+          <p:cNvPr id="151" name="" descr=""/>
+          <p:cNvPicPr/>
+          <p:nvPr/>
+        </p:nvPicPr>
+        <p:blipFill>
+          <a:blip r:embed="rId1"/>
+          <a:stretch/>
+        </p:blipFill>
+        <p:spPr>
+          <a:xfrm>
+            <a:off x="3456000" y="4176000"/>
+            <a:ext cx="3692520" cy="2243520"/>
+          </a:xfrm>
+          <a:prstGeom prst="rect">
+            <a:avLst/>
+          </a:prstGeom>
+          <a:ln>
+            <a:noFill/>
+          </a:ln>
+        </p:spPr>
+      </p:pic>
+    </p:spTree>
+  </p:cSld>
+  <p:transition spd="med">
+    <p:wipe dir="u"/>
+  </p:transition>
+  <p:timing>
+    <p:tnLst>
+      <p:par>
+        <p:cTn id="197" dur="indefinite" restart="never" nodeType="tmRoot">
+          <p:childTnLst>
+            <p:seq>
+              <p:cTn id="198" nodeType="mainSeq">
+                <p:childTnLst>
+                  <p:par>
+                    <p:cTn id="199" fill="freeze">
+                      <p:stCondLst>
+                        <p:cond delay="indefinite"/>
+                      </p:stCondLst>
+                      <p:childTnLst>
+                        <p:par>
+                          <p:cTn id="200" fill="freeze">
+                            <p:stCondLst>
+                              <p:cond delay="0"/>
+                            </p:stCondLst>
+                            <p:childTnLst>
+                              <p:par>
+                                <p:cTn id="201" nodeType="clickEffect" fill="hold" presetClass="entr" presetID="10">
+                                  <p:stCondLst>
+                                    <p:cond delay="0"/>
+                                  </p:stCondLst>
+                                  <p:childTnLst>
+                                    <p:set>
+                                      <p:cBhvr>
+                                        <p:cTn id="202" dur="0" fill="hold">
+                                          <p:stCondLst>
+                                            <p:cond delay="0"/>
+                                          </p:stCondLst>
+                                        </p:cTn>
+                                        <p:tgtEl>
+                                          <p:spTgt spid="149">
+                                            <p:txEl>
+                                              <p:pRg st="0" end="11"/>
+                                            </p:txEl>
+                                          </p:spTgt>
+                                        </p:tgtEl>
+                                        <p:attrNameLst>
+                                          <p:attrName>style.visibility</p:attrName>
+                                        </p:attrNameLst>
+                                      </p:cBhvr>
+                                      <p:to>
+                                        <p:strVal val="visible"/>
+                                      </p:to>
+                                    </p:set>
+                                    <p:animEffect filter="fade" transition="in">
+                                      <p:cBhvr additive="repl">
+                                        <p:cTn id="203" dur="1000"/>
+                                        <p:tgtEl>
+                                          <p:spTgt spid="149">
+                                            <p:txEl>
+                                              <p:pRg st="0" end="11"/>
+                                            </p:txEl>
+                                          </p:spTgt>
+                                        </p:tgtEl>
+                                      </p:cBhvr>
+                                    </p:animEffect>
+                                  </p:childTnLst>
+                                </p:cTn>
+                              </p:par>
+                            </p:childTnLst>
+                          </p:cTn>
+                        </p:par>
+                      </p:childTnLst>
+                    </p:cTn>
+                  </p:par>
+                  <p:par>
+                    <p:cTn id="204" fill="freeze">
+                      <p:stCondLst>
+                        <p:cond delay="indefinite"/>
+                      </p:stCondLst>
+                      <p:childTnLst>
+                        <p:par>
+                          <p:cTn id="205" fill="freeze">
+                            <p:stCondLst>
+                              <p:cond delay="0"/>
+                            </p:stCondLst>
+                            <p:childTnLst>
+                              <p:par>
+                                <p:cTn id="206" nodeType="clickEffect" fill="hold" presetClass="entr" presetID="5" presetSubtype="10">
+                                  <p:stCondLst>
+                                    <p:cond delay="0"/>
+                                  </p:stCondLst>
+                                  <p:childTnLst>
+                                    <p:set>
+                                      <p:cBhvr>
+                                        <p:cTn id="207" dur="2" fill="hold">
+                                          <p:stCondLst>
+                                            <p:cond delay="0"/>
+                                          </p:stCondLst>
+                                        </p:cTn>
+                                        <p:tgtEl>
+                                          <p:spTgt spid="150">
+                                            <p:txEl>
+                                              <p:pRg st="0" end="29"/>
+                                            </p:txEl>
+                                          </p:spTgt>
+                                        </p:tgtEl>
+                                        <p:attrNameLst>
+                                          <p:attrName>style.visibility</p:attrName>
+                                        </p:attrNameLst>
+                                      </p:cBhvr>
+                                      <p:to>
+                                        <p:strVal val="visible"/>
+                                      </p:to>
+                                    </p:set>
+                                    <p:animEffect filter="checkerboard(across)" transition="in">
+                                      <p:cBhvr additive="repl">
+                                        <p:cTn id="208" dur="1000"/>
+                                        <p:tgtEl>
+                                          <p:spTgt spid="150">
+                                            <p:txEl>
+                                              <p:pRg st="0" end="29"/>
+                                            </p:txEl>
+                                          </p:spTgt>
+                                        </p:tgtEl>
+                                      </p:cBhvr>
+                                    </p:animEffect>
+                                  </p:childTnLst>
+                                </p:cTn>
+                              </p:par>
+                            </p:childTnLst>
+                          </p:cTn>
+                        </p:par>
+                      </p:childTnLst>
+                    </p:cTn>
+                  </p:par>
+                  <p:par>
+                    <p:cTn id="209" fill="freeze">
+                      <p:stCondLst>
+                        <p:cond delay="indefinite"/>
+                      </p:stCondLst>
+                      <p:childTnLst>
+                        <p:par>
+                          <p:cTn id="210" fill="freeze">
+                            <p:stCondLst>
+                              <p:cond delay="0"/>
+                            </p:stCondLst>
+                            <p:childTnLst>
+                              <p:par>
+                                <p:cTn id="211" nodeType="clickEffect" fill="hold" presetClass="entr" presetID="4" presetSubtype="16">
+                                  <p:stCondLst>
+                                    <p:cond delay="0"/>
+                                  </p:stCondLst>
+                                  <p:childTnLst>
+                                    <p:set>
+                                      <p:cBhvr>
+                                        <p:cTn id="212" dur="2" fill="hold">
+                                          <p:stCondLst>
+                                            <p:cond delay="0"/>
+                                          </p:stCondLst>
+                                        </p:cTn>
+                                        <p:tgtEl>
+                                          <p:spTgt spid="150">
+                                            <p:txEl>
+                                              <p:pRg st="29" end="200"/>
+                                            </p:txEl>
+                                          </p:spTgt>
+                                        </p:tgtEl>
+                                        <p:attrNameLst>
+                                          <p:attrName>style.visibility</p:attrName>
+                                        </p:attrNameLst>
+                                      </p:cBhvr>
+                                      <p:to>
+                                        <p:strVal val="visible"/>
+                                      </p:to>
+                                    </p:set>
+                                    <p:animEffect filter="box(in)" transition="out">
+                                      <p:cBhvr additive="repl">
+                                        <p:cTn id="213" dur="1000"/>
+                                        <p:tgtEl>
+                                          <p:spTgt spid="150">
+                                            <p:txEl>
+                                              <p:pRg st="29" end="200"/>
+                                            </p:txEl>
+                                          </p:spTgt>
+                                        </p:tgtEl>
+                                      </p:cBhvr>
+                                    </p:animEffect>
+                                  </p:childTnLst>
+                                </p:cTn>
+                              </p:par>
+                            </p:childTnLst>
+                          </p:cTn>
+                        </p:par>
+                      </p:childTnLst>
+                    </p:cTn>
+                  </p:par>
+                  <p:par>
+                    <p:cTn id="214" fill="freeze">
+                      <p:stCondLst>
+                        <p:cond delay="indefinite"/>
+                      </p:stCondLst>
+                      <p:childTnLst>
+                        <p:par>
+                          <p:cTn id="215" fill="freeze">
+                            <p:stCondLst>
+                              <p:cond delay="0"/>
+                            </p:stCondLst>
+                            <p:childTnLst>
+                              <p:par>
+                                <p:cTn id="216" nodeType="clickEffect" fill="hold" presetClass="entr" presetID="3" presetSubtype="10">
+                                  <p:stCondLst>
+                                    <p:cond delay="0"/>
+                                  </p:stCondLst>
+                                  <p:childTnLst>
+                                    <p:set>
+                                      <p:cBhvr>
+                                        <p:cTn id="217" dur="1" fill="hold">
+                                          <p:stCondLst>
+                                            <p:cond delay="0"/>
+                                          </p:stCondLst>
+                                        </p:cTn>
+                                        <p:tgtEl>
+                                          <p:spTgt spid="151"/>
+                                        </p:tgtEl>
+                                        <p:attrNameLst>
+                                          <p:attrName>style.visibility</p:attrName>
+                                        </p:attrNameLst>
+                                      </p:cBhvr>
+                                      <p:to>
+                                        <p:strVal val="visible"/>
+                                      </p:to>
+                                    </p:set>
+                                    <p:animEffect filter="blinds(horizontal)" transition="in">
+                                      <p:cBhvr additive="repl">
+                                        <p:cTn id="218" dur="500"/>
+                                        <p:tgtEl>
+                                          <p:spTgt spid="151"/>
+                                        </p:tgtEl>
+                                      </p:cBhvr>
+                                    </p:animEffect>
+                                  </p:childTnLst>
+                                </p:cTn>
+                              </p:par>
+                            </p:childTnLst>
+                          </p:cTn>
+                        </p:par>
+                      </p:childTnLst>
+                    </p:cTn>
+                  </p:par>
+                </p:childTnLst>
+              </p:cTn>
+              <p:prevCondLst>
+                <p:cond delay="0" evt="onPrev">
+                  <p:tgtEl>
+                    <p:sldTgt/>
+                  </p:tgtEl>
+                </p:cond>
+              </p:prevCondLst>
+              <p:nextCondLst>
+                <p:cond delay="0" evt="onNext">
+                  <p:tgtEl>
+                    <p:sldTgt/>
+                  </p:tgtEl>
+                </p:cond>
+              </p:nextCondLst>
+            </p:seq>
+          </p:childTnLst>
+        </p:cTn>
+      </p:par>
+    </p:tnLst>
+  </p:timing>
+</p:sld>
+</file>
+
+<file path=ppt/slides/slide9.xml><?xml version="1.0" encoding="utf-8"?>
+<p:sld xmlns:a="http://schemas.openxmlformats.org/drawingml/2006/main" xmlns:p="http://schemas.openxmlformats.org/presentationml/2006/main" xmlns:r="http://schemas.openxmlformats.org/officeDocument/2006/relationships" xmlns:p14="http://schemas.microsoft.com/office/powerpoint/2010/main" xmlns:p15="http://schemas.microsoft.com/office/powerpoint/2012/main" xmlns:mc="http://schemas.openxmlformats.org/markup-compatibility/2006">
+  <p:cSld>
+    <p:spTree>
+      <p:nvGrpSpPr>
+        <p:cNvPr id="1" name=""/>
+        <p:cNvGrpSpPr/>
+        <p:nvPr/>
+      </p:nvGrpSpPr>
+      <p:grpSpPr>
+        <a:xfrm>
+          <a:off x="0" y="0"/>
+          <a:ext cx="0" cy="0"/>
+          <a:chOff x="0" y="0"/>
+          <a:chExt cx="0" cy="0"/>
+        </a:xfrm>
+      </p:grpSpPr>
+      <p:sp>
+        <p:nvSpPr>
+          <p:cNvPr id="152" name="CustomShape 1"/>
+          <p:cNvSpPr/>
+          <p:nvPr/>
+        </p:nvSpPr>
+        <p:spPr>
+          <a:xfrm>
+            <a:off x="360000" y="301320"/>
+            <a:ext cx="9358920" cy="957600"/>
+          </a:xfrm>
+          <a:prstGeom prst="rect">
+            <a:avLst/>
+          </a:prstGeom>
+          <a:noFill/>
+          <a:ln>
+            <a:noFill/>
+          </a:ln>
+        </p:spPr>
+        <p:style>
+          <a:lnRef idx="0"/>
+          <a:fillRef idx="0"/>
+          <a:effectRef idx="0"/>
+          <a:fontRef idx="minor"/>
+        </p:style>
+        <p:txBody>
+          <a:bodyPr lIns="0" rIns="0" tIns="0" bIns="0" anchor="ctr"/>
+          <a:p>
+            <a:pPr algn="ctr">
+              <a:lnSpc>
+                <a:spcPct val="100000"/>
+              </a:lnSpc>
+            </a:pPr>
+            <a:r>
+              <a:rPr b="1" lang="en-IN" sz="3600" spc="-1" strike="noStrike">
+                <a:solidFill>
+                  <a:srgbClr val="ffffff"/>
+                </a:solidFill>
+                <a:latin typeface="Roboto"/>
+                <a:ea typeface="DejaVu Sans"/>
+              </a:rPr>
+              <a:t>Algorithms</a:t>
+            </a:r>
+            <a:endParaRPr b="0" lang="en-IN" sz="3600" spc="-1" strike="noStrike">
+              <a:latin typeface="Arial"/>
+            </a:endParaRPr>
+          </a:p>
+        </p:txBody>
+      </p:sp>
+      <p:sp>
+        <p:nvSpPr>
+          <p:cNvPr id="153" name="CustomShape 2"/>
+          <p:cNvSpPr/>
+          <p:nvPr/>
+        </p:nvSpPr>
+        <p:spPr>
+          <a:xfrm>
+            <a:off x="360000" y="1980000"/>
+            <a:ext cx="9358920" cy="5038920"/>
+          </a:xfrm>
+          <a:prstGeom prst="rect">
+            <a:avLst/>
+          </a:prstGeom>
+          <a:noFill/>
+          <a:ln>
+            <a:noFill/>
+          </a:ln>
+        </p:spPr>
+        <p:style>
+          <a:lnRef idx="0"/>
+          <a:fillRef idx="0"/>
+          <a:effectRef idx="0"/>
+          <a:fontRef idx="minor"/>
+        </p:style>
+        <p:txBody>
+          <a:bodyPr lIns="0" rIns="0" tIns="0" bIns="0">
+            <a:normAutofit/>
+          </a:bodyPr>
+          <a:p>
+            <a:pPr marL="432000" indent="-322920">
+              <a:lnSpc>
+                <a:spcPct val="100000"/>
+              </a:lnSpc>
+              <a:spcAft>
+                <a:spcPts val="1414"/>
+              </a:spcAft>
+              <a:buClr>
+                <a:srgbClr val="2c3e50"/>
+              </a:buClr>
+              <a:buSzPct val="45000"/>
+              <a:buFont typeface="Wingdings" charset="2"/>
+              <a:buChar char=""/>
+            </a:pPr>
+            <a:r>
+              <a:rPr b="0" lang="en-IN" sz="2000" spc="-1" strike="noStrike">
+                <a:solidFill>
+                  <a:srgbClr val="2c3e50"/>
+                </a:solidFill>
+                <a:latin typeface="Source Sans Pro Semibold"/>
+                <a:ea typeface="DejaVu Sans"/>
+              </a:rPr>
+              <a:t>Flooded Request Model:</a:t>
+            </a:r>
+            <a:endParaRPr b="0" lang="en-IN" sz="2000" spc="-1" strike="noStrike">
+              <a:latin typeface="Arial"/>
+            </a:endParaRPr>
+          </a:p>
+          <a:p>
+            <a:pPr lvl="6" marL="1512000" indent="-216000">
+              <a:lnSpc>
+                <a:spcPct val="100000"/>
+              </a:lnSpc>
+              <a:spcAft>
+                <a:spcPts val="1414"/>
+              </a:spcAft>
+              <a:buClr>
+                <a:srgbClr val="000000"/>
+              </a:buClr>
+              <a:buSzPct val="45000"/>
+              <a:buFont typeface="Wingdings" charset="2"/>
+              <a:buChar char=""/>
+            </a:pPr>
+            <a:r>
+              <a:rPr b="0" lang="en-IN" sz="2000" spc="-1" strike="noStrike">
+                <a:solidFill>
+                  <a:srgbClr val="2c3e50"/>
+                </a:solidFill>
+                <a:latin typeface="Source Sans Pro Semibold"/>
+                <a:ea typeface="DejaVu Sans"/>
+              </a:rPr>
+              <a:t>This is a pure P2P model in which each request from a peer is flooded (broadcast) to directly connected peers until the request is answered or a maximum number of flooding steps (typically 5 to 9)</a:t>
+            </a:r>
+            <a:endParaRPr b="0" lang="en-IN" sz="2000" spc="-1" strike="noStrike">
+              <a:latin typeface="Arial"/>
+            </a:endParaRPr>
+          </a:p>
+          <a:p>
+            <a:pPr marL="432000" indent="-322920">
+              <a:lnSpc>
+                <a:spcPct val="100000"/>
+              </a:lnSpc>
+              <a:spcAft>
+                <a:spcPts val="1414"/>
+              </a:spcAft>
+              <a:buClr>
+                <a:srgbClr val="2c3e50"/>
+              </a:buClr>
+              <a:buSzPct val="45000"/>
+              <a:buFont typeface="Wingdings" charset="2"/>
+              <a:buChar char=""/>
+            </a:pPr>
+            <a:endParaRPr b="0" lang="en-IN" sz="2000" spc="-1" strike="noStrike">
+              <a:latin typeface="Arial"/>
+            </a:endParaRPr>
+          </a:p>
+          <a:p>
+            <a:pPr lvl="6" marL="1512000" indent="-216000">
+              <a:lnSpc>
+                <a:spcPct val="100000"/>
+              </a:lnSpc>
+              <a:spcAft>
+                <a:spcPts val="1414"/>
+              </a:spcAft>
+              <a:buClr>
+                <a:srgbClr val="000000"/>
+              </a:buClr>
+              <a:buSzPct val="45000"/>
+              <a:buFont typeface="Wingdings" charset="2"/>
+              <a:buChar char=""/>
+            </a:pPr>
+            <a:endParaRPr b="0" lang="en-IN" sz="2000" spc="-1" strike="noStrike">
+              <a:latin typeface="Arial"/>
+            </a:endParaRPr>
+          </a:p>
+          <a:p>
+            <a:pPr>
+              <a:lnSpc>
+                <a:spcPct val="100000"/>
+              </a:lnSpc>
+              <a:spcAft>
+                <a:spcPts val="1414"/>
+              </a:spcAft>
+            </a:pPr>
+            <a:endParaRPr b="0" lang="en-IN" sz="2000" spc="-1" strike="noStrike">
+              <a:latin typeface="Arial"/>
+            </a:endParaRPr>
+          </a:p>
+        </p:txBody>
+      </p:sp>
+      <p:pic>
+        <p:nvPicPr>
+          <p:cNvPr id="154" name="" descr=""/>
+          <p:cNvPicPr/>
+          <p:nvPr/>
+        </p:nvPicPr>
+        <p:blipFill>
+          <a:blip r:embed="rId1"/>
+          <a:stretch/>
+        </p:blipFill>
+        <p:spPr>
+          <a:xfrm>
+            <a:off x="2881080" y="3916440"/>
+            <a:ext cx="4390920" cy="2914560"/>
+          </a:xfrm>
+          <a:prstGeom prst="rect">
+            <a:avLst/>
+          </a:prstGeom>
+          <a:ln>
+            <a:noFill/>
+          </a:ln>
+        </p:spPr>
+      </p:pic>
+    </p:spTree>
+  </p:cSld>
+  <p:transition spd="med">
+    <p:wipe dir="u"/>
+  </p:transition>
+  <p:timing>
+    <p:tnLst>
+      <p:par>
+        <p:cTn id="219" dur="indefinite" restart="never" nodeType="tmRoot">
+          <p:childTnLst>
+            <p:seq>
+              <p:cTn id="220" nodeType="mainSeq">
+                <p:childTnLst>
+                  <p:par>
+                    <p:cTn id="221" fill="freeze">
+                      <p:stCondLst>
+                        <p:cond delay="indefinite"/>
+                      </p:stCondLst>
+                      <p:childTnLst>
+                        <p:par>
+                          <p:cTn id="222" fill="freeze">
+                            <p:stCondLst>
+                              <p:cond delay="0"/>
+                            </p:stCondLst>
+                            <p:childTnLst>
+                              <p:par>
+                                <p:cTn id="223" nodeType="clickEffect" fill="hold" presetClass="entr" presetID="10">
+                                  <p:stCondLst>
+                                    <p:cond delay="0"/>
+                                  </p:stCondLst>
+                                  <p:childTnLst>
+                                    <p:set>
+                                      <p:cBhvr>
+                                        <p:cTn id="224" dur="0" fill="hold">
+                                          <p:stCondLst>
+                                            <p:cond delay="0"/>
+                                          </p:stCondLst>
+                                        </p:cTn>
+                                        <p:tgtEl>
+                                          <p:spTgt spid="152">
+                                            <p:txEl>
+                                              <p:pRg st="0" end="11"/>
+                                            </p:txEl>
+                                          </p:spTgt>
+                                        </p:tgtEl>
+                                        <p:attrNameLst>
+                                          <p:attrName>style.visibility</p:attrName>
+                                        </p:attrNameLst>
+                                      </p:cBhvr>
+                                      <p:to>
+                                        <p:strVal val="visible"/>
+                                      </p:to>
+                                    </p:set>
+                                    <p:animEffect filter="fade" transition="in">
+                                      <p:cBhvr additive="repl">
+                                        <p:cTn id="225" dur="1000"/>
+                                        <p:tgtEl>
+                                          <p:spTgt spid="152">
+                                            <p:txEl>
+                                              <p:pRg st="0" end="11"/>
+                                            </p:txEl>
+                                          </p:spTgt>
+                                        </p:tgtEl>
+                                      </p:cBhvr>
+                                    </p:animEffect>
+                                  </p:childTnLst>
+                                </p:cTn>
+                              </p:par>
+                            </p:childTnLst>
+                          </p:cTn>
+                        </p:par>
+                      </p:childTnLst>
+                    </p:cTn>
+                  </p:par>
+                  <p:par>
+                    <p:cTn id="226" fill="freeze">
+                      <p:stCondLst>
+                        <p:cond delay="indefinite"/>
+                      </p:stCondLst>
+                      <p:childTnLst>
+                        <p:par>
+                          <p:cTn id="227" fill="freeze">
+                            <p:stCondLst>
+                              <p:cond delay="0"/>
+                            </p:stCondLst>
+                            <p:childTnLst>
+                              <p:par>
+                                <p:cTn id="228" nodeType="clickEffect" fill="hold" presetClass="entr" presetID="5" presetSubtype="10">
+                                  <p:stCondLst>
+                                    <p:cond delay="0"/>
+                                  </p:stCondLst>
+                                  <p:childTnLst>
+                                    <p:set>
+                                      <p:cBhvr>
+                                        <p:cTn id="229" dur="2" fill="hold">
+                                          <p:stCondLst>
+                                            <p:cond delay="0"/>
+                                          </p:stCondLst>
+                                        </p:cTn>
+                                        <p:tgtEl>
+                                          <p:spTgt spid="153">
+                                            <p:txEl>
+                                              <p:pRg st="0" end="23"/>
+                                            </p:txEl>
+                                          </p:spTgt>
+                                        </p:tgtEl>
+                                        <p:attrNameLst>
+                                          <p:attrName>style.visibility</p:attrName>
+                                        </p:attrNameLst>
+                                      </p:cBhvr>
+                                      <p:to>
+                                        <p:strVal val="visible"/>
+                                      </p:to>
+                                    </p:set>
+                                    <p:animEffect filter="checkerboard(across)" transition="in">
+                                      <p:cBhvr additive="repl">
+                                        <p:cTn id="230" dur="1000"/>
+                                        <p:tgtEl>
+                                          <p:spTgt spid="153">
+                                            <p:txEl>
+                                              <p:pRg st="0" end="23"/>
+                                            </p:txEl>
+                                          </p:spTgt>
+                                        </p:tgtEl>
+                                      </p:cBhvr>
+                                    </p:animEffect>
+                                  </p:childTnLst>
+                                </p:cTn>
+                              </p:par>
+                            </p:childTnLst>
+                          </p:cTn>
+                        </p:par>
+                      </p:childTnLst>
+                    </p:cTn>
+                  </p:par>
+                  <p:par>
+                    <p:cTn id="231" fill="freeze">
+                      <p:stCondLst>
+                        <p:cond delay="indefinite"/>
+                      </p:stCondLst>
+                      <p:childTnLst>
+                        <p:par>
+                          <p:cTn id="232" fill="freeze">
+                            <p:stCondLst>
+                              <p:cond delay="0"/>
+                            </p:stCondLst>
+                            <p:childTnLst>
+                              <p:par>
+                                <p:cTn id="233" nodeType="clickEffect" fill="hold" presetClass="entr" presetID="4" presetSubtype="16">
+                                  <p:stCondLst>
+                                    <p:cond delay="0"/>
+                                  </p:stCondLst>
+                                  <p:childTnLst>
+                                    <p:set>
+                                      <p:cBhvr>
+                                        <p:cTn id="234" dur="2" fill="hold">
+                                          <p:stCondLst>
+                                            <p:cond delay="0"/>
+                                          </p:stCondLst>
+                                        </p:cTn>
+                                        <p:tgtEl>
+                                          <p:spTgt spid="153">
+                                            <p:txEl>
+                                              <p:pRg st="23" end="220"/>
+                                            </p:txEl>
+                                          </p:spTgt>
+                                        </p:tgtEl>
+                                        <p:attrNameLst>
+                                          <p:attrName>style.visibility</p:attrName>
+                                        </p:attrNameLst>
+                                      </p:cBhvr>
+                                      <p:to>
+                                        <p:strVal val="visible"/>
+                                      </p:to>
+                                    </p:set>
+                                    <p:animEffect filter="box(in)" transition="out">
+                                      <p:cBhvr additive="repl">
+                                        <p:cTn id="235" dur="1000"/>
+                                        <p:tgtEl>
+                                          <p:spTgt spid="153">
+                                            <p:txEl>
+                                              <p:pRg st="23" end="220"/>
+                                            </p:txEl>
+                                          </p:spTgt>
+                                        </p:tgtEl>
+                                      </p:cBhvr>
+                                    </p:animEffect>
+                                  </p:childTnLst>
+                                </p:cTn>
+                              </p:par>
+                            </p:childTnLst>
+                          </p:cTn>
+                        </p:par>
+                      </p:childTnLst>
+                    </p:cTn>
+                  </p:par>
+                  <p:par>
+                    <p:cTn id="236" fill="freeze">
+                      <p:stCondLst>
+                        <p:cond delay="indefinite"/>
+                      </p:stCondLst>
+                      <p:childTnLst>
+                        <p:par>
+                          <p:cTn id="237" fill="freeze">
+                            <p:stCondLst>
+                              <p:cond delay="0"/>
+                            </p:stCondLst>
+                            <p:childTnLst>
+                              <p:par>
+                                <p:cTn id="238" nodeType="clickEffect" fill="hold" presetClass="entr" presetID="3" presetSubtype="10">
+                                  <p:stCondLst>
+                                    <p:cond delay="0"/>
+                                  </p:stCondLst>
+                                  <p:childTnLst>
+                                    <p:set>
+                                      <p:cBhvr>
+                                        <p:cTn id="239" dur="1" fill="hold">
+                                          <p:stCondLst>
+                                            <p:cond delay="0"/>
+                                          </p:stCondLst>
+                                        </p:cTn>
+                                        <p:tgtEl>
+                                          <p:spTgt spid="154"/>
+                                        </p:tgtEl>
+                                        <p:attrNameLst>
+                                          <p:attrName>style.visibility</p:attrName>
+                                        </p:attrNameLst>
+                                      </p:cBhvr>
+                                      <p:to>
+                                        <p:strVal val="visible"/>
+                                      </p:to>
+                                    </p:set>
+                                    <p:animEffect filter="blinds(horizontal)" transition="in">
+                                      <p:cBhvr additive="repl">
+                                        <p:cTn id="240" dur="500"/>
+                                        <p:tgtEl>
+                                          <p:spTgt spid="154"/>
+                                        </p:tgtEl>
+                                      </p:cBhvr>
+                                    </p:animEffect>
+                                  </p:childTnLst>
+                                </p:cTn>
+                              </p:par>
+                            </p:childTnLst>
+                          </p:cTn>
+                        </p:par>
+                      </p:childTnLst>
+                    </p:cTn>
+                  </p:par>
+                </p:childTnLst>
+              </p:cTn>
               <p:prevCondLst>
                 <p:cond delay="0" evt="onPrev">
                   <p:tgtEl>
@@ -8299,4 +12863,227 @@
     </a:fmtScheme>
   </a:themeElements>
 </a:theme>
+</file>
+
+<file path=ppt/theme/theme4.xml><?xml version="1.0" encoding="utf-8"?>
+<a:theme xmlns:a="http://schemas.openxmlformats.org/drawingml/2006/main" name="Office Theme">
+  <a:themeElements>
+    <a:clrScheme name="Office">
+      <a:dk1>
+        <a:sysClr val="windowText" lastClr="000000"/>
+      </a:dk1>
+      <a:lt1>
+        <a:sysClr val="window" lastClr="FFFFFF"/>
+      </a:lt1>
+      <a:dk2>
+        <a:srgbClr val="000000"/>
+      </a:dk2>
+      <a:lt2>
+        <a:srgbClr val="000000"/>
+      </a:lt2>
+      <a:accent1>
+        <a:srgbClr val="000000"/>
+      </a:accent1>
+      <a:accent2>
+        <a:srgbClr val="000000"/>
+      </a:accent2>
+      <a:accent3>
+        <a:srgbClr val="000000"/>
+      </a:accent3>
+      <a:accent4>
+        <a:srgbClr val="000000"/>
+      </a:accent4>
+      <a:accent5>
+        <a:srgbClr val="000000"/>
+      </a:accent5>
+      <a:accent6>
+        <a:srgbClr val="000000"/>
+      </a:accent6>
+      <a:hlink>
+        <a:srgbClr val="000000"/>
+      </a:hlink>
+      <a:folHlink>
+        <a:srgbClr val="000000"/>
+      </a:folHlink>
+    </a:clrScheme>
+    <a:fontScheme name="Office">
+      <a:majorFont>
+        <a:latin typeface="Arial"/>
+        <a:ea typeface="DejaVu Sans"/>
+        <a:cs typeface="DejaVu Sans"/>
+      </a:majorFont>
+      <a:minorFont>
+        <a:latin typeface="Arial"/>
+        <a:ea typeface="DejaVu Sans"/>
+        <a:cs typeface="DejaVu Sans"/>
+      </a:minorFont>
+    </a:fontScheme>
+    <a:fmtScheme name="Office">
+      <a:fillStyleLst>
+        <a:solidFill>
+          <a:schemeClr val="phClr"/>
+        </a:solidFill>
+        <a:gradFill rotWithShape="1">
+          <a:gsLst>
+            <a:gs pos="0">
+              <a:schemeClr val="phClr">
+                <a:tint val="50000"/>
+                <a:satMod val="300000"/>
+              </a:schemeClr>
+            </a:gs>
+            <a:gs pos="35000">
+              <a:schemeClr val="phClr">
+                <a:tint val="37000"/>
+                <a:satMod val="300000"/>
+              </a:schemeClr>
+            </a:gs>
+            <a:gs pos="100000">
+              <a:schemeClr val="phClr">
+                <a:tint val="15000"/>
+                <a:satMod val="350000"/>
+              </a:schemeClr>
+            </a:gs>
+          </a:gsLst>
+          <a:lin ang="16200000" scaled="1"/>
+        </a:gradFill>
+        <a:gradFill rotWithShape="1">
+          <a:gsLst>
+            <a:gs pos="0">
+              <a:schemeClr val="phClr">
+                <a:shade val="51000"/>
+                <a:satMod val="130000"/>
+              </a:schemeClr>
+            </a:gs>
+            <a:gs pos="80000">
+              <a:schemeClr val="phClr">
+                <a:shade val="93000"/>
+                <a:satMod val="130000"/>
+              </a:schemeClr>
+            </a:gs>
+            <a:gs pos="100000">
+              <a:schemeClr val="phClr">
+                <a:shade val="94000"/>
+                <a:satMod val="135000"/>
+              </a:schemeClr>
+            </a:gs>
+          </a:gsLst>
+          <a:lin ang="16200000" scaled="0"/>
+        </a:gradFill>
+      </a:fillStyleLst>
+      <a:lnStyleLst>
+        <a:ln w="9525" cap="flat" cmpd="sng" algn="ctr">
+          <a:solidFill>
+            <a:schemeClr val="phClr">
+              <a:shade val="95000"/>
+              <a:satMod val="105000"/>
+            </a:schemeClr>
+          </a:solidFill>
+          <a:prstDash val="solid"/>
+        </a:ln>
+        <a:ln w="25400" cap="flat" cmpd="sng" algn="ctr">
+          <a:solidFill>
+            <a:schemeClr val="phClr"/>
+          </a:solidFill>
+          <a:prstDash val="solid"/>
+        </a:ln>
+        <a:ln w="38100" cap="flat" cmpd="sng" algn="ctr">
+          <a:solidFill>
+            <a:schemeClr val="phClr"/>
+          </a:solidFill>
+          <a:prstDash val="solid"/>
+        </a:ln>
+      </a:lnStyleLst>
+      <a:effectStyleLst>
+        <a:effectStyle>
+          <a:effectLst>
+            <a:outerShdw blurRad="40000" dist="20000" dir="5400000" rotWithShape="0">
+              <a:srgbClr val="000000">
+                <a:alpha val="38000"/>
+              </a:srgbClr>
+            </a:outerShdw>
+          </a:effectLst>
+        </a:effectStyle>
+        <a:effectStyle>
+          <a:effectLst>
+            <a:outerShdw blurRad="40000" dist="23000" dir="5400000" rotWithShape="0">
+              <a:srgbClr val="000000">
+                <a:alpha val="35000"/>
+              </a:srgbClr>
+            </a:outerShdw>
+          </a:effectLst>
+        </a:effectStyle>
+        <a:effectStyle>
+          <a:effectLst>
+            <a:outerShdw blurRad="40000" dist="23000" dir="5400000" rotWithShape="0">
+              <a:srgbClr val="000000">
+                <a:alpha val="35000"/>
+              </a:srgbClr>
+            </a:outerShdw>
+          </a:effectLst>
+          <a:scene3d>
+            <a:camera prst="orthographicFront">
+              <a:rot lat="0" lon="0" rev="0"/>
+            </a:camera>
+            <a:lightRig rig="threePt" dir="t">
+              <a:rot lat="0" lon="0" rev="1200000"/>
+            </a:lightRig>
+          </a:scene3d>
+          <a:sp3d>
+            <a:bevelT w="63500" h="25400"/>
+          </a:sp3d>
+        </a:effectStyle>
+      </a:effectStyleLst>
+      <a:bgFillStyleLst>
+        <a:solidFill>
+          <a:schemeClr val="phClr"/>
+        </a:solidFill>
+        <a:gradFill rotWithShape="1">
+          <a:gsLst>
+            <a:gs pos="0">
+              <a:schemeClr val="phClr">
+                <a:tint val="40000"/>
+                <a:satMod val="350000"/>
+              </a:schemeClr>
+            </a:gs>
+            <a:gs pos="40000">
+              <a:schemeClr val="phClr">
+                <a:tint val="45000"/>
+                <a:shade val="99000"/>
+                <a:satMod val="350000"/>
+              </a:schemeClr>
+            </a:gs>
+            <a:gs pos="100000">
+              <a:schemeClr val="phClr">
+                <a:shade val="20000"/>
+                <a:satMod val="255000"/>
+              </a:schemeClr>
+            </a:gs>
+          </a:gsLst>
+          <a:path path="circle">
+            <a:fillToRect l="50000" t="-80000" r="50000" b="180000"/>
+          </a:path>
+        </a:gradFill>
+        <a:gradFill rotWithShape="1">
+          <a:gsLst>
+            <a:gs pos="0">
+              <a:schemeClr val="phClr">
+                <a:tint val="80000"/>
+                <a:satMod val="300000"/>
+              </a:schemeClr>
+            </a:gs>
+            <a:gs pos="100000">
+              <a:schemeClr val="phClr">
+                <a:shade val="30000"/>
+                <a:satMod val="200000"/>
+              </a:schemeClr>
+            </a:gs>
+          </a:gsLst>
+          <a:path path="circle">
+            <a:fillToRect l="50000" t="50000" r="50000" b="50000"/>
+          </a:path>
+        </a:gradFill>
+      </a:bgFillStyleLst>
+    </a:fmtScheme>
+  </a:themeElements>
+</a:theme>
 </file>